--- a/presentation/HDA 2018.pptx
+++ b/presentation/HDA 2018.pptx
@@ -6,27 +6,17 @@
     <p:sldMasterId id="2147483688" r:id="rId2"/>
   </p:sldMasterIdLst>
   <p:notesMasterIdLst>
-    <p:notesMasterId r:id="rId21"/>
+    <p:notesMasterId r:id="rId11"/>
   </p:notesMasterIdLst>
   <p:sldIdLst>
     <p:sldId id="285" r:id="rId3"/>
     <p:sldId id="330" r:id="rId4"/>
-    <p:sldId id="386" r:id="rId5"/>
-    <p:sldId id="387" r:id="rId6"/>
-    <p:sldId id="324" r:id="rId7"/>
-    <p:sldId id="389" r:id="rId8"/>
-    <p:sldId id="390" r:id="rId9"/>
-    <p:sldId id="391" r:id="rId10"/>
-    <p:sldId id="392" r:id="rId11"/>
-    <p:sldId id="393" r:id="rId12"/>
-    <p:sldId id="394" r:id="rId13"/>
-    <p:sldId id="395" r:id="rId14"/>
-    <p:sldId id="396" r:id="rId15"/>
-    <p:sldId id="397" r:id="rId16"/>
-    <p:sldId id="398" r:id="rId17"/>
-    <p:sldId id="399" r:id="rId18"/>
-    <p:sldId id="383" r:id="rId19"/>
-    <p:sldId id="400" r:id="rId20"/>
+    <p:sldId id="402" r:id="rId5"/>
+    <p:sldId id="403" r:id="rId6"/>
+    <p:sldId id="404" r:id="rId7"/>
+    <p:sldId id="405" r:id="rId8"/>
+    <p:sldId id="383" r:id="rId9"/>
+    <p:sldId id="401" r:id="rId10"/>
   </p:sldIdLst>
   <p:sldSz cx="9144000" cy="6858000" type="screen4x3"/>
   <p:notesSz cx="6858000" cy="9144000"/>
@@ -152,6 +142,13 @@
   <p:cmAuthor id="1" name="Chiara Pielli" initials="CP" lastIdx="1" clrIdx="0">
     <p:extLst/>
   </p:cmAuthor>
+  <p:cmAuthor id="2" name="drago m. (md6n17)" initials="dm(" lastIdx="1" clrIdx="1">
+    <p:extLst>
+      <p:ext uri="{19B8F6BF-5375-455C-9EA6-DF929625EA0E}">
+        <p15:presenceInfo xmlns:p15="http://schemas.microsoft.com/office/powerpoint/2012/main" userId="drago m. (md6n17)" providerId="None"/>
+      </p:ext>
+    </p:extLst>
+  </p:cmAuthor>
 </p:cmAuthorLst>
 </file>
 
@@ -632,10 +629,7 @@
           <a:bodyPr/>
           <a:lstStyle/>
           <a:p>
-            <a:r>
-              <a:rPr lang="it-IT" dirty="0"/>
-              <a:t>Non serve andare troppo nei dettagli</a:t>
-            </a:r>
+            <a:endParaRPr lang="it-IT"/>
           </a:p>
         </p:txBody>
       </p:sp>
@@ -656,7 +650,7 @@
           <a:p>
             <a:fld id="{043C84D1-19FD-4492-8382-9D79A275F182}" type="slidenum">
               <a:rPr lang="it-IT" smtClean="0"/>
-              <a:t>10</a:t>
+              <a:t>8</a:t>
             </a:fld>
             <a:endParaRPr lang="it-IT"/>
           </a:p>
@@ -665,450 +659,7 @@
     </p:spTree>
     <p:extLst>
       <p:ext uri="{BB962C8B-B14F-4D97-AF65-F5344CB8AC3E}">
-        <p14:creationId xmlns:p14="http://schemas.microsoft.com/office/powerpoint/2010/main" val="3048296098"/>
-      </p:ext>
-    </p:extLst>
-  </p:cSld>
-  <p:clrMapOvr>
-    <a:masterClrMapping/>
-  </p:clrMapOvr>
-</p:notes>
-</file>
-
-<file path=ppt/notesSlides/notesSlide3.xml><?xml version="1.0" encoding="utf-8"?>
-<p:notes xmlns:a="http://schemas.openxmlformats.org/drawingml/2006/main" xmlns:r="http://schemas.openxmlformats.org/officeDocument/2006/relationships" xmlns:p="http://schemas.openxmlformats.org/presentationml/2006/main">
-  <p:cSld>
-    <p:spTree>
-      <p:nvGrpSpPr>
-        <p:cNvPr id="1" name=""/>
-        <p:cNvGrpSpPr/>
-        <p:nvPr/>
-      </p:nvGrpSpPr>
-      <p:grpSpPr>
-        <a:xfrm>
-          <a:off x="0" y="0"/>
-          <a:ext cx="0" cy="0"/>
-          <a:chOff x="0" y="0"/>
-          <a:chExt cx="0" cy="0"/>
-        </a:xfrm>
-      </p:grpSpPr>
-      <p:sp>
-        <p:nvSpPr>
-          <p:cNvPr id="2" name="Segnaposto immagine diapositiva 1"/>
-          <p:cNvSpPr>
-            <a:spLocks noGrp="1" noRot="1" noChangeAspect="1"/>
-          </p:cNvSpPr>
-          <p:nvPr>
-            <p:ph type="sldImg"/>
-          </p:nvPr>
-        </p:nvSpPr>
-        <p:spPr/>
-      </p:sp>
-      <p:sp>
-        <p:nvSpPr>
-          <p:cNvPr id="3" name="Segnaposto note 2"/>
-          <p:cNvSpPr>
-            <a:spLocks noGrp="1"/>
-          </p:cNvSpPr>
-          <p:nvPr>
-            <p:ph type="body" idx="1"/>
-          </p:nvPr>
-        </p:nvSpPr>
-        <p:spPr/>
-        <p:txBody>
-          <a:bodyPr/>
-          <a:lstStyle/>
-          <a:p>
-            <a:endParaRPr lang="en-US" dirty="0"/>
-          </a:p>
-        </p:txBody>
-      </p:sp>
-      <p:sp>
-        <p:nvSpPr>
-          <p:cNvPr id="4" name="Segnaposto numero diapositiva 3"/>
-          <p:cNvSpPr>
-            <a:spLocks noGrp="1"/>
-          </p:cNvSpPr>
-          <p:nvPr>
-            <p:ph type="sldNum" sz="quarter" idx="10"/>
-          </p:nvPr>
-        </p:nvSpPr>
-        <p:spPr/>
-        <p:txBody>
-          <a:bodyPr/>
-          <a:lstStyle/>
-          <a:p>
-            <a:fld id="{043C84D1-19FD-4492-8382-9D79A275F182}" type="slidenum">
-              <a:rPr lang="it-IT" smtClean="0"/>
-              <a:t>12</a:t>
-            </a:fld>
-            <a:endParaRPr lang="it-IT"/>
-          </a:p>
-        </p:txBody>
-      </p:sp>
-    </p:spTree>
-    <p:extLst>
-      <p:ext uri="{BB962C8B-B14F-4D97-AF65-F5344CB8AC3E}">
-        <p14:creationId xmlns:p14="http://schemas.microsoft.com/office/powerpoint/2010/main" val="317562804"/>
-      </p:ext>
-    </p:extLst>
-  </p:cSld>
-  <p:clrMapOvr>
-    <a:masterClrMapping/>
-  </p:clrMapOvr>
-</p:notes>
-</file>
-
-<file path=ppt/notesSlides/notesSlide4.xml><?xml version="1.0" encoding="utf-8"?>
-<p:notes xmlns:a="http://schemas.openxmlformats.org/drawingml/2006/main" xmlns:r="http://schemas.openxmlformats.org/officeDocument/2006/relationships" xmlns:p="http://schemas.openxmlformats.org/presentationml/2006/main">
-  <p:cSld>
-    <p:spTree>
-      <p:nvGrpSpPr>
-        <p:cNvPr id="1" name=""/>
-        <p:cNvGrpSpPr/>
-        <p:nvPr/>
-      </p:nvGrpSpPr>
-      <p:grpSpPr>
-        <a:xfrm>
-          <a:off x="0" y="0"/>
-          <a:ext cx="0" cy="0"/>
-          <a:chOff x="0" y="0"/>
-          <a:chExt cx="0" cy="0"/>
-        </a:xfrm>
-      </p:grpSpPr>
-      <p:sp>
-        <p:nvSpPr>
-          <p:cNvPr id="2" name="Segnaposto immagine diapositiva 1"/>
-          <p:cNvSpPr>
-            <a:spLocks noGrp="1" noRot="1" noChangeAspect="1"/>
-          </p:cNvSpPr>
-          <p:nvPr>
-            <p:ph type="sldImg"/>
-          </p:nvPr>
-        </p:nvSpPr>
-        <p:spPr/>
-      </p:sp>
-      <p:sp>
-        <p:nvSpPr>
-          <p:cNvPr id="3" name="Segnaposto note 2"/>
-          <p:cNvSpPr>
-            <a:spLocks noGrp="1"/>
-          </p:cNvSpPr>
-          <p:nvPr>
-            <p:ph type="body" idx="1"/>
-          </p:nvPr>
-        </p:nvSpPr>
-        <p:spPr/>
-        <p:txBody>
-          <a:bodyPr/>
-          <a:lstStyle/>
-          <a:p>
-            <a:r>
-              <a:rPr lang="it-IT" dirty="0"/>
-              <a:t>Non</a:t>
-            </a:r>
-            <a:r>
-              <a:rPr lang="it-IT" baseline="0" dirty="0"/>
-              <a:t> entrare troppo nei «dettagli di codice» ma fare ad esempio un’immagine/diagramma a blocchi per rappresentare i diversi </a:t>
-            </a:r>
-            <a:r>
-              <a:rPr lang="it-IT" baseline="0" dirty="0" err="1"/>
-              <a:t>step</a:t>
-            </a:r>
-            <a:r>
-              <a:rPr lang="it-IT" baseline="0" dirty="0"/>
-              <a:t> eseguiti</a:t>
-            </a:r>
-          </a:p>
-        </p:txBody>
-      </p:sp>
-      <p:sp>
-        <p:nvSpPr>
-          <p:cNvPr id="4" name="Segnaposto numero diapositiva 3"/>
-          <p:cNvSpPr>
-            <a:spLocks noGrp="1"/>
-          </p:cNvSpPr>
-          <p:nvPr>
-            <p:ph type="sldNum" sz="quarter" idx="10"/>
-          </p:nvPr>
-        </p:nvSpPr>
-        <p:spPr/>
-        <p:txBody>
-          <a:bodyPr/>
-          <a:lstStyle/>
-          <a:p>
-            <a:fld id="{043C84D1-19FD-4492-8382-9D79A275F182}" type="slidenum">
-              <a:rPr lang="it-IT" smtClean="0"/>
-              <a:t>13</a:t>
-            </a:fld>
-            <a:endParaRPr lang="it-IT"/>
-          </a:p>
-        </p:txBody>
-      </p:sp>
-    </p:spTree>
-    <p:extLst>
-      <p:ext uri="{BB962C8B-B14F-4D97-AF65-F5344CB8AC3E}">
-        <p14:creationId xmlns:p14="http://schemas.microsoft.com/office/powerpoint/2010/main" val="2692465451"/>
-      </p:ext>
-    </p:extLst>
-  </p:cSld>
-  <p:clrMapOvr>
-    <a:masterClrMapping/>
-  </p:clrMapOvr>
-</p:notes>
-</file>
-
-<file path=ppt/notesSlides/notesSlide5.xml><?xml version="1.0" encoding="utf-8"?>
-<p:notes xmlns:a="http://schemas.openxmlformats.org/drawingml/2006/main" xmlns:r="http://schemas.openxmlformats.org/officeDocument/2006/relationships" xmlns:p="http://schemas.openxmlformats.org/presentationml/2006/main">
-  <p:cSld>
-    <p:spTree>
-      <p:nvGrpSpPr>
-        <p:cNvPr id="1" name=""/>
-        <p:cNvGrpSpPr/>
-        <p:nvPr/>
-      </p:nvGrpSpPr>
-      <p:grpSpPr>
-        <a:xfrm>
-          <a:off x="0" y="0"/>
-          <a:ext cx="0" cy="0"/>
-          <a:chOff x="0" y="0"/>
-          <a:chExt cx="0" cy="0"/>
-        </a:xfrm>
-      </p:grpSpPr>
-      <p:sp>
-        <p:nvSpPr>
-          <p:cNvPr id="2" name="Segnaposto immagine diapositiva 1"/>
-          <p:cNvSpPr>
-            <a:spLocks noGrp="1" noRot="1" noChangeAspect="1"/>
-          </p:cNvSpPr>
-          <p:nvPr>
-            <p:ph type="sldImg"/>
-          </p:nvPr>
-        </p:nvSpPr>
-        <p:spPr/>
-      </p:sp>
-      <p:sp>
-        <p:nvSpPr>
-          <p:cNvPr id="3" name="Segnaposto note 2"/>
-          <p:cNvSpPr>
-            <a:spLocks noGrp="1"/>
-          </p:cNvSpPr>
-          <p:nvPr>
-            <p:ph type="body" idx="1"/>
-          </p:nvPr>
-        </p:nvSpPr>
-        <p:spPr/>
-        <p:txBody>
-          <a:bodyPr/>
-          <a:lstStyle/>
-          <a:p>
-            <a:r>
-              <a:rPr lang="it-IT" dirty="0"/>
-              <a:t>Latenza elevata dovuta alla</a:t>
-            </a:r>
-            <a:r>
-              <a:rPr lang="it-IT" baseline="0" dirty="0"/>
-              <a:t> richiesta di un numero più alto di pacchetti codificati</a:t>
-            </a:r>
-            <a:endParaRPr lang="it-IT" dirty="0"/>
-          </a:p>
-        </p:txBody>
-      </p:sp>
-      <p:sp>
-        <p:nvSpPr>
-          <p:cNvPr id="4" name="Segnaposto numero diapositiva 3"/>
-          <p:cNvSpPr>
-            <a:spLocks noGrp="1"/>
-          </p:cNvSpPr>
-          <p:nvPr>
-            <p:ph type="sldNum" sz="quarter" idx="10"/>
-          </p:nvPr>
-        </p:nvSpPr>
-        <p:spPr/>
-        <p:txBody>
-          <a:bodyPr/>
-          <a:lstStyle/>
-          <a:p>
-            <a:fld id="{043C84D1-19FD-4492-8382-9D79A275F182}" type="slidenum">
-              <a:rPr lang="it-IT" smtClean="0"/>
-              <a:t>15</a:t>
-            </a:fld>
-            <a:endParaRPr lang="it-IT"/>
-          </a:p>
-        </p:txBody>
-      </p:sp>
-    </p:spTree>
-    <p:extLst>
-      <p:ext uri="{BB962C8B-B14F-4D97-AF65-F5344CB8AC3E}">
-        <p14:creationId xmlns:p14="http://schemas.microsoft.com/office/powerpoint/2010/main" val="4214736725"/>
-      </p:ext>
-    </p:extLst>
-  </p:cSld>
-  <p:clrMapOvr>
-    <a:masterClrMapping/>
-  </p:clrMapOvr>
-</p:notes>
-</file>
-
-<file path=ppt/notesSlides/notesSlide6.xml><?xml version="1.0" encoding="utf-8"?>
-<p:notes xmlns:a="http://schemas.openxmlformats.org/drawingml/2006/main" xmlns:r="http://schemas.openxmlformats.org/officeDocument/2006/relationships" xmlns:p="http://schemas.openxmlformats.org/presentationml/2006/main">
-  <p:cSld>
-    <p:spTree>
-      <p:nvGrpSpPr>
-        <p:cNvPr id="1" name=""/>
-        <p:cNvGrpSpPr/>
-        <p:nvPr/>
-      </p:nvGrpSpPr>
-      <p:grpSpPr>
-        <a:xfrm>
-          <a:off x="0" y="0"/>
-          <a:ext cx="0" cy="0"/>
-          <a:chOff x="0" y="0"/>
-          <a:chExt cx="0" cy="0"/>
-        </a:xfrm>
-      </p:grpSpPr>
-      <p:sp>
-        <p:nvSpPr>
-          <p:cNvPr id="2" name="Segnaposto immagine diapositiva 1"/>
-          <p:cNvSpPr>
-            <a:spLocks noGrp="1" noRot="1" noChangeAspect="1"/>
-          </p:cNvSpPr>
-          <p:nvPr>
-            <p:ph type="sldImg"/>
-          </p:nvPr>
-        </p:nvSpPr>
-        <p:spPr/>
-      </p:sp>
-      <p:sp>
-        <p:nvSpPr>
-          <p:cNvPr id="3" name="Segnaposto note 2"/>
-          <p:cNvSpPr>
-            <a:spLocks noGrp="1"/>
-          </p:cNvSpPr>
-          <p:nvPr>
-            <p:ph type="body" idx="1"/>
-          </p:nvPr>
-        </p:nvSpPr>
-        <p:spPr/>
-        <p:txBody>
-          <a:bodyPr/>
-          <a:lstStyle/>
-          <a:p>
-            <a:endParaRPr lang="en-US" dirty="0"/>
-          </a:p>
-        </p:txBody>
-      </p:sp>
-      <p:sp>
-        <p:nvSpPr>
-          <p:cNvPr id="4" name="Segnaposto numero diapositiva 3"/>
-          <p:cNvSpPr>
-            <a:spLocks noGrp="1"/>
-          </p:cNvSpPr>
-          <p:nvPr>
-            <p:ph type="sldNum" sz="quarter" idx="10"/>
-          </p:nvPr>
-        </p:nvSpPr>
-        <p:spPr/>
-        <p:txBody>
-          <a:bodyPr/>
-          <a:lstStyle/>
-          <a:p>
-            <a:fld id="{043C84D1-19FD-4492-8382-9D79A275F182}" type="slidenum">
-              <a:rPr lang="it-IT" smtClean="0"/>
-              <a:t>16</a:t>
-            </a:fld>
-            <a:endParaRPr lang="it-IT"/>
-          </a:p>
-        </p:txBody>
-      </p:sp>
-    </p:spTree>
-    <p:extLst>
-      <p:ext uri="{BB962C8B-B14F-4D97-AF65-F5344CB8AC3E}">
-        <p14:creationId xmlns:p14="http://schemas.microsoft.com/office/powerpoint/2010/main" val="1681591686"/>
-      </p:ext>
-    </p:extLst>
-  </p:cSld>
-  <p:clrMapOvr>
-    <a:masterClrMapping/>
-  </p:clrMapOvr>
-</p:notes>
-</file>
-
-<file path=ppt/notesSlides/notesSlide7.xml><?xml version="1.0" encoding="utf-8"?>
-<p:notes xmlns:a="http://schemas.openxmlformats.org/drawingml/2006/main" xmlns:r="http://schemas.openxmlformats.org/officeDocument/2006/relationships" xmlns:p="http://schemas.openxmlformats.org/presentationml/2006/main">
-  <p:cSld>
-    <p:spTree>
-      <p:nvGrpSpPr>
-        <p:cNvPr id="1" name=""/>
-        <p:cNvGrpSpPr/>
-        <p:nvPr/>
-      </p:nvGrpSpPr>
-      <p:grpSpPr>
-        <a:xfrm>
-          <a:off x="0" y="0"/>
-          <a:ext cx="0" cy="0"/>
-          <a:chOff x="0" y="0"/>
-          <a:chExt cx="0" cy="0"/>
-        </a:xfrm>
-      </p:grpSpPr>
-      <p:sp>
-        <p:nvSpPr>
-          <p:cNvPr id="2" name="Segnaposto immagine diapositiva 1"/>
-          <p:cNvSpPr>
-            <a:spLocks noGrp="1" noRot="1" noChangeAspect="1"/>
-          </p:cNvSpPr>
-          <p:nvPr>
-            <p:ph type="sldImg"/>
-          </p:nvPr>
-        </p:nvSpPr>
-        <p:spPr/>
-      </p:sp>
-      <p:sp>
-        <p:nvSpPr>
-          <p:cNvPr id="3" name="Segnaposto note 2"/>
-          <p:cNvSpPr>
-            <a:spLocks noGrp="1"/>
-          </p:cNvSpPr>
-          <p:nvPr>
-            <p:ph type="body" idx="1"/>
-          </p:nvPr>
-        </p:nvSpPr>
-        <p:spPr/>
-        <p:txBody>
-          <a:bodyPr/>
-          <a:lstStyle/>
-          <a:p>
-            <a:endParaRPr lang="it-IT"/>
-          </a:p>
-        </p:txBody>
-      </p:sp>
-      <p:sp>
-        <p:nvSpPr>
-          <p:cNvPr id="4" name="Segnaposto numero diapositiva 3"/>
-          <p:cNvSpPr>
-            <a:spLocks noGrp="1"/>
-          </p:cNvSpPr>
-          <p:nvPr>
-            <p:ph type="sldNum" sz="quarter" idx="10"/>
-          </p:nvPr>
-        </p:nvSpPr>
-        <p:spPr/>
-        <p:txBody>
-          <a:bodyPr/>
-          <a:lstStyle/>
-          <a:p>
-            <a:fld id="{043C84D1-19FD-4492-8382-9D79A275F182}" type="slidenum">
-              <a:rPr lang="it-IT" smtClean="0"/>
-              <a:t>18</a:t>
-            </a:fld>
-            <a:endParaRPr lang="it-IT"/>
-          </a:p>
-        </p:txBody>
-      </p:sp>
-    </p:spTree>
-    <p:extLst>
-      <p:ext uri="{BB962C8B-B14F-4D97-AF65-F5344CB8AC3E}">
-        <p14:creationId xmlns:p14="http://schemas.microsoft.com/office/powerpoint/2010/main" val="1699691472"/>
+        <p14:creationId xmlns:p14="http://schemas.microsoft.com/office/powerpoint/2010/main" val="2977223332"/>
       </p:ext>
     </p:extLst>
   </p:cSld>
@@ -7308,4099 +6859,6 @@
 </p:sld>
 </file>
 
-<file path=ppt/slides/slide10.xml><?xml version="1.0" encoding="utf-8"?>
-<p:sld xmlns:a="http://schemas.openxmlformats.org/drawingml/2006/main" xmlns:r="http://schemas.openxmlformats.org/officeDocument/2006/relationships" xmlns:p="http://schemas.openxmlformats.org/presentationml/2006/main">
-  <p:cSld>
-    <p:spTree>
-      <p:nvGrpSpPr>
-        <p:cNvPr id="1" name=""/>
-        <p:cNvGrpSpPr/>
-        <p:nvPr/>
-      </p:nvGrpSpPr>
-      <p:grpSpPr>
-        <a:xfrm>
-          <a:off x="0" y="0"/>
-          <a:ext cx="0" cy="0"/>
-          <a:chOff x="0" y="0"/>
-          <a:chExt cx="0" cy="0"/>
-        </a:xfrm>
-      </p:grpSpPr>
-      <p:sp>
-        <p:nvSpPr>
-          <p:cNvPr id="10" name="Titolo 9"/>
-          <p:cNvSpPr>
-            <a:spLocks noGrp="1"/>
-          </p:cNvSpPr>
-          <p:nvPr>
-            <p:ph type="title"/>
-          </p:nvPr>
-        </p:nvSpPr>
-        <p:spPr/>
-        <p:txBody>
-          <a:bodyPr>
-            <a:normAutofit/>
-          </a:bodyPr>
-          <a:lstStyle/>
-          <a:p>
-            <a:r>
-              <a:rPr lang="en-US" sz="3600" b="1" dirty="0"/>
-              <a:t>Network coding</a:t>
-            </a:r>
-          </a:p>
-        </p:txBody>
-      </p:sp>
-      <mc:AlternateContent xmlns:mc="http://schemas.openxmlformats.org/markup-compatibility/2006" xmlns:a14="http://schemas.microsoft.com/office/drawing/2010/main">
-        <mc:Choice Requires="a14">
-          <p:sp>
-            <p:nvSpPr>
-              <p:cNvPr id="11" name="Segnaposto contenuto 10"/>
-              <p:cNvSpPr>
-                <a:spLocks noGrp="1"/>
-              </p:cNvSpPr>
-              <p:nvPr>
-                <p:ph idx="1"/>
-              </p:nvPr>
-            </p:nvSpPr>
-            <p:spPr>
-              <a:xfrm>
-                <a:off x="937987" y="1690687"/>
-                <a:ext cx="7977414" cy="4968530"/>
-              </a:xfrm>
-            </p:spPr>
-            <p:txBody>
-              <a:bodyPr>
-                <a:normAutofit/>
-              </a:bodyPr>
-              <a:lstStyle/>
-              <a:p>
-                <a:pPr>
-                  <a:spcAft>
-                    <a:spcPts val="600"/>
-                  </a:spcAft>
-                  <a:buFont typeface="Wingdings" charset="2"/>
-                  <a:buChar char="§"/>
-                </a:pPr>
-                <a:r>
-                  <a:rPr lang="en-US" dirty="0">
-                    <a:latin typeface="+mj-lt"/>
-                    <a:ea typeface="Fira Sans Light" charset="0"/>
-                    <a:cs typeface="Fira Sans Light" charset="0"/>
-                  </a:rPr>
-                  <a:t>Combine packets with algebraic operations to increase resilience</a:t>
-                </a:r>
-              </a:p>
-              <a:p>
-                <a:pPr>
-                  <a:spcAft>
-                    <a:spcPts val="600"/>
-                  </a:spcAft>
-                  <a:buFont typeface="Wingdings" charset="2"/>
-                  <a:buChar char="§"/>
-                </a:pPr>
-                <a:r>
-                  <a:rPr lang="en-US" dirty="0">
-                    <a:latin typeface="+mj-lt"/>
-                    <a:ea typeface="Fira Sans Light" charset="0"/>
-                    <a:cs typeface="Fira Sans Light" charset="0"/>
-                  </a:rPr>
-                  <a:t>Random Linear Network Coding with </a:t>
-                </a:r>
-                <a:r>
-                  <a:rPr lang="en-US" dirty="0" err="1">
-                    <a:latin typeface="+mj-lt"/>
-                    <a:ea typeface="Fira Sans Light" charset="0"/>
-                    <a:cs typeface="Fira Sans Light" charset="0"/>
-                  </a:rPr>
-                  <a:t>Kodo</a:t>
-                </a:r>
-                <a:r>
-                  <a:rPr lang="en-US" dirty="0">
-                    <a:latin typeface="+mj-lt"/>
-                    <a:ea typeface="Fira Sans Light" charset="0"/>
-                    <a:cs typeface="Fira Sans Light" charset="0"/>
-                  </a:rPr>
-                  <a:t> [1]</a:t>
-                </a:r>
-              </a:p>
-              <a:p>
-                <a:pPr lvl="1">
-                  <a:spcAft>
-                    <a:spcPts val="600"/>
-                  </a:spcAft>
-                  <a:buFont typeface="Wingdings" charset="2"/>
-                  <a:buChar char="§"/>
-                </a:pPr>
-                <a:r>
-                  <a:rPr lang="en-US" dirty="0">
-                    <a:latin typeface="+mj-lt"/>
-                    <a:ea typeface="Fira Sans Light" charset="0"/>
-                    <a:cs typeface="Fira Sans Light" charset="0"/>
-                  </a:rPr>
-                  <a:t>Good bandwidth efficiency, complexity and latency</a:t>
-                </a:r>
-              </a:p>
-              <a:p>
-                <a:pPr lvl="1">
-                  <a:spcAft>
-                    <a:spcPts val="600"/>
-                  </a:spcAft>
-                  <a:buFont typeface="Wingdings" charset="2"/>
-                  <a:buChar char="§"/>
-                </a:pPr>
-                <a:r>
-                  <a:rPr lang="en-US" dirty="0">
-                    <a:latin typeface="+mj-lt"/>
-                    <a:ea typeface="Fira Sans Light" charset="0"/>
-                    <a:cs typeface="Fira Sans Light" charset="0"/>
-                  </a:rPr>
-                  <a:t>Operates on Galois field with </a:t>
-                </a:r>
-                <a14:m>
-                  <m:oMath xmlns:m="http://schemas.openxmlformats.org/officeDocument/2006/math">
-                    <m:r>
-                      <a:rPr lang="en-US" i="1" dirty="0" smtClean="0">
-                        <a:latin typeface="Cambria Math" charset="0"/>
-                        <a:ea typeface="Fira Sans Light" charset="0"/>
-                        <a:cs typeface="Fira Sans Light" charset="0"/>
-                      </a:rPr>
-                      <m:t>𝑞</m:t>
-                    </m:r>
-                  </m:oMath>
-                </a14:m>
-                <a:r>
-                  <a:rPr lang="en-US" dirty="0">
-                    <a:latin typeface="+mj-lt"/>
-                    <a:ea typeface="Fira Sans Light" charset="0"/>
-                    <a:cs typeface="Fira Sans Light" charset="0"/>
-                  </a:rPr>
-                  <a:t> elements </a:t>
-                </a:r>
-              </a:p>
-              <a:p>
-                <a:pPr lvl="1">
-                  <a:spcAft>
-                    <a:spcPts val="600"/>
-                  </a:spcAft>
-                  <a:buFont typeface="Wingdings" charset="2"/>
-                  <a:buChar char="§"/>
-                </a:pPr>
-                <a:r>
-                  <a:rPr lang="en-US" dirty="0" err="1">
-                    <a:latin typeface="+mj-lt"/>
-                    <a:ea typeface="Fira Sans Light" charset="0"/>
-                    <a:cs typeface="Fira Sans Light" charset="0"/>
-                  </a:rPr>
-                  <a:t>Rateless</a:t>
-                </a:r>
-                <a:r>
-                  <a:rPr lang="en-US" dirty="0">
-                    <a:latin typeface="+mj-lt"/>
-                    <a:ea typeface="Fira Sans Light" charset="0"/>
-                    <a:cs typeface="Fira Sans Light" charset="0"/>
-                  </a:rPr>
-                  <a:t> approach</a:t>
-                </a:r>
-              </a:p>
-              <a:p>
-                <a:pPr lvl="2">
-                  <a:spcAft>
-                    <a:spcPts val="600"/>
-                  </a:spcAft>
-                  <a:buFont typeface="Wingdings" charset="2"/>
-                  <a:buChar char="§"/>
-                </a:pPr>
-                <a:r>
-                  <a:rPr lang="en-US" dirty="0">
-                    <a:latin typeface="+mj-lt"/>
-                    <a:ea typeface="Fira Sans Light" charset="0"/>
-                    <a:cs typeface="Fira Sans Light" charset="0"/>
-                  </a:rPr>
-                  <a:t>Combine </a:t>
-                </a:r>
-                <a14:m>
-                  <m:oMath xmlns:m="http://schemas.openxmlformats.org/officeDocument/2006/math">
-                    <m:r>
-                      <a:rPr lang="en-US" i="1" dirty="0" smtClean="0">
-                        <a:latin typeface="Cambria Math" charset="0"/>
-                        <a:ea typeface="Fira Sans Light" charset="0"/>
-                        <a:cs typeface="Fira Sans Light" charset="0"/>
-                      </a:rPr>
-                      <m:t>𝐾</m:t>
-                    </m:r>
-                    <m:r>
-                      <a:rPr lang="en-US" i="1" dirty="0" smtClean="0">
-                        <a:latin typeface="Cambria Math" charset="0"/>
-                        <a:ea typeface="Fira Sans Light" charset="0"/>
-                        <a:cs typeface="Fira Sans Light" charset="0"/>
-                      </a:rPr>
-                      <m:t> </m:t>
-                    </m:r>
-                  </m:oMath>
-                </a14:m>
-                <a:r>
-                  <a:rPr lang="en-US" dirty="0">
-                    <a:latin typeface="+mj-lt"/>
-                    <a:ea typeface="Fira Sans Light" charset="0"/>
-                    <a:cs typeface="Fira Sans Light" charset="0"/>
-                  </a:rPr>
-                  <a:t>source packets into </a:t>
-                </a:r>
-                <a14:m>
-                  <m:oMath xmlns:m="http://schemas.openxmlformats.org/officeDocument/2006/math">
-                    <m:r>
-                      <a:rPr lang="en-US" i="1" dirty="0" smtClean="0">
-                        <a:latin typeface="Cambria Math" charset="0"/>
-                        <a:ea typeface="Fira Sans Light" charset="0"/>
-                        <a:cs typeface="Fira Sans Light" charset="0"/>
-                      </a:rPr>
-                      <m:t>𝑁</m:t>
-                    </m:r>
-                    <m:r>
-                      <a:rPr lang="en-US" i="1" dirty="0" smtClean="0">
-                        <a:latin typeface="Cambria Math" charset="0"/>
-                        <a:ea typeface="Fira Sans Light" charset="0"/>
-                        <a:cs typeface="Fira Sans Light" charset="0"/>
-                      </a:rPr>
-                      <m:t> </m:t>
-                    </m:r>
-                  </m:oMath>
-                </a14:m>
-                <a:r>
-                  <a:rPr lang="en-US" dirty="0">
-                    <a:latin typeface="+mj-lt"/>
-                    <a:ea typeface="Fira Sans Light" charset="0"/>
-                    <a:cs typeface="Fira Sans Light" charset="0"/>
-                  </a:rPr>
-                  <a:t>coded packets</a:t>
-                </a:r>
-              </a:p>
-              <a:p>
-                <a:pPr lvl="2">
-                  <a:spcAft>
-                    <a:spcPts val="600"/>
-                  </a:spcAft>
-                  <a:buFont typeface="Wingdings" charset="2"/>
-                  <a:buChar char="§"/>
-                </a:pPr>
-                <a:r>
-                  <a:rPr lang="en-US" dirty="0">
-                    <a:latin typeface="+mj-lt"/>
-                    <a:ea typeface="Fira Sans Light" charset="0"/>
-                    <a:cs typeface="Fira Sans Light" charset="0"/>
-                  </a:rPr>
-                  <a:t>Decode from any set of </a:t>
-                </a:r>
-                <a14:m>
-                  <m:oMath xmlns:m="http://schemas.openxmlformats.org/officeDocument/2006/math">
-                    <m:r>
-                      <a:rPr lang="en-US" i="1" dirty="0" smtClean="0">
-                        <a:latin typeface="Cambria Math" charset="0"/>
-                        <a:ea typeface="Fira Sans Light" charset="0"/>
-                        <a:cs typeface="Fira Sans Light" charset="0"/>
-                      </a:rPr>
-                      <m:t>𝑁</m:t>
-                    </m:r>
-                    <m:r>
-                      <a:rPr lang="en-US" i="1" dirty="0" smtClean="0">
-                        <a:latin typeface="Cambria Math" charset="0"/>
-                        <a:ea typeface="Fira Sans Light" charset="0"/>
-                        <a:cs typeface="Fira Sans Light" charset="0"/>
-                      </a:rPr>
-                      <m:t>’</m:t>
-                    </m:r>
-                    <m:r>
-                      <a:rPr lang="en-US" i="1" dirty="0" smtClean="0">
-                        <a:latin typeface="Cambria Math" charset="0"/>
-                        <a:ea typeface="Fira Sans Light" charset="0"/>
-                        <a:cs typeface="Fira Sans Light" charset="0"/>
-                      </a:rPr>
-                      <m:t>≈</m:t>
-                    </m:r>
-                    <m:r>
-                      <a:rPr lang="en-US" i="1" dirty="0" smtClean="0">
-                        <a:latin typeface="Cambria Math" charset="0"/>
-                        <a:ea typeface="Fira Sans Light" charset="0"/>
-                        <a:cs typeface="Fira Sans Light" charset="0"/>
-                      </a:rPr>
-                      <m:t>𝐾</m:t>
-                    </m:r>
-                    <m:r>
-                      <a:rPr lang="en-US" i="1" dirty="0" smtClean="0">
-                        <a:latin typeface="Cambria Math" charset="0"/>
-                        <a:ea typeface="Fira Sans Light" charset="0"/>
-                        <a:cs typeface="Fira Sans Light" charset="0"/>
-                      </a:rPr>
-                      <m:t> </m:t>
-                    </m:r>
-                  </m:oMath>
-                </a14:m>
-                <a:r>
-                  <a:rPr lang="en-US" dirty="0">
-                    <a:latin typeface="+mj-lt"/>
-                    <a:ea typeface="Fira Sans Light" charset="0"/>
-                    <a:cs typeface="Fira Sans Light" charset="0"/>
-                  </a:rPr>
-                  <a:t>linearly independent packet combinations</a:t>
-                </a:r>
-              </a:p>
-              <a:p>
-                <a:pPr marL="0" lvl="0" indent="0">
-                  <a:spcBef>
-                    <a:spcPts val="400"/>
-                  </a:spcBef>
-                  <a:buNone/>
-                </a:pPr>
-                <a:endParaRPr lang="en-US" sz="1300" dirty="0">
-                  <a:solidFill>
-                    <a:srgbClr val="000000"/>
-                  </a:solidFill>
-                  <a:latin typeface="Fira Sans Light" charset="0"/>
-                  <a:ea typeface="Fira Sans Light" charset="0"/>
-                  <a:cs typeface="Fira Sans Light" charset="0"/>
-                </a:endParaRPr>
-              </a:p>
-              <a:p>
-                <a:pPr marL="0" lvl="0" indent="0">
-                  <a:spcBef>
-                    <a:spcPts val="400"/>
-                  </a:spcBef>
-                  <a:buNone/>
-                </a:pPr>
-                <a:endParaRPr lang="en-US" sz="1300" dirty="0">
-                  <a:solidFill>
-                    <a:srgbClr val="000000"/>
-                  </a:solidFill>
-                  <a:latin typeface="Fira Sans Light" charset="0"/>
-                  <a:ea typeface="Fira Sans Light" charset="0"/>
-                  <a:cs typeface="Fira Sans Light" charset="0"/>
-                </a:endParaRPr>
-              </a:p>
-              <a:p>
-                <a:pPr marL="0" lvl="0" indent="0">
-                  <a:spcBef>
-                    <a:spcPts val="400"/>
-                  </a:spcBef>
-                  <a:buNone/>
-                </a:pPr>
-                <a:endParaRPr lang="en-US" sz="1300" dirty="0">
-                  <a:solidFill>
-                    <a:srgbClr val="000000"/>
-                  </a:solidFill>
-                  <a:latin typeface="Fira Sans Light" charset="0"/>
-                  <a:ea typeface="Fira Sans Light" charset="0"/>
-                  <a:cs typeface="Fira Sans Light" charset="0"/>
-                </a:endParaRPr>
-              </a:p>
-              <a:p>
-                <a:pPr marL="0" lvl="0" indent="0">
-                  <a:spcBef>
-                    <a:spcPts val="400"/>
-                  </a:spcBef>
-                  <a:buNone/>
-                </a:pPr>
-                <a:r>
-                  <a:rPr lang="en-US" sz="1300" dirty="0">
-                    <a:solidFill>
-                      <a:srgbClr val="000000"/>
-                    </a:solidFill>
-                    <a:latin typeface="+mj-lt"/>
-                    <a:ea typeface="Fira Sans Light" charset="0"/>
-                    <a:cs typeface="Fira Sans Light" charset="0"/>
-                  </a:rPr>
-                  <a:t>[1] http://docs.steinwurf.com/overview.html#kodo</a:t>
-                </a:r>
-                <a:endParaRPr lang="en-US" dirty="0">
-                  <a:latin typeface="+mj-lt"/>
-                  <a:ea typeface="Fira Sans Light" charset="0"/>
-                  <a:cs typeface="Fira Sans Light" charset="0"/>
-                </a:endParaRPr>
-              </a:p>
-              <a:p>
-                <a:pPr lvl="1">
-                  <a:spcAft>
-                    <a:spcPts val="600"/>
-                  </a:spcAft>
-                  <a:buFont typeface="Wingdings" charset="2"/>
-                  <a:buChar char="§"/>
-                </a:pPr>
-                <a:endParaRPr lang="en-US" dirty="0">
-                  <a:latin typeface="Fira Sans Light" charset="0"/>
-                  <a:ea typeface="Fira Sans Light" charset="0"/>
-                  <a:cs typeface="Fira Sans Light" charset="0"/>
-                </a:endParaRPr>
-              </a:p>
-              <a:p>
-                <a:pPr lvl="1">
-                  <a:spcAft>
-                    <a:spcPts val="600"/>
-                  </a:spcAft>
-                  <a:buFont typeface="Wingdings" charset="2"/>
-                  <a:buChar char="§"/>
-                </a:pPr>
-                <a:endParaRPr lang="en-US" dirty="0">
-                  <a:latin typeface="Fira Sans Light" charset="0"/>
-                  <a:ea typeface="Fira Sans Light" charset="0"/>
-                  <a:cs typeface="Fira Sans Light" charset="0"/>
-                </a:endParaRPr>
-              </a:p>
-              <a:p>
-                <a:pPr lvl="1">
-                  <a:spcAft>
-                    <a:spcPts val="600"/>
-                  </a:spcAft>
-                  <a:buFont typeface="Wingdings" charset="2"/>
-                  <a:buChar char="§"/>
-                </a:pPr>
-                <a:endParaRPr lang="en-US" dirty="0">
-                  <a:latin typeface="Fira Sans Light" charset="0"/>
-                  <a:ea typeface="Fira Sans Light" charset="0"/>
-                  <a:cs typeface="Fira Sans Light" charset="0"/>
-                </a:endParaRPr>
-              </a:p>
-            </p:txBody>
-          </p:sp>
-        </mc:Choice>
-        <mc:Fallback xmlns="">
-          <p:sp>
-            <p:nvSpPr>
-              <p:cNvPr id="11" name="Segnaposto contenuto 10"/>
-              <p:cNvSpPr>
-                <a:spLocks noGrp="1" noRot="1" noChangeAspect="1" noMove="1" noResize="1" noEditPoints="1" noAdjustHandles="1" noChangeArrowheads="1" noChangeShapeType="1" noTextEdit="1"/>
-              </p:cNvSpPr>
-              <p:nvPr>
-                <p:ph idx="1"/>
-              </p:nvPr>
-            </p:nvSpPr>
-            <p:spPr>
-              <a:xfrm>
-                <a:off x="937987" y="1690687"/>
-                <a:ext cx="7977414" cy="4968530"/>
-              </a:xfrm>
-              <a:blipFill>
-                <a:blip r:embed="rId3"/>
-                <a:stretch>
-                  <a:fillRect l="-1375" t="-1963" b="-736"/>
-                </a:stretch>
-              </a:blipFill>
-            </p:spPr>
-            <p:txBody>
-              <a:bodyPr/>
-              <a:lstStyle/>
-              <a:p>
-                <a:r>
-                  <a:rPr lang="it-IT">
-                    <a:noFill/>
-                  </a:rPr>
-                  <a:t> </a:t>
-                </a:r>
-              </a:p>
-            </p:txBody>
-          </p:sp>
-        </mc:Fallback>
-      </mc:AlternateContent>
-    </p:spTree>
-    <p:extLst>
-      <p:ext uri="{BB962C8B-B14F-4D97-AF65-F5344CB8AC3E}">
-        <p14:creationId xmlns:p14="http://schemas.microsoft.com/office/powerpoint/2010/main" val="425979540"/>
-      </p:ext>
-    </p:extLst>
-  </p:cSld>
-  <p:clrMapOvr>
-    <a:masterClrMapping/>
-  </p:clrMapOvr>
-</p:sld>
-</file>
-
-<file path=ppt/slides/slide11.xml><?xml version="1.0" encoding="utf-8"?>
-<p:sld xmlns:a="http://schemas.openxmlformats.org/drawingml/2006/main" xmlns:r="http://schemas.openxmlformats.org/officeDocument/2006/relationships" xmlns:p="http://schemas.openxmlformats.org/presentationml/2006/main">
-  <p:cSld>
-    <p:spTree>
-      <p:nvGrpSpPr>
-        <p:cNvPr id="1" name=""/>
-        <p:cNvGrpSpPr/>
-        <p:nvPr/>
-      </p:nvGrpSpPr>
-      <p:grpSpPr>
-        <a:xfrm>
-          <a:off x="0" y="0"/>
-          <a:ext cx="0" cy="0"/>
-          <a:chOff x="0" y="0"/>
-          <a:chExt cx="0" cy="0"/>
-        </a:xfrm>
-      </p:grpSpPr>
-      <p:sp>
-        <p:nvSpPr>
-          <p:cNvPr id="10" name="Titolo 9"/>
-          <p:cNvSpPr>
-            <a:spLocks noGrp="1"/>
-          </p:cNvSpPr>
-          <p:nvPr>
-            <p:ph type="title"/>
-          </p:nvPr>
-        </p:nvSpPr>
-        <p:spPr/>
-        <p:txBody>
-          <a:bodyPr>
-            <a:normAutofit/>
-          </a:bodyPr>
-          <a:lstStyle/>
-          <a:p>
-            <a:r>
-              <a:rPr lang="en-US" sz="3600" b="1" dirty="0"/>
-              <a:t>Network coding for video streaming</a:t>
-            </a:r>
-          </a:p>
-        </p:txBody>
-      </p:sp>
-      <mc:AlternateContent xmlns:mc="http://schemas.openxmlformats.org/markup-compatibility/2006" xmlns:a14="http://schemas.microsoft.com/office/drawing/2010/main">
-        <mc:Choice Requires="a14">
-          <p:sp>
-            <p:nvSpPr>
-              <p:cNvPr id="11" name="Segnaposto contenuto 10"/>
-              <p:cNvSpPr>
-                <a:spLocks noGrp="1"/>
-              </p:cNvSpPr>
-              <p:nvPr>
-                <p:ph idx="1"/>
-              </p:nvPr>
-            </p:nvSpPr>
-            <p:spPr>
-              <a:xfrm>
-                <a:off x="937986" y="1670809"/>
-                <a:ext cx="7997589" cy="3964677"/>
-              </a:xfrm>
-            </p:spPr>
-            <p:txBody>
-              <a:bodyPr>
-                <a:normAutofit/>
-              </a:bodyPr>
-              <a:lstStyle/>
-              <a:p>
-                <a:pPr>
-                  <a:spcAft>
-                    <a:spcPts val="600"/>
-                  </a:spcAft>
-                  <a:buFont typeface="Wingdings" charset="2"/>
-                  <a:buChar char="§"/>
-                </a:pPr>
-                <a:r>
-                  <a:rPr lang="en-US" dirty="0">
-                    <a:latin typeface="+mj-lt"/>
-                    <a:ea typeface="Fira Sans Light" charset="0"/>
-                    <a:cs typeface="Fira Sans Light" charset="0"/>
-                  </a:rPr>
-                  <a:t>Powerful combination with multi connectivity</a:t>
-                </a:r>
-              </a:p>
-              <a:p>
-                <a:pPr lvl="1">
-                  <a:spcAft>
-                    <a:spcPts val="600"/>
-                  </a:spcAft>
-                  <a:buFont typeface="Wingdings" charset="2"/>
-                  <a:buChar char="§"/>
-                </a:pPr>
-                <a:r>
-                  <a:rPr lang="en-US" dirty="0">
-                    <a:latin typeface="+mj-lt"/>
-                    <a:ea typeface="Fira Sans Light" charset="0"/>
-                    <a:cs typeface="Fira Sans Light" charset="0"/>
-                  </a:rPr>
-                  <a:t>No </a:t>
-                </a:r>
-                <a:r>
-                  <a:rPr lang="en-US" dirty="0" err="1">
-                    <a:latin typeface="+mj-lt"/>
-                    <a:ea typeface="Fira Sans Light" charset="0"/>
-                    <a:cs typeface="Fira Sans Light" charset="0"/>
-                  </a:rPr>
-                  <a:t>HoL</a:t>
-                </a:r>
-                <a:r>
-                  <a:rPr lang="en-US" dirty="0">
-                    <a:latin typeface="+mj-lt"/>
-                    <a:ea typeface="Fira Sans Light" charset="0"/>
-                    <a:cs typeface="Fira Sans Light" charset="0"/>
-                  </a:rPr>
-                  <a:t> blocking issue</a:t>
-                </a:r>
-              </a:p>
-              <a:p>
-                <a:pPr lvl="1">
-                  <a:spcAft>
-                    <a:spcPts val="600"/>
-                  </a:spcAft>
-                  <a:buFont typeface="Wingdings" charset="2"/>
-                  <a:buChar char="§"/>
-                </a:pPr>
-                <a:r>
-                  <a:rPr lang="en-US" dirty="0">
-                    <a:latin typeface="+mj-lt"/>
-                    <a:ea typeface="Fira Sans Light" charset="0"/>
-                    <a:cs typeface="Fira Sans Light" charset="0"/>
-                  </a:rPr>
-                  <a:t>Retransmit new encoded packets on any interface</a:t>
-                </a:r>
-              </a:p>
-              <a:p>
-                <a:pPr>
-                  <a:spcAft>
-                    <a:spcPts val="600"/>
-                  </a:spcAft>
-                  <a:buFont typeface="Wingdings" charset="2"/>
-                  <a:buChar char="§"/>
-                </a:pPr>
-                <a:r>
-                  <a:rPr lang="en-US" dirty="0">
-                    <a:latin typeface="+mj-lt"/>
-                    <a:ea typeface="Fira Sans Light" charset="0"/>
-                    <a:cs typeface="Fira Sans Light" charset="0"/>
-                  </a:rPr>
-                  <a:t>Trade offs between</a:t>
-                </a:r>
-              </a:p>
-              <a:p>
-                <a:pPr lvl="1">
-                  <a:spcAft>
-                    <a:spcPts val="600"/>
-                  </a:spcAft>
-                  <a:buFont typeface="Wingdings" charset="2"/>
-                  <a:buChar char="§"/>
-                </a:pPr>
-                <a:r>
-                  <a:rPr lang="en-US" dirty="0">
-                    <a:latin typeface="+mj-lt"/>
-                    <a:ea typeface="Fira Sans Light" charset="0"/>
-                    <a:cs typeface="Fira Sans Light" charset="0"/>
-                  </a:rPr>
-                  <a:t>Latency and decoding probability (both increase with </a:t>
-                </a:r>
-                <a14:m>
-                  <m:oMath xmlns:m="http://schemas.openxmlformats.org/officeDocument/2006/math">
-                    <m:r>
-                      <a:rPr lang="en-US" i="1" dirty="0" smtClean="0">
-                        <a:latin typeface="Cambria Math" charset="0"/>
-                        <a:ea typeface="Fira Sans Light" charset="0"/>
-                        <a:cs typeface="Fira Sans Light" charset="0"/>
-                      </a:rPr>
-                      <m:t>𝐾</m:t>
-                    </m:r>
-                  </m:oMath>
-                </a14:m>
-                <a:r>
-                  <a:rPr lang="en-US" dirty="0">
-                    <a:latin typeface="+mj-lt"/>
-                    <a:ea typeface="Fira Sans Light" charset="0"/>
-                    <a:cs typeface="Fira Sans Light" charset="0"/>
-                  </a:rPr>
-                  <a:t>)</a:t>
-                </a:r>
-              </a:p>
-              <a:p>
-                <a:pPr lvl="1">
-                  <a:spcAft>
-                    <a:spcPts val="600"/>
-                  </a:spcAft>
-                  <a:buFont typeface="Wingdings" charset="2"/>
-                  <a:buChar char="§"/>
-                </a:pPr>
-                <a:r>
-                  <a:rPr lang="en-US" dirty="0">
-                    <a:latin typeface="+mj-lt"/>
-                    <a:ea typeface="Fira Sans Light" charset="0"/>
-                    <a:cs typeface="Fira Sans Light" charset="0"/>
-                  </a:rPr>
-                  <a:t>Decoding complexity and decoding probability (both increase with </a:t>
-                </a:r>
-                <a14:m>
-                  <m:oMath xmlns:m="http://schemas.openxmlformats.org/officeDocument/2006/math">
-                    <m:r>
-                      <a:rPr lang="en-US" i="1" dirty="0" smtClean="0">
-                        <a:latin typeface="Cambria Math" charset="0"/>
-                        <a:ea typeface="Fira Sans Light" charset="0"/>
-                        <a:cs typeface="Fira Sans Light" charset="0"/>
-                      </a:rPr>
-                      <m:t>𝑞</m:t>
-                    </m:r>
-                  </m:oMath>
-                </a14:m>
-                <a:r>
-                  <a:rPr lang="en-US" dirty="0">
-                    <a:latin typeface="+mj-lt"/>
-                    <a:ea typeface="Fira Sans Light" charset="0"/>
-                    <a:cs typeface="Fira Sans Light" charset="0"/>
-                  </a:rPr>
-                  <a:t>)</a:t>
-                </a:r>
-              </a:p>
-              <a:p>
-                <a:pPr marL="457200" lvl="1" indent="0">
-                  <a:spcAft>
-                    <a:spcPts val="600"/>
-                  </a:spcAft>
-                  <a:buNone/>
-                </a:pPr>
-                <a:endParaRPr lang="en-US" dirty="0">
-                  <a:latin typeface="+mj-lt"/>
-                  <a:ea typeface="Fira Sans Light" charset="0"/>
-                  <a:cs typeface="Fira Sans Light" charset="0"/>
-                </a:endParaRPr>
-              </a:p>
-              <a:p>
-                <a:pPr lvl="1">
-                  <a:spcAft>
-                    <a:spcPts val="600"/>
-                  </a:spcAft>
-                  <a:buFont typeface="Wingdings" charset="2"/>
-                  <a:buChar char="§"/>
-                </a:pPr>
-                <a:endParaRPr lang="en-US" dirty="0">
-                  <a:latin typeface="Fira Sans Light" charset="0"/>
-                  <a:ea typeface="Fira Sans Light" charset="0"/>
-                  <a:cs typeface="Fira Sans Light" charset="0"/>
-                </a:endParaRPr>
-              </a:p>
-            </p:txBody>
-          </p:sp>
-        </mc:Choice>
-        <mc:Fallback xmlns="">
-          <p:sp>
-            <p:nvSpPr>
-              <p:cNvPr id="11" name="Segnaposto contenuto 10"/>
-              <p:cNvSpPr>
-                <a:spLocks noGrp="1" noRot="1" noChangeAspect="1" noMove="1" noResize="1" noEditPoints="1" noAdjustHandles="1" noChangeArrowheads="1" noChangeShapeType="1" noTextEdit="1"/>
-              </p:cNvSpPr>
-              <p:nvPr>
-                <p:ph idx="1"/>
-              </p:nvPr>
-            </p:nvSpPr>
-            <p:spPr>
-              <a:xfrm>
-                <a:off x="937986" y="1670809"/>
-                <a:ext cx="7997589" cy="3964677"/>
-              </a:xfrm>
-              <a:blipFill rotWithShape="0">
-                <a:blip r:embed="rId2"/>
-                <a:stretch>
-                  <a:fillRect l="-1372" t="-2462"/>
-                </a:stretch>
-              </a:blipFill>
-            </p:spPr>
-            <p:txBody>
-              <a:bodyPr/>
-              <a:lstStyle/>
-              <a:p>
-                <a:r>
-                  <a:rPr lang="en-US">
-                    <a:noFill/>
-                  </a:rPr>
-                  <a:t> </a:t>
-                </a:r>
-              </a:p>
-            </p:txBody>
-          </p:sp>
-        </mc:Fallback>
-      </mc:AlternateContent>
-      <mc:AlternateContent xmlns:mc="http://schemas.openxmlformats.org/markup-compatibility/2006" xmlns:a14="http://schemas.microsoft.com/office/drawing/2010/main">
-        <mc:Choice Requires="a14">
-          <p:graphicFrame>
-            <p:nvGraphicFramePr>
-              <p:cNvPr id="2" name="Tabella 1"/>
-              <p:cNvGraphicFramePr>
-                <a:graphicFrameLocks noGrp="1"/>
-              </p:cNvGraphicFramePr>
-              <p:nvPr>
-                <p:extLst>
-                  <p:ext uri="{D42A27DB-BD31-4B8C-83A1-F6EECF244321}">
-                    <p14:modId xmlns:p14="http://schemas.microsoft.com/office/powerpoint/2010/main" val="1269436457"/>
-                  </p:ext>
-                </p:extLst>
-              </p:nvPr>
-            </p:nvGraphicFramePr>
-            <p:xfrm>
-              <a:off x="1888780" y="5228398"/>
-              <a:ext cx="6096000" cy="1188720"/>
-            </p:xfrm>
-            <a:graphic>
-              <a:graphicData uri="http://schemas.openxmlformats.org/drawingml/2006/table">
-                <a:tbl>
-                  <a:tblPr firstRow="1" bandRow="1">
-                    <a:tableStyleId>{5C22544A-7EE6-4342-B048-85BDC9FD1C3A}</a:tableStyleId>
-                  </a:tblPr>
-                  <a:tblGrid>
-                    <a:gridCol w="3048000">
-                      <a:extLst>
-                        <a:ext uri="{9D8B030D-6E8A-4147-A177-3AD203B41FA5}">
-                          <a16:colId xmlns:a16="http://schemas.microsoft.com/office/drawing/2014/main" val="20000"/>
-                        </a:ext>
-                      </a:extLst>
-                    </a:gridCol>
-                    <a:gridCol w="3048000">
-                      <a:extLst>
-                        <a:ext uri="{9D8B030D-6E8A-4147-A177-3AD203B41FA5}">
-                          <a16:colId xmlns:a16="http://schemas.microsoft.com/office/drawing/2014/main" val="20001"/>
-                        </a:ext>
-                      </a:extLst>
-                    </a:gridCol>
-                  </a:tblGrid>
-                  <a:tr h="859183">
-                    <a:tc>
-                      <a:txBody>
-                        <a:bodyPr/>
-                        <a:lstStyle/>
-                        <a:p>
-                          <a:r>
-                            <a:rPr lang="en-US" b="1" dirty="0">
-                              <a:solidFill>
-                                <a:sysClr val="windowText" lastClr="000000"/>
-                              </a:solidFill>
-                              <a:latin typeface="+mj-lt"/>
-                            </a:rPr>
-                            <a:t>LC</a:t>
-                          </a:r>
-                          <a:r>
-                            <a:rPr lang="en-US" b="1" baseline="0" dirty="0">
-                              <a:solidFill>
-                                <a:sysClr val="windowText" lastClr="000000"/>
-                              </a:solidFill>
-                              <a:latin typeface="+mj-lt"/>
-                            </a:rPr>
-                            <a:t> configuration</a:t>
-                          </a:r>
-                        </a:p>
-                        <a:p>
-                          <a:pPr marL="285750" indent="-285750">
-                            <a:buFontTx/>
-                            <a:buChar char="-"/>
-                          </a:pPr>
-                          <a14:m>
-                            <m:oMath xmlns:m="http://schemas.openxmlformats.org/officeDocument/2006/math">
-                              <m:r>
-                                <a:rPr lang="en-US" b="0" i="1" baseline="0" dirty="0" smtClean="0">
-                                  <a:solidFill>
-                                    <a:sysClr val="windowText" lastClr="000000"/>
-                                  </a:solidFill>
-                                  <a:latin typeface="Cambria Math" charset="0"/>
-                                </a:rPr>
-                                <m:t>𝐾</m:t>
-                              </m:r>
-                              <m:r>
-                                <a:rPr lang="en-US" b="0" i="1" baseline="0" dirty="0" smtClean="0">
-                                  <a:solidFill>
-                                    <a:sysClr val="windowText" lastClr="000000"/>
-                                  </a:solidFill>
-                                  <a:latin typeface="Cambria Math" charset="0"/>
-                                </a:rPr>
-                                <m:t> = 40</m:t>
-                              </m:r>
-                            </m:oMath>
-                          </a14:m>
-                          <a:r>
-                            <a:rPr lang="en-US" b="0" baseline="0" dirty="0">
-                              <a:solidFill>
-                                <a:sysClr val="windowText" lastClr="000000"/>
-                              </a:solidFill>
-                              <a:latin typeface="+mj-lt"/>
-                            </a:rPr>
-                            <a:t>, </a:t>
-                          </a:r>
-                          <a14:m>
-                            <m:oMath xmlns:m="http://schemas.openxmlformats.org/officeDocument/2006/math">
-                              <m:r>
-                                <a:rPr lang="en-US" b="0" i="1" baseline="0" dirty="0" smtClean="0">
-                                  <a:solidFill>
-                                    <a:sysClr val="windowText" lastClr="000000"/>
-                                  </a:solidFill>
-                                  <a:latin typeface="Cambria Math" charset="0"/>
-                                </a:rPr>
-                                <m:t>𝑞</m:t>
-                              </m:r>
-                              <m:r>
-                                <a:rPr lang="en-US" b="0" i="1" baseline="0" dirty="0" smtClean="0">
-                                  <a:solidFill>
-                                    <a:sysClr val="windowText" lastClr="000000"/>
-                                  </a:solidFill>
-                                  <a:latin typeface="Cambria Math" charset="0"/>
-                                </a:rPr>
-                                <m:t> = 4</m:t>
-                              </m:r>
-                            </m:oMath>
-                          </a14:m>
-                          <a:endParaRPr lang="en-US" b="0" baseline="0" dirty="0">
-                            <a:solidFill>
-                              <a:sysClr val="windowText" lastClr="000000"/>
-                            </a:solidFill>
-                            <a:latin typeface="+mj-lt"/>
-                          </a:endParaRPr>
-                        </a:p>
-                        <a:p>
-                          <a:pPr marL="285750" indent="-285750">
-                            <a:buFontTx/>
-                            <a:buChar char="-"/>
-                          </a:pPr>
-                          <a:r>
-                            <a:rPr lang="en-US" b="0" baseline="0" dirty="0">
-                              <a:solidFill>
-                                <a:sysClr val="windowText" lastClr="000000"/>
-                              </a:solidFill>
-                              <a:latin typeface="+mj-lt"/>
-                            </a:rPr>
-                            <a:t>Lower latency</a:t>
-                          </a:r>
-                        </a:p>
-                        <a:p>
-                          <a:pPr marL="285750" indent="-285750">
-                            <a:buFontTx/>
-                            <a:buChar char="-"/>
-                          </a:pPr>
-                          <a:r>
-                            <a:rPr lang="en-US" b="0" baseline="0" dirty="0">
-                              <a:solidFill>
-                                <a:sysClr val="windowText" lastClr="000000"/>
-                              </a:solidFill>
-                              <a:latin typeface="+mj-lt"/>
-                            </a:rPr>
-                            <a:t>Lower decoding probability</a:t>
-                          </a:r>
-                          <a:endParaRPr lang="en-US" b="0" dirty="0">
-                            <a:solidFill>
-                              <a:sysClr val="windowText" lastClr="000000"/>
-                            </a:solidFill>
-                            <a:latin typeface="+mj-lt"/>
-                          </a:endParaRPr>
-                        </a:p>
-                      </a:txBody>
-                      <a:tcPr>
-                        <a:lnL w="12700" cap="flat" cmpd="sng" algn="ctr">
-                          <a:noFill/>
-                          <a:prstDash val="solid"/>
-                          <a:round/>
-                          <a:headEnd type="none" w="med" len="med"/>
-                          <a:tailEnd type="none" w="med" len="med"/>
-                        </a:lnL>
-                        <a:lnR w="12700" cap="flat" cmpd="sng" algn="ctr">
-                          <a:noFill/>
-                          <a:prstDash val="solid"/>
-                          <a:round/>
-                          <a:headEnd type="none" w="med" len="med"/>
-                          <a:tailEnd type="none" w="med" len="med"/>
-                        </a:lnR>
-                        <a:lnT w="12700" cap="flat" cmpd="sng" algn="ctr">
-                          <a:noFill/>
-                          <a:prstDash val="solid"/>
-                          <a:round/>
-                          <a:headEnd type="none" w="med" len="med"/>
-                          <a:tailEnd type="none" w="med" len="med"/>
-                        </a:lnT>
-                        <a:lnB w="12700" cap="flat" cmpd="sng" algn="ctr">
-                          <a:noFill/>
-                          <a:prstDash val="solid"/>
-                          <a:round/>
-                          <a:headEnd type="none" w="med" len="med"/>
-                          <a:tailEnd type="none" w="med" len="med"/>
-                        </a:lnB>
-                        <a:lnTlToBr w="12700" cmpd="sng">
-                          <a:noFill/>
-                          <a:prstDash val="solid"/>
-                        </a:lnTlToBr>
-                        <a:lnBlToTr w="12700" cmpd="sng">
-                          <a:noFill/>
-                          <a:prstDash val="solid"/>
-                        </a:lnBlToTr>
-                        <a:noFill/>
-                      </a:tcPr>
-                    </a:tc>
-                    <a:tc>
-                      <a:txBody>
-                        <a:bodyPr/>
-                        <a:lstStyle/>
-                        <a:p>
-                          <a:pPr marL="0" marR="0" lvl="0" indent="0" algn="l" defTabSz="914400" rtl="0" eaLnBrk="1" fontAlgn="auto" latinLnBrk="0" hangingPunct="1">
-                            <a:lnSpc>
-                              <a:spcPct val="100000"/>
-                            </a:lnSpc>
-                            <a:spcBef>
-                              <a:spcPts val="0"/>
-                            </a:spcBef>
-                            <a:spcAft>
-                              <a:spcPts val="0"/>
-                            </a:spcAft>
-                            <a:buClrTx/>
-                            <a:buSzTx/>
-                            <a:buFontTx/>
-                            <a:buNone/>
-                            <a:tabLst/>
-                            <a:defRPr/>
-                          </a:pPr>
-                          <a:r>
-                            <a:rPr kumimoji="0" lang="en-US" sz="1800" b="1" i="0" u="none" strike="noStrike" kern="1200" cap="none" spc="0" normalizeH="0" baseline="0" noProof="0" dirty="0">
-                              <a:ln>
-                                <a:noFill/>
-                              </a:ln>
-                              <a:solidFill>
-                                <a:sysClr val="windowText" lastClr="000000"/>
-                              </a:solidFill>
-                              <a:effectLst/>
-                              <a:uLnTx/>
-                              <a:uFillTx/>
-                              <a:latin typeface="+mj-lt"/>
-                              <a:ea typeface="+mn-ea"/>
-                              <a:cs typeface="+mn-cs"/>
-                            </a:rPr>
-                            <a:t>HC configuration</a:t>
-                          </a:r>
-                        </a:p>
-                        <a:p>
-                          <a:pPr marL="285750" marR="0" lvl="0" indent="-285750" algn="l" defTabSz="914400" rtl="0" eaLnBrk="1" fontAlgn="auto" latinLnBrk="0" hangingPunct="1">
-                            <a:lnSpc>
-                              <a:spcPct val="100000"/>
-                            </a:lnSpc>
-                            <a:spcBef>
-                              <a:spcPts val="0"/>
-                            </a:spcBef>
-                            <a:spcAft>
-                              <a:spcPts val="0"/>
-                            </a:spcAft>
-                            <a:buClrTx/>
-                            <a:buSzTx/>
-                            <a:buFontTx/>
-                            <a:buChar char="-"/>
-                            <a:tabLst/>
-                            <a:defRPr/>
-                          </a:pPr>
-                          <a14:m>
-                            <m:oMath xmlns:m="http://schemas.openxmlformats.org/officeDocument/2006/math">
-                              <m:r>
-                                <a:rPr kumimoji="0" lang="en-US" sz="1800" b="0" i="1" u="none" strike="noStrike" kern="1200" cap="none" spc="0" normalizeH="0" baseline="0" noProof="0" dirty="0" smtClean="0">
-                                  <a:ln>
-                                    <a:noFill/>
-                                  </a:ln>
-                                  <a:solidFill>
-                                    <a:sysClr val="windowText" lastClr="000000"/>
-                                  </a:solidFill>
-                                  <a:effectLst/>
-                                  <a:uLnTx/>
-                                  <a:uFillTx/>
-                                  <a:latin typeface="Cambria Math" charset="0"/>
-                                  <a:ea typeface="+mn-ea"/>
-                                  <a:cs typeface="+mn-cs"/>
-                                </a:rPr>
-                                <m:t>𝐾</m:t>
-                              </m:r>
-                              <m:r>
-                                <a:rPr kumimoji="0" lang="en-US" sz="1800" b="0" i="1" u="none" strike="noStrike" kern="1200" cap="none" spc="0" normalizeH="0" baseline="0" noProof="0" dirty="0" smtClean="0">
-                                  <a:ln>
-                                    <a:noFill/>
-                                  </a:ln>
-                                  <a:solidFill>
-                                    <a:sysClr val="windowText" lastClr="000000"/>
-                                  </a:solidFill>
-                                  <a:effectLst/>
-                                  <a:uLnTx/>
-                                  <a:uFillTx/>
-                                  <a:latin typeface="Cambria Math" charset="0"/>
-                                  <a:ea typeface="+mn-ea"/>
-                                  <a:cs typeface="+mn-cs"/>
-                                </a:rPr>
-                                <m:t> =100</m:t>
-                              </m:r>
-                            </m:oMath>
-                          </a14:m>
-                          <a:r>
-                            <a:rPr kumimoji="0" lang="en-US" sz="1800" b="0" i="0" u="none" strike="noStrike" kern="1200" cap="none" spc="0" normalizeH="0" baseline="0" noProof="0" dirty="0">
-                              <a:ln>
-                                <a:noFill/>
-                              </a:ln>
-                              <a:solidFill>
-                                <a:sysClr val="windowText" lastClr="000000"/>
-                              </a:solidFill>
-                              <a:effectLst/>
-                              <a:uLnTx/>
-                              <a:uFillTx/>
-                              <a:latin typeface="+mj-lt"/>
-                              <a:ea typeface="+mn-ea"/>
-                              <a:cs typeface="+mn-cs"/>
-                            </a:rPr>
-                            <a:t>, </a:t>
-                          </a:r>
-                          <a14:m>
-                            <m:oMath xmlns:m="http://schemas.openxmlformats.org/officeDocument/2006/math">
-                              <m:r>
-                                <a:rPr kumimoji="0" lang="en-US" sz="1800" b="0" i="1" u="none" strike="noStrike" kern="1200" cap="none" spc="0" normalizeH="0" baseline="0" noProof="0" dirty="0" smtClean="0">
-                                  <a:ln>
-                                    <a:noFill/>
-                                  </a:ln>
-                                  <a:solidFill>
-                                    <a:sysClr val="windowText" lastClr="000000"/>
-                                  </a:solidFill>
-                                  <a:effectLst/>
-                                  <a:uLnTx/>
-                                  <a:uFillTx/>
-                                  <a:latin typeface="Cambria Math" charset="0"/>
-                                  <a:ea typeface="+mn-ea"/>
-                                  <a:cs typeface="+mn-cs"/>
-                                </a:rPr>
-                                <m:t>𝑞</m:t>
-                              </m:r>
-                              <m:r>
-                                <a:rPr kumimoji="0" lang="en-US" sz="1800" b="0" i="1" u="none" strike="noStrike" kern="1200" cap="none" spc="0" normalizeH="0" baseline="0" noProof="0" dirty="0" smtClean="0">
-                                  <a:ln>
-                                    <a:noFill/>
-                                  </a:ln>
-                                  <a:solidFill>
-                                    <a:sysClr val="windowText" lastClr="000000"/>
-                                  </a:solidFill>
-                                  <a:effectLst/>
-                                  <a:uLnTx/>
-                                  <a:uFillTx/>
-                                  <a:latin typeface="Cambria Math" charset="0"/>
-                                  <a:ea typeface="+mn-ea"/>
-                                  <a:cs typeface="+mn-cs"/>
-                                </a:rPr>
-                                <m:t> =8</m:t>
-                              </m:r>
-                            </m:oMath>
-                          </a14:m>
-                          <a:endParaRPr kumimoji="0" lang="en-US" sz="1800" b="0" i="0" u="none" strike="noStrike" kern="1200" cap="none" spc="0" normalizeH="0" baseline="0" noProof="0" dirty="0">
-                            <a:ln>
-                              <a:noFill/>
-                            </a:ln>
-                            <a:solidFill>
-                              <a:sysClr val="windowText" lastClr="000000"/>
-                            </a:solidFill>
-                            <a:effectLst/>
-                            <a:uLnTx/>
-                            <a:uFillTx/>
-                            <a:latin typeface="+mj-lt"/>
-                            <a:ea typeface="+mn-ea"/>
-                            <a:cs typeface="+mn-cs"/>
-                          </a:endParaRPr>
-                        </a:p>
-                        <a:p>
-                          <a:pPr marL="285750" marR="0" lvl="0" indent="-285750" algn="l" defTabSz="914400" rtl="0" eaLnBrk="1" fontAlgn="auto" latinLnBrk="0" hangingPunct="1">
-                            <a:lnSpc>
-                              <a:spcPct val="100000"/>
-                            </a:lnSpc>
-                            <a:spcBef>
-                              <a:spcPts val="0"/>
-                            </a:spcBef>
-                            <a:spcAft>
-                              <a:spcPts val="0"/>
-                            </a:spcAft>
-                            <a:buClrTx/>
-                            <a:buSzTx/>
-                            <a:buFontTx/>
-                            <a:buChar char="-"/>
-                            <a:tabLst/>
-                            <a:defRPr/>
-                          </a:pPr>
-                          <a:r>
-                            <a:rPr kumimoji="0" lang="en-US" sz="1800" b="0" i="0" u="none" strike="noStrike" kern="1200" cap="none" spc="0" normalizeH="0" baseline="0" noProof="0" dirty="0">
-                              <a:ln>
-                                <a:noFill/>
-                              </a:ln>
-                              <a:solidFill>
-                                <a:sysClr val="windowText" lastClr="000000"/>
-                              </a:solidFill>
-                              <a:effectLst/>
-                              <a:uLnTx/>
-                              <a:uFillTx/>
-                              <a:latin typeface="+mj-lt"/>
-                              <a:ea typeface="+mn-ea"/>
-                              <a:cs typeface="+mn-cs"/>
-                            </a:rPr>
-                            <a:t>Higher latency</a:t>
-                          </a:r>
-                        </a:p>
-                        <a:p>
-                          <a:pPr marL="285750" marR="0" lvl="0" indent="-285750" algn="l" defTabSz="914400" rtl="0" eaLnBrk="1" fontAlgn="auto" latinLnBrk="0" hangingPunct="1">
-                            <a:lnSpc>
-                              <a:spcPct val="100000"/>
-                            </a:lnSpc>
-                            <a:spcBef>
-                              <a:spcPts val="0"/>
-                            </a:spcBef>
-                            <a:spcAft>
-                              <a:spcPts val="0"/>
-                            </a:spcAft>
-                            <a:buClrTx/>
-                            <a:buSzTx/>
-                            <a:buFontTx/>
-                            <a:buChar char="-"/>
-                            <a:tabLst/>
-                            <a:defRPr/>
-                          </a:pPr>
-                          <a:r>
-                            <a:rPr kumimoji="0" lang="en-US" sz="1800" b="0" i="0" u="none" strike="noStrike" kern="1200" cap="none" spc="0" normalizeH="0" baseline="0" noProof="0" dirty="0">
-                              <a:ln>
-                                <a:noFill/>
-                              </a:ln>
-                              <a:solidFill>
-                                <a:sysClr val="windowText" lastClr="000000"/>
-                              </a:solidFill>
-                              <a:effectLst/>
-                              <a:uLnTx/>
-                              <a:uFillTx/>
-                              <a:latin typeface="+mj-lt"/>
-                              <a:ea typeface="+mn-ea"/>
-                              <a:cs typeface="+mn-cs"/>
-                            </a:rPr>
-                            <a:t>Higher decoding probability</a:t>
-                          </a:r>
-                        </a:p>
-                      </a:txBody>
-                      <a:tcPr>
-                        <a:lnL w="12700" cap="flat" cmpd="sng" algn="ctr">
-                          <a:noFill/>
-                          <a:prstDash val="solid"/>
-                          <a:round/>
-                          <a:headEnd type="none" w="med" len="med"/>
-                          <a:tailEnd type="none" w="med" len="med"/>
-                        </a:lnL>
-                        <a:lnR w="12700" cap="flat" cmpd="sng" algn="ctr">
-                          <a:noFill/>
-                          <a:prstDash val="solid"/>
-                          <a:round/>
-                          <a:headEnd type="none" w="med" len="med"/>
-                          <a:tailEnd type="none" w="med" len="med"/>
-                        </a:lnR>
-                        <a:lnT w="12700" cap="flat" cmpd="sng" algn="ctr">
-                          <a:noFill/>
-                          <a:prstDash val="solid"/>
-                          <a:round/>
-                          <a:headEnd type="none" w="med" len="med"/>
-                          <a:tailEnd type="none" w="med" len="med"/>
-                        </a:lnT>
-                        <a:lnB w="12700" cap="flat" cmpd="sng" algn="ctr">
-                          <a:noFill/>
-                          <a:prstDash val="solid"/>
-                          <a:round/>
-                          <a:headEnd type="none" w="med" len="med"/>
-                          <a:tailEnd type="none" w="med" len="med"/>
-                        </a:lnB>
-                        <a:lnTlToBr w="12700" cmpd="sng">
-                          <a:noFill/>
-                          <a:prstDash val="solid"/>
-                        </a:lnTlToBr>
-                        <a:lnBlToTr w="12700" cmpd="sng">
-                          <a:noFill/>
-                          <a:prstDash val="solid"/>
-                        </a:lnBlToTr>
-                        <a:noFill/>
-                      </a:tcPr>
-                    </a:tc>
-                    <a:extLst>
-                      <a:ext uri="{0D108BD9-81ED-4DB2-BD59-A6C34878D82A}">
-                        <a16:rowId xmlns:a16="http://schemas.microsoft.com/office/drawing/2014/main" val="10000"/>
-                      </a:ext>
-                    </a:extLst>
-                  </a:tr>
-                </a:tbl>
-              </a:graphicData>
-            </a:graphic>
-          </p:graphicFrame>
-        </mc:Choice>
-        <mc:Fallback xmlns="">
-          <p:graphicFrame>
-            <p:nvGraphicFramePr>
-              <p:cNvPr id="2" name="Tabella 1"/>
-              <p:cNvGraphicFramePr>
-                <a:graphicFrameLocks noGrp="1"/>
-              </p:cNvGraphicFramePr>
-              <p:nvPr>
-                <p:extLst>
-                  <p:ext uri="{D42A27DB-BD31-4B8C-83A1-F6EECF244321}">
-                    <p14:modId xmlns:p14="http://schemas.microsoft.com/office/powerpoint/2010/main" val="1269436457"/>
-                  </p:ext>
-                </p:extLst>
-              </p:nvPr>
-            </p:nvGraphicFramePr>
-            <p:xfrm>
-              <a:off x="1888780" y="5228398"/>
-              <a:ext cx="6096000" cy="1188720"/>
-            </p:xfrm>
-            <a:graphic>
-              <a:graphicData uri="http://schemas.openxmlformats.org/drawingml/2006/table">
-                <a:tbl>
-                  <a:tblPr firstRow="1" bandRow="1">
-                    <a:tableStyleId>{5C22544A-7EE6-4342-B048-85BDC9FD1C3A}</a:tableStyleId>
-                  </a:tblPr>
-                  <a:tblGrid>
-                    <a:gridCol w="3048000">
-                      <a:extLst>
-                        <a:ext uri="{9D8B030D-6E8A-4147-A177-3AD203B41FA5}">
-                          <a16:colId xmlns:a16="http://schemas.microsoft.com/office/drawing/2014/main" val="20000"/>
-                        </a:ext>
-                      </a:extLst>
-                    </a:gridCol>
-                    <a:gridCol w="3048000">
-                      <a:extLst>
-                        <a:ext uri="{9D8B030D-6E8A-4147-A177-3AD203B41FA5}">
-                          <a16:colId xmlns:a16="http://schemas.microsoft.com/office/drawing/2014/main" val="20001"/>
-                        </a:ext>
-                      </a:extLst>
-                    </a:gridCol>
-                  </a:tblGrid>
-                  <a:tr h="1188720">
-                    <a:tc>
-                      <a:txBody>
-                        <a:bodyPr/>
-                        <a:lstStyle/>
-                        <a:p>
-                          <a:endParaRPr lang="it-IT"/>
-                        </a:p>
-                      </a:txBody>
-                      <a:tcPr>
-                        <a:lnL w="12700" cap="flat" cmpd="sng" algn="ctr">
-                          <a:noFill/>
-                          <a:prstDash val="solid"/>
-                          <a:round/>
-                          <a:headEnd type="none" w="med" len="med"/>
-                          <a:tailEnd type="none" w="med" len="med"/>
-                        </a:lnL>
-                        <a:lnR w="12700" cap="flat" cmpd="sng" algn="ctr">
-                          <a:noFill/>
-                          <a:prstDash val="solid"/>
-                          <a:round/>
-                          <a:headEnd type="none" w="med" len="med"/>
-                          <a:tailEnd type="none" w="med" len="med"/>
-                        </a:lnR>
-                        <a:lnT w="12700" cap="flat" cmpd="sng" algn="ctr">
-                          <a:noFill/>
-                          <a:prstDash val="solid"/>
-                          <a:round/>
-                          <a:headEnd type="none" w="med" len="med"/>
-                          <a:tailEnd type="none" w="med" len="med"/>
-                        </a:lnT>
-                        <a:lnB w="12700" cap="flat" cmpd="sng" algn="ctr">
-                          <a:noFill/>
-                          <a:prstDash val="solid"/>
-                          <a:round/>
-                          <a:headEnd type="none" w="med" len="med"/>
-                          <a:tailEnd type="none" w="med" len="med"/>
-                        </a:lnB>
-                        <a:lnTlToBr w="12700" cmpd="sng">
-                          <a:noFill/>
-                          <a:prstDash val="solid"/>
-                        </a:lnTlToBr>
-                        <a:lnBlToTr w="12700" cmpd="sng">
-                          <a:noFill/>
-                          <a:prstDash val="solid"/>
-                        </a:lnBlToTr>
-                        <a:blipFill>
-                          <a:blip r:embed="rId3"/>
-                          <a:stretch>
-                            <a:fillRect t="-2551" r="-99800" b="-8163"/>
-                          </a:stretch>
-                        </a:blipFill>
-                      </a:tcPr>
-                    </a:tc>
-                    <a:tc>
-                      <a:txBody>
-                        <a:bodyPr/>
-                        <a:lstStyle/>
-                        <a:p>
-                          <a:endParaRPr lang="it-IT"/>
-                        </a:p>
-                      </a:txBody>
-                      <a:tcPr>
-                        <a:lnL w="12700" cap="flat" cmpd="sng" algn="ctr">
-                          <a:noFill/>
-                          <a:prstDash val="solid"/>
-                          <a:round/>
-                          <a:headEnd type="none" w="med" len="med"/>
-                          <a:tailEnd type="none" w="med" len="med"/>
-                        </a:lnL>
-                        <a:lnR w="12700" cap="flat" cmpd="sng" algn="ctr">
-                          <a:noFill/>
-                          <a:prstDash val="solid"/>
-                          <a:round/>
-                          <a:headEnd type="none" w="med" len="med"/>
-                          <a:tailEnd type="none" w="med" len="med"/>
-                        </a:lnR>
-                        <a:lnT w="12700" cap="flat" cmpd="sng" algn="ctr">
-                          <a:noFill/>
-                          <a:prstDash val="solid"/>
-                          <a:round/>
-                          <a:headEnd type="none" w="med" len="med"/>
-                          <a:tailEnd type="none" w="med" len="med"/>
-                        </a:lnT>
-                        <a:lnB w="12700" cap="flat" cmpd="sng" algn="ctr">
-                          <a:noFill/>
-                          <a:prstDash val="solid"/>
-                          <a:round/>
-                          <a:headEnd type="none" w="med" len="med"/>
-                          <a:tailEnd type="none" w="med" len="med"/>
-                        </a:lnB>
-                        <a:lnTlToBr w="12700" cmpd="sng">
-                          <a:noFill/>
-                          <a:prstDash val="solid"/>
-                        </a:lnTlToBr>
-                        <a:lnBlToTr w="12700" cmpd="sng">
-                          <a:noFill/>
-                          <a:prstDash val="solid"/>
-                        </a:lnBlToTr>
-                        <a:blipFill>
-                          <a:blip r:embed="rId3"/>
-                          <a:stretch>
-                            <a:fillRect l="-100200" t="-2551" b="-8163"/>
-                          </a:stretch>
-                        </a:blipFill>
-                      </a:tcPr>
-                    </a:tc>
-                    <a:extLst>
-                      <a:ext uri="{0D108BD9-81ED-4DB2-BD59-A6C34878D82A}">
-                        <a16:rowId xmlns:a16="http://schemas.microsoft.com/office/drawing/2014/main" val="10000"/>
-                      </a:ext>
-                    </a:extLst>
-                  </a:tr>
-                </a:tbl>
-              </a:graphicData>
-            </a:graphic>
-          </p:graphicFrame>
-        </mc:Fallback>
-      </mc:AlternateContent>
-    </p:spTree>
-    <p:extLst>
-      <p:ext uri="{BB962C8B-B14F-4D97-AF65-F5344CB8AC3E}">
-        <p14:creationId xmlns:p14="http://schemas.microsoft.com/office/powerpoint/2010/main" val="1875133329"/>
-      </p:ext>
-    </p:extLst>
-  </p:cSld>
-  <p:clrMapOvr>
-    <a:masterClrMapping/>
-  </p:clrMapOvr>
-</p:sld>
-</file>
-
-<file path=ppt/slides/slide12.xml><?xml version="1.0" encoding="utf-8"?>
-<p:sld xmlns:a="http://schemas.openxmlformats.org/drawingml/2006/main" xmlns:r="http://schemas.openxmlformats.org/officeDocument/2006/relationships" xmlns:p="http://schemas.openxmlformats.org/presentationml/2006/main">
-  <p:cSld>
-    <p:spTree>
-      <p:nvGrpSpPr>
-        <p:cNvPr id="1" name=""/>
-        <p:cNvGrpSpPr/>
-        <p:nvPr/>
-      </p:nvGrpSpPr>
-      <p:grpSpPr>
-        <a:xfrm>
-          <a:off x="0" y="0"/>
-          <a:ext cx="0" cy="0"/>
-          <a:chOff x="0" y="0"/>
-          <a:chExt cx="0" cy="0"/>
-        </a:xfrm>
-      </p:grpSpPr>
-      <p:sp>
-        <p:nvSpPr>
-          <p:cNvPr id="10" name="Titolo 9"/>
-          <p:cNvSpPr>
-            <a:spLocks noGrp="1"/>
-          </p:cNvSpPr>
-          <p:nvPr>
-            <p:ph type="title"/>
-          </p:nvPr>
-        </p:nvSpPr>
-        <p:spPr/>
-        <p:txBody>
-          <a:bodyPr>
-            <a:normAutofit/>
-          </a:bodyPr>
-          <a:lstStyle/>
-          <a:p>
-            <a:r>
-              <a:rPr lang="en-US" sz="3600" b="1" dirty="0"/>
-              <a:t>Video encoding</a:t>
-            </a:r>
-          </a:p>
-        </p:txBody>
-      </p:sp>
-      <p:sp>
-        <p:nvSpPr>
-          <p:cNvPr id="11" name="Segnaposto contenuto 10"/>
-          <p:cNvSpPr>
-            <a:spLocks noGrp="1"/>
-          </p:cNvSpPr>
-          <p:nvPr>
-            <p:ph idx="1"/>
-          </p:nvPr>
-        </p:nvSpPr>
-        <p:spPr>
-          <a:xfrm>
-            <a:off x="937986" y="1670809"/>
-            <a:ext cx="7997589" cy="5087800"/>
-          </a:xfrm>
-        </p:spPr>
-        <p:txBody>
-          <a:bodyPr>
-            <a:normAutofit/>
-          </a:bodyPr>
-          <a:lstStyle/>
-          <a:p>
-            <a:pPr>
-              <a:spcAft>
-                <a:spcPts val="600"/>
-              </a:spcAft>
-              <a:buFont typeface="Wingdings" charset="2"/>
-              <a:buChar char="§"/>
-            </a:pPr>
-            <a:r>
-              <a:rPr lang="en-US" dirty="0">
-                <a:latin typeface="+mj-lt"/>
-                <a:ea typeface="Fira Sans Light" charset="0"/>
-                <a:cs typeface="Fira Sans Light" charset="0"/>
-              </a:rPr>
-              <a:t>H.264 with Scalable Video Coding extension</a:t>
-            </a:r>
-          </a:p>
-          <a:p>
-            <a:pPr>
-              <a:spcAft>
-                <a:spcPts val="600"/>
-              </a:spcAft>
-              <a:buFont typeface="Wingdings" charset="2"/>
-              <a:buChar char="§"/>
-            </a:pPr>
-            <a:r>
-              <a:rPr lang="en-US" dirty="0">
-                <a:latin typeface="+mj-lt"/>
-                <a:ea typeface="Fira Sans Light" charset="0"/>
-                <a:cs typeface="Fira Sans Light" charset="0"/>
-              </a:rPr>
-              <a:t>Temporal layers</a:t>
-            </a:r>
-          </a:p>
-          <a:p>
-            <a:pPr lvl="1">
-              <a:spcAft>
-                <a:spcPts val="600"/>
-              </a:spcAft>
-              <a:buFont typeface="Wingdings" charset="2"/>
-              <a:buChar char="§"/>
-            </a:pPr>
-            <a:r>
-              <a:rPr lang="en-US" dirty="0">
-                <a:latin typeface="+mj-lt"/>
-                <a:ea typeface="Fira Sans Light" charset="0"/>
-                <a:cs typeface="Fira Sans Light" charset="0"/>
-              </a:rPr>
-              <a:t>Frames with different importance in temporal domain</a:t>
-            </a:r>
-          </a:p>
-          <a:p>
-            <a:pPr>
-              <a:spcAft>
-                <a:spcPts val="600"/>
-              </a:spcAft>
-              <a:buFont typeface="Wingdings" charset="2"/>
-              <a:buChar char="§"/>
-            </a:pPr>
-            <a:endParaRPr lang="en-US" dirty="0">
-              <a:latin typeface="+mj-lt"/>
-              <a:ea typeface="Fira Sans Light" charset="0"/>
-              <a:cs typeface="Fira Sans Light" charset="0"/>
-            </a:endParaRPr>
-          </a:p>
-          <a:p>
-            <a:pPr>
-              <a:spcAft>
-                <a:spcPts val="600"/>
-              </a:spcAft>
-              <a:buFont typeface="Wingdings" charset="2"/>
-              <a:buChar char="§"/>
-            </a:pPr>
-            <a:endParaRPr lang="en-US" dirty="0">
-              <a:latin typeface="Fira Sans Light" charset="0"/>
-              <a:ea typeface="Fira Sans Light" charset="0"/>
-              <a:cs typeface="Fira Sans Light" charset="0"/>
-            </a:endParaRPr>
-          </a:p>
-          <a:p>
-            <a:pPr>
-              <a:spcAft>
-                <a:spcPts val="600"/>
-              </a:spcAft>
-              <a:buFont typeface="Wingdings" charset="2"/>
-              <a:buChar char="§"/>
-            </a:pPr>
-            <a:endParaRPr lang="en-US" dirty="0">
-              <a:latin typeface="Fira Sans Light" charset="0"/>
-              <a:ea typeface="Fira Sans Light" charset="0"/>
-              <a:cs typeface="Fira Sans Light" charset="0"/>
-            </a:endParaRPr>
-          </a:p>
-          <a:p>
-            <a:pPr marL="0" indent="0">
-              <a:spcAft>
-                <a:spcPts val="600"/>
-              </a:spcAft>
-              <a:buNone/>
-            </a:pPr>
-            <a:endParaRPr lang="en-US" dirty="0">
-              <a:latin typeface="Fira Sans Light" charset="0"/>
-              <a:ea typeface="Fira Sans Light" charset="0"/>
-              <a:cs typeface="Fira Sans Light" charset="0"/>
-            </a:endParaRPr>
-          </a:p>
-          <a:p>
-            <a:pPr>
-              <a:spcAft>
-                <a:spcPts val="600"/>
-              </a:spcAft>
-              <a:buFont typeface="Wingdings" charset="2"/>
-              <a:buChar char="§"/>
-            </a:pPr>
-            <a:r>
-              <a:rPr lang="en-US" dirty="0">
-                <a:latin typeface="+mj-lt"/>
-                <a:ea typeface="Fira Sans Light" charset="0"/>
-                <a:cs typeface="Fira Sans Light" charset="0"/>
-              </a:rPr>
-              <a:t>Spatial layers</a:t>
-            </a:r>
-          </a:p>
-          <a:p>
-            <a:pPr lvl="1">
-              <a:spcAft>
-                <a:spcPts val="600"/>
-              </a:spcAft>
-              <a:buFont typeface="Wingdings" charset="2"/>
-              <a:buChar char="§"/>
-            </a:pPr>
-            <a:r>
-              <a:rPr lang="en-US" dirty="0">
-                <a:latin typeface="+mj-lt"/>
-                <a:ea typeface="Fira Sans Light" charset="0"/>
-                <a:cs typeface="Fira Sans Light" charset="0"/>
-              </a:rPr>
-              <a:t>Encode different resolutions in the same bit stream</a:t>
-            </a:r>
-          </a:p>
-          <a:p>
-            <a:pPr>
-              <a:spcAft>
-                <a:spcPts val="600"/>
-              </a:spcAft>
-              <a:buFont typeface="Wingdings" charset="2"/>
-              <a:buChar char="§"/>
-            </a:pPr>
-            <a:endParaRPr lang="en-US" dirty="0">
-              <a:latin typeface="Fira Sans Light" charset="0"/>
-              <a:ea typeface="Fira Sans Light" charset="0"/>
-              <a:cs typeface="Fira Sans Light" charset="0"/>
-            </a:endParaRPr>
-          </a:p>
-          <a:p>
-            <a:pPr>
-              <a:spcAft>
-                <a:spcPts val="600"/>
-              </a:spcAft>
-              <a:buFont typeface="Wingdings" charset="2"/>
-              <a:buChar char="§"/>
-            </a:pPr>
-            <a:endParaRPr lang="en-US" dirty="0">
-              <a:latin typeface="Fira Sans Light" charset="0"/>
-              <a:ea typeface="Fira Sans Light" charset="0"/>
-              <a:cs typeface="Fira Sans Light" charset="0"/>
-            </a:endParaRPr>
-          </a:p>
-        </p:txBody>
-      </p:sp>
-      <p:pic>
-        <p:nvPicPr>
-          <p:cNvPr id="4" name="Immagine 3"/>
-          <p:cNvPicPr>
-            <a:picLocks noChangeAspect="1"/>
-          </p:cNvPicPr>
-          <p:nvPr/>
-        </p:nvPicPr>
-        <p:blipFill>
-          <a:blip r:embed="rId3">
-            <a:extLst>
-              <a:ext uri="{28A0092B-C50C-407E-A947-70E740481C1C}">
-                <a14:useLocalDpi xmlns:a14="http://schemas.microsoft.com/office/drawing/2010/main" val="0"/>
-              </a:ext>
-            </a:extLst>
-          </a:blip>
-          <a:stretch>
-            <a:fillRect/>
-          </a:stretch>
-        </p:blipFill>
-        <p:spPr>
-          <a:xfrm>
-            <a:off x="1498116" y="3431897"/>
-            <a:ext cx="6669493" cy="1882636"/>
-          </a:xfrm>
-          <a:prstGeom prst="rect">
-            <a:avLst/>
-          </a:prstGeom>
-        </p:spPr>
-      </p:pic>
-    </p:spTree>
-    <p:extLst>
-      <p:ext uri="{BB962C8B-B14F-4D97-AF65-F5344CB8AC3E}">
-        <p14:creationId xmlns:p14="http://schemas.microsoft.com/office/powerpoint/2010/main" val="750774827"/>
-      </p:ext>
-    </p:extLst>
-  </p:cSld>
-  <p:clrMapOvr>
-    <a:masterClrMapping/>
-  </p:clrMapOvr>
-</p:sld>
-</file>
-
-<file path=ppt/slides/slide13.xml><?xml version="1.0" encoding="utf-8"?>
-<p:sld xmlns:a="http://schemas.openxmlformats.org/drawingml/2006/main" xmlns:r="http://schemas.openxmlformats.org/officeDocument/2006/relationships" xmlns:p="http://schemas.openxmlformats.org/presentationml/2006/main">
-  <p:cSld>
-    <p:spTree>
-      <p:nvGrpSpPr>
-        <p:cNvPr id="1" name=""/>
-        <p:cNvGrpSpPr/>
-        <p:nvPr/>
-      </p:nvGrpSpPr>
-      <p:grpSpPr>
-        <a:xfrm>
-          <a:off x="0" y="0"/>
-          <a:ext cx="0" cy="0"/>
-          <a:chOff x="0" y="0"/>
-          <a:chExt cx="0" cy="0"/>
-        </a:xfrm>
-      </p:grpSpPr>
-      <p:sp>
-        <p:nvSpPr>
-          <p:cNvPr id="10" name="Titolo 9"/>
-          <p:cNvSpPr>
-            <a:spLocks noGrp="1"/>
-          </p:cNvSpPr>
-          <p:nvPr>
-            <p:ph type="title"/>
-          </p:nvPr>
-        </p:nvSpPr>
-        <p:spPr>
-          <a:xfrm>
-            <a:off x="628650" y="365125"/>
-            <a:ext cx="8153994" cy="1325563"/>
-          </a:xfrm>
-        </p:spPr>
-        <p:txBody>
-          <a:bodyPr/>
-          <a:lstStyle/>
-          <a:p>
-            <a:r>
-              <a:rPr lang="en-US" b="1" dirty="0"/>
-              <a:t>Realistic video streaming extension</a:t>
-            </a:r>
-          </a:p>
-        </p:txBody>
-      </p:sp>
-      <p:sp>
-        <p:nvSpPr>
-          <p:cNvPr id="11" name="Segnaposto contenuto 10"/>
-          <p:cNvSpPr>
-            <a:spLocks noGrp="1"/>
-          </p:cNvSpPr>
-          <p:nvPr>
-            <p:ph idx="1"/>
-          </p:nvPr>
-        </p:nvSpPr>
-        <p:spPr>
-          <a:xfrm>
-            <a:off x="948829" y="1690688"/>
-            <a:ext cx="7833815" cy="3763719"/>
-          </a:xfrm>
-        </p:spPr>
-        <p:txBody>
-          <a:bodyPr>
-            <a:normAutofit/>
-          </a:bodyPr>
-          <a:lstStyle/>
-          <a:p>
-            <a:pPr>
-              <a:buFont typeface="Wingdings" charset="2"/>
-              <a:buChar char="§"/>
-            </a:pPr>
-            <a:r>
-              <a:rPr lang="en-US" sz="2800" dirty="0">
-                <a:latin typeface="+mj-lt"/>
-                <a:ea typeface="Fira Sans Light" charset="0"/>
-                <a:cs typeface="Fira Sans Light" charset="0"/>
-              </a:rPr>
-              <a:t>We simulate the streaming, buffering and play-out of video frames from a real video</a:t>
-            </a:r>
-          </a:p>
-          <a:p>
-            <a:pPr>
-              <a:buFont typeface="Wingdings" charset="2"/>
-              <a:buChar char="§"/>
-            </a:pPr>
-            <a:r>
-              <a:rPr lang="en-US" dirty="0">
-                <a:latin typeface="+mj-lt"/>
-                <a:ea typeface="Fira Sans Light" charset="0"/>
-                <a:cs typeface="Fira Sans Light" charset="0"/>
-              </a:rPr>
-              <a:t>Tools</a:t>
-            </a:r>
-          </a:p>
-          <a:p>
-            <a:pPr lvl="1">
-              <a:buFont typeface="Wingdings" charset="2"/>
-              <a:buChar char="§"/>
-            </a:pPr>
-            <a:r>
-              <a:rPr lang="en-US" sz="2400" dirty="0">
-                <a:latin typeface="+mj-lt"/>
-                <a:ea typeface="Fira Sans Light" charset="0"/>
-                <a:cs typeface="Fira Sans Light" charset="0"/>
-              </a:rPr>
-              <a:t>JSVM to extract the H.264 </a:t>
-            </a:r>
-            <a:r>
-              <a:rPr lang="en-US" sz="2400" dirty="0" err="1">
-                <a:latin typeface="+mj-lt"/>
-                <a:ea typeface="Fira Sans Light" charset="0"/>
-                <a:cs typeface="Fira Sans Light" charset="0"/>
-              </a:rPr>
-              <a:t>bitstream</a:t>
-            </a:r>
-            <a:endParaRPr lang="en-US" sz="2400" dirty="0">
-              <a:latin typeface="+mj-lt"/>
-              <a:ea typeface="Fira Sans Light" charset="0"/>
-              <a:cs typeface="Fira Sans Light" charset="0"/>
-            </a:endParaRPr>
-          </a:p>
-          <a:p>
-            <a:pPr lvl="1">
-              <a:buFont typeface="Wingdings" charset="2"/>
-              <a:buChar char="§"/>
-            </a:pPr>
-            <a:r>
-              <a:rPr lang="en-US" dirty="0" err="1">
-                <a:latin typeface="+mj-lt"/>
-                <a:ea typeface="Fira Sans Light" charset="0"/>
-                <a:cs typeface="Fira Sans Light" charset="0"/>
-              </a:rPr>
-              <a:t>FFmpeg</a:t>
-            </a:r>
-            <a:r>
-              <a:rPr lang="en-US" dirty="0">
-                <a:latin typeface="+mj-lt"/>
-                <a:ea typeface="Fira Sans Light" charset="0"/>
-                <a:cs typeface="Fira Sans Light" charset="0"/>
-              </a:rPr>
-              <a:t> for video decoding and quality evaluation</a:t>
-            </a:r>
-          </a:p>
-          <a:p>
-            <a:pPr lvl="1">
-              <a:buFont typeface="Wingdings" charset="2"/>
-              <a:buChar char="§"/>
-            </a:pPr>
-            <a:r>
-              <a:rPr lang="en-US" sz="2400" dirty="0">
-                <a:latin typeface="+mj-lt"/>
-                <a:ea typeface="Fira Sans Light" charset="0"/>
-                <a:cs typeface="Fira Sans Light" charset="0"/>
-              </a:rPr>
-              <a:t>Custom SVEF extension for adaptation of the </a:t>
-            </a:r>
-            <a:r>
-              <a:rPr lang="en-US" sz="2400" dirty="0" err="1">
-                <a:latin typeface="+mj-lt"/>
-                <a:ea typeface="Fira Sans Light" charset="0"/>
-                <a:cs typeface="Fira Sans Light" charset="0"/>
-              </a:rPr>
-              <a:t>bistream</a:t>
-            </a:r>
-            <a:r>
-              <a:rPr lang="en-US" sz="2400" dirty="0">
-                <a:latin typeface="+mj-lt"/>
-                <a:ea typeface="Fira Sans Light" charset="0"/>
-                <a:cs typeface="Fira Sans Light" charset="0"/>
-              </a:rPr>
-              <a:t> to ns-3</a:t>
-            </a:r>
-          </a:p>
-        </p:txBody>
-      </p:sp>
-    </p:spTree>
-    <p:extLst>
-      <p:ext uri="{BB962C8B-B14F-4D97-AF65-F5344CB8AC3E}">
-        <p14:creationId xmlns:p14="http://schemas.microsoft.com/office/powerpoint/2010/main" val="1792508520"/>
-      </p:ext>
-    </p:extLst>
-  </p:cSld>
-  <p:clrMapOvr>
-    <a:masterClrMapping/>
-  </p:clrMapOvr>
-</p:sld>
-</file>
-
-<file path=ppt/slides/slide14.xml><?xml version="1.0" encoding="utf-8"?>
-<p:sld xmlns:a="http://schemas.openxmlformats.org/drawingml/2006/main" xmlns:r="http://schemas.openxmlformats.org/officeDocument/2006/relationships" xmlns:p="http://schemas.openxmlformats.org/presentationml/2006/main">
-  <p:cSld>
-    <p:spTree>
-      <p:nvGrpSpPr>
-        <p:cNvPr id="1" name=""/>
-        <p:cNvGrpSpPr/>
-        <p:nvPr/>
-      </p:nvGrpSpPr>
-      <p:grpSpPr>
-        <a:xfrm>
-          <a:off x="0" y="0"/>
-          <a:ext cx="0" cy="0"/>
-          <a:chOff x="0" y="0"/>
-          <a:chExt cx="0" cy="0"/>
-        </a:xfrm>
-      </p:grpSpPr>
-      <p:sp>
-        <p:nvSpPr>
-          <p:cNvPr id="18" name="Segnaposto contenuto 10"/>
-          <p:cNvSpPr>
-            <a:spLocks noGrp="1"/>
-          </p:cNvSpPr>
-          <p:nvPr>
-            <p:ph idx="1"/>
-          </p:nvPr>
-        </p:nvSpPr>
-        <p:spPr>
-          <a:xfrm>
-            <a:off x="745615" y="1490870"/>
-            <a:ext cx="8037029" cy="5367129"/>
-          </a:xfrm>
-        </p:spPr>
-        <p:txBody>
-          <a:bodyPr>
-            <a:normAutofit/>
-          </a:bodyPr>
-          <a:lstStyle/>
-          <a:p>
-            <a:pPr>
-              <a:buFont typeface="Wingdings" charset="2"/>
-              <a:buChar char="§"/>
-            </a:pPr>
-            <a:r>
-              <a:rPr lang="en-US" dirty="0">
-                <a:latin typeface="+mj-lt"/>
-                <a:ea typeface="Fira Sans Light" charset="0"/>
-                <a:cs typeface="Fira Sans Light" charset="0"/>
-              </a:rPr>
-              <a:t>Comparison between </a:t>
-            </a:r>
-          </a:p>
-          <a:p>
-            <a:pPr lvl="1">
-              <a:buFont typeface="Wingdings" charset="2"/>
-              <a:buChar char="§"/>
-            </a:pPr>
-            <a:r>
-              <a:rPr lang="en-US" dirty="0">
-                <a:latin typeface="+mj-lt"/>
-                <a:ea typeface="Fira Sans Light" charset="0"/>
-                <a:cs typeface="Fira Sans Light" charset="0"/>
-              </a:rPr>
-              <a:t>LC and HC network coding setups</a:t>
-            </a:r>
-          </a:p>
-          <a:p>
-            <a:pPr lvl="1">
-              <a:buFont typeface="Wingdings" charset="2"/>
-              <a:buChar char="§"/>
-            </a:pPr>
-            <a:r>
-              <a:rPr lang="en-US" sz="2400" dirty="0">
-                <a:latin typeface="+mj-lt"/>
-                <a:ea typeface="Fira Sans Light" charset="0"/>
-                <a:cs typeface="Fira Sans Light" charset="0"/>
-              </a:rPr>
-              <a:t>Retransmission policies </a:t>
-            </a:r>
-          </a:p>
-          <a:p>
-            <a:pPr lvl="2">
-              <a:buFont typeface="Wingdings" charset="2"/>
-              <a:buChar char="§"/>
-            </a:pPr>
-            <a:r>
-              <a:rPr lang="en-US" sz="2000" dirty="0">
-                <a:latin typeface="+mj-lt"/>
-                <a:ea typeface="Fira Sans Light" charset="0"/>
-                <a:cs typeface="Fira Sans Light" charset="0"/>
-              </a:rPr>
-              <a:t>RAN retransmissions (HARQ and RLC AM)</a:t>
-            </a:r>
-          </a:p>
-          <a:p>
-            <a:pPr lvl="2">
-              <a:buFont typeface="Wingdings" charset="2"/>
-              <a:buChar char="§"/>
-            </a:pPr>
-            <a:r>
-              <a:rPr lang="en-US" dirty="0">
-                <a:latin typeface="+mj-lt"/>
-                <a:ea typeface="Fira Sans Light" charset="0"/>
-                <a:cs typeface="Fira Sans Light" charset="0"/>
-              </a:rPr>
-              <a:t>Network coding FEC</a:t>
-            </a:r>
-            <a:endParaRPr lang="en-US" sz="2000" dirty="0">
-              <a:latin typeface="+mj-lt"/>
-              <a:ea typeface="Fira Sans Light" charset="0"/>
-              <a:cs typeface="Fira Sans Light" charset="0"/>
-            </a:endParaRPr>
-          </a:p>
-        </p:txBody>
-      </p:sp>
-      <p:sp>
-        <p:nvSpPr>
-          <p:cNvPr id="10" name="Titolo 9"/>
-          <p:cNvSpPr>
-            <a:spLocks noGrp="1"/>
-          </p:cNvSpPr>
-          <p:nvPr>
-            <p:ph type="title"/>
-          </p:nvPr>
-        </p:nvSpPr>
-        <p:spPr>
-          <a:xfrm>
-            <a:off x="628650" y="365125"/>
-            <a:ext cx="8153994" cy="1325563"/>
-          </a:xfrm>
-        </p:spPr>
-        <p:txBody>
-          <a:bodyPr/>
-          <a:lstStyle/>
-          <a:p>
-            <a:r>
-              <a:rPr lang="en-US" b="1" dirty="0"/>
-              <a:t>Simulation scenario</a:t>
-            </a:r>
-          </a:p>
-        </p:txBody>
-      </p:sp>
-      <p:pic>
-        <p:nvPicPr>
-          <p:cNvPr id="2" name="Immagine 1"/>
-          <p:cNvPicPr>
-            <a:picLocks noChangeAspect="1"/>
-          </p:cNvPicPr>
-          <p:nvPr/>
-        </p:nvPicPr>
-        <p:blipFill>
-          <a:blip r:embed="rId2">
-            <a:extLst>
-              <a:ext uri="{28A0092B-C50C-407E-A947-70E740481C1C}">
-                <a14:useLocalDpi xmlns:a14="http://schemas.microsoft.com/office/drawing/2010/main" val="0"/>
-              </a:ext>
-            </a:extLst>
-          </a:blip>
-          <a:stretch>
-            <a:fillRect/>
-          </a:stretch>
-        </p:blipFill>
-        <p:spPr>
-          <a:xfrm>
-            <a:off x="970492" y="3917553"/>
-            <a:ext cx="3327235" cy="2736102"/>
-          </a:xfrm>
-          <a:prstGeom prst="rect">
-            <a:avLst/>
-          </a:prstGeom>
-        </p:spPr>
-      </p:pic>
-      <p:grpSp>
-        <p:nvGrpSpPr>
-          <p:cNvPr id="4" name="Gruppo 3"/>
-          <p:cNvGrpSpPr/>
-          <p:nvPr/>
-        </p:nvGrpSpPr>
-        <p:grpSpPr>
-          <a:xfrm>
-            <a:off x="5088361" y="3560490"/>
-            <a:ext cx="3340970" cy="3093165"/>
-            <a:chOff x="4967302" y="1690689"/>
-            <a:chExt cx="3340970" cy="3093165"/>
-          </a:xfrm>
-        </p:grpSpPr>
-        <p:pic>
-          <p:nvPicPr>
-            <p:cNvPr id="5" name="Immagine 24"/>
-            <p:cNvPicPr/>
-            <p:nvPr/>
-          </p:nvPicPr>
-          <p:blipFill>
-            <a:blip r:embed="rId3" cstate="print">
-              <a:alphaModFix/>
-              <a:biLevel thresh="75000"/>
-              <a:extLst>
-                <a:ext uri="{BEBA8EAE-BF5A-486C-A8C5-ECC9F3942E4B}">
-                  <a14:imgProps xmlns:a14="http://schemas.microsoft.com/office/drawing/2010/main">
-                    <a14:imgLayer r:embed="rId4">
-                      <a14:imgEffect>
-                        <a14:backgroundRemoval t="0" b="100000" l="0" r="100000"/>
-                      </a14:imgEffect>
-                    </a14:imgLayer>
-                  </a14:imgProps>
-                </a:ext>
-                <a:ext uri="{28A0092B-C50C-407E-A947-70E740481C1C}">
-                  <a14:useLocalDpi xmlns:a14="http://schemas.microsoft.com/office/drawing/2010/main" val="0"/>
-                </a:ext>
-              </a:extLst>
-            </a:blip>
-            <a:stretch>
-              <a:fillRect/>
-            </a:stretch>
-          </p:blipFill>
-          <p:spPr>
-            <a:xfrm>
-              <a:off x="6563521" y="1690689"/>
-              <a:ext cx="793180" cy="1374341"/>
-            </a:xfrm>
-            <a:prstGeom prst="rect">
-              <a:avLst/>
-            </a:prstGeom>
-          </p:spPr>
-        </p:pic>
-        <p:grpSp>
-          <p:nvGrpSpPr>
-            <p:cNvPr id="6" name="Gruppo 5"/>
-            <p:cNvGrpSpPr/>
-            <p:nvPr/>
-          </p:nvGrpSpPr>
-          <p:grpSpPr>
-            <a:xfrm>
-              <a:off x="6296868" y="4058141"/>
-              <a:ext cx="452561" cy="725713"/>
-              <a:chOff x="1273469" y="2632974"/>
-              <a:chExt cx="423783" cy="969431"/>
-            </a:xfrm>
-          </p:grpSpPr>
-          <p:pic>
-            <p:nvPicPr>
-              <p:cNvPr id="7" name="Immagine 6"/>
-              <p:cNvPicPr>
-                <a:picLocks noChangeAspect="1"/>
-              </p:cNvPicPr>
-              <p:nvPr/>
-            </p:nvPicPr>
-            <p:blipFill>
-              <a:blip r:embed="rId5" cstate="print">
-                <a:extLst>
-                  <a:ext uri="{28A0092B-C50C-407E-A947-70E740481C1C}">
-                    <a14:useLocalDpi xmlns:a14="http://schemas.microsoft.com/office/drawing/2010/main" val="0"/>
-                  </a:ext>
-                </a:extLst>
-              </a:blip>
-              <a:stretch>
-                <a:fillRect/>
-              </a:stretch>
-            </p:blipFill>
-            <p:spPr>
-              <a:xfrm>
-                <a:off x="1329562" y="2632974"/>
-                <a:ext cx="286999" cy="630888"/>
-              </a:xfrm>
-              <a:prstGeom prst="rect">
-                <a:avLst/>
-              </a:prstGeom>
-            </p:spPr>
-          </p:pic>
-          <p:sp>
-            <p:nvSpPr>
-              <p:cNvPr id="8" name="CasellaDiTesto 7"/>
-              <p:cNvSpPr txBox="1"/>
-              <p:nvPr/>
-            </p:nvSpPr>
-            <p:spPr>
-              <a:xfrm>
-                <a:off x="1273469" y="3252938"/>
-                <a:ext cx="423783" cy="349467"/>
-              </a:xfrm>
-              <a:prstGeom prst="rect">
-                <a:avLst/>
-              </a:prstGeom>
-              <a:noFill/>
-            </p:spPr>
-            <p:txBody>
-              <a:bodyPr wrap="square" rtlCol="0">
-                <a:spAutoFit/>
-              </a:bodyPr>
-              <a:lstStyle/>
-              <a:p>
-                <a:pPr algn="ctr"/>
-                <a:r>
-                  <a:rPr lang="en-US" sz="1100" dirty="0">
-                    <a:latin typeface="Roboto Slab" charset="0"/>
-                    <a:ea typeface="Roboto Slab" charset="0"/>
-                    <a:cs typeface="Roboto Slab" charset="0"/>
-                  </a:rPr>
-                  <a:t>UE</a:t>
-                </a:r>
-              </a:p>
-            </p:txBody>
-          </p:sp>
-        </p:grpSp>
-        <p:pic>
-          <p:nvPicPr>
-            <p:cNvPr id="9" name="Immagine 8"/>
-            <p:cNvPicPr>
-              <a:picLocks noChangeAspect="1"/>
-            </p:cNvPicPr>
-            <p:nvPr/>
-          </p:nvPicPr>
-          <p:blipFill>
-            <a:blip r:embed="rId5" cstate="print">
-              <a:extLst>
-                <a:ext uri="{28A0092B-C50C-407E-A947-70E740481C1C}">
-                  <a14:useLocalDpi xmlns:a14="http://schemas.microsoft.com/office/drawing/2010/main" val="0"/>
-                </a:ext>
-              </a:extLst>
-            </a:blip>
-            <a:stretch>
-              <a:fillRect/>
-            </a:stretch>
-          </p:blipFill>
-          <p:spPr>
-            <a:xfrm>
-              <a:off x="5032260" y="3237271"/>
-              <a:ext cx="306487" cy="472281"/>
-            </a:xfrm>
-            <a:prstGeom prst="rect">
-              <a:avLst/>
-            </a:prstGeom>
-          </p:spPr>
-        </p:pic>
-        <p:grpSp>
-          <p:nvGrpSpPr>
-            <p:cNvPr id="12" name="Gruppo 11"/>
-            <p:cNvGrpSpPr/>
-            <p:nvPr/>
-          </p:nvGrpSpPr>
-          <p:grpSpPr>
-            <a:xfrm>
-              <a:off x="5533770" y="3794866"/>
-              <a:ext cx="488765" cy="727378"/>
-              <a:chOff x="676938" y="2883746"/>
-              <a:chExt cx="457685" cy="971656"/>
-            </a:xfrm>
-          </p:grpSpPr>
-          <p:pic>
-            <p:nvPicPr>
-              <p:cNvPr id="13" name="Immagine 12"/>
-              <p:cNvPicPr>
-                <a:picLocks noChangeAspect="1"/>
-              </p:cNvPicPr>
-              <p:nvPr/>
-            </p:nvPicPr>
-            <p:blipFill>
-              <a:blip r:embed="rId5" cstate="print">
-                <a:extLst>
-                  <a:ext uri="{28A0092B-C50C-407E-A947-70E740481C1C}">
-                    <a14:useLocalDpi xmlns:a14="http://schemas.microsoft.com/office/drawing/2010/main" val="0"/>
-                  </a:ext>
-                </a:extLst>
-              </a:blip>
-              <a:stretch>
-                <a:fillRect/>
-              </a:stretch>
-            </p:blipFill>
-            <p:spPr>
-              <a:xfrm>
-                <a:off x="749980" y="2883746"/>
-                <a:ext cx="286998" cy="630888"/>
-              </a:xfrm>
-              <a:prstGeom prst="rect">
-                <a:avLst/>
-              </a:prstGeom>
-            </p:spPr>
-          </p:pic>
-          <p:sp>
-            <p:nvSpPr>
-              <p:cNvPr id="14" name="CasellaDiTesto 13"/>
-              <p:cNvSpPr txBox="1"/>
-              <p:nvPr/>
-            </p:nvSpPr>
-            <p:spPr>
-              <a:xfrm>
-                <a:off x="676938" y="3505933"/>
-                <a:ext cx="457685" cy="349469"/>
-              </a:xfrm>
-              <a:prstGeom prst="rect">
-                <a:avLst/>
-              </a:prstGeom>
-              <a:noFill/>
-            </p:spPr>
-            <p:txBody>
-              <a:bodyPr wrap="square" rtlCol="0">
-                <a:spAutoFit/>
-              </a:bodyPr>
-              <a:lstStyle/>
-              <a:p>
-                <a:pPr algn="ctr"/>
-                <a:r>
-                  <a:rPr lang="en-US" sz="1100" dirty="0">
-                    <a:latin typeface="Roboto Slab" charset="0"/>
-                    <a:ea typeface="Roboto Slab" charset="0"/>
-                    <a:cs typeface="Roboto Slab" charset="0"/>
-                  </a:rPr>
-                  <a:t>UE</a:t>
-                </a:r>
-              </a:p>
-            </p:txBody>
-          </p:sp>
-        </p:grpSp>
-        <p:pic>
-          <p:nvPicPr>
-            <p:cNvPr id="15" name="Immagine 14"/>
-            <p:cNvPicPr>
-              <a:picLocks noChangeAspect="1"/>
-            </p:cNvPicPr>
-            <p:nvPr/>
-          </p:nvPicPr>
-          <p:blipFill>
-            <a:blip r:embed="rId5" cstate="print">
-              <a:extLst>
-                <a:ext uri="{28A0092B-C50C-407E-A947-70E740481C1C}">
-                  <a14:useLocalDpi xmlns:a14="http://schemas.microsoft.com/office/drawing/2010/main" val="0"/>
-                </a:ext>
-              </a:extLst>
-            </a:blip>
-            <a:stretch>
-              <a:fillRect/>
-            </a:stretch>
-          </p:blipFill>
-          <p:spPr>
-            <a:xfrm>
-              <a:off x="8001785" y="2687848"/>
-              <a:ext cx="306487" cy="472281"/>
-            </a:xfrm>
-            <a:prstGeom prst="rect">
-              <a:avLst/>
-            </a:prstGeom>
-          </p:spPr>
-        </p:pic>
-        <p:pic>
-          <p:nvPicPr>
-            <p:cNvPr id="16" name="Immagine 15"/>
-            <p:cNvPicPr>
-              <a:picLocks noChangeAspect="1"/>
-            </p:cNvPicPr>
-            <p:nvPr/>
-          </p:nvPicPr>
-          <p:blipFill>
-            <a:blip r:embed="rId5" cstate="print">
-              <a:extLst>
-                <a:ext uri="{28A0092B-C50C-407E-A947-70E740481C1C}">
-                  <a14:useLocalDpi xmlns:a14="http://schemas.microsoft.com/office/drawing/2010/main" val="0"/>
-                </a:ext>
-              </a:extLst>
-            </a:blip>
-            <a:stretch>
-              <a:fillRect/>
-            </a:stretch>
-          </p:blipFill>
-          <p:spPr>
-            <a:xfrm>
-              <a:off x="7695298" y="1712069"/>
-              <a:ext cx="306487" cy="472281"/>
-            </a:xfrm>
-            <a:prstGeom prst="rect">
-              <a:avLst/>
-            </a:prstGeom>
-          </p:spPr>
-        </p:pic>
-        <p:sp>
-          <p:nvSpPr>
-            <p:cNvPr id="17" name="Rectangle 4"/>
-            <p:cNvSpPr/>
-            <p:nvPr/>
-          </p:nvSpPr>
-          <p:spPr>
-            <a:xfrm rot="1941628">
-              <a:off x="4967302" y="3116861"/>
-              <a:ext cx="2778936" cy="477155"/>
-            </a:xfrm>
-            <a:prstGeom prst="rect">
-              <a:avLst/>
-            </a:prstGeom>
-            <a:solidFill>
-              <a:schemeClr val="bg1">
-                <a:lumMod val="65000"/>
-              </a:schemeClr>
-            </a:solidFill>
-            <a:ln>
-              <a:prstDash val="dashDot"/>
-            </a:ln>
-            <a:effectLst/>
-          </p:spPr>
-          <p:style>
-            <a:lnRef idx="2">
-              <a:schemeClr val="dk1"/>
-            </a:lnRef>
-            <a:fillRef idx="1">
-              <a:schemeClr val="lt1"/>
-            </a:fillRef>
-            <a:effectRef idx="0">
-              <a:schemeClr val="dk1"/>
-            </a:effectRef>
-            <a:fontRef idx="minor">
-              <a:schemeClr val="dk1"/>
-            </a:fontRef>
-          </p:style>
-          <p:txBody>
-            <a:bodyPr rtlCol="0" anchor="ctr"/>
-            <a:lstStyle/>
-            <a:p>
-              <a:pPr algn="ctr"/>
-              <a:endParaRPr lang="en-US" sz="1100" dirty="0">
-                <a:latin typeface="Roboto Slab" charset="0"/>
-                <a:ea typeface="Roboto Slab" charset="0"/>
-                <a:cs typeface="Roboto Slab" charset="0"/>
-              </a:endParaRPr>
-            </a:p>
-          </p:txBody>
-        </p:sp>
-        <p:sp>
-          <p:nvSpPr>
-            <p:cNvPr id="3" name="CasellaDiTesto 2"/>
-            <p:cNvSpPr txBox="1"/>
-            <p:nvPr/>
-          </p:nvSpPr>
-          <p:spPr>
-            <a:xfrm>
-              <a:off x="6165269" y="3237271"/>
-              <a:ext cx="995978" cy="369332"/>
-            </a:xfrm>
-            <a:prstGeom prst="rect">
-              <a:avLst/>
-            </a:prstGeom>
-            <a:noFill/>
-          </p:spPr>
-          <p:txBody>
-            <a:bodyPr wrap="none" rtlCol="0">
-              <a:spAutoFit/>
-            </a:bodyPr>
-            <a:lstStyle/>
-            <a:p>
-              <a:r>
-                <a:rPr lang="en-US" dirty="0">
-                  <a:latin typeface="+mj-lt"/>
-                </a:rPr>
-                <a:t>Obstacle</a:t>
-              </a:r>
-            </a:p>
-          </p:txBody>
-        </p:sp>
-      </p:grpSp>
-    </p:spTree>
-    <p:extLst>
-      <p:ext uri="{BB962C8B-B14F-4D97-AF65-F5344CB8AC3E}">
-        <p14:creationId xmlns:p14="http://schemas.microsoft.com/office/powerpoint/2010/main" val="445602554"/>
-      </p:ext>
-    </p:extLst>
-  </p:cSld>
-  <p:clrMapOvr>
-    <a:masterClrMapping/>
-  </p:clrMapOvr>
-</p:sld>
-</file>
-
-<file path=ppt/slides/slide15.xml><?xml version="1.0" encoding="utf-8"?>
-<p:sld xmlns:a="http://schemas.openxmlformats.org/drawingml/2006/main" xmlns:r="http://schemas.openxmlformats.org/officeDocument/2006/relationships" xmlns:p="http://schemas.openxmlformats.org/presentationml/2006/main">
-  <p:cSld>
-    <p:spTree>
-      <p:nvGrpSpPr>
-        <p:cNvPr id="1" name=""/>
-        <p:cNvGrpSpPr/>
-        <p:nvPr/>
-      </p:nvGrpSpPr>
-      <p:grpSpPr>
-        <a:xfrm>
-          <a:off x="0" y="0"/>
-          <a:ext cx="0" cy="0"/>
-          <a:chOff x="0" y="0"/>
-          <a:chExt cx="0" cy="0"/>
-        </a:xfrm>
-      </p:grpSpPr>
-      <p:sp>
-        <p:nvSpPr>
-          <p:cNvPr id="10" name="Titolo 9"/>
-          <p:cNvSpPr>
-            <a:spLocks noGrp="1"/>
-          </p:cNvSpPr>
-          <p:nvPr>
-            <p:ph type="title"/>
-          </p:nvPr>
-        </p:nvSpPr>
-        <p:spPr>
-          <a:xfrm>
-            <a:off x="628650" y="365125"/>
-            <a:ext cx="8153994" cy="1325563"/>
-          </a:xfrm>
-        </p:spPr>
-        <p:txBody>
-          <a:bodyPr/>
-          <a:lstStyle/>
-          <a:p>
-            <a:r>
-              <a:rPr lang="en-US" b="1" dirty="0"/>
-              <a:t>End-to-end latency and NALU</a:t>
-            </a:r>
-            <a:r>
-              <a:rPr lang="en-US" b="1" baseline="30000" dirty="0"/>
-              <a:t>*</a:t>
-            </a:r>
-            <a:r>
-              <a:rPr lang="en-US" b="1" dirty="0"/>
-              <a:t> loss</a:t>
-            </a:r>
-          </a:p>
-        </p:txBody>
-      </p:sp>
-      <p:sp>
-        <p:nvSpPr>
-          <p:cNvPr id="18" name="CasellaDiTesto 17"/>
-          <p:cNvSpPr txBox="1"/>
-          <p:nvPr/>
-        </p:nvSpPr>
-        <p:spPr>
-          <a:xfrm>
-            <a:off x="2213695" y="4005193"/>
-            <a:ext cx="893899" cy="369332"/>
-          </a:xfrm>
-          <a:prstGeom prst="rect">
-            <a:avLst/>
-          </a:prstGeom>
-          <a:noFill/>
-        </p:spPr>
-        <p:txBody>
-          <a:bodyPr wrap="none" rtlCol="0">
-            <a:spAutoFit/>
-          </a:bodyPr>
-          <a:lstStyle/>
-          <a:p>
-            <a:r>
-              <a:rPr lang="en-US" dirty="0">
-                <a:latin typeface="+mj-lt"/>
-              </a:rPr>
-              <a:t>Latency</a:t>
-            </a:r>
-          </a:p>
-        </p:txBody>
-      </p:sp>
-      <p:pic>
-        <p:nvPicPr>
-          <p:cNvPr id="20" name="Immagine 19"/>
-          <p:cNvPicPr>
-            <a:picLocks noChangeAspect="1"/>
-          </p:cNvPicPr>
-          <p:nvPr/>
-        </p:nvPicPr>
-        <p:blipFill>
-          <a:blip r:embed="rId3">
-            <a:extLst>
-              <a:ext uri="{28A0092B-C50C-407E-A947-70E740481C1C}">
-                <a14:useLocalDpi xmlns:a14="http://schemas.microsoft.com/office/drawing/2010/main" val="0"/>
-              </a:ext>
-            </a:extLst>
-          </a:blip>
-          <a:stretch>
-            <a:fillRect/>
-          </a:stretch>
-        </p:blipFill>
-        <p:spPr>
-          <a:xfrm>
-            <a:off x="749290" y="1570383"/>
-            <a:ext cx="3822710" cy="2434810"/>
-          </a:xfrm>
-          <a:prstGeom prst="rect">
-            <a:avLst/>
-          </a:prstGeom>
-        </p:spPr>
-      </p:pic>
-      <p:pic>
-        <p:nvPicPr>
-          <p:cNvPr id="21" name="Immagine 20"/>
-          <p:cNvPicPr>
-            <a:picLocks noChangeAspect="1"/>
-          </p:cNvPicPr>
-          <p:nvPr/>
-        </p:nvPicPr>
-        <p:blipFill>
-          <a:blip r:embed="rId4">
-            <a:extLst>
-              <a:ext uri="{28A0092B-C50C-407E-A947-70E740481C1C}">
-                <a14:useLocalDpi xmlns:a14="http://schemas.microsoft.com/office/drawing/2010/main" val="0"/>
-              </a:ext>
-            </a:extLst>
-          </a:blip>
-          <a:stretch>
-            <a:fillRect/>
-          </a:stretch>
-        </p:blipFill>
-        <p:spPr>
-          <a:xfrm>
-            <a:off x="4823089" y="1459702"/>
-            <a:ext cx="3708466" cy="2545491"/>
-          </a:xfrm>
-          <a:prstGeom prst="rect">
-            <a:avLst/>
-          </a:prstGeom>
-        </p:spPr>
-      </p:pic>
-      <p:sp>
-        <p:nvSpPr>
-          <p:cNvPr id="22" name="CasellaDiTesto 21"/>
-          <p:cNvSpPr txBox="1"/>
-          <p:nvPr/>
-        </p:nvSpPr>
-        <p:spPr>
-          <a:xfrm>
-            <a:off x="6287469" y="4005193"/>
-            <a:ext cx="1105239" cy="369332"/>
-          </a:xfrm>
-          <a:prstGeom prst="rect">
-            <a:avLst/>
-          </a:prstGeom>
-          <a:noFill/>
-        </p:spPr>
-        <p:txBody>
-          <a:bodyPr wrap="none" rtlCol="0">
-            <a:spAutoFit/>
-          </a:bodyPr>
-          <a:lstStyle/>
-          <a:p>
-            <a:r>
-              <a:rPr lang="en-US" dirty="0">
-                <a:latin typeface="+mj-lt"/>
-              </a:rPr>
-              <a:t>NALU loss</a:t>
-            </a:r>
-          </a:p>
-        </p:txBody>
-      </p:sp>
-      <p:sp>
-        <p:nvSpPr>
-          <p:cNvPr id="23" name="Segnaposto contenuto 10"/>
-          <p:cNvSpPr>
-            <a:spLocks noGrp="1"/>
-          </p:cNvSpPr>
-          <p:nvPr>
-            <p:ph idx="1"/>
-          </p:nvPr>
-        </p:nvSpPr>
-        <p:spPr>
-          <a:xfrm>
-            <a:off x="745615" y="1490870"/>
-            <a:ext cx="8037029" cy="5367129"/>
-          </a:xfrm>
-        </p:spPr>
-        <p:txBody>
-          <a:bodyPr>
-            <a:normAutofit/>
-          </a:bodyPr>
-          <a:lstStyle/>
-          <a:p>
-            <a:pPr>
-              <a:buFont typeface="Wingdings" charset="2"/>
-              <a:buChar char="§"/>
-            </a:pPr>
-            <a:endParaRPr lang="en-US" dirty="0">
-              <a:latin typeface="+mj-lt"/>
-              <a:ea typeface="Fira Sans Light" charset="0"/>
-              <a:cs typeface="Fira Sans Light" charset="0"/>
-            </a:endParaRPr>
-          </a:p>
-          <a:p>
-            <a:pPr>
-              <a:buFont typeface="Wingdings" charset="2"/>
-              <a:buChar char="§"/>
-            </a:pPr>
-            <a:endParaRPr lang="en-US" dirty="0">
-              <a:latin typeface="+mj-lt"/>
-              <a:ea typeface="Fira Sans Light" charset="0"/>
-              <a:cs typeface="Fira Sans Light" charset="0"/>
-            </a:endParaRPr>
-          </a:p>
-          <a:p>
-            <a:pPr>
-              <a:buFont typeface="Wingdings" charset="2"/>
-              <a:buChar char="§"/>
-            </a:pPr>
-            <a:endParaRPr lang="en-US" dirty="0">
-              <a:latin typeface="+mj-lt"/>
-              <a:ea typeface="Fira Sans Light" charset="0"/>
-              <a:cs typeface="Fira Sans Light" charset="0"/>
-            </a:endParaRPr>
-          </a:p>
-          <a:p>
-            <a:pPr>
-              <a:buFont typeface="Wingdings" charset="2"/>
-              <a:buChar char="§"/>
-            </a:pPr>
-            <a:endParaRPr lang="en-US" dirty="0">
-              <a:latin typeface="+mj-lt"/>
-              <a:ea typeface="Fira Sans Light" charset="0"/>
-              <a:cs typeface="Fira Sans Light" charset="0"/>
-            </a:endParaRPr>
-          </a:p>
-          <a:p>
-            <a:pPr>
-              <a:buFont typeface="Wingdings" charset="2"/>
-              <a:buChar char="§"/>
-            </a:pPr>
-            <a:endParaRPr lang="en-US" dirty="0">
-              <a:latin typeface="+mj-lt"/>
-              <a:ea typeface="Fira Sans Light" charset="0"/>
-              <a:cs typeface="Fira Sans Light" charset="0"/>
-            </a:endParaRPr>
-          </a:p>
-          <a:p>
-            <a:pPr>
-              <a:buFont typeface="Wingdings" charset="2"/>
-              <a:buChar char="§"/>
-            </a:pPr>
-            <a:endParaRPr lang="en-US" dirty="0">
-              <a:latin typeface="+mj-lt"/>
-              <a:ea typeface="Fira Sans Light" charset="0"/>
-              <a:cs typeface="Fira Sans Light" charset="0"/>
-            </a:endParaRPr>
-          </a:p>
-          <a:p>
-            <a:pPr>
-              <a:buFont typeface="Wingdings" charset="2"/>
-              <a:buChar char="§"/>
-            </a:pPr>
-            <a:r>
-              <a:rPr lang="en-US" dirty="0">
-                <a:latin typeface="+mj-lt"/>
-                <a:ea typeface="Fira Sans Light" charset="0"/>
-                <a:cs typeface="Fira Sans Light" charset="0"/>
-              </a:rPr>
-              <a:t>Multi connectivity yields the largest gain</a:t>
-            </a:r>
-          </a:p>
-          <a:p>
-            <a:pPr>
-              <a:buFont typeface="Wingdings" charset="2"/>
-              <a:buChar char="§"/>
-            </a:pPr>
-            <a:r>
-              <a:rPr lang="en-US" dirty="0">
-                <a:latin typeface="+mj-lt"/>
-                <a:ea typeface="Fira Sans Light" charset="0"/>
-                <a:cs typeface="Fira Sans Light" charset="0"/>
-              </a:rPr>
-              <a:t>Without multi connectivity, NC performs better for NALU loss at the cost of higher latency</a:t>
-            </a:r>
-          </a:p>
-          <a:p>
-            <a:pPr marL="0" indent="0">
-              <a:buNone/>
-            </a:pPr>
-            <a:endParaRPr lang="en-US" sz="2000" dirty="0">
-              <a:latin typeface="+mj-lt"/>
-              <a:ea typeface="Fira Sans Light" charset="0"/>
-              <a:cs typeface="Fira Sans Light" charset="0"/>
-            </a:endParaRPr>
-          </a:p>
-          <a:p>
-            <a:pPr marL="0" indent="0">
-              <a:buNone/>
-            </a:pPr>
-            <a:r>
-              <a:rPr lang="en-US" sz="2000" baseline="30000" dirty="0">
-                <a:latin typeface="+mj-lt"/>
-                <a:ea typeface="Fira Sans Light" charset="0"/>
-                <a:cs typeface="Fira Sans Light" charset="0"/>
-              </a:rPr>
-              <a:t>*</a:t>
-            </a:r>
-            <a:r>
-              <a:rPr lang="en-US" sz="2000" dirty="0">
-                <a:latin typeface="+mj-lt"/>
-                <a:ea typeface="Fira Sans Light" charset="0"/>
-                <a:cs typeface="Fira Sans Light" charset="0"/>
-              </a:rPr>
-              <a:t>NALU: portion of the video </a:t>
-            </a:r>
-            <a:r>
-              <a:rPr lang="en-US" sz="2000" dirty="0" err="1">
-                <a:latin typeface="+mj-lt"/>
-                <a:ea typeface="Fira Sans Light" charset="0"/>
-                <a:cs typeface="Fira Sans Light" charset="0"/>
-              </a:rPr>
-              <a:t>bitstream</a:t>
-            </a:r>
-            <a:r>
-              <a:rPr lang="en-US" sz="2000" dirty="0">
-                <a:latin typeface="+mj-lt"/>
-                <a:ea typeface="Fira Sans Light" charset="0"/>
-                <a:cs typeface="Fira Sans Light" charset="0"/>
-              </a:rPr>
-              <a:t> mapped to a network packet</a:t>
-            </a:r>
-            <a:endParaRPr lang="en-US" dirty="0">
-              <a:latin typeface="+mj-lt"/>
-              <a:ea typeface="Fira Sans Light" charset="0"/>
-              <a:cs typeface="Fira Sans Light" charset="0"/>
-            </a:endParaRPr>
-          </a:p>
-        </p:txBody>
-      </p:sp>
-    </p:spTree>
-    <p:extLst>
-      <p:ext uri="{BB962C8B-B14F-4D97-AF65-F5344CB8AC3E}">
-        <p14:creationId xmlns:p14="http://schemas.microsoft.com/office/powerpoint/2010/main" val="1762092696"/>
-      </p:ext>
-    </p:extLst>
-  </p:cSld>
-  <p:clrMapOvr>
-    <a:masterClrMapping/>
-  </p:clrMapOvr>
-</p:sld>
-</file>
-
-<file path=ppt/slides/slide16.xml><?xml version="1.0" encoding="utf-8"?>
-<p:sld xmlns:a="http://schemas.openxmlformats.org/drawingml/2006/main" xmlns:r="http://schemas.openxmlformats.org/officeDocument/2006/relationships" xmlns:p="http://schemas.openxmlformats.org/presentationml/2006/main">
-  <p:cSld>
-    <p:spTree>
-      <p:nvGrpSpPr>
-        <p:cNvPr id="1" name=""/>
-        <p:cNvGrpSpPr/>
-        <p:nvPr/>
-      </p:nvGrpSpPr>
-      <p:grpSpPr>
-        <a:xfrm>
-          <a:off x="0" y="0"/>
-          <a:ext cx="0" cy="0"/>
-          <a:chOff x="0" y="0"/>
-          <a:chExt cx="0" cy="0"/>
-        </a:xfrm>
-      </p:grpSpPr>
-      <p:sp>
-        <p:nvSpPr>
-          <p:cNvPr id="10" name="Titolo 9"/>
-          <p:cNvSpPr>
-            <a:spLocks noGrp="1"/>
-          </p:cNvSpPr>
-          <p:nvPr>
-            <p:ph type="title"/>
-          </p:nvPr>
-        </p:nvSpPr>
-        <p:spPr>
-          <a:xfrm>
-            <a:off x="628650" y="365125"/>
-            <a:ext cx="8153994" cy="1325563"/>
-          </a:xfrm>
-        </p:spPr>
-        <p:txBody>
-          <a:bodyPr/>
-          <a:lstStyle/>
-          <a:p>
-            <a:r>
-              <a:rPr lang="en-US" b="1" dirty="0"/>
-              <a:t>PSNR</a:t>
-            </a:r>
-          </a:p>
-        </p:txBody>
-      </p:sp>
-      <p:sp>
-        <p:nvSpPr>
-          <p:cNvPr id="9" name="Segnaposto contenuto 10"/>
-          <p:cNvSpPr>
-            <a:spLocks noGrp="1"/>
-          </p:cNvSpPr>
-          <p:nvPr>
-            <p:ph idx="1"/>
-          </p:nvPr>
-        </p:nvSpPr>
-        <p:spPr>
-          <a:xfrm>
-            <a:off x="745615" y="1490870"/>
-            <a:ext cx="8037029" cy="5367129"/>
-          </a:xfrm>
-        </p:spPr>
-        <p:txBody>
-          <a:bodyPr>
-            <a:normAutofit/>
-          </a:bodyPr>
-          <a:lstStyle/>
-          <a:p>
-            <a:pPr marL="0" indent="0">
-              <a:buNone/>
-            </a:pPr>
-            <a:r>
-              <a:rPr lang="en-US" sz="2000" dirty="0">
-                <a:latin typeface="+mj-lt"/>
-                <a:ea typeface="Fira Sans Light" charset="0"/>
-                <a:cs typeface="Fira Sans Light" charset="0"/>
-              </a:rPr>
-              <a:t>Inversely proportional to MSE between received and transmitted frame, maximum value with </a:t>
-            </a:r>
-            <a:r>
-              <a:rPr lang="en-US" sz="2000" dirty="0" err="1">
-                <a:latin typeface="+mj-lt"/>
-                <a:ea typeface="Fira Sans Light" charset="0"/>
-                <a:cs typeface="Fira Sans Light" charset="0"/>
-              </a:rPr>
-              <a:t>FFmpeg</a:t>
-            </a:r>
-            <a:r>
-              <a:rPr lang="en-US" sz="2000" dirty="0">
-                <a:latin typeface="+mj-lt"/>
-                <a:ea typeface="Fira Sans Light" charset="0"/>
-                <a:cs typeface="Fira Sans Light" charset="0"/>
-              </a:rPr>
-              <a:t> 99.99 dB</a:t>
-            </a:r>
-          </a:p>
-        </p:txBody>
-      </p:sp>
-      <p:grpSp>
-        <p:nvGrpSpPr>
-          <p:cNvPr id="15" name="Gruppo 14"/>
-          <p:cNvGrpSpPr/>
-          <p:nvPr/>
-        </p:nvGrpSpPr>
-        <p:grpSpPr>
-          <a:xfrm>
-            <a:off x="1073606" y="2221913"/>
-            <a:ext cx="7184870" cy="4521267"/>
-            <a:chOff x="1073606" y="2221913"/>
-            <a:chExt cx="7184870" cy="4521267"/>
-          </a:xfrm>
-        </p:grpSpPr>
-        <p:pic>
-          <p:nvPicPr>
-            <p:cNvPr id="3" name="Immagine 2"/>
-            <p:cNvPicPr>
-              <a:picLocks noChangeAspect="1"/>
-            </p:cNvPicPr>
-            <p:nvPr/>
-          </p:nvPicPr>
-          <p:blipFill>
-            <a:blip r:embed="rId3">
-              <a:extLst>
-                <a:ext uri="{28A0092B-C50C-407E-A947-70E740481C1C}">
-                  <a14:useLocalDpi xmlns:a14="http://schemas.microsoft.com/office/drawing/2010/main" val="0"/>
-                </a:ext>
-              </a:extLst>
-            </a:blip>
-            <a:stretch>
-              <a:fillRect/>
-            </a:stretch>
-          </p:blipFill>
-          <p:spPr>
-            <a:xfrm>
-              <a:off x="2078218" y="3036921"/>
-              <a:ext cx="6180258" cy="3706259"/>
-            </a:xfrm>
-            <a:prstGeom prst="rect">
-              <a:avLst/>
-            </a:prstGeom>
-          </p:spPr>
-        </p:pic>
-        <p:sp>
-          <p:nvSpPr>
-            <p:cNvPr id="4" name="Freccia destra 3"/>
-            <p:cNvSpPr/>
-            <p:nvPr/>
-          </p:nvSpPr>
-          <p:spPr>
-            <a:xfrm rot="10800000">
-              <a:off x="3607903" y="2398990"/>
-              <a:ext cx="4075043" cy="556588"/>
-            </a:xfrm>
-            <a:prstGeom prst="rightArrow">
-              <a:avLst/>
-            </a:prstGeom>
-            <a:noFill/>
-          </p:spPr>
-          <p:style>
-            <a:lnRef idx="2">
-              <a:schemeClr val="accent1">
-                <a:shade val="50000"/>
-              </a:schemeClr>
-            </a:lnRef>
-            <a:fillRef idx="1">
-              <a:schemeClr val="accent1"/>
-            </a:fillRef>
-            <a:effectRef idx="0">
-              <a:schemeClr val="accent1"/>
-            </a:effectRef>
-            <a:fontRef idx="minor">
-              <a:schemeClr val="lt1"/>
-            </a:fontRef>
-          </p:style>
-          <p:txBody>
-            <a:bodyPr rtlCol="0" anchor="ctr"/>
-            <a:lstStyle/>
-            <a:p>
-              <a:pPr algn="ctr"/>
-              <a:endParaRPr lang="en-US"/>
-            </a:p>
-          </p:txBody>
-        </p:sp>
-        <p:sp>
-          <p:nvSpPr>
-            <p:cNvPr id="5" name="CasellaDiTesto 4"/>
-            <p:cNvSpPr txBox="1"/>
-            <p:nvPr/>
-          </p:nvSpPr>
-          <p:spPr>
-            <a:xfrm>
-              <a:off x="5019260" y="2464904"/>
-              <a:ext cx="1490601" cy="369332"/>
-            </a:xfrm>
-            <a:prstGeom prst="rect">
-              <a:avLst/>
-            </a:prstGeom>
-            <a:noFill/>
-          </p:spPr>
-          <p:txBody>
-            <a:bodyPr wrap="none" rtlCol="0">
-              <a:spAutoFit/>
-            </a:bodyPr>
-            <a:lstStyle/>
-            <a:p>
-              <a:r>
-                <a:rPr lang="en-US" dirty="0">
-                  <a:latin typeface="+mj-lt"/>
-                </a:rPr>
-                <a:t>Lower latency</a:t>
-              </a:r>
-            </a:p>
-          </p:txBody>
-        </p:sp>
-        <p:sp>
-          <p:nvSpPr>
-            <p:cNvPr id="12" name="Freccia destra 11"/>
-            <p:cNvSpPr/>
-            <p:nvPr/>
-          </p:nvSpPr>
-          <p:spPr>
-            <a:xfrm rot="16200000">
-              <a:off x="438263" y="4363280"/>
-              <a:ext cx="2723322" cy="556588"/>
-            </a:xfrm>
-            <a:prstGeom prst="rightArrow">
-              <a:avLst/>
-            </a:prstGeom>
-            <a:noFill/>
-          </p:spPr>
-          <p:style>
-            <a:lnRef idx="2">
-              <a:schemeClr val="accent1">
-                <a:shade val="50000"/>
-              </a:schemeClr>
-            </a:lnRef>
-            <a:fillRef idx="1">
-              <a:schemeClr val="accent1"/>
-            </a:fillRef>
-            <a:effectRef idx="0">
-              <a:schemeClr val="accent1"/>
-            </a:effectRef>
-            <a:fontRef idx="minor">
-              <a:schemeClr val="lt1"/>
-            </a:fontRef>
-          </p:style>
-          <p:txBody>
-            <a:bodyPr rtlCol="0" anchor="ctr"/>
-            <a:lstStyle/>
-            <a:p>
-              <a:pPr algn="ctr"/>
-              <a:endParaRPr lang="en-US"/>
-            </a:p>
-          </p:txBody>
-        </p:sp>
-        <p:sp>
-          <p:nvSpPr>
-            <p:cNvPr id="13" name="CasellaDiTesto 12"/>
-            <p:cNvSpPr txBox="1"/>
-            <p:nvPr/>
-          </p:nvSpPr>
-          <p:spPr>
-            <a:xfrm rot="5400000" flipH="1" flipV="1">
-              <a:off x="778650" y="4566237"/>
-              <a:ext cx="2042547" cy="369332"/>
-            </a:xfrm>
-            <a:prstGeom prst="rect">
-              <a:avLst/>
-            </a:prstGeom>
-            <a:noFill/>
-          </p:spPr>
-          <p:txBody>
-            <a:bodyPr wrap="none" rtlCol="0">
-              <a:spAutoFit/>
-            </a:bodyPr>
-            <a:lstStyle/>
-            <a:p>
-              <a:r>
-                <a:rPr lang="en-US" dirty="0">
-                  <a:latin typeface="+mj-lt"/>
-                </a:rPr>
-                <a:t>Higher video quality</a:t>
-              </a:r>
-            </a:p>
-          </p:txBody>
-        </p:sp>
-        <p:sp>
-          <p:nvSpPr>
-            <p:cNvPr id="6" name="Ovale 5"/>
-            <p:cNvSpPr/>
-            <p:nvPr/>
-          </p:nvSpPr>
-          <p:spPr>
-            <a:xfrm>
-              <a:off x="3399182" y="3036921"/>
-              <a:ext cx="725558" cy="666716"/>
-            </a:xfrm>
-            <a:prstGeom prst="ellipse">
-              <a:avLst/>
-            </a:prstGeom>
-            <a:noFill/>
-            <a:ln w="57150">
-              <a:solidFill>
-                <a:schemeClr val="accent2"/>
-              </a:solidFill>
-            </a:ln>
-          </p:spPr>
-          <p:style>
-            <a:lnRef idx="2">
-              <a:schemeClr val="accent1">
-                <a:shade val="50000"/>
-              </a:schemeClr>
-            </a:lnRef>
-            <a:fillRef idx="1">
-              <a:schemeClr val="accent1"/>
-            </a:fillRef>
-            <a:effectRef idx="0">
-              <a:schemeClr val="accent1"/>
-            </a:effectRef>
-            <a:fontRef idx="minor">
-              <a:schemeClr val="lt1"/>
-            </a:fontRef>
-          </p:style>
-          <p:txBody>
-            <a:bodyPr rtlCol="0" anchor="ctr"/>
-            <a:lstStyle/>
-            <a:p>
-              <a:pPr algn="ctr"/>
-              <a:endParaRPr lang="en-US"/>
-            </a:p>
-          </p:txBody>
-        </p:sp>
-        <p:cxnSp>
-          <p:nvCxnSpPr>
-            <p:cNvPr id="8" name="Connettore 2 7"/>
-            <p:cNvCxnSpPr>
-              <a:stCxn id="6" idx="1"/>
-            </p:cNvCxnSpPr>
-            <p:nvPr/>
-          </p:nvCxnSpPr>
-          <p:spPr>
-            <a:xfrm flipH="1" flipV="1">
-              <a:off x="2547023" y="2776677"/>
-              <a:ext cx="958415" cy="357882"/>
-            </a:xfrm>
-            <a:prstGeom prst="straightConnector1">
-              <a:avLst/>
-            </a:prstGeom>
-            <a:ln w="28575">
-              <a:solidFill>
-                <a:schemeClr val="accent2"/>
-              </a:solidFill>
-              <a:tailEnd type="triangle"/>
-            </a:ln>
-          </p:spPr>
-          <p:style>
-            <a:lnRef idx="1">
-              <a:schemeClr val="accent1"/>
-            </a:lnRef>
-            <a:fillRef idx="0">
-              <a:schemeClr val="accent1"/>
-            </a:fillRef>
-            <a:effectRef idx="0">
-              <a:schemeClr val="accent1"/>
-            </a:effectRef>
-            <a:fontRef idx="minor">
-              <a:schemeClr val="tx1"/>
-            </a:fontRef>
-          </p:style>
-        </p:cxnSp>
-        <p:sp>
-          <p:nvSpPr>
-            <p:cNvPr id="11" name="CasellaDiTesto 10"/>
-            <p:cNvSpPr txBox="1"/>
-            <p:nvPr/>
-          </p:nvSpPr>
-          <p:spPr>
-            <a:xfrm>
-              <a:off x="1073606" y="2221913"/>
-              <a:ext cx="1885360" cy="738664"/>
-            </a:xfrm>
-            <a:prstGeom prst="rect">
-              <a:avLst/>
-            </a:prstGeom>
-            <a:noFill/>
-          </p:spPr>
-          <p:txBody>
-            <a:bodyPr wrap="square" rtlCol="0">
-              <a:spAutoFit/>
-            </a:bodyPr>
-            <a:lstStyle/>
-            <a:p>
-              <a:r>
-                <a:rPr lang="en-US" sz="1400" dirty="0">
-                  <a:latin typeface="+mj-lt"/>
-                </a:rPr>
-                <a:t>Proposed solution with multi connectivity and network coding</a:t>
-              </a:r>
-            </a:p>
-          </p:txBody>
-        </p:sp>
-      </p:grpSp>
-    </p:spTree>
-    <p:extLst>
-      <p:ext uri="{BB962C8B-B14F-4D97-AF65-F5344CB8AC3E}">
-        <p14:creationId xmlns:p14="http://schemas.microsoft.com/office/powerpoint/2010/main" val="1176411679"/>
-      </p:ext>
-    </p:extLst>
-  </p:cSld>
-  <p:clrMapOvr>
-    <a:masterClrMapping/>
-  </p:clrMapOvr>
-</p:sld>
-</file>
-
-<file path=ppt/slides/slide17.xml><?xml version="1.0" encoding="utf-8"?>
-<p:sld xmlns:a="http://schemas.openxmlformats.org/drawingml/2006/main" xmlns:r="http://schemas.openxmlformats.org/officeDocument/2006/relationships" xmlns:p="http://schemas.openxmlformats.org/presentationml/2006/main">
-  <p:cSld>
-    <p:spTree>
-      <p:nvGrpSpPr>
-        <p:cNvPr id="1" name=""/>
-        <p:cNvGrpSpPr/>
-        <p:nvPr/>
-      </p:nvGrpSpPr>
-      <p:grpSpPr>
-        <a:xfrm>
-          <a:off x="0" y="0"/>
-          <a:ext cx="0" cy="0"/>
-          <a:chOff x="0" y="0"/>
-          <a:chExt cx="0" cy="0"/>
-        </a:xfrm>
-      </p:grpSpPr>
-      <p:sp>
-        <p:nvSpPr>
-          <p:cNvPr id="10" name="Titolo 9"/>
-          <p:cNvSpPr>
-            <a:spLocks noGrp="1"/>
-          </p:cNvSpPr>
-          <p:nvPr>
-            <p:ph type="title"/>
-          </p:nvPr>
-        </p:nvSpPr>
-        <p:spPr/>
-        <p:txBody>
-          <a:bodyPr/>
-          <a:lstStyle/>
-          <a:p>
-            <a:r>
-              <a:rPr lang="en-US" b="1" dirty="0"/>
-              <a:t>Conclusions</a:t>
-            </a:r>
-          </a:p>
-        </p:txBody>
-      </p:sp>
-      <p:sp>
-        <p:nvSpPr>
-          <p:cNvPr id="11" name="Segnaposto contenuto 10"/>
-          <p:cNvSpPr>
-            <a:spLocks noGrp="1"/>
-          </p:cNvSpPr>
-          <p:nvPr>
-            <p:ph idx="1"/>
-          </p:nvPr>
-        </p:nvSpPr>
-        <p:spPr>
-          <a:xfrm>
-            <a:off x="828654" y="1568415"/>
-            <a:ext cx="8215953" cy="5160376"/>
-          </a:xfrm>
-        </p:spPr>
-        <p:txBody>
-          <a:bodyPr>
-            <a:normAutofit/>
-          </a:bodyPr>
-          <a:lstStyle/>
-          <a:p>
-            <a:pPr>
-              <a:lnSpc>
-                <a:spcPct val="100000"/>
-              </a:lnSpc>
-              <a:buFont typeface="Wingdings" charset="2"/>
-              <a:buChar char="§"/>
-            </a:pPr>
-            <a:r>
-              <a:rPr lang="en-US" dirty="0">
-                <a:latin typeface="+mj-lt"/>
-                <a:ea typeface="Fira Sans Light" charset="0"/>
-                <a:cs typeface="Fira Sans Light" charset="0"/>
-              </a:rPr>
-              <a:t>Video streaming architecture for </a:t>
-            </a:r>
-            <a:r>
-              <a:rPr lang="en-US" dirty="0" err="1">
-                <a:latin typeface="+mj-lt"/>
-                <a:ea typeface="Fira Sans Light" charset="0"/>
-                <a:cs typeface="Fira Sans Light" charset="0"/>
-              </a:rPr>
-              <a:t>mmWave</a:t>
-            </a:r>
-            <a:r>
-              <a:rPr lang="en-US" dirty="0">
-                <a:latin typeface="+mj-lt"/>
-                <a:ea typeface="Fira Sans Light" charset="0"/>
-                <a:cs typeface="Fira Sans Light" charset="0"/>
-              </a:rPr>
-              <a:t> networks</a:t>
-            </a:r>
-          </a:p>
-          <a:p>
-            <a:pPr>
-              <a:lnSpc>
-                <a:spcPct val="100000"/>
-              </a:lnSpc>
-              <a:buFont typeface="Wingdings" charset="2"/>
-              <a:buChar char="§"/>
-            </a:pPr>
-            <a:r>
-              <a:rPr lang="en-US" dirty="0">
-                <a:latin typeface="+mj-lt"/>
-                <a:ea typeface="Fira Sans Light" charset="0"/>
-                <a:cs typeface="Fira Sans Light" charset="0"/>
-              </a:rPr>
-              <a:t>Evaluated with realistic ns-3 </a:t>
-            </a:r>
-            <a:r>
-              <a:rPr lang="en-US" dirty="0" err="1">
-                <a:latin typeface="+mj-lt"/>
-                <a:ea typeface="Fira Sans Light" charset="0"/>
-                <a:cs typeface="Fira Sans Light" charset="0"/>
-              </a:rPr>
-              <a:t>mmWave</a:t>
-            </a:r>
-            <a:r>
-              <a:rPr lang="en-US" dirty="0">
-                <a:latin typeface="+mj-lt"/>
-                <a:ea typeface="Fira Sans Light" charset="0"/>
-                <a:cs typeface="Fira Sans Light" charset="0"/>
-              </a:rPr>
-              <a:t> and video streaming model</a:t>
-            </a:r>
-          </a:p>
-          <a:p>
-            <a:pPr>
-              <a:lnSpc>
-                <a:spcPct val="100000"/>
-              </a:lnSpc>
-              <a:buFont typeface="Wingdings" charset="2"/>
-              <a:buChar char="§"/>
-            </a:pPr>
-            <a:r>
-              <a:rPr lang="en-US" dirty="0">
-                <a:latin typeface="+mj-lt"/>
-                <a:ea typeface="Fira Sans Light" charset="0"/>
-                <a:cs typeface="Fira Sans Light" charset="0"/>
-              </a:rPr>
-              <a:t>Improved video quality with low latency</a:t>
-            </a:r>
-          </a:p>
-          <a:p>
-            <a:pPr lvl="1">
-              <a:lnSpc>
-                <a:spcPct val="100000"/>
-              </a:lnSpc>
-              <a:buFont typeface="Wingdings" charset="2"/>
-              <a:buChar char="§"/>
-            </a:pPr>
-            <a:r>
-              <a:rPr lang="en-US" dirty="0">
-                <a:latin typeface="+mj-lt"/>
-                <a:ea typeface="Fira Sans Light" charset="0"/>
-                <a:cs typeface="Fira Sans Light" charset="0"/>
-              </a:rPr>
-              <a:t>Useful for high quality live streaming</a:t>
-            </a:r>
-          </a:p>
-          <a:p>
-            <a:pPr>
-              <a:lnSpc>
-                <a:spcPct val="100000"/>
-              </a:lnSpc>
-              <a:buFont typeface="Wingdings" charset="2"/>
-              <a:buChar char="§"/>
-            </a:pPr>
-            <a:r>
-              <a:rPr lang="en-US" dirty="0">
-                <a:latin typeface="+mj-lt"/>
-                <a:ea typeface="Fira Sans Light" charset="0"/>
-                <a:cs typeface="Fira Sans Light" charset="0"/>
-              </a:rPr>
-              <a:t>Important interplay between multi connectivity and network coding </a:t>
-            </a:r>
-            <a:endParaRPr lang="en-US" sz="2400" dirty="0">
-              <a:latin typeface="+mj-lt"/>
-              <a:ea typeface="Fira Sans Light" charset="0"/>
-              <a:cs typeface="Fira Sans Light" charset="0"/>
-            </a:endParaRPr>
-          </a:p>
-          <a:p>
-            <a:pPr>
-              <a:lnSpc>
-                <a:spcPct val="100000"/>
-              </a:lnSpc>
-              <a:buFont typeface="Wingdings" charset="2"/>
-              <a:buChar char="§"/>
-            </a:pPr>
-            <a:r>
-              <a:rPr lang="en-US" sz="2800" dirty="0">
-                <a:latin typeface="+mj-lt"/>
-                <a:ea typeface="Fira Sans Light" charset="0"/>
-                <a:cs typeface="Fira Sans Light" charset="0"/>
-              </a:rPr>
-              <a:t>Future work</a:t>
-            </a:r>
-          </a:p>
-          <a:p>
-            <a:pPr lvl="1">
-              <a:lnSpc>
-                <a:spcPct val="100000"/>
-              </a:lnSpc>
-              <a:buFont typeface="Wingdings" charset="2"/>
-              <a:buChar char="§"/>
-            </a:pPr>
-            <a:r>
-              <a:rPr lang="en-US" sz="2000" dirty="0">
-                <a:latin typeface="+mj-lt"/>
-                <a:ea typeface="Fira Sans Light" charset="0"/>
-                <a:cs typeface="Fira Sans Light" charset="0"/>
-              </a:rPr>
-              <a:t>Implementation of NOW and EW approaches</a:t>
-            </a:r>
-          </a:p>
-        </p:txBody>
-      </p:sp>
-    </p:spTree>
-    <p:extLst>
-      <p:ext uri="{BB962C8B-B14F-4D97-AF65-F5344CB8AC3E}">
-        <p14:creationId xmlns:p14="http://schemas.microsoft.com/office/powerpoint/2010/main" val="378918219"/>
-      </p:ext>
-    </p:extLst>
-  </p:cSld>
-  <p:clrMapOvr>
-    <a:masterClrMapping/>
-  </p:clrMapOvr>
-</p:sld>
-</file>
-
-<file path=ppt/slides/slide18.xml><?xml version="1.0" encoding="utf-8"?>
-<p:sld xmlns:a="http://schemas.openxmlformats.org/drawingml/2006/main" xmlns:r="http://schemas.openxmlformats.org/officeDocument/2006/relationships" xmlns:p="http://schemas.openxmlformats.org/presentationml/2006/main">
-  <p:cSld>
-    <p:spTree>
-      <p:nvGrpSpPr>
-        <p:cNvPr id="1" name=""/>
-        <p:cNvGrpSpPr/>
-        <p:nvPr/>
-      </p:nvGrpSpPr>
-      <p:grpSpPr>
-        <a:xfrm>
-          <a:off x="0" y="0"/>
-          <a:ext cx="0" cy="0"/>
-          <a:chOff x="0" y="0"/>
-          <a:chExt cx="0" cy="0"/>
-        </a:xfrm>
-      </p:grpSpPr>
-      <p:sp>
-        <p:nvSpPr>
-          <p:cNvPr id="4" name="Titolo 3"/>
-          <p:cNvSpPr>
-            <a:spLocks noGrp="1"/>
-          </p:cNvSpPr>
-          <p:nvPr>
-            <p:ph type="ctrTitle"/>
-          </p:nvPr>
-        </p:nvSpPr>
-        <p:spPr>
-          <a:xfrm>
-            <a:off x="603116" y="1321906"/>
-            <a:ext cx="8540884" cy="1693208"/>
-          </a:xfrm>
-        </p:spPr>
-        <p:txBody>
-          <a:bodyPr>
-            <a:noAutofit/>
-          </a:bodyPr>
-          <a:lstStyle/>
-          <a:p>
-            <a:pPr>
-              <a:lnSpc>
-                <a:spcPct val="120000"/>
-              </a:lnSpc>
-            </a:pPr>
-            <a:r>
-              <a:rPr lang="en-US" sz="3600" dirty="0">
-                <a:effectLst>
-                  <a:outerShdw blurRad="38100" dist="38100" dir="2700000" algn="tl">
-                    <a:srgbClr val="000000">
-                      <a:alpha val="43137"/>
-                    </a:srgbClr>
-                  </a:outerShdw>
-                </a:effectLst>
-                <a:latin typeface="+mn-lt"/>
-                <a:ea typeface="Fira Sans" charset="0"/>
-                <a:cs typeface="Fira Sans" charset="0"/>
-              </a:rPr>
-              <a:t>Reliable Video Streaming over </a:t>
-            </a:r>
-            <a:r>
-              <a:rPr lang="en-US" sz="3600" dirty="0" err="1">
-                <a:effectLst>
-                  <a:outerShdw blurRad="38100" dist="38100" dir="2700000" algn="tl">
-                    <a:srgbClr val="000000">
-                      <a:alpha val="43137"/>
-                    </a:srgbClr>
-                  </a:outerShdw>
-                </a:effectLst>
-                <a:latin typeface="+mn-lt"/>
-                <a:ea typeface="Fira Sans" charset="0"/>
-                <a:cs typeface="Fira Sans" charset="0"/>
-              </a:rPr>
-              <a:t>mmWave</a:t>
-            </a:r>
-            <a:r>
-              <a:rPr lang="en-US" sz="3600" dirty="0">
-                <a:effectLst>
-                  <a:outerShdw blurRad="38100" dist="38100" dir="2700000" algn="tl">
-                    <a:srgbClr val="000000">
-                      <a:alpha val="43137"/>
-                    </a:srgbClr>
-                  </a:outerShdw>
-                </a:effectLst>
-                <a:latin typeface="+mn-lt"/>
-                <a:ea typeface="Fira Sans" charset="0"/>
-                <a:cs typeface="Fira Sans" charset="0"/>
-              </a:rPr>
-              <a:t> </a:t>
-            </a:r>
-            <a:br>
-              <a:rPr lang="en-US" sz="3600" dirty="0">
-                <a:effectLst>
-                  <a:outerShdw blurRad="38100" dist="38100" dir="2700000" algn="tl">
-                    <a:srgbClr val="000000">
-                      <a:alpha val="43137"/>
-                    </a:srgbClr>
-                  </a:outerShdw>
-                </a:effectLst>
-                <a:latin typeface="+mn-lt"/>
-                <a:ea typeface="Fira Sans" charset="0"/>
-                <a:cs typeface="Fira Sans" charset="0"/>
-              </a:rPr>
-            </a:br>
-            <a:r>
-              <a:rPr lang="en-US" sz="3600" dirty="0">
-                <a:effectLst>
-                  <a:outerShdw blurRad="38100" dist="38100" dir="2700000" algn="tl">
-                    <a:srgbClr val="000000">
-                      <a:alpha val="43137"/>
-                    </a:srgbClr>
-                  </a:outerShdw>
-                </a:effectLst>
-                <a:latin typeface="+mn-lt"/>
-                <a:ea typeface="Fira Sans" charset="0"/>
-                <a:cs typeface="Fira Sans" charset="0"/>
-              </a:rPr>
-              <a:t>with Multi Connectivity </a:t>
-            </a:r>
-            <a:br>
-              <a:rPr lang="en-US" sz="3600" dirty="0">
-                <a:effectLst>
-                  <a:outerShdw blurRad="38100" dist="38100" dir="2700000" algn="tl">
-                    <a:srgbClr val="000000">
-                      <a:alpha val="43137"/>
-                    </a:srgbClr>
-                  </a:outerShdw>
-                </a:effectLst>
-                <a:latin typeface="+mn-lt"/>
-                <a:ea typeface="Fira Sans" charset="0"/>
-                <a:cs typeface="Fira Sans" charset="0"/>
-              </a:rPr>
-            </a:br>
-            <a:r>
-              <a:rPr lang="en-US" sz="3600" dirty="0">
-                <a:effectLst>
-                  <a:outerShdw blurRad="38100" dist="38100" dir="2700000" algn="tl">
-                    <a:srgbClr val="000000">
-                      <a:alpha val="43137"/>
-                    </a:srgbClr>
-                  </a:outerShdw>
-                </a:effectLst>
-                <a:latin typeface="+mn-lt"/>
-                <a:ea typeface="Fira Sans" charset="0"/>
-                <a:cs typeface="Fira Sans" charset="0"/>
-              </a:rPr>
-              <a:t>and Network Coding </a:t>
-            </a:r>
-          </a:p>
-        </p:txBody>
-      </p:sp>
-      <p:sp>
-        <p:nvSpPr>
-          <p:cNvPr id="5" name="Sottotitolo 4"/>
-          <p:cNvSpPr>
-            <a:spLocks noGrp="1"/>
-          </p:cNvSpPr>
-          <p:nvPr>
-            <p:ph type="subTitle" idx="1"/>
-          </p:nvPr>
-        </p:nvSpPr>
-        <p:spPr>
-          <a:xfrm>
-            <a:off x="1044420" y="2872127"/>
-            <a:ext cx="7658276" cy="1927161"/>
-          </a:xfrm>
-        </p:spPr>
-        <p:txBody>
-          <a:bodyPr anchor="ctr" anchorCtr="0">
-            <a:noAutofit/>
-          </a:bodyPr>
-          <a:lstStyle/>
-          <a:p>
-            <a:pPr>
-              <a:lnSpc>
-                <a:spcPct val="100000"/>
-              </a:lnSpc>
-              <a:spcBef>
-                <a:spcPts val="0"/>
-              </a:spcBef>
-            </a:pPr>
-            <a:r>
-              <a:rPr lang="it-IT" sz="2000" dirty="0">
-                <a:ea typeface="Fira Sans Book" charset="0"/>
-                <a:cs typeface="Fira Sans Book" charset="0"/>
-              </a:rPr>
-              <a:t>Matteo Drago</a:t>
-            </a:r>
-            <a:r>
-              <a:rPr lang="it-IT" sz="2000" baseline="30000" dirty="0">
-                <a:ea typeface="Fira Sans Book" charset="0"/>
-                <a:cs typeface="Fira Sans Book" charset="0"/>
-              </a:rPr>
-              <a:t>*</a:t>
-            </a:r>
-            <a:r>
-              <a:rPr lang="it-IT" sz="2000" dirty="0">
-                <a:ea typeface="Fira Sans Book" charset="0"/>
-                <a:cs typeface="Fira Sans Book" charset="0"/>
-              </a:rPr>
-              <a:t>, Tommy </a:t>
-            </a:r>
-            <a:r>
-              <a:rPr lang="it-IT" sz="2000" dirty="0" err="1">
-                <a:ea typeface="Fira Sans Book" charset="0"/>
-                <a:cs typeface="Fira Sans Book" charset="0"/>
-              </a:rPr>
-              <a:t>Azzino</a:t>
-            </a:r>
-            <a:r>
-              <a:rPr lang="it-IT" sz="2000" baseline="30000" dirty="0">
-                <a:ea typeface="Fira Sans Book" charset="0"/>
-                <a:cs typeface="Fira Sans Book" charset="0"/>
-              </a:rPr>
-              <a:t>*</a:t>
-            </a:r>
-            <a:r>
-              <a:rPr lang="it-IT" sz="2000" dirty="0">
-                <a:ea typeface="Fira Sans Book" charset="0"/>
-                <a:cs typeface="Fira Sans Book" charset="0"/>
-              </a:rPr>
-              <a:t>, Michele Polese</a:t>
-            </a:r>
-            <a:r>
-              <a:rPr lang="it-IT" sz="2000" baseline="30000" dirty="0">
-                <a:ea typeface="Fira Sans Book" charset="0"/>
-                <a:cs typeface="Fira Sans Book" charset="0"/>
-              </a:rPr>
-              <a:t>*</a:t>
-            </a:r>
-            <a:r>
-              <a:rPr lang="it-IT" sz="2000" dirty="0">
-                <a:ea typeface="Fira Sans Book" charset="0"/>
-                <a:cs typeface="Fira Sans Book" charset="0"/>
-              </a:rPr>
-              <a:t>, </a:t>
-            </a:r>
-          </a:p>
-          <a:p>
-            <a:pPr>
-              <a:lnSpc>
-                <a:spcPct val="100000"/>
-              </a:lnSpc>
-              <a:spcBef>
-                <a:spcPts val="0"/>
-              </a:spcBef>
-            </a:pPr>
-            <a:r>
-              <a:rPr lang="it-IT" sz="2000" dirty="0" err="1">
-                <a:ea typeface="Fira Sans Book" charset="0"/>
-                <a:cs typeface="Fira Sans Book" charset="0"/>
-              </a:rPr>
-              <a:t>Cedomir</a:t>
-            </a:r>
-            <a:r>
-              <a:rPr lang="it-IT" sz="2000" dirty="0">
-                <a:ea typeface="Fira Sans Book" charset="0"/>
-                <a:cs typeface="Fira Sans Book" charset="0"/>
-              </a:rPr>
-              <a:t> </a:t>
-            </a:r>
-            <a:r>
-              <a:rPr lang="it-IT" sz="2000" dirty="0" err="1">
-                <a:ea typeface="Fira Sans Book" charset="0"/>
-                <a:cs typeface="Fira Sans Book" charset="0"/>
-              </a:rPr>
-              <a:t>Stefanovic</a:t>
-            </a:r>
-            <a:r>
-              <a:rPr lang="it-IT" sz="2000" baseline="30000" dirty="0" err="1">
-                <a:ea typeface="Fira Sans Book" charset="0"/>
-                <a:cs typeface="Fira Sans Book" charset="0"/>
-              </a:rPr>
-              <a:t>v</a:t>
-            </a:r>
-            <a:r>
-              <a:rPr lang="it-IT" sz="2000" dirty="0">
-                <a:ea typeface="Fira Sans Book" charset="0"/>
-                <a:cs typeface="Fira Sans Book" charset="0"/>
-              </a:rPr>
-              <a:t>, </a:t>
-            </a:r>
-            <a:r>
-              <a:rPr lang="it-IT" sz="2000" i="1" dirty="0">
-                <a:ea typeface="Fira Sans Book" charset="0"/>
-                <a:cs typeface="Fira Sans Book" charset="0"/>
-              </a:rPr>
-              <a:t>Michele Zorzi</a:t>
-            </a:r>
-            <a:r>
-              <a:rPr lang="it-IT" sz="2000" i="1" baseline="30000" dirty="0">
-                <a:ea typeface="Fira Sans Book" charset="0"/>
-                <a:cs typeface="Fira Sans Book" charset="0"/>
-              </a:rPr>
-              <a:t>*</a:t>
-            </a:r>
-          </a:p>
-          <a:p>
-            <a:pPr>
-              <a:lnSpc>
-                <a:spcPct val="100000"/>
-              </a:lnSpc>
-              <a:spcBef>
-                <a:spcPts val="0"/>
-              </a:spcBef>
-            </a:pPr>
-            <a:r>
-              <a:rPr lang="it-IT" sz="1600" baseline="30000" dirty="0">
-                <a:ea typeface="Fira Sans Book" charset="0"/>
-                <a:cs typeface="Fira Sans Book" charset="0"/>
-              </a:rPr>
-              <a:t>*</a:t>
-            </a:r>
-            <a:r>
-              <a:rPr lang="it-IT" sz="1600" dirty="0" err="1">
-                <a:ea typeface="Fira Sans Book" charset="0"/>
-                <a:cs typeface="Fira Sans Book" charset="0"/>
-              </a:rPr>
-              <a:t>Dept</a:t>
-            </a:r>
-            <a:r>
-              <a:rPr lang="it-IT" sz="1600" dirty="0">
-                <a:ea typeface="Fira Sans Book" charset="0"/>
-                <a:cs typeface="Fira Sans Book" charset="0"/>
-              </a:rPr>
-              <a:t>. of Information </a:t>
-            </a:r>
-            <a:r>
-              <a:rPr lang="it-IT" sz="1600" dirty="0" err="1">
-                <a:ea typeface="Fira Sans Book" charset="0"/>
-                <a:cs typeface="Fira Sans Book" charset="0"/>
-              </a:rPr>
-              <a:t>Engineering</a:t>
-            </a:r>
-            <a:r>
-              <a:rPr lang="it-IT" sz="1600" dirty="0">
-                <a:ea typeface="Fira Sans Book" charset="0"/>
-                <a:cs typeface="Fira Sans Book" charset="0"/>
-              </a:rPr>
-              <a:t>, </a:t>
-            </a:r>
-            <a:r>
-              <a:rPr lang="it-IT" sz="1600" dirty="0" err="1">
-                <a:ea typeface="Fira Sans Book" charset="0"/>
-                <a:cs typeface="Fira Sans Book" charset="0"/>
-              </a:rPr>
-              <a:t>University</a:t>
-            </a:r>
-            <a:r>
-              <a:rPr lang="it-IT" sz="1600" dirty="0">
-                <a:ea typeface="Fira Sans Book" charset="0"/>
-                <a:cs typeface="Fira Sans Book" charset="0"/>
-              </a:rPr>
-              <a:t> of Padova, </a:t>
-            </a:r>
-            <a:r>
-              <a:rPr lang="it-IT" sz="1600" dirty="0" err="1">
-                <a:ea typeface="Fira Sans Book" charset="0"/>
-                <a:cs typeface="Fira Sans Book" charset="0"/>
-              </a:rPr>
-              <a:t>Italy</a:t>
-            </a:r>
-            <a:endParaRPr lang="it-IT" sz="1600" dirty="0">
-              <a:ea typeface="Fira Sans Book" charset="0"/>
-              <a:cs typeface="Fira Sans Book" charset="0"/>
-            </a:endParaRPr>
-          </a:p>
-          <a:p>
-            <a:pPr>
-              <a:lnSpc>
-                <a:spcPct val="100000"/>
-              </a:lnSpc>
-              <a:spcBef>
-                <a:spcPts val="0"/>
-              </a:spcBef>
-            </a:pPr>
-            <a:r>
-              <a:rPr lang="it-IT" sz="1600" baseline="30000" dirty="0" err="1">
-                <a:ea typeface="Fira Sans Book" charset="0"/>
-                <a:cs typeface="Fira Sans Book" charset="0"/>
-              </a:rPr>
-              <a:t>V</a:t>
-            </a:r>
-            <a:r>
-              <a:rPr lang="it-IT" sz="1600" dirty="0" err="1">
-                <a:ea typeface="Fira Sans Book" charset="0"/>
-                <a:cs typeface="Fira Sans Book" charset="0"/>
-              </a:rPr>
-              <a:t>Aalborg</a:t>
-            </a:r>
-            <a:r>
-              <a:rPr lang="it-IT" sz="1600" dirty="0">
-                <a:ea typeface="Fira Sans Book" charset="0"/>
-                <a:cs typeface="Fira Sans Book" charset="0"/>
-              </a:rPr>
-              <a:t> </a:t>
-            </a:r>
-            <a:r>
-              <a:rPr lang="it-IT" sz="1600" dirty="0" err="1">
-                <a:ea typeface="Fira Sans Book" charset="0"/>
-                <a:cs typeface="Fira Sans Book" charset="0"/>
-              </a:rPr>
-              <a:t>University</a:t>
-            </a:r>
-            <a:r>
-              <a:rPr lang="it-IT" sz="1600" dirty="0">
-                <a:ea typeface="Fira Sans Book" charset="0"/>
-                <a:cs typeface="Fira Sans Book" charset="0"/>
-              </a:rPr>
-              <a:t>, </a:t>
-            </a:r>
-            <a:r>
-              <a:rPr lang="it-IT" sz="1600" dirty="0" err="1">
-                <a:ea typeface="Fira Sans Book" charset="0"/>
-                <a:cs typeface="Fira Sans Book" charset="0"/>
-              </a:rPr>
-              <a:t>Copenhagen</a:t>
-            </a:r>
-            <a:r>
-              <a:rPr lang="it-IT" sz="1600" dirty="0">
-                <a:ea typeface="Fira Sans Book" charset="0"/>
-                <a:cs typeface="Fira Sans Book" charset="0"/>
-              </a:rPr>
-              <a:t>, </a:t>
-            </a:r>
-            <a:r>
-              <a:rPr lang="it-IT" sz="1600" dirty="0" err="1">
-                <a:ea typeface="Fira Sans Book" charset="0"/>
-                <a:cs typeface="Fira Sans Book" charset="0"/>
-              </a:rPr>
-              <a:t>Denmark</a:t>
-            </a:r>
-            <a:endParaRPr lang="it-IT" sz="1600" b="1" baseline="30000" dirty="0">
-              <a:ea typeface="Fira Sans Book" charset="0"/>
-              <a:cs typeface="Fira Sans Book" charset="0"/>
-            </a:endParaRPr>
-          </a:p>
-        </p:txBody>
-      </p:sp>
-      <p:pic>
-        <p:nvPicPr>
-          <p:cNvPr id="7" name="Immagine 6"/>
-          <p:cNvPicPr>
-            <a:picLocks noChangeAspect="1"/>
-          </p:cNvPicPr>
-          <p:nvPr/>
-        </p:nvPicPr>
-        <p:blipFill>
-          <a:blip r:embed="rId3" cstate="print">
-            <a:extLst>
-              <a:ext uri="{28A0092B-C50C-407E-A947-70E740481C1C}">
-                <a14:useLocalDpi xmlns:a14="http://schemas.microsoft.com/office/drawing/2010/main" val="0"/>
-              </a:ext>
-            </a:extLst>
-          </a:blip>
-          <a:stretch>
-            <a:fillRect/>
-          </a:stretch>
-        </p:blipFill>
-        <p:spPr>
-          <a:xfrm>
-            <a:off x="5785353" y="5415009"/>
-            <a:ext cx="1195013" cy="1202641"/>
-          </a:xfrm>
-          <a:prstGeom prst="rect">
-            <a:avLst/>
-          </a:prstGeom>
-        </p:spPr>
-      </p:pic>
-      <p:sp>
-        <p:nvSpPr>
-          <p:cNvPr id="9" name="CasellaDiTesto 8"/>
-          <p:cNvSpPr txBox="1"/>
-          <p:nvPr/>
-        </p:nvSpPr>
-        <p:spPr>
-          <a:xfrm>
-            <a:off x="900752" y="6277513"/>
-            <a:ext cx="2033517" cy="369332"/>
-          </a:xfrm>
-          <a:prstGeom prst="rect">
-            <a:avLst/>
-          </a:prstGeom>
-          <a:noFill/>
-        </p:spPr>
-        <p:txBody>
-          <a:bodyPr wrap="square" rtlCol="0">
-            <a:spAutoFit/>
-          </a:bodyPr>
-          <a:lstStyle/>
-          <a:p>
-            <a:r>
-              <a:rPr lang="it-IT" dirty="0">
-                <a:latin typeface="+mj-lt"/>
-                <a:ea typeface="Fira Sans Book" charset="0"/>
-                <a:cs typeface="Fira Sans Book" charset="0"/>
-              </a:rPr>
-              <a:t>April, 27, 2018</a:t>
-            </a:r>
-          </a:p>
-        </p:txBody>
-      </p:sp>
-      <p:sp>
-        <p:nvSpPr>
-          <p:cNvPr id="10" name="CasellaDiTesto 9"/>
-          <p:cNvSpPr txBox="1"/>
-          <p:nvPr/>
-        </p:nvSpPr>
-        <p:spPr>
-          <a:xfrm>
-            <a:off x="900752" y="5426179"/>
-            <a:ext cx="3522161" cy="923330"/>
-          </a:xfrm>
-          <a:prstGeom prst="rect">
-            <a:avLst/>
-          </a:prstGeom>
-          <a:noFill/>
-        </p:spPr>
-        <p:txBody>
-          <a:bodyPr wrap="square" rtlCol="0">
-            <a:spAutoFit/>
-          </a:bodyPr>
-          <a:lstStyle/>
-          <a:p>
-            <a:r>
-              <a:rPr lang="it-IT" dirty="0">
-                <a:latin typeface="+mj-lt"/>
-                <a:ea typeface="Fira Sans Book" charset="0"/>
-                <a:cs typeface="Fira Sans Book" charset="0"/>
-              </a:rPr>
-              <a:t>matteo.drago@studenti.unipd.it</a:t>
-            </a:r>
-          </a:p>
-          <a:p>
-            <a:r>
-              <a:rPr lang="it-IT" dirty="0">
-                <a:latin typeface="+mj-lt"/>
-                <a:ea typeface="Fira Sans Book" charset="0"/>
-                <a:cs typeface="Fira Sans Book" charset="0"/>
-              </a:rPr>
-              <a:t>tommy.azzino@studenti.unipd.it</a:t>
-            </a:r>
-          </a:p>
-          <a:p>
-            <a:r>
-              <a:rPr lang="it-IT" dirty="0">
-                <a:latin typeface="+mj-lt"/>
-                <a:ea typeface="Fira Sans Book" charset="0"/>
-                <a:cs typeface="Fira Sans Book" charset="0"/>
-              </a:rPr>
-              <a:t>mmwave.dei.unipd.it</a:t>
-            </a:r>
-          </a:p>
-        </p:txBody>
-      </p:sp>
-      <p:pic>
-        <p:nvPicPr>
-          <p:cNvPr id="2" name="Immagine 1"/>
-          <p:cNvPicPr>
-            <a:picLocks noChangeAspect="1"/>
-          </p:cNvPicPr>
-          <p:nvPr/>
-        </p:nvPicPr>
-        <p:blipFill>
-          <a:blip r:embed="rId4" cstate="print">
-            <a:extLst>
-              <a:ext uri="{28A0092B-C50C-407E-A947-70E740481C1C}">
-                <a14:useLocalDpi xmlns:a14="http://schemas.microsoft.com/office/drawing/2010/main" val="0"/>
-              </a:ext>
-            </a:extLst>
-          </a:blip>
-          <a:stretch>
-            <a:fillRect/>
-          </a:stretch>
-        </p:blipFill>
-        <p:spPr>
-          <a:xfrm>
-            <a:off x="7283907" y="5373050"/>
-            <a:ext cx="1767647" cy="1244600"/>
-          </a:xfrm>
-          <a:prstGeom prst="rect">
-            <a:avLst/>
-          </a:prstGeom>
-        </p:spPr>
-      </p:pic>
-    </p:spTree>
-    <p:extLst>
-      <p:ext uri="{BB962C8B-B14F-4D97-AF65-F5344CB8AC3E}">
-        <p14:creationId xmlns:p14="http://schemas.microsoft.com/office/powerpoint/2010/main" val="1912865466"/>
-      </p:ext>
-    </p:extLst>
-  </p:cSld>
-  <p:clrMapOvr>
-    <a:masterClrMapping/>
-  </p:clrMapOvr>
-</p:sld>
-</file>
-
 <file path=ppt/slides/slide2.xml><?xml version="1.0" encoding="utf-8"?>
 <p:sld xmlns:a="http://schemas.openxmlformats.org/drawingml/2006/main" xmlns:r="http://schemas.openxmlformats.org/officeDocument/2006/relationships" xmlns:p="http://schemas.openxmlformats.org/presentationml/2006/main">
   <p:cSld>
@@ -11475,21 +6933,18 @@
               <a:buChar char="§"/>
             </a:pPr>
             <a:r>
-              <a:rPr lang="en-US" sz="2800" dirty="0" err="1">
+              <a:rPr lang="en-US" dirty="0">
                 <a:latin typeface="+mj-lt"/>
                 <a:ea typeface="Fira Sans Light" charset="0"/>
                 <a:cs typeface="Fira Sans Light" charset="0"/>
               </a:rPr>
-              <a:t>mmWave</a:t>
-            </a:r>
-            <a:r>
-              <a:rPr lang="en-US" sz="2800" dirty="0">
-                <a:latin typeface="+mj-lt"/>
-                <a:ea typeface="Fira Sans Light" charset="0"/>
-                <a:cs typeface="Fira Sans Light" charset="0"/>
-              </a:rPr>
-              <a:t> Cellular Networks</a:t>
-            </a:r>
+              <a:t>Introduction</a:t>
+            </a:r>
+            <a:endParaRPr lang="en-US" sz="2800" dirty="0">
+              <a:latin typeface="+mj-lt"/>
+              <a:ea typeface="Fira Sans Light" charset="0"/>
+              <a:cs typeface="Fira Sans Light" charset="0"/>
+            </a:endParaRPr>
           </a:p>
           <a:p>
             <a:pPr>
@@ -11500,13 +6955,18 @@
               <a:buChar char="§"/>
             </a:pPr>
             <a:r>
-              <a:rPr lang="en-US" sz="2800" dirty="0">
+              <a:rPr lang="en-US" dirty="0">
                 <a:latin typeface="+mj-lt"/>
                 <a:ea typeface="Fira Sans Light" charset="0"/>
                 <a:cs typeface="Fira Sans Light" charset="0"/>
               </a:rPr>
-              <a:t>Proposed architecture</a:t>
-            </a:r>
+              <a:t>Dataset description</a:t>
+            </a:r>
+            <a:endParaRPr lang="en-US" sz="2800" dirty="0">
+              <a:latin typeface="+mj-lt"/>
+              <a:ea typeface="Fira Sans Light" charset="0"/>
+              <a:cs typeface="Fira Sans Light" charset="0"/>
+            </a:endParaRPr>
           </a:p>
           <a:p>
             <a:pPr>
@@ -11522,57 +6982,7 @@
                 <a:ea typeface="Fira Sans Light" charset="0"/>
                 <a:cs typeface="Fira Sans Light" charset="0"/>
               </a:rPr>
-              <a:t>Performance evaluation</a:t>
-            </a:r>
-          </a:p>
-          <a:p>
-            <a:pPr lvl="1">
-              <a:lnSpc>
-                <a:spcPct val="150000"/>
-              </a:lnSpc>
-              <a:buFont typeface="Wingdings" charset="2"/>
-              <a:buChar char="§"/>
-            </a:pPr>
-            <a:r>
-              <a:rPr lang="en-US" sz="2400" dirty="0">
-                <a:latin typeface="+mj-lt"/>
-                <a:ea typeface="Fira Sans Light" charset="0"/>
-                <a:cs typeface="Fira Sans Light" charset="0"/>
-              </a:rPr>
-              <a:t>ns-3 </a:t>
-            </a:r>
-            <a:r>
-              <a:rPr lang="en-US" sz="2400" dirty="0" err="1">
-                <a:latin typeface="+mj-lt"/>
-                <a:ea typeface="Fira Sans Light" charset="0"/>
-                <a:cs typeface="Fira Sans Light" charset="0"/>
-              </a:rPr>
-              <a:t>mmWave</a:t>
-            </a:r>
-            <a:r>
-              <a:rPr lang="en-US" sz="2400" dirty="0">
-                <a:latin typeface="+mj-lt"/>
-                <a:ea typeface="Fira Sans Light" charset="0"/>
-                <a:cs typeface="Fira Sans Light" charset="0"/>
-              </a:rPr>
-              <a:t> module</a:t>
-            </a:r>
-          </a:p>
-          <a:p>
-            <a:pPr lvl="1">
-              <a:lnSpc>
-                <a:spcPct val="150000"/>
-              </a:lnSpc>
-              <a:buFont typeface="Wingdings" charset="2"/>
-              <a:buChar char="§"/>
-            </a:pPr>
-            <a:r>
-              <a:rPr lang="en-US" sz="2400" dirty="0">
-                <a:latin typeface="+mj-lt"/>
-                <a:ea typeface="Fira Sans Light" charset="0"/>
-                <a:cs typeface="Fira Sans Light" charset="0"/>
-              </a:rPr>
-              <a:t>Results</a:t>
+              <a:t>Related Work</a:t>
             </a:r>
           </a:p>
           <a:p>
@@ -11584,13 +6994,52 @@
               <a:buChar char="§"/>
             </a:pPr>
             <a:r>
+              <a:rPr lang="en-US" dirty="0">
+                <a:latin typeface="+mj-lt"/>
+                <a:ea typeface="Fira Sans Light" charset="0"/>
+                <a:cs typeface="Fira Sans Light" charset="0"/>
+              </a:rPr>
+              <a:t>Our proposal</a:t>
+            </a:r>
+          </a:p>
+          <a:p>
+            <a:pPr>
+              <a:lnSpc>
+                <a:spcPct val="150000"/>
+              </a:lnSpc>
+              <a:buFont typeface="Wingdings" charset="2"/>
+              <a:buChar char="§"/>
+            </a:pPr>
+            <a:r>
               <a:rPr lang="en-US" sz="2800" dirty="0">
                 <a:latin typeface="+mj-lt"/>
                 <a:ea typeface="Fira Sans Light" charset="0"/>
                 <a:cs typeface="Fira Sans Light" charset="0"/>
               </a:rPr>
-              <a:t>Conclusions</a:t>
-            </a:r>
+              <a:t>Discussion of results</a:t>
+            </a:r>
+          </a:p>
+          <a:p>
+            <a:pPr>
+              <a:lnSpc>
+                <a:spcPct val="150000"/>
+              </a:lnSpc>
+              <a:buFont typeface="Wingdings" charset="2"/>
+              <a:buChar char="§"/>
+            </a:pPr>
+            <a:r>
+              <a:rPr lang="en-US" dirty="0">
+                <a:latin typeface="+mj-lt"/>
+                <a:ea typeface="Fira Sans Light" charset="0"/>
+                <a:cs typeface="Fira Sans Light" charset="0"/>
+              </a:rPr>
+              <a:t>Conclusion and future works</a:t>
+            </a:r>
+            <a:endParaRPr lang="en-US" sz="2800" dirty="0">
+              <a:latin typeface="+mj-lt"/>
+              <a:ea typeface="Fira Sans Light" charset="0"/>
+              <a:cs typeface="Fira Sans Light" charset="0"/>
+            </a:endParaRPr>
           </a:p>
         </p:txBody>
       </p:sp>
@@ -11626,7 +7075,7 @@
       </p:grpSpPr>
       <p:sp>
         <p:nvSpPr>
-          <p:cNvPr id="10" name="Titolo 9"/>
+          <p:cNvPr id="2" name="Titolo 1"/>
           <p:cNvSpPr>
             <a:spLocks noGrp="1"/>
           </p:cNvSpPr>
@@ -11636,31 +7085,70 @@
         </p:nvSpPr>
         <p:spPr>
           <a:xfrm>
-            <a:off x="700709" y="304418"/>
-            <a:ext cx="7886700" cy="1325563"/>
-          </a:xfrm>
-        </p:spPr>
-        <p:txBody>
-          <a:bodyPr/>
-          <a:lstStyle/>
-          <a:p>
-            <a:r>
-              <a:rPr lang="en-US" b="1" dirty="0"/>
-              <a:t>3GPP New Radio  </a:t>
-            </a:r>
-          </a:p>
-        </p:txBody>
-      </p:sp>
-      <p:sp>
-        <p:nvSpPr>
-          <p:cNvPr id="7" name="CasellaDiTesto 6"/>
+            <a:off x="698224" y="367748"/>
+            <a:ext cx="3356941" cy="1054584"/>
+          </a:xfrm>
+        </p:spPr>
+        <p:txBody>
+          <a:bodyPr/>
+          <a:lstStyle/>
+          <a:p>
+            <a:r>
+              <a:rPr lang="it-IT" b="1" dirty="0" err="1"/>
+              <a:t>Introduction</a:t>
+            </a:r>
+            <a:endParaRPr lang="it-IT" b="1" dirty="0"/>
+          </a:p>
+        </p:txBody>
+      </p:sp>
+      <p:sp>
+        <p:nvSpPr>
+          <p:cNvPr id="3" name="Segnaposto contenuto 2"/>
+          <p:cNvSpPr>
+            <a:spLocks noGrp="1"/>
+          </p:cNvSpPr>
+          <p:nvPr>
+            <p:ph idx="1"/>
+          </p:nvPr>
+        </p:nvSpPr>
+        <p:spPr>
+          <a:xfrm>
+            <a:off x="777737" y="1422332"/>
+            <a:ext cx="4430367" cy="485982"/>
+          </a:xfrm>
+        </p:spPr>
+        <p:txBody>
+          <a:bodyPr/>
+          <a:lstStyle/>
+          <a:p>
+            <a:pPr marL="0" indent="0">
+              <a:buNone/>
+            </a:pPr>
+            <a:r>
+              <a:rPr lang="it-IT" dirty="0"/>
+              <a:t>Human Activity </a:t>
+            </a:r>
+            <a:r>
+              <a:rPr lang="it-IT" dirty="0" err="1"/>
+              <a:t>Recognition</a:t>
+            </a:r>
+            <a:r>
+              <a:rPr lang="it-IT" dirty="0"/>
+              <a:t>: </a:t>
+            </a:r>
+          </a:p>
+        </p:txBody>
+      </p:sp>
+      <p:sp>
+        <p:nvSpPr>
+          <p:cNvPr id="5" name="CasellaDiTesto 4"/>
           <p:cNvSpPr txBox="1"/>
           <p:nvPr/>
         </p:nvSpPr>
         <p:spPr>
           <a:xfrm>
-            <a:off x="867188" y="1569275"/>
-            <a:ext cx="7648161" cy="3274743"/>
+            <a:off x="993913" y="2007705"/>
+            <a:ext cx="6698974" cy="1107996"/>
           </a:xfrm>
           <a:prstGeom prst="rect">
             <a:avLst/>
@@ -11673,178 +7161,105 @@
           </a:bodyPr>
           <a:lstStyle/>
           <a:p>
-            <a:pPr>
-              <a:lnSpc>
-                <a:spcPct val="110000"/>
-              </a:lnSpc>
+            <a:pPr marL="285750" indent="-285750">
+              <a:buFont typeface="Arial" panose="020B0604020202020204" pitchFamily="34" charset="0"/>
+              <a:buChar char="•"/>
             </a:pPr>
             <a:r>
-              <a:rPr lang="en-US" sz="2800" dirty="0">
-                <a:latin typeface="+mj-lt"/>
-                <a:ea typeface="Fira Sans Light" charset="0"/>
-                <a:cs typeface="Fira Sans Light" charset="0"/>
-              </a:rPr>
-              <a:t>New RAN</a:t>
-            </a:r>
-          </a:p>
-          <a:p>
-            <a:pPr marL="914400" lvl="1" indent="-457200">
-              <a:lnSpc>
-                <a:spcPct val="110000"/>
-              </a:lnSpc>
-              <a:buFont typeface="Wingdings" charset="2"/>
-              <a:buChar char="§"/>
+              <a:rPr lang="it-IT" sz="2400" dirty="0"/>
+              <a:t>Visual </a:t>
+            </a:r>
+            <a:r>
+              <a:rPr lang="it-IT" sz="2400" dirty="0" err="1"/>
+              <a:t>detection</a:t>
+            </a:r>
+            <a:r>
+              <a:rPr lang="it-IT" sz="2400" dirty="0"/>
+              <a:t> from images and video</a:t>
+            </a:r>
+          </a:p>
+          <a:p>
+            <a:pPr marL="285750" indent="-285750">
+              <a:buFont typeface="Arial" panose="020B0604020202020204" pitchFamily="34" charset="0"/>
+              <a:buChar char="•"/>
             </a:pPr>
             <a:r>
-              <a:rPr lang="en-US" sz="2400" dirty="0">
-                <a:latin typeface="+mj-lt"/>
-                <a:ea typeface="Fira Sans Light" charset="0"/>
-                <a:cs typeface="Fira Sans Light" charset="0"/>
-              </a:rPr>
-              <a:t>OFDM-based PHY with flexible configurations</a:t>
-            </a:r>
-          </a:p>
-          <a:p>
-            <a:pPr marL="914400" lvl="1" indent="-457200">
-              <a:lnSpc>
-                <a:spcPct val="110000"/>
-              </a:lnSpc>
-              <a:buFont typeface="Wingdings" charset="2"/>
-              <a:buChar char="§"/>
+              <a:rPr lang="it-IT" sz="2400" dirty="0" err="1"/>
+              <a:t>Gesture</a:t>
+            </a:r>
+            <a:r>
+              <a:rPr lang="it-IT" sz="2400" dirty="0"/>
+              <a:t> </a:t>
+            </a:r>
+            <a:r>
+              <a:rPr lang="it-IT" sz="2400" dirty="0" err="1"/>
+              <a:t>recognition</a:t>
+            </a:r>
+            <a:r>
+              <a:rPr lang="it-IT" sz="2400" dirty="0"/>
+              <a:t> from </a:t>
+            </a:r>
+            <a:r>
+              <a:rPr lang="it-IT" sz="2400" dirty="0" err="1"/>
+              <a:t>sensor-based</a:t>
+            </a:r>
+            <a:r>
+              <a:rPr lang="it-IT" sz="2400" dirty="0"/>
+              <a:t> data</a:t>
+            </a:r>
+          </a:p>
+          <a:p>
+            <a:pPr marL="285750" indent="-285750">
+              <a:buFont typeface="Arial" panose="020B0604020202020204" pitchFamily="34" charset="0"/>
+              <a:buChar char="•"/>
             </a:pPr>
-            <a:r>
-              <a:rPr lang="en-US" sz="2400" dirty="0">
-                <a:latin typeface="+mj-lt"/>
-                <a:ea typeface="Fira Sans Light" charset="0"/>
-                <a:cs typeface="Fira Sans Light" charset="0"/>
-              </a:rPr>
-              <a:t>Support for </a:t>
-            </a:r>
-          </a:p>
-          <a:p>
-            <a:pPr marL="1371600" lvl="2" indent="-457200">
-              <a:lnSpc>
-                <a:spcPct val="110000"/>
-              </a:lnSpc>
-              <a:buFont typeface="Wingdings" charset="2"/>
-              <a:buChar char="§"/>
-            </a:pPr>
-            <a:r>
-              <a:rPr lang="en-US" sz="2000" dirty="0">
-                <a:latin typeface="+mj-lt"/>
-                <a:ea typeface="Fira Sans Light" charset="0"/>
-                <a:cs typeface="Fira Sans Light" charset="0"/>
-              </a:rPr>
-              <a:t>Higher frequencies (</a:t>
-            </a:r>
-            <a:r>
-              <a:rPr lang="en-US" sz="2000" dirty="0" err="1">
-                <a:latin typeface="+mj-lt"/>
-                <a:ea typeface="Fira Sans Light" charset="0"/>
-                <a:cs typeface="Fira Sans Light" charset="0"/>
-              </a:rPr>
-              <a:t>mmWaves</a:t>
-            </a:r>
-            <a:r>
-              <a:rPr lang="en-US" sz="2000" dirty="0">
-                <a:latin typeface="+mj-lt"/>
-                <a:ea typeface="Fira Sans Light" charset="0"/>
-                <a:cs typeface="Fira Sans Light" charset="0"/>
-              </a:rPr>
-              <a:t>)</a:t>
-            </a:r>
-          </a:p>
-          <a:p>
-            <a:pPr marL="1371600" lvl="2" indent="-457200">
-              <a:lnSpc>
-                <a:spcPct val="110000"/>
-              </a:lnSpc>
-              <a:buFont typeface="Wingdings" charset="2"/>
-              <a:buChar char="§"/>
-            </a:pPr>
-            <a:r>
-              <a:rPr lang="en-US" sz="2000" dirty="0">
-                <a:latin typeface="+mj-lt"/>
-                <a:ea typeface="Fira Sans Light" charset="0"/>
-                <a:cs typeface="Fira Sans Light" charset="0"/>
-              </a:rPr>
-              <a:t>Ultra-low latency</a:t>
-            </a:r>
-          </a:p>
-          <a:p>
-            <a:pPr marL="914400" lvl="1" indent="-457200">
-              <a:lnSpc>
-                <a:spcPct val="110000"/>
-              </a:lnSpc>
-              <a:buFont typeface="Wingdings" charset="2"/>
-              <a:buChar char="§"/>
-            </a:pPr>
-            <a:endParaRPr lang="en-US" sz="2400" dirty="0">
-              <a:latin typeface="Fira Sans Light" charset="0"/>
-              <a:ea typeface="Fira Sans Light" charset="0"/>
-              <a:cs typeface="Fira Sans Light" charset="0"/>
-            </a:endParaRPr>
-          </a:p>
-          <a:p>
-            <a:pPr marL="914400" lvl="1" indent="-457200">
-              <a:lnSpc>
-                <a:spcPct val="110000"/>
-              </a:lnSpc>
-              <a:buFont typeface="Wingdings" charset="2"/>
-              <a:buChar char="§"/>
-            </a:pPr>
-            <a:endParaRPr lang="en-US" sz="2400" dirty="0">
-              <a:latin typeface="Fira Sans Light" charset="0"/>
-              <a:ea typeface="Fira Sans Light" charset="0"/>
-              <a:cs typeface="Fira Sans Light" charset="0"/>
-            </a:endParaRPr>
-          </a:p>
-          <a:p>
-            <a:pPr marL="914400" lvl="1" indent="-457200">
-              <a:lnSpc>
-                <a:spcPct val="110000"/>
-              </a:lnSpc>
-              <a:buFont typeface="Wingdings" charset="2"/>
-              <a:buChar char="§"/>
-            </a:pPr>
-            <a:endParaRPr lang="en-US" sz="2400" dirty="0">
-              <a:latin typeface="Fira Sans Light" charset="0"/>
-              <a:ea typeface="Fira Sans Light" charset="0"/>
-              <a:cs typeface="Fira Sans Light" charset="0"/>
-            </a:endParaRPr>
-          </a:p>
-        </p:txBody>
-      </p:sp>
-      <p:pic>
-        <p:nvPicPr>
-          <p:cNvPr id="4" name="Immagine 3"/>
-          <p:cNvPicPr>
-            <a:picLocks noChangeAspect="1"/>
-          </p:cNvPicPr>
+            <a:endParaRPr lang="it-IT" dirty="0"/>
+          </a:p>
+        </p:txBody>
+      </p:sp>
+      <p:sp>
+        <p:nvSpPr>
+          <p:cNvPr id="7" name="Freccia a destra 6"/>
+          <p:cNvSpPr/>
           <p:nvPr/>
-        </p:nvPicPr>
-        <p:blipFill>
-          <a:blip r:embed="rId2" cstate="print">
-            <a:extLst>
-              <a:ext uri="{28A0092B-C50C-407E-A947-70E740481C1C}">
-                <a14:useLocalDpi xmlns:a14="http://schemas.microsoft.com/office/drawing/2010/main" val="0"/>
-              </a:ext>
-            </a:extLst>
-          </a:blip>
-          <a:stretch>
-            <a:fillRect/>
-          </a:stretch>
-        </p:blipFill>
-        <p:spPr>
-          <a:xfrm>
-            <a:off x="5327372" y="487101"/>
-            <a:ext cx="1798984" cy="899492"/>
-          </a:xfrm>
-          <a:prstGeom prst="rect">
+        </p:nvSpPr>
+        <p:spPr>
+          <a:xfrm rot="10800000">
+            <a:off x="6987208" y="2444917"/>
+            <a:ext cx="1242391" cy="367855"/>
+          </a:xfrm>
+          <a:prstGeom prst="rightArrow">
             <a:avLst/>
           </a:prstGeom>
-        </p:spPr>
-      </p:pic>
+          <a:solidFill>
+            <a:srgbClr val="00B050"/>
+          </a:solidFill>
+        </p:spPr>
+        <p:style>
+          <a:lnRef idx="2">
+            <a:schemeClr val="accent1">
+              <a:shade val="50000"/>
+            </a:schemeClr>
+          </a:lnRef>
+          <a:fillRef idx="1">
+            <a:schemeClr val="accent1"/>
+          </a:fillRef>
+          <a:effectRef idx="0">
+            <a:schemeClr val="accent1"/>
+          </a:effectRef>
+          <a:fontRef idx="minor">
+            <a:schemeClr val="lt1"/>
+          </a:fontRef>
+        </p:style>
+        <p:txBody>
+          <a:bodyPr rtlCol="0" anchor="ctr"/>
+          <a:lstStyle/>
+          <a:p>
+            <a:pPr algn="ctr"/>
+            <a:endParaRPr lang="it-IT"/>
+          </a:p>
+        </p:txBody>
+      </p:sp>
       <p:sp>
         <p:nvSpPr>
           <p:cNvPr id="8" name="CasellaDiTesto 7"/>
@@ -11853,8 +7268,8 @@
         </p:nvSpPr>
         <p:spPr>
           <a:xfrm>
-            <a:off x="867188" y="4006750"/>
-            <a:ext cx="7720221" cy="2191369"/>
+            <a:off x="777737" y="3249984"/>
+            <a:ext cx="7464288" cy="3046988"/>
           </a:xfrm>
           <a:prstGeom prst="rect">
             <a:avLst/>
@@ -11867,96 +7282,184 @@
           </a:bodyPr>
           <a:lstStyle/>
           <a:p>
-            <a:pPr>
-              <a:lnSpc>
-                <a:spcPct val="110000"/>
-              </a:lnSpc>
+            <a:r>
+              <a:rPr lang="it-IT" sz="2400" dirty="0"/>
+              <a:t>In the </a:t>
+            </a:r>
+            <a:r>
+              <a:rPr lang="it-IT" sz="2400" dirty="0" err="1"/>
+              <a:t>past</a:t>
+            </a:r>
+            <a:r>
+              <a:rPr lang="it-IT" sz="2400" dirty="0"/>
+              <a:t> decade, </a:t>
+            </a:r>
+            <a:r>
+              <a:rPr lang="it-IT" sz="2400" dirty="0" err="1"/>
+              <a:t>many</a:t>
+            </a:r>
+            <a:r>
+              <a:rPr lang="it-IT" sz="2400" dirty="0"/>
+              <a:t> </a:t>
+            </a:r>
+            <a:r>
+              <a:rPr lang="it-IT" sz="2400" dirty="0" err="1"/>
+              <a:t>models</a:t>
+            </a:r>
+            <a:r>
+              <a:rPr lang="it-IT" sz="2400" dirty="0"/>
+              <a:t> </a:t>
+            </a:r>
+            <a:r>
+              <a:rPr lang="it-IT" sz="2400" dirty="0" err="1"/>
+              <a:t>have</a:t>
+            </a:r>
+            <a:r>
+              <a:rPr lang="it-IT" sz="2400" dirty="0"/>
+              <a:t> </a:t>
+            </a:r>
+            <a:r>
+              <a:rPr lang="it-IT" sz="2400" dirty="0" err="1"/>
+              <a:t>been</a:t>
+            </a:r>
+            <a:r>
+              <a:rPr lang="it-IT" sz="2400" dirty="0"/>
+              <a:t> </a:t>
+            </a:r>
+            <a:r>
+              <a:rPr lang="it-IT" sz="2400" dirty="0" err="1"/>
+              <a:t>designed</a:t>
+            </a:r>
+            <a:r>
+              <a:rPr lang="it-IT" sz="2400" dirty="0"/>
+              <a:t> for time </a:t>
+            </a:r>
+            <a:r>
+              <a:rPr lang="it-IT" sz="2400" dirty="0" err="1"/>
+              <a:t>series</a:t>
+            </a:r>
+            <a:r>
+              <a:rPr lang="it-IT" sz="2400" dirty="0"/>
+              <a:t> </a:t>
+            </a:r>
+            <a:r>
+              <a:rPr lang="it-IT" sz="2400" dirty="0" err="1"/>
+              <a:t>classification</a:t>
+            </a:r>
+            <a:r>
+              <a:rPr lang="it-IT" sz="2400" dirty="0"/>
+              <a:t>.</a:t>
+            </a:r>
+          </a:p>
+          <a:p>
+            <a:endParaRPr lang="it-IT" sz="2400" dirty="0"/>
+          </a:p>
+          <a:p>
+            <a:r>
+              <a:rPr lang="it-IT" sz="2400" dirty="0" err="1"/>
+              <a:t>Main</a:t>
+            </a:r>
+            <a:r>
+              <a:rPr lang="it-IT" sz="2400" dirty="0"/>
+              <a:t> </a:t>
+            </a:r>
+            <a:r>
+              <a:rPr lang="it-IT" sz="2400" dirty="0" err="1"/>
+              <a:t>problem</a:t>
+            </a:r>
+            <a:r>
+              <a:rPr lang="it-IT" sz="2400" dirty="0"/>
+              <a:t>: </a:t>
+            </a:r>
+          </a:p>
+          <a:p>
+            <a:pPr marL="342900" indent="-342900">
+              <a:buFont typeface="Arial" panose="020B0604020202020204" pitchFamily="34" charset="0"/>
+              <a:buChar char="•"/>
             </a:pPr>
             <a:r>
-              <a:rPr lang="en-US" sz="2800" dirty="0">
-                <a:latin typeface="+mj-lt"/>
-                <a:ea typeface="Fira Sans Light" charset="0"/>
-                <a:cs typeface="Fira Sans Light" charset="0"/>
+              <a:rPr lang="it-IT" sz="2400" b="1" dirty="0">
+                <a:solidFill>
+                  <a:srgbClr val="FF0000"/>
+                </a:solidFill>
               </a:rPr>
-              <a:t>New Core Network</a:t>
-            </a:r>
-          </a:p>
-          <a:p>
-            <a:pPr marL="914400" lvl="1" indent="-457200">
-              <a:lnSpc>
-                <a:spcPct val="110000"/>
-              </a:lnSpc>
-              <a:buFont typeface="Wingdings" charset="2"/>
-              <a:buChar char="§"/>
+              <a:t>LACK of  BENCHMARKING DATASET</a:t>
+            </a:r>
+            <a:r>
+              <a:rPr lang="it-IT" sz="2400" dirty="0"/>
+              <a:t> to compare </a:t>
+            </a:r>
+            <a:r>
+              <a:rPr lang="it-IT" sz="2400" dirty="0" err="1"/>
+              <a:t>different</a:t>
+            </a:r>
+            <a:r>
+              <a:rPr lang="it-IT" sz="2400" dirty="0"/>
+              <a:t> </a:t>
+            </a:r>
+            <a:r>
+              <a:rPr lang="it-IT" sz="2400" dirty="0" err="1"/>
+              <a:t>solutions</a:t>
+            </a:r>
+            <a:endParaRPr lang="it-IT" sz="2400" dirty="0"/>
+          </a:p>
+          <a:p>
+            <a:pPr marL="342900" indent="-342900">
+              <a:buFont typeface="Arial" panose="020B0604020202020204" pitchFamily="34" charset="0"/>
+              <a:buChar char="•"/>
             </a:pPr>
             <a:r>
-              <a:rPr lang="en-US" sz="2400" dirty="0" err="1">
-                <a:latin typeface="+mj-lt"/>
-                <a:ea typeface="Fira Sans Light" charset="0"/>
-                <a:cs typeface="Fira Sans Light" charset="0"/>
+              <a:rPr lang="it-IT" sz="2400" b="1" dirty="0">
+                <a:solidFill>
+                  <a:srgbClr val="FF0000"/>
+                </a:solidFill>
               </a:rPr>
-              <a:t>Softwarization</a:t>
-            </a:r>
-            <a:r>
-              <a:rPr lang="en-US" sz="2400" dirty="0">
-                <a:latin typeface="+mj-lt"/>
-                <a:ea typeface="Fira Sans Light" charset="0"/>
-                <a:cs typeface="Fira Sans Light" charset="0"/>
-              </a:rPr>
-              <a:t> of network nodes</a:t>
-            </a:r>
-          </a:p>
-          <a:p>
-            <a:pPr marL="914400" lvl="1" indent="-457200">
-              <a:lnSpc>
-                <a:spcPct val="110000"/>
-              </a:lnSpc>
-              <a:buFont typeface="Wingdings" charset="2"/>
-              <a:buChar char="§"/>
-            </a:pPr>
-            <a:r>
-              <a:rPr lang="en-US" sz="2400" dirty="0">
-                <a:latin typeface="+mj-lt"/>
-                <a:ea typeface="Fira Sans Light" charset="0"/>
-                <a:cs typeface="Fira Sans Light" charset="0"/>
-              </a:rPr>
-              <a:t>Network slicing</a:t>
-            </a:r>
-          </a:p>
-          <a:p>
-            <a:pPr marL="914400" lvl="1" indent="-457200">
-              <a:lnSpc>
-                <a:spcPct val="110000"/>
-              </a:lnSpc>
-              <a:buFont typeface="Wingdings" charset="2"/>
-              <a:buChar char="§"/>
-            </a:pPr>
-            <a:endParaRPr lang="en-US" sz="2400" dirty="0">
-              <a:latin typeface="Fira Sans Light" charset="0"/>
-              <a:ea typeface="Fira Sans Light" charset="0"/>
-              <a:cs typeface="Fira Sans Light" charset="0"/>
-            </a:endParaRPr>
-          </a:p>
-          <a:p>
-            <a:pPr marL="914400" lvl="1" indent="-457200">
-              <a:lnSpc>
-                <a:spcPct val="110000"/>
-              </a:lnSpc>
-              <a:buFont typeface="Wingdings" charset="2"/>
-              <a:buChar char="§"/>
-            </a:pPr>
-            <a:endParaRPr lang="en-US" sz="2400" dirty="0">
-              <a:latin typeface="Fira Sans Light" charset="0"/>
-              <a:ea typeface="Fira Sans Light" charset="0"/>
-              <a:cs typeface="Fira Sans Light" charset="0"/>
-            </a:endParaRPr>
+              <a:t>ABSENCE of DETAILS</a:t>
+            </a:r>
+            <a:r>
+              <a:rPr lang="it-IT" sz="2400" b="1" dirty="0"/>
+              <a:t> </a:t>
+            </a:r>
+            <a:r>
+              <a:rPr lang="it-IT" sz="2400" dirty="0"/>
+              <a:t>in </a:t>
+            </a:r>
+            <a:r>
+              <a:rPr lang="it-IT" sz="2400" dirty="0" err="1"/>
+              <a:t>most</a:t>
+            </a:r>
+            <a:r>
+              <a:rPr lang="it-IT" sz="2400" dirty="0"/>
+              <a:t> of the </a:t>
+            </a:r>
+            <a:r>
+              <a:rPr lang="it-IT" sz="2400" dirty="0" err="1"/>
+              <a:t>models</a:t>
+            </a:r>
+            <a:r>
+              <a:rPr lang="it-IT" sz="2400" dirty="0"/>
+              <a:t> </a:t>
+            </a:r>
+            <a:r>
+              <a:rPr lang="it-IT" sz="2400" dirty="0" err="1"/>
+              <a:t>presented</a:t>
+            </a:r>
+            <a:r>
+              <a:rPr lang="it-IT" sz="2400" dirty="0"/>
+              <a:t> in the </a:t>
+            </a:r>
+            <a:r>
+              <a:rPr lang="it-IT" sz="2400" dirty="0" err="1"/>
+              <a:t>literature</a:t>
+            </a:r>
+            <a:endParaRPr lang="it-IT" sz="2400" dirty="0"/>
           </a:p>
         </p:txBody>
       </p:sp>
     </p:spTree>
     <p:extLst>
       <p:ext uri="{BB962C8B-B14F-4D97-AF65-F5344CB8AC3E}">
-        <p14:creationId xmlns:p14="http://schemas.microsoft.com/office/powerpoint/2010/main" val="1641958237"/>
+        <p14:creationId xmlns:p14="http://schemas.microsoft.com/office/powerpoint/2010/main" val="3686714918"/>
       </p:ext>
     </p:extLst>
   </p:cSld>
@@ -11985,27 +7488,57 @@
       </p:grpSpPr>
       <p:pic>
         <p:nvPicPr>
-          <p:cNvPr id="6" name="Segnaposto contenuto 10"/>
+          <p:cNvPr id="4" name="Segnaposto contenuto 3"/>
+          <p:cNvPicPr>
+            <a:picLocks noGrp="1" noChangeAspect="1"/>
+          </p:cNvPicPr>
+          <p:nvPr>
+            <p:ph idx="1"/>
+          </p:nvPr>
+        </p:nvPicPr>
+        <p:blipFill>
+          <a:blip r:embed="rId2">
+            <a:extLst>
+              <a:ext uri="{28A0092B-C50C-407E-A947-70E740481C1C}">
+                <a14:useLocalDpi xmlns:a14="http://schemas.microsoft.com/office/drawing/2010/main" val="0"/>
+              </a:ext>
+            </a:extLst>
+          </a:blip>
+          <a:stretch>
+            <a:fillRect/>
+          </a:stretch>
+        </p:blipFill>
+        <p:spPr>
+          <a:xfrm>
+            <a:off x="806719" y="793497"/>
+            <a:ext cx="2371993" cy="2589960"/>
+          </a:xfrm>
+        </p:spPr>
+      </p:pic>
+      <p:pic>
+        <p:nvPicPr>
+          <p:cNvPr id="5" name="Immagine 4"/>
           <p:cNvPicPr>
             <a:picLocks noChangeAspect="1"/>
           </p:cNvPicPr>
           <p:nvPr/>
         </p:nvPicPr>
-        <p:blipFill rotWithShape="1">
-          <a:blip r:embed="rId2" cstate="email">
+        <p:blipFill>
+          <a:blip r:embed="rId3">
             <a:extLst>
               <a:ext uri="{28A0092B-C50C-407E-A947-70E740481C1C}">
-                <a14:useLocalDpi xmlns:a14="http://schemas.microsoft.com/office/drawing/2010/main"/>
+                <a14:useLocalDpi xmlns:a14="http://schemas.microsoft.com/office/drawing/2010/main" val="0"/>
               </a:ext>
             </a:extLst>
           </a:blip>
-          <a:srcRect l="3359" r="3891" b="6934"/>
-          <a:stretch/>
+          <a:stretch>
+            <a:fillRect/>
+          </a:stretch>
         </p:blipFill>
         <p:spPr>
           <a:xfrm>
-            <a:off x="4204558" y="1191670"/>
-            <a:ext cx="4731017" cy="1824581"/>
+            <a:off x="6402380" y="878187"/>
+            <a:ext cx="2362352" cy="2505270"/>
           </a:xfrm>
           <a:prstGeom prst="rect">
             <a:avLst/>
@@ -12014,286 +7547,14 @@
       </p:pic>
       <p:sp>
         <p:nvSpPr>
-          <p:cNvPr id="10" name="Titolo 9"/>
-          <p:cNvSpPr>
-            <a:spLocks noGrp="1"/>
-          </p:cNvSpPr>
-          <p:nvPr>
-            <p:ph type="title"/>
-          </p:nvPr>
-        </p:nvSpPr>
-        <p:spPr/>
-        <p:txBody>
-          <a:bodyPr/>
-          <a:lstStyle/>
-          <a:p>
-            <a:r>
-              <a:rPr lang="en-US" b="1" dirty="0" err="1"/>
-              <a:t>mmWave</a:t>
-            </a:r>
-            <a:r>
-              <a:rPr lang="en-US" b="1" dirty="0"/>
-              <a:t> for the mobile RAN</a:t>
-            </a:r>
-          </a:p>
-        </p:txBody>
-      </p:sp>
-      <p:sp>
-        <p:nvSpPr>
-          <p:cNvPr id="11" name="Segnaposto contenuto 10"/>
-          <p:cNvSpPr>
-            <a:spLocks noGrp="1"/>
-          </p:cNvSpPr>
-          <p:nvPr>
-            <p:ph idx="1"/>
-          </p:nvPr>
-        </p:nvSpPr>
-        <p:spPr>
-          <a:xfrm>
-            <a:off x="937986" y="1690687"/>
-            <a:ext cx="7997589" cy="3964677"/>
-          </a:xfrm>
-        </p:spPr>
-        <p:txBody>
-          <a:bodyPr>
-            <a:normAutofit/>
-          </a:bodyPr>
-          <a:lstStyle/>
-          <a:p>
-            <a:pPr>
-              <a:spcAft>
-                <a:spcPts val="600"/>
-              </a:spcAft>
-              <a:buFont typeface="Wingdings" charset="2"/>
-              <a:buChar char="§"/>
-            </a:pPr>
-            <a:r>
-              <a:rPr lang="en-US" dirty="0">
-                <a:latin typeface="+mj-lt"/>
-                <a:ea typeface="Fira Sans Light" charset="0"/>
-                <a:cs typeface="Fira Sans Light" charset="0"/>
-              </a:rPr>
-              <a:t>Potentials</a:t>
-            </a:r>
-          </a:p>
-          <a:p>
-            <a:pPr lvl="1">
-              <a:spcAft>
-                <a:spcPts val="600"/>
-              </a:spcAft>
-              <a:buFont typeface="Wingdings" charset="2"/>
-              <a:buChar char="§"/>
-            </a:pPr>
-            <a:r>
-              <a:rPr lang="en-US" dirty="0">
-                <a:latin typeface="+mj-lt"/>
-                <a:ea typeface="Fira Sans Light" charset="0"/>
-                <a:cs typeface="Fira Sans Light" charset="0"/>
-              </a:rPr>
-              <a:t>Bandwidth</a:t>
-            </a:r>
-          </a:p>
-          <a:p>
-            <a:pPr lvl="1">
-              <a:spcAft>
-                <a:spcPts val="600"/>
-              </a:spcAft>
-              <a:buFont typeface="Wingdings" charset="2"/>
-              <a:buChar char="§"/>
-            </a:pPr>
-            <a:r>
-              <a:rPr lang="en-US" dirty="0">
-                <a:latin typeface="+mj-lt"/>
-                <a:ea typeface="Fira Sans Light" charset="0"/>
-                <a:cs typeface="Fira Sans Light" charset="0"/>
-              </a:rPr>
-              <a:t>Large arrays in small space</a:t>
-            </a:r>
-          </a:p>
-          <a:p>
-            <a:pPr>
-              <a:spcAft>
-                <a:spcPts val="600"/>
-              </a:spcAft>
-              <a:buFont typeface="Wingdings" charset="2"/>
-              <a:buChar char="§"/>
-            </a:pPr>
-            <a:r>
-              <a:rPr lang="en-US" dirty="0">
-                <a:latin typeface="+mj-lt"/>
-                <a:ea typeface="Fira Sans Light" charset="0"/>
-                <a:cs typeface="Fira Sans Light" charset="0"/>
-              </a:rPr>
-              <a:t>Challenges</a:t>
-            </a:r>
-          </a:p>
-          <a:p>
-            <a:pPr lvl="1">
-              <a:spcAft>
-                <a:spcPts val="600"/>
-              </a:spcAft>
-              <a:buFont typeface="Wingdings" charset="2"/>
-              <a:buChar char="§"/>
-            </a:pPr>
-            <a:r>
-              <a:rPr lang="en-US" dirty="0">
-                <a:latin typeface="+mj-lt"/>
-                <a:ea typeface="Fira Sans Light" charset="0"/>
-                <a:cs typeface="Fira Sans Light" charset="0"/>
-              </a:rPr>
-              <a:t>High propagation and penetration loss</a:t>
-            </a:r>
-          </a:p>
-          <a:p>
-            <a:pPr lvl="1">
-              <a:spcAft>
-                <a:spcPts val="600"/>
-              </a:spcAft>
-              <a:buFont typeface="Wingdings" charset="2"/>
-              <a:buChar char="§"/>
-            </a:pPr>
-            <a:r>
-              <a:rPr lang="en-US" dirty="0">
-                <a:latin typeface="+mj-lt"/>
-                <a:ea typeface="Fira Sans Light" charset="0"/>
-                <a:cs typeface="Fira Sans Light" charset="0"/>
-              </a:rPr>
-              <a:t>Directionality</a:t>
-            </a:r>
-          </a:p>
-          <a:p>
-            <a:pPr lvl="1">
-              <a:spcAft>
-                <a:spcPts val="600"/>
-              </a:spcAft>
-              <a:buFont typeface="Wingdings" charset="2"/>
-              <a:buChar char="§"/>
-            </a:pPr>
-            <a:r>
-              <a:rPr lang="en-US" dirty="0">
-                <a:latin typeface="+mj-lt"/>
-                <a:ea typeface="Fira Sans Light" charset="0"/>
-                <a:cs typeface="Fira Sans Light" charset="0"/>
-              </a:rPr>
-              <a:t>Blockage</a:t>
-            </a:r>
-          </a:p>
-          <a:p>
-            <a:pPr lvl="1">
-              <a:spcAft>
-                <a:spcPts val="600"/>
-              </a:spcAft>
-              <a:buFont typeface="Wingdings" charset="2"/>
-              <a:buChar char="§"/>
-            </a:pPr>
-            <a:endParaRPr lang="en-US" dirty="0">
-              <a:latin typeface="Fira Sans Light" charset="0"/>
-              <a:ea typeface="Fira Sans Light" charset="0"/>
-              <a:cs typeface="Fira Sans Light" charset="0"/>
-            </a:endParaRPr>
-          </a:p>
-          <a:p>
-            <a:pPr lvl="1">
-              <a:spcAft>
-                <a:spcPts val="600"/>
-              </a:spcAft>
-              <a:buFont typeface="Wingdings" charset="2"/>
-              <a:buChar char="§"/>
-            </a:pPr>
-            <a:endParaRPr lang="en-US" dirty="0">
-              <a:latin typeface="Fira Sans Light" charset="0"/>
-              <a:ea typeface="Fira Sans Light" charset="0"/>
-              <a:cs typeface="Fira Sans Light" charset="0"/>
-            </a:endParaRPr>
-          </a:p>
-          <a:p>
-            <a:pPr lvl="1">
-              <a:spcAft>
-                <a:spcPts val="600"/>
-              </a:spcAft>
-              <a:buFont typeface="Wingdings" charset="2"/>
-              <a:buChar char="§"/>
-            </a:pPr>
-            <a:endParaRPr lang="en-US" dirty="0">
-              <a:latin typeface="Fira Sans Light" charset="0"/>
-              <a:ea typeface="Fira Sans Light" charset="0"/>
-              <a:cs typeface="Fira Sans Light" charset="0"/>
-            </a:endParaRPr>
-          </a:p>
-          <a:p>
-            <a:pPr lvl="1">
-              <a:spcAft>
-                <a:spcPts val="600"/>
-              </a:spcAft>
-              <a:buFont typeface="Wingdings" charset="2"/>
-              <a:buChar char="§"/>
-            </a:pPr>
-            <a:endParaRPr lang="en-US" dirty="0">
-              <a:latin typeface="Fira Sans Light" charset="0"/>
-              <a:ea typeface="Fira Sans Light" charset="0"/>
-              <a:cs typeface="Fira Sans Light" charset="0"/>
-            </a:endParaRPr>
-          </a:p>
-        </p:txBody>
-      </p:sp>
-      <p:sp>
-        <p:nvSpPr>
-          <p:cNvPr id="7" name="Freccia destra 6"/>
-          <p:cNvSpPr/>
-          <p:nvPr/>
-        </p:nvSpPr>
-        <p:spPr>
-          <a:xfrm>
-            <a:off x="948829" y="5458384"/>
-            <a:ext cx="911905" cy="858644"/>
-          </a:xfrm>
-          <a:prstGeom prst="rightArrow">
-            <a:avLst/>
-          </a:prstGeom>
-          <a:solidFill>
-            <a:srgbClr val="9B1214">
-              <a:alpha val="49000"/>
-            </a:srgbClr>
-          </a:solidFill>
-          <a:ln>
-            <a:noFill/>
-          </a:ln>
-        </p:spPr>
-        <p:style>
-          <a:lnRef idx="2">
-            <a:schemeClr val="accent1">
-              <a:shade val="50000"/>
-            </a:schemeClr>
-          </a:lnRef>
-          <a:fillRef idx="1">
-            <a:schemeClr val="accent1"/>
-          </a:fillRef>
-          <a:effectRef idx="0">
-            <a:schemeClr val="accent1"/>
-          </a:effectRef>
-          <a:fontRef idx="minor">
-            <a:schemeClr val="lt1"/>
-          </a:fontRef>
-        </p:style>
-        <p:txBody>
-          <a:bodyPr rtlCol="0" anchor="ctr"/>
-          <a:lstStyle/>
-          <a:p>
-            <a:pPr algn="ctr"/>
-            <a:endParaRPr lang="en-US"/>
-          </a:p>
-        </p:txBody>
-      </p:sp>
-      <p:sp>
-        <p:nvSpPr>
-          <p:cNvPr id="8" name="CasellaDiTesto 7"/>
+          <p:cNvPr id="6" name="CasellaDiTesto 5"/>
           <p:cNvSpPr txBox="1"/>
           <p:nvPr/>
         </p:nvSpPr>
         <p:spPr>
           <a:xfrm>
-            <a:off x="1860733" y="5458384"/>
-            <a:ext cx="6518857" cy="954107"/>
+            <a:off x="843016" y="5973418"/>
+            <a:ext cx="8199783" cy="738664"/>
           </a:xfrm>
           <a:prstGeom prst="rect">
             <a:avLst/>
@@ -12307,20 +7568,156 @@
           <a:lstStyle/>
           <a:p>
             <a:r>
-              <a:rPr lang="en-US" sz="2800" dirty="0">
-                <a:latin typeface="+mj-lt"/>
-                <a:ea typeface="Fira Sans Light" charset="0"/>
-                <a:cs typeface="Fira Sans Light" charset="0"/>
-              </a:rPr>
-              <a:t>3GPP Rel. 15 supports carrier frequency up to 52.6 GHz </a:t>
-            </a:r>
-          </a:p>
-        </p:txBody>
-      </p:sp>
+              <a:rPr lang="it-IT" sz="1400" dirty="0"/>
+              <a:t>[1] R. </a:t>
+            </a:r>
+            <a:r>
+              <a:rPr lang="it-IT" sz="1400" dirty="0" err="1"/>
+              <a:t>Chavarriaga</a:t>
+            </a:r>
+            <a:r>
+              <a:rPr lang="it-IT" sz="1400" dirty="0"/>
+              <a:t>, H. </a:t>
+            </a:r>
+            <a:r>
+              <a:rPr lang="it-IT" sz="1400" dirty="0" err="1"/>
+              <a:t>Sagha</a:t>
+            </a:r>
+            <a:r>
+              <a:rPr lang="it-IT" sz="1400" dirty="0"/>
+              <a:t>, A. </a:t>
+            </a:r>
+            <a:r>
+              <a:rPr lang="it-IT" sz="1400" dirty="0" err="1"/>
+              <a:t>Calatroni</a:t>
+            </a:r>
+            <a:r>
+              <a:rPr lang="it-IT" sz="1400" dirty="0"/>
+              <a:t>, S. T. </a:t>
+            </a:r>
+            <a:r>
+              <a:rPr lang="it-IT" sz="1400" dirty="0" err="1"/>
+              <a:t>Digumarti</a:t>
+            </a:r>
+            <a:r>
+              <a:rPr lang="it-IT" sz="1400" dirty="0"/>
+              <a:t>, G. </a:t>
+            </a:r>
+            <a:r>
+              <a:rPr lang="it-IT" sz="1400" dirty="0" err="1"/>
+              <a:t>Tröster</a:t>
+            </a:r>
+            <a:r>
+              <a:rPr lang="it-IT" sz="1400" dirty="0"/>
+              <a:t>, </a:t>
+            </a:r>
+            <a:r>
+              <a:rPr lang="en-US" sz="1400" dirty="0"/>
+              <a:t>J. del R. </a:t>
+            </a:r>
+            <a:r>
+              <a:rPr lang="en-US" sz="1400" dirty="0" err="1"/>
+              <a:t>Millán</a:t>
+            </a:r>
+            <a:r>
+              <a:rPr lang="en-US" sz="1400" dirty="0"/>
+              <a:t>, and D. </a:t>
+            </a:r>
+            <a:r>
+              <a:rPr lang="en-US" sz="1400" dirty="0" err="1"/>
+              <a:t>Roggen</a:t>
+            </a:r>
+            <a:r>
+              <a:rPr lang="en-US" sz="1400" dirty="0"/>
+              <a:t>, “The opportunity challenge: A benchmark database for on-body sensor-based activity recognition,” </a:t>
+            </a:r>
+            <a:r>
+              <a:rPr lang="it-IT" sz="1400" i="1" dirty="0"/>
+              <a:t>Pattern </a:t>
+            </a:r>
+            <a:r>
+              <a:rPr lang="it-IT" sz="1400" i="1" dirty="0" err="1"/>
+              <a:t>Recognition</a:t>
+            </a:r>
+            <a:r>
+              <a:rPr lang="it-IT" sz="1400" i="1" dirty="0"/>
+              <a:t> </a:t>
+            </a:r>
+            <a:r>
+              <a:rPr lang="it-IT" sz="1400" i="1" dirty="0" err="1"/>
+              <a:t>Letters</a:t>
+            </a:r>
+            <a:r>
+              <a:rPr lang="it-IT" sz="1400" dirty="0"/>
+              <a:t>, 2013.</a:t>
+            </a:r>
+          </a:p>
+        </p:txBody>
+      </p:sp>
+      <p:sp>
+        <p:nvSpPr>
+          <p:cNvPr id="7" name="CasellaDiTesto 6"/>
+          <p:cNvSpPr txBox="1"/>
+          <p:nvPr/>
+        </p:nvSpPr>
+        <p:spPr>
+          <a:xfrm>
+            <a:off x="1724776" y="208722"/>
+            <a:ext cx="6013174" cy="584775"/>
+          </a:xfrm>
+          <a:prstGeom prst="rect">
+            <a:avLst/>
+          </a:prstGeom>
+          <a:noFill/>
+        </p:spPr>
+        <p:txBody>
+          <a:bodyPr wrap="square" rtlCol="0">
+            <a:spAutoFit/>
+          </a:bodyPr>
+          <a:lstStyle/>
+          <a:p>
+            <a:pPr algn="ctr"/>
+            <a:r>
+              <a:rPr lang="it-IT" sz="3200" b="1" dirty="0"/>
+              <a:t>OPPORTUNITY DATASET</a:t>
+            </a:r>
+          </a:p>
+        </p:txBody>
+      </p:sp>
+      <p:pic>
+        <p:nvPicPr>
+          <p:cNvPr id="8" name="Immagine 7"/>
+          <p:cNvPicPr>
+            <a:picLocks noChangeAspect="1"/>
+          </p:cNvPicPr>
+          <p:nvPr/>
+        </p:nvPicPr>
+        <p:blipFill>
+          <a:blip r:embed="rId4" cstate="print">
+            <a:extLst>
+              <a:ext uri="{28A0092B-C50C-407E-A947-70E740481C1C}">
+                <a14:useLocalDpi xmlns:a14="http://schemas.microsoft.com/office/drawing/2010/main" val="0"/>
+              </a:ext>
+            </a:extLst>
+          </a:blip>
+          <a:stretch>
+            <a:fillRect/>
+          </a:stretch>
+        </p:blipFill>
+        <p:spPr>
+          <a:xfrm>
+            <a:off x="3060347" y="3176667"/>
+            <a:ext cx="3342033" cy="2673626"/>
+          </a:xfrm>
+          <a:prstGeom prst="rect">
+            <a:avLst/>
+          </a:prstGeom>
+        </p:spPr>
+      </p:pic>
     </p:spTree>
     <p:extLst>
       <p:ext uri="{BB962C8B-B14F-4D97-AF65-F5344CB8AC3E}">
-        <p14:creationId xmlns:p14="http://schemas.microsoft.com/office/powerpoint/2010/main" val="1227225309"/>
+        <p14:creationId xmlns:p14="http://schemas.microsoft.com/office/powerpoint/2010/main" val="2456209769"/>
       </p:ext>
     </p:extLst>
   </p:cSld>
@@ -12347,141 +7744,386 @@
           <a:chExt cx="0" cy="0"/>
         </a:xfrm>
       </p:grpSpPr>
-      <p:sp>
-        <p:nvSpPr>
-          <p:cNvPr id="10" name="Titolo 9"/>
-          <p:cNvSpPr>
-            <a:spLocks noGrp="1"/>
-          </p:cNvSpPr>
-          <p:nvPr>
-            <p:ph type="title"/>
-          </p:nvPr>
-        </p:nvSpPr>
-        <p:spPr>
-          <a:xfrm>
-            <a:off x="928047" y="365125"/>
-            <a:ext cx="7886700" cy="1325563"/>
-          </a:xfrm>
-        </p:spPr>
-        <p:txBody>
-          <a:bodyPr/>
-          <a:lstStyle/>
-          <a:p>
-            <a:r>
-              <a:rPr lang="en-US" b="1" dirty="0"/>
-              <a:t>Applications</a:t>
-            </a:r>
-          </a:p>
-        </p:txBody>
-      </p:sp>
-      <p:sp>
-        <p:nvSpPr>
-          <p:cNvPr id="11" name="Segnaposto contenuto 10"/>
-          <p:cNvSpPr>
-            <a:spLocks noGrp="1"/>
-          </p:cNvSpPr>
+      <p:pic>
+        <p:nvPicPr>
+          <p:cNvPr id="4" name="Segnaposto contenuto 3"/>
+          <p:cNvPicPr>
+            <a:picLocks noGrp="1" noChangeAspect="1"/>
+          </p:cNvPicPr>
           <p:nvPr>
             <p:ph idx="1"/>
           </p:nvPr>
-        </p:nvSpPr>
-        <p:spPr>
-          <a:xfrm>
-            <a:off x="928047" y="1978923"/>
-            <a:ext cx="7997589" cy="4781549"/>
-          </a:xfrm>
-        </p:spPr>
-        <p:txBody>
-          <a:bodyPr>
-            <a:normAutofit/>
+        </p:nvPicPr>
+        <p:blipFill>
+          <a:blip r:embed="rId2" cstate="print">
+            <a:extLst>
+              <a:ext uri="{28A0092B-C50C-407E-A947-70E740481C1C}">
+                <a14:useLocalDpi xmlns:a14="http://schemas.microsoft.com/office/drawing/2010/main" val="0"/>
+              </a:ext>
+            </a:extLst>
+          </a:blip>
+          <a:stretch>
+            <a:fillRect/>
+          </a:stretch>
+        </p:blipFill>
+        <p:spPr>
+          <a:xfrm>
+            <a:off x="6234980" y="354738"/>
+            <a:ext cx="2392185" cy="3141569"/>
+          </a:xfrm>
+        </p:spPr>
+      </p:pic>
+      <p:sp>
+        <p:nvSpPr>
+          <p:cNvPr id="5" name="CasellaDiTesto 4"/>
+          <p:cNvSpPr txBox="1"/>
+          <p:nvPr/>
+        </p:nvSpPr>
+        <p:spPr>
+          <a:xfrm>
+            <a:off x="1063487" y="1147016"/>
+            <a:ext cx="4820478" cy="1200329"/>
+          </a:xfrm>
+          <a:prstGeom prst="rect">
+            <a:avLst/>
+          </a:prstGeom>
+          <a:noFill/>
+        </p:spPr>
+        <p:txBody>
+          <a:bodyPr wrap="square" rtlCol="0">
+            <a:spAutoFit/>
           </a:bodyPr>
           <a:lstStyle/>
           <a:p>
-            <a:pPr>
-              <a:spcAft>
-                <a:spcPts val="600"/>
-              </a:spcAft>
-              <a:buFont typeface="Wingdings" charset="2"/>
-              <a:buChar char="§"/>
+            <a:pPr marL="285750" indent="-285750">
+              <a:buFont typeface="Arial" panose="020B0604020202020204" pitchFamily="34" charset="0"/>
+              <a:buChar char="•"/>
             </a:pPr>
             <a:r>
-              <a:rPr lang="en-US" dirty="0">
-                <a:latin typeface="+mj-lt"/>
-                <a:ea typeface="Fira Sans Light" charset="0"/>
-                <a:cs typeface="Fira Sans Light" charset="0"/>
-              </a:rPr>
-              <a:t>Ultra-high quality video streaming and VR are seen as possible use cases of 5G</a:t>
-            </a:r>
-          </a:p>
-          <a:p>
-            <a:pPr>
-              <a:spcAft>
-                <a:spcPts val="600"/>
-              </a:spcAft>
-              <a:buFont typeface="Wingdings" charset="2"/>
-              <a:buChar char="§"/>
+              <a:rPr lang="it-IT" sz="2400" dirty="0"/>
+              <a:t>4 </a:t>
+            </a:r>
+            <a:r>
+              <a:rPr lang="it-IT" sz="2400" dirty="0" err="1"/>
+              <a:t>different</a:t>
+            </a:r>
+            <a:r>
+              <a:rPr lang="it-IT" sz="2400" dirty="0"/>
+              <a:t> </a:t>
+            </a:r>
+            <a:r>
+              <a:rPr lang="it-IT" sz="2400" dirty="0" err="1"/>
+              <a:t>subjects</a:t>
+            </a:r>
+            <a:r>
+              <a:rPr lang="it-IT" sz="2400" dirty="0"/>
+              <a:t> </a:t>
+            </a:r>
+          </a:p>
+          <a:p>
+            <a:pPr marL="285750" indent="-285750">
+              <a:buFont typeface="Arial" panose="020B0604020202020204" pitchFamily="34" charset="0"/>
+              <a:buChar char="•"/>
             </a:pPr>
             <a:r>
-              <a:rPr lang="en-US" sz="3600" dirty="0">
-                <a:solidFill>
-                  <a:schemeClr val="accent2"/>
-                </a:solidFill>
-                <a:latin typeface="+mj-lt"/>
-                <a:ea typeface="Fira Sans Light" charset="0"/>
-                <a:cs typeface="Fira Sans Light" charset="0"/>
-              </a:rPr>
-              <a:t>How can we stream high quality video to </a:t>
-            </a:r>
-            <a:r>
-              <a:rPr lang="en-US" sz="3600" dirty="0" err="1">
-                <a:solidFill>
-                  <a:schemeClr val="accent2"/>
-                </a:solidFill>
-                <a:latin typeface="+mj-lt"/>
-                <a:ea typeface="Fira Sans Light" charset="0"/>
-                <a:cs typeface="Fira Sans Light" charset="0"/>
-              </a:rPr>
-              <a:t>mmWave</a:t>
-            </a:r>
-            <a:r>
-              <a:rPr lang="en-US" sz="3600" dirty="0">
-                <a:solidFill>
-                  <a:schemeClr val="accent2"/>
-                </a:solidFill>
-                <a:latin typeface="+mj-lt"/>
-                <a:ea typeface="Fira Sans Light" charset="0"/>
-                <a:cs typeface="Fira Sans Light" charset="0"/>
-              </a:rPr>
-              <a:t> users?</a:t>
-            </a:r>
-            <a:endParaRPr lang="en-US" sz="3200" dirty="0">
-              <a:solidFill>
-                <a:schemeClr val="accent2"/>
-              </a:solidFill>
-              <a:latin typeface="+mj-lt"/>
-              <a:ea typeface="Fira Sans Light" charset="0"/>
-              <a:cs typeface="Fira Sans Light" charset="0"/>
-            </a:endParaRPr>
-          </a:p>
-          <a:p>
-            <a:pPr lvl="1">
-              <a:spcAft>
-                <a:spcPts val="600"/>
-              </a:spcAft>
-              <a:buFont typeface="Wingdings" charset="2"/>
-              <a:buChar char="§"/>
+              <a:rPr lang="it-IT" sz="2400" dirty="0"/>
+              <a:t>7 </a:t>
+            </a:r>
+            <a:r>
+              <a:rPr lang="it-IT" sz="2400" dirty="0" err="1"/>
+              <a:t>Inertial</a:t>
+            </a:r>
+            <a:r>
+              <a:rPr lang="it-IT" sz="2400" dirty="0"/>
+              <a:t> </a:t>
+            </a:r>
+            <a:r>
+              <a:rPr lang="it-IT" sz="2400" dirty="0" err="1"/>
+              <a:t>Measurement</a:t>
+            </a:r>
+            <a:r>
+              <a:rPr lang="it-IT" sz="2400" dirty="0"/>
+              <a:t> </a:t>
+            </a:r>
+            <a:r>
+              <a:rPr lang="it-IT" sz="2400" dirty="0" err="1"/>
+              <a:t>Units</a:t>
+            </a:r>
+            <a:r>
+              <a:rPr lang="it-IT" sz="2400" dirty="0"/>
+              <a:t> </a:t>
+            </a:r>
+          </a:p>
+          <a:p>
+            <a:pPr marL="285750" indent="-285750">
+              <a:buFont typeface="Arial" panose="020B0604020202020204" pitchFamily="34" charset="0"/>
+              <a:buChar char="•"/>
             </a:pPr>
-            <a:endParaRPr lang="en-US" dirty="0">
-              <a:latin typeface="+mj-lt"/>
-              <a:ea typeface="Fira Sans Light" charset="0"/>
-              <a:cs typeface="Fira Sans Light" charset="0"/>
-            </a:endParaRPr>
+            <a:r>
+              <a:rPr lang="it-IT" sz="2400" dirty="0"/>
+              <a:t>12 </a:t>
+            </a:r>
+            <a:r>
+              <a:rPr lang="it-IT" sz="2400" dirty="0" err="1"/>
+              <a:t>accelerometer</a:t>
+            </a:r>
+            <a:r>
+              <a:rPr lang="it-IT" sz="2400" dirty="0"/>
+              <a:t> </a:t>
+            </a:r>
+            <a:r>
+              <a:rPr lang="it-IT" sz="2400" dirty="0" err="1"/>
+              <a:t>sensors</a:t>
+            </a:r>
+            <a:r>
+              <a:rPr lang="it-IT" sz="2400" dirty="0"/>
+              <a:t> </a:t>
+            </a:r>
+          </a:p>
+        </p:txBody>
+      </p:sp>
+      <p:sp>
+        <p:nvSpPr>
+          <p:cNvPr id="6" name="Freccia a destra 5"/>
+          <p:cNvSpPr/>
+          <p:nvPr/>
+        </p:nvSpPr>
+        <p:spPr>
+          <a:xfrm>
+            <a:off x="874644" y="3324322"/>
+            <a:ext cx="964095" cy="343970"/>
+          </a:xfrm>
+          <a:prstGeom prst="rightArrow">
+            <a:avLst/>
+          </a:prstGeom>
+          <a:solidFill>
+            <a:srgbClr val="00B050"/>
+          </a:solidFill>
+        </p:spPr>
+        <p:style>
+          <a:lnRef idx="2">
+            <a:schemeClr val="accent1">
+              <a:shade val="50000"/>
+            </a:schemeClr>
+          </a:lnRef>
+          <a:fillRef idx="1">
+            <a:schemeClr val="accent1"/>
+          </a:fillRef>
+          <a:effectRef idx="0">
+            <a:schemeClr val="accent1"/>
+          </a:effectRef>
+          <a:fontRef idx="minor">
+            <a:schemeClr val="lt1"/>
+          </a:fontRef>
+        </p:style>
+        <p:txBody>
+          <a:bodyPr rtlCol="0" anchor="ctr"/>
+          <a:lstStyle/>
+          <a:p>
+            <a:pPr algn="ctr"/>
+            <a:endParaRPr lang="it-IT"/>
+          </a:p>
+        </p:txBody>
+      </p:sp>
+      <p:sp>
+        <p:nvSpPr>
+          <p:cNvPr id="7" name="CasellaDiTesto 6"/>
+          <p:cNvSpPr txBox="1"/>
+          <p:nvPr/>
+        </p:nvSpPr>
+        <p:spPr>
+          <a:xfrm>
+            <a:off x="2076982" y="3206627"/>
+            <a:ext cx="4157998" cy="461665"/>
+          </a:xfrm>
+          <a:prstGeom prst="rect">
+            <a:avLst/>
+          </a:prstGeom>
+          <a:noFill/>
+        </p:spPr>
+        <p:txBody>
+          <a:bodyPr wrap="none" rtlCol="0">
+            <a:spAutoFit/>
+          </a:bodyPr>
+          <a:lstStyle/>
+          <a:p>
+            <a:r>
+              <a:rPr lang="it-IT" sz="2400" dirty="0"/>
+              <a:t>113 </a:t>
+            </a:r>
+            <a:r>
+              <a:rPr lang="it-IT" sz="2400" dirty="0" err="1"/>
+              <a:t>channels</a:t>
+            </a:r>
+            <a:r>
+              <a:rPr lang="it-IT" sz="2400" dirty="0"/>
+              <a:t> of </a:t>
+            </a:r>
+            <a:r>
+              <a:rPr lang="it-IT" sz="2400" dirty="0" err="1"/>
+              <a:t>measurements</a:t>
+            </a:r>
+            <a:r>
+              <a:rPr lang="it-IT" sz="2400" dirty="0"/>
+              <a:t> </a:t>
+            </a:r>
+          </a:p>
+        </p:txBody>
+      </p:sp>
+      <p:sp>
+        <p:nvSpPr>
+          <p:cNvPr id="8" name="CasellaDiTesto 7"/>
+          <p:cNvSpPr txBox="1"/>
+          <p:nvPr/>
+        </p:nvSpPr>
+        <p:spPr>
+          <a:xfrm>
+            <a:off x="1063487" y="4527574"/>
+            <a:ext cx="7563678" cy="1200329"/>
+          </a:xfrm>
+          <a:prstGeom prst="rect">
+            <a:avLst/>
+          </a:prstGeom>
+          <a:noFill/>
+        </p:spPr>
+        <p:txBody>
+          <a:bodyPr wrap="square" rtlCol="0">
+            <a:spAutoFit/>
+          </a:bodyPr>
+          <a:lstStyle/>
+          <a:p>
+            <a:r>
+              <a:rPr lang="it-IT" sz="2400" dirty="0"/>
+              <a:t>Data </a:t>
+            </a:r>
+            <a:r>
+              <a:rPr lang="it-IT" sz="2400" dirty="0" err="1"/>
+              <a:t>has</a:t>
+            </a:r>
+            <a:r>
+              <a:rPr lang="it-IT" sz="2400" dirty="0"/>
+              <a:t> </a:t>
+            </a:r>
+            <a:r>
+              <a:rPr lang="it-IT" sz="2400" dirty="0" err="1"/>
+              <a:t>been</a:t>
+            </a:r>
+            <a:r>
+              <a:rPr lang="it-IT" sz="2400" dirty="0"/>
+              <a:t> </a:t>
+            </a:r>
+            <a:r>
+              <a:rPr lang="it-IT" sz="2400" dirty="0" err="1"/>
+              <a:t>collected</a:t>
+            </a:r>
+            <a:r>
+              <a:rPr lang="it-IT" sz="2400" dirty="0"/>
+              <a:t> in </a:t>
+            </a:r>
+            <a:r>
+              <a:rPr lang="it-IT" sz="2400" dirty="0" err="1"/>
+              <a:t>two</a:t>
+            </a:r>
+            <a:r>
+              <a:rPr lang="it-IT" sz="2400" dirty="0"/>
+              <a:t> </a:t>
+            </a:r>
+            <a:r>
+              <a:rPr lang="it-IT" sz="2400" dirty="0" err="1"/>
+              <a:t>distinct</a:t>
+            </a:r>
+            <a:r>
+              <a:rPr lang="it-IT" sz="2400" dirty="0"/>
+              <a:t> </a:t>
+            </a:r>
+            <a:r>
+              <a:rPr lang="it-IT" sz="2400" dirty="0" err="1"/>
+              <a:t>modalities</a:t>
+            </a:r>
+            <a:r>
+              <a:rPr lang="it-IT" sz="2400" dirty="0"/>
+              <a:t> :</a:t>
+            </a:r>
+          </a:p>
+          <a:p>
+            <a:pPr marL="285750" indent="-285750">
+              <a:buFont typeface="Arial" panose="020B0604020202020204" pitchFamily="34" charset="0"/>
+              <a:buChar char="•"/>
+            </a:pPr>
+            <a:r>
+              <a:rPr lang="it-IT" sz="2400" dirty="0"/>
+              <a:t>5 sessions of  </a:t>
+            </a:r>
+            <a:r>
+              <a:rPr lang="it-IT" sz="2400" b="1" dirty="0"/>
+              <a:t>Activity of </a:t>
+            </a:r>
+            <a:r>
+              <a:rPr lang="it-IT" sz="2400" b="1" dirty="0" err="1"/>
+              <a:t>Daily</a:t>
+            </a:r>
+            <a:r>
+              <a:rPr lang="it-IT" sz="2400" b="1" dirty="0"/>
+              <a:t> Living </a:t>
+            </a:r>
+            <a:r>
+              <a:rPr lang="it-IT" sz="2400" dirty="0"/>
+              <a:t>(ADL)</a:t>
+            </a:r>
+          </a:p>
+          <a:p>
+            <a:pPr marL="285750" indent="-285750">
+              <a:buFont typeface="Arial" panose="020B0604020202020204" pitchFamily="34" charset="0"/>
+              <a:buChar char="•"/>
+            </a:pPr>
+            <a:r>
+              <a:rPr lang="it-IT" sz="2400" b="1" dirty="0" err="1"/>
+              <a:t>Drill</a:t>
+            </a:r>
+            <a:r>
+              <a:rPr lang="it-IT" sz="2400" b="1" dirty="0"/>
+              <a:t> </a:t>
+            </a:r>
+            <a:r>
+              <a:rPr lang="it-IT" sz="2400" dirty="0"/>
+              <a:t>: 20 </a:t>
+            </a:r>
+            <a:r>
+              <a:rPr lang="it-IT" sz="2400" dirty="0" err="1"/>
+              <a:t>repetitions</a:t>
+            </a:r>
+            <a:r>
+              <a:rPr lang="it-IT" sz="2400" dirty="0"/>
+              <a:t> of </a:t>
+            </a:r>
+            <a:r>
+              <a:rPr lang="it-IT" sz="2400" dirty="0" err="1"/>
+              <a:t>low</a:t>
+            </a:r>
+            <a:r>
+              <a:rPr lang="it-IT" sz="2400" dirty="0"/>
+              <a:t> </a:t>
+            </a:r>
+            <a:r>
+              <a:rPr lang="it-IT" sz="2400" dirty="0" err="1"/>
+              <a:t>level</a:t>
+            </a:r>
+            <a:r>
+              <a:rPr lang="it-IT" sz="2400" dirty="0"/>
+              <a:t> </a:t>
+            </a:r>
+            <a:r>
+              <a:rPr lang="it-IT" sz="2400" dirty="0" err="1"/>
+              <a:t>activities</a:t>
+            </a:r>
+            <a:endParaRPr lang="it-IT" sz="2400" b="1" dirty="0"/>
           </a:p>
         </p:txBody>
       </p:sp>
     </p:spTree>
     <p:extLst>
       <p:ext uri="{BB962C8B-B14F-4D97-AF65-F5344CB8AC3E}">
-        <p14:creationId xmlns:p14="http://schemas.microsoft.com/office/powerpoint/2010/main" val="1257082792"/>
+        <p14:creationId xmlns:p14="http://schemas.microsoft.com/office/powerpoint/2010/main" val="4108340411"/>
       </p:ext>
     </p:extLst>
   </p:cSld>
@@ -12510,7 +8152,7 @@
       </p:grpSpPr>
       <p:sp>
         <p:nvSpPr>
-          <p:cNvPr id="10" name="Titolo 9"/>
+          <p:cNvPr id="2" name="Titolo 1"/>
           <p:cNvSpPr>
             <a:spLocks noGrp="1"/>
           </p:cNvSpPr>
@@ -12523,16 +8165,13 @@
           <a:bodyPr/>
           <a:lstStyle/>
           <a:p>
-            <a:r>
-              <a:rPr lang="en-US" b="1" dirty="0"/>
-              <a:t>Related work</a:t>
-            </a:r>
-          </a:p>
-        </p:txBody>
-      </p:sp>
-      <p:sp>
-        <p:nvSpPr>
-          <p:cNvPr id="11" name="Segnaposto contenuto 10"/>
+            <a:endParaRPr lang="it-IT"/>
+          </a:p>
+        </p:txBody>
+      </p:sp>
+      <p:sp>
+        <p:nvSpPr>
+          <p:cNvPr id="3" name="Segnaposto contenuto 2"/>
           <p:cNvSpPr>
             <a:spLocks noGrp="1"/>
           </p:cNvSpPr>
@@ -12540,334 +8179,19 @@
             <p:ph idx="1"/>
           </p:nvPr>
         </p:nvSpPr>
-        <p:spPr>
-          <a:xfrm>
-            <a:off x="937986" y="1690688"/>
-            <a:ext cx="7997589" cy="4749870"/>
-          </a:xfrm>
-        </p:spPr>
-        <p:txBody>
-          <a:bodyPr>
-            <a:normAutofit/>
-          </a:bodyPr>
-          <a:lstStyle/>
-          <a:p>
-            <a:pPr>
-              <a:spcAft>
-                <a:spcPts val="600"/>
-              </a:spcAft>
-              <a:buFont typeface="Wingdings" charset="2"/>
-              <a:buChar char="§"/>
-            </a:pPr>
-            <a:r>
-              <a:rPr lang="en-US" dirty="0">
-                <a:latin typeface="+mj-lt"/>
-                <a:ea typeface="Fira Sans Light" charset="0"/>
-                <a:cs typeface="Fira Sans Light" charset="0"/>
-              </a:rPr>
-              <a:t>IEEE 802.11ad solutions for VR and streaming in local networks</a:t>
-            </a:r>
-          </a:p>
-          <a:p>
-            <a:pPr lvl="1">
-              <a:spcAft>
-                <a:spcPts val="600"/>
-              </a:spcAft>
-              <a:buFont typeface="Wingdings" charset="2"/>
-              <a:buChar char="§"/>
-            </a:pPr>
-            <a:r>
-              <a:rPr lang="en-US" dirty="0">
-                <a:latin typeface="+mj-lt"/>
-                <a:ea typeface="Fira Sans Light" charset="0"/>
-                <a:cs typeface="Fira Sans Light" charset="0"/>
-              </a:rPr>
-              <a:t>Very different setup from cellular networks [1]</a:t>
-            </a:r>
-          </a:p>
-          <a:p>
-            <a:pPr>
-              <a:spcAft>
-                <a:spcPts val="600"/>
-              </a:spcAft>
-              <a:buFont typeface="Wingdings" charset="2"/>
-              <a:buChar char="§"/>
-            </a:pPr>
-            <a:r>
-              <a:rPr lang="en-US" dirty="0">
-                <a:latin typeface="+mj-lt"/>
-                <a:ea typeface="Fira Sans Light" charset="0"/>
-                <a:cs typeface="Fira Sans Light" charset="0"/>
-              </a:rPr>
-              <a:t>LTE streaming solutions</a:t>
-            </a:r>
-          </a:p>
-          <a:p>
-            <a:pPr lvl="1">
-              <a:spcAft>
-                <a:spcPts val="600"/>
-              </a:spcAft>
-              <a:buFont typeface="Wingdings" charset="2"/>
-              <a:buChar char="§"/>
-            </a:pPr>
-            <a:r>
-              <a:rPr lang="en-US" dirty="0">
-                <a:latin typeface="+mj-lt"/>
-                <a:ea typeface="Fira Sans Light" charset="0"/>
-                <a:cs typeface="Fira Sans Light" charset="0"/>
-              </a:rPr>
-              <a:t>Different frequency bands and less demanding propagation conditions</a:t>
-            </a:r>
-          </a:p>
-          <a:p>
-            <a:pPr lvl="1">
-              <a:spcAft>
-                <a:spcPts val="600"/>
-              </a:spcAft>
-              <a:buFont typeface="Wingdings" charset="2"/>
-              <a:buChar char="§"/>
-            </a:pPr>
-            <a:r>
-              <a:rPr lang="en-US" dirty="0">
-                <a:latin typeface="+mj-lt"/>
-                <a:ea typeface="Fira Sans Light" charset="0"/>
-                <a:cs typeface="Fira Sans Light" charset="0"/>
-              </a:rPr>
-              <a:t>Also using network coding [2]</a:t>
-            </a:r>
-          </a:p>
-          <a:p>
-            <a:pPr lvl="1">
-              <a:spcAft>
-                <a:spcPts val="600"/>
-              </a:spcAft>
-              <a:buFont typeface="Wingdings" charset="2"/>
-              <a:buChar char="§"/>
-            </a:pPr>
-            <a:endParaRPr lang="en-US" dirty="0">
-              <a:latin typeface="Fira Sans Light" charset="0"/>
-              <a:ea typeface="Fira Sans Light" charset="0"/>
-              <a:cs typeface="Fira Sans Light" charset="0"/>
-            </a:endParaRPr>
-          </a:p>
-          <a:p>
-            <a:pPr marL="0" indent="0">
-              <a:spcBef>
-                <a:spcPts val="400"/>
-              </a:spcBef>
-              <a:buNone/>
-            </a:pPr>
-            <a:r>
-              <a:rPr lang="en-US" sz="1300" dirty="0">
-                <a:latin typeface="+mj-lt"/>
-                <a:ea typeface="Fira Sans Light" charset="0"/>
-                <a:cs typeface="Fira Sans Light" charset="0"/>
-              </a:rPr>
-              <a:t>[1] O. </a:t>
-            </a:r>
-            <a:r>
-              <a:rPr lang="en-US" sz="1300" dirty="0" err="1">
-                <a:latin typeface="+mj-lt"/>
-                <a:ea typeface="Fira Sans Light" charset="0"/>
-                <a:cs typeface="Fira Sans Light" charset="0"/>
-              </a:rPr>
-              <a:t>Abari</a:t>
-            </a:r>
-            <a:r>
-              <a:rPr lang="en-US" sz="1300" dirty="0">
-                <a:latin typeface="+mj-lt"/>
-                <a:ea typeface="Fira Sans Light" charset="0"/>
-                <a:cs typeface="Fira Sans Light" charset="0"/>
-              </a:rPr>
-              <a:t>, D. </a:t>
-            </a:r>
-            <a:r>
-              <a:rPr lang="en-US" sz="1300" dirty="0" err="1">
-                <a:latin typeface="+mj-lt"/>
-                <a:ea typeface="Fira Sans Light" charset="0"/>
-                <a:cs typeface="Fira Sans Light" charset="0"/>
-              </a:rPr>
-              <a:t>Bharadia</a:t>
-            </a:r>
-            <a:r>
-              <a:rPr lang="en-US" sz="1300" dirty="0">
-                <a:latin typeface="+mj-lt"/>
-                <a:ea typeface="Fira Sans Light" charset="0"/>
-                <a:cs typeface="Fira Sans Light" charset="0"/>
-              </a:rPr>
-              <a:t>, A. Duffield, and D. </a:t>
-            </a:r>
-            <a:r>
-              <a:rPr lang="en-US" sz="1300" dirty="0" err="1">
-                <a:latin typeface="+mj-lt"/>
-                <a:ea typeface="Fira Sans Light" charset="0"/>
-                <a:cs typeface="Fira Sans Light" charset="0"/>
-              </a:rPr>
-              <a:t>Katabi</a:t>
-            </a:r>
-            <a:r>
-              <a:rPr lang="en-US" sz="1300" dirty="0">
-                <a:latin typeface="+mj-lt"/>
-                <a:ea typeface="Fira Sans Light" charset="0"/>
-                <a:cs typeface="Fira Sans Light" charset="0"/>
-              </a:rPr>
-              <a:t>, “Enabling high-quality untethered virtual reality,” in 14th USENIX Symposium on Networked Systems Design and Implementation (NSDI 17). USENIX Association, pp. 531–544 </a:t>
-            </a:r>
-          </a:p>
-          <a:p>
-            <a:pPr marL="0" indent="0">
-              <a:spcBef>
-                <a:spcPts val="400"/>
-              </a:spcBef>
-              <a:buNone/>
-            </a:pPr>
-            <a:r>
-              <a:rPr lang="en-US" sz="1300" dirty="0">
-                <a:latin typeface="+mj-lt"/>
-                <a:ea typeface="Fira Sans Light" charset="0"/>
-                <a:cs typeface="Fira Sans Light" charset="0"/>
-              </a:rPr>
-              <a:t>[2] D. </a:t>
-            </a:r>
-            <a:r>
-              <a:rPr lang="en-US" sz="1300" dirty="0" err="1">
-                <a:latin typeface="+mj-lt"/>
-                <a:ea typeface="Fira Sans Light" charset="0"/>
-                <a:cs typeface="Fira Sans Light" charset="0"/>
-              </a:rPr>
-              <a:t>Vukobratovic</a:t>
-            </a:r>
-            <a:r>
-              <a:rPr lang="en-US" sz="1300" dirty="0">
-                <a:latin typeface="+mj-lt"/>
-                <a:ea typeface="Fira Sans Light" charset="0"/>
-                <a:cs typeface="Fira Sans Light" charset="0"/>
-              </a:rPr>
-              <a:t>, C. </a:t>
-            </a:r>
-            <a:r>
-              <a:rPr lang="en-US" sz="1300" dirty="0" err="1">
-                <a:latin typeface="+mj-lt"/>
-                <a:ea typeface="Fira Sans Light" charset="0"/>
-                <a:cs typeface="Fira Sans Light" charset="0"/>
-              </a:rPr>
-              <a:t>Khirallah</a:t>
-            </a:r>
-            <a:r>
-              <a:rPr lang="en-US" sz="1300" dirty="0">
-                <a:latin typeface="+mj-lt"/>
-                <a:ea typeface="Fira Sans Light" charset="0"/>
-                <a:cs typeface="Fira Sans Light" charset="0"/>
-              </a:rPr>
-              <a:t>, V. </a:t>
-            </a:r>
-            <a:r>
-              <a:rPr lang="en-US" sz="1300" dirty="0" err="1">
-                <a:latin typeface="+mj-lt"/>
-                <a:ea typeface="Fira Sans Light" charset="0"/>
-                <a:cs typeface="Fira Sans Light" charset="0"/>
-              </a:rPr>
-              <a:t>Stankovic</a:t>
-            </a:r>
-            <a:r>
-              <a:rPr lang="en-US" sz="1300" dirty="0">
-                <a:latin typeface="+mj-lt"/>
-                <a:ea typeface="Fira Sans Light" charset="0"/>
-                <a:cs typeface="Fira Sans Light" charset="0"/>
-              </a:rPr>
-              <a:t> ́, and J. S. Thompson, “Random Network Coding for Multimedia Delivery Services in LTE/LTE- Advanced,” IEEE Transactions on Multimedia, vol. 16, no. 1, pp. 277– 282, January 2014 </a:t>
-            </a:r>
-          </a:p>
-          <a:p>
-            <a:pPr>
-              <a:spcAft>
-                <a:spcPts val="600"/>
-              </a:spcAft>
-              <a:buFont typeface="Wingdings" charset="2"/>
-              <a:buChar char="§"/>
-            </a:pPr>
-            <a:endParaRPr lang="en-US" dirty="0">
-              <a:latin typeface="Fira Sans Light" charset="0"/>
-              <a:ea typeface="Fira Sans Light" charset="0"/>
-              <a:cs typeface="Fira Sans Light" charset="0"/>
-            </a:endParaRPr>
-          </a:p>
-          <a:p>
-            <a:pPr>
-              <a:spcAft>
-                <a:spcPts val="600"/>
-              </a:spcAft>
-              <a:buFont typeface="Wingdings" charset="2"/>
-              <a:buChar char="§"/>
-            </a:pPr>
-            <a:endParaRPr lang="en-US" dirty="0">
-              <a:latin typeface="Fira Sans Light" charset="0"/>
-              <a:ea typeface="Fira Sans Light" charset="0"/>
-              <a:cs typeface="Fira Sans Light" charset="0"/>
-            </a:endParaRPr>
-          </a:p>
-          <a:p>
-            <a:pPr>
-              <a:spcAft>
-                <a:spcPts val="600"/>
-              </a:spcAft>
-              <a:buFont typeface="Wingdings" charset="2"/>
-              <a:buChar char="§"/>
-            </a:pPr>
-            <a:endParaRPr lang="en-US" dirty="0">
-              <a:latin typeface="Fira Sans Light" charset="0"/>
-              <a:ea typeface="Fira Sans Light" charset="0"/>
-              <a:cs typeface="Fira Sans Light" charset="0"/>
-            </a:endParaRPr>
-          </a:p>
-          <a:p>
-            <a:pPr lvl="1">
-              <a:spcAft>
-                <a:spcPts val="600"/>
-              </a:spcAft>
-              <a:buFont typeface="Wingdings" charset="2"/>
-              <a:buChar char="§"/>
-            </a:pPr>
-            <a:endParaRPr lang="en-US" dirty="0">
-              <a:latin typeface="Fira Sans Light" charset="0"/>
-              <a:ea typeface="Fira Sans Light" charset="0"/>
-              <a:cs typeface="Fira Sans Light" charset="0"/>
-            </a:endParaRPr>
-          </a:p>
-          <a:p>
-            <a:pPr lvl="1">
-              <a:spcAft>
-                <a:spcPts val="600"/>
-              </a:spcAft>
-              <a:buFont typeface="Wingdings" charset="2"/>
-              <a:buChar char="§"/>
-            </a:pPr>
-            <a:endParaRPr lang="en-US" dirty="0">
-              <a:latin typeface="Fira Sans Light" charset="0"/>
-              <a:ea typeface="Fira Sans Light" charset="0"/>
-              <a:cs typeface="Fira Sans Light" charset="0"/>
-            </a:endParaRPr>
-          </a:p>
-          <a:p>
-            <a:pPr lvl="1">
-              <a:spcAft>
-                <a:spcPts val="600"/>
-              </a:spcAft>
-              <a:buFont typeface="Wingdings" charset="2"/>
-              <a:buChar char="§"/>
-            </a:pPr>
-            <a:endParaRPr lang="en-US" dirty="0">
-              <a:latin typeface="Fira Sans Light" charset="0"/>
-              <a:ea typeface="Fira Sans Light" charset="0"/>
-              <a:cs typeface="Fira Sans Light" charset="0"/>
-            </a:endParaRPr>
+        <p:spPr/>
+        <p:txBody>
+          <a:bodyPr/>
+          <a:lstStyle/>
+          <a:p>
+            <a:endParaRPr lang="it-IT" dirty="0"/>
           </a:p>
         </p:txBody>
       </p:sp>
     </p:spTree>
     <p:extLst>
       <p:ext uri="{BB962C8B-B14F-4D97-AF65-F5344CB8AC3E}">
-        <p14:creationId xmlns:p14="http://schemas.microsoft.com/office/powerpoint/2010/main" val="1203845354"/>
+        <p14:creationId xmlns:p14="http://schemas.microsoft.com/office/powerpoint/2010/main" val="3757353174"/>
       </p:ext>
     </p:extLst>
   </p:cSld>
@@ -12906,245 +8230,111 @@
         </p:nvSpPr>
         <p:spPr/>
         <p:txBody>
+          <a:bodyPr/>
+          <a:lstStyle/>
+          <a:p>
+            <a:r>
+              <a:rPr lang="en-US" b="1" dirty="0"/>
+              <a:t>Conclusions</a:t>
+            </a:r>
+          </a:p>
+        </p:txBody>
+      </p:sp>
+      <p:sp>
+        <p:nvSpPr>
+          <p:cNvPr id="11" name="Segnaposto contenuto 10"/>
+          <p:cNvSpPr>
+            <a:spLocks noGrp="1"/>
+          </p:cNvSpPr>
+          <p:nvPr>
+            <p:ph idx="1"/>
+          </p:nvPr>
+        </p:nvSpPr>
+        <p:spPr>
+          <a:xfrm>
+            <a:off x="828654" y="1568415"/>
+            <a:ext cx="8215953" cy="5160376"/>
+          </a:xfrm>
+        </p:spPr>
+        <p:txBody>
           <a:bodyPr>
             <a:normAutofit/>
           </a:bodyPr>
           <a:lstStyle/>
           <a:p>
-            <a:r>
-              <a:rPr lang="en-US" sz="3600" b="1" dirty="0" err="1"/>
-              <a:t>mmWave</a:t>
-            </a:r>
-            <a:r>
-              <a:rPr lang="en-US" sz="3600" b="1" dirty="0"/>
-              <a:t> Video Streaming Architecture</a:t>
-            </a:r>
-          </a:p>
-        </p:txBody>
-      </p:sp>
-      <p:sp>
-        <p:nvSpPr>
-          <p:cNvPr id="11" name="Segnaposto contenuto 10"/>
-          <p:cNvSpPr>
-            <a:spLocks noGrp="1"/>
-          </p:cNvSpPr>
-          <p:nvPr>
-            <p:ph idx="1"/>
-          </p:nvPr>
-        </p:nvSpPr>
-        <p:spPr>
-          <a:xfrm>
-            <a:off x="854766" y="1690686"/>
-            <a:ext cx="8080810" cy="5167314"/>
-          </a:xfrm>
-        </p:spPr>
-        <p:txBody>
-          <a:bodyPr>
-            <a:normAutofit fontScale="92500" lnSpcReduction="20000"/>
-          </a:bodyPr>
-          <a:lstStyle/>
-          <a:p>
             <a:pPr>
-              <a:spcAft>
-                <a:spcPts val="600"/>
-              </a:spcAft>
+              <a:lnSpc>
+                <a:spcPct val="100000"/>
+              </a:lnSpc>
               <a:buFont typeface="Wingdings" charset="2"/>
               <a:buChar char="§"/>
             </a:pPr>
-            <a:endParaRPr lang="en-US" dirty="0">
-              <a:latin typeface="Fira Sans Light" charset="0"/>
-              <a:ea typeface="Fira Sans Light" charset="0"/>
-              <a:cs typeface="Fira Sans Light" charset="0"/>
-            </a:endParaRPr>
-          </a:p>
-          <a:p>
-            <a:pPr>
-              <a:spcAft>
-                <a:spcPts val="600"/>
-              </a:spcAft>
-              <a:buFont typeface="Wingdings" charset="2"/>
-              <a:buChar char="§"/>
-            </a:pPr>
-            <a:endParaRPr lang="en-US" dirty="0">
-              <a:latin typeface="Fira Sans Light" charset="0"/>
-              <a:ea typeface="Fira Sans Light" charset="0"/>
-              <a:cs typeface="Fira Sans Light" charset="0"/>
-            </a:endParaRPr>
-          </a:p>
-          <a:p>
-            <a:pPr>
-              <a:spcAft>
-                <a:spcPts val="600"/>
-              </a:spcAft>
-              <a:buFont typeface="Wingdings" charset="2"/>
-              <a:buChar char="§"/>
-            </a:pPr>
-            <a:endParaRPr lang="en-US" dirty="0">
-              <a:latin typeface="Fira Sans Light" charset="0"/>
-              <a:ea typeface="Fira Sans Light" charset="0"/>
-              <a:cs typeface="Fira Sans Light" charset="0"/>
-            </a:endParaRPr>
-          </a:p>
-          <a:p>
-            <a:pPr>
-              <a:spcAft>
-                <a:spcPts val="600"/>
-              </a:spcAft>
-              <a:buFont typeface="Wingdings" charset="2"/>
-              <a:buChar char="§"/>
-            </a:pPr>
-            <a:endParaRPr lang="en-US" dirty="0">
-              <a:latin typeface="Fira Sans Light" charset="0"/>
-              <a:ea typeface="Fira Sans Light" charset="0"/>
-              <a:cs typeface="Fira Sans Light" charset="0"/>
-            </a:endParaRPr>
-          </a:p>
-          <a:p>
-            <a:pPr>
-              <a:spcAft>
-                <a:spcPts val="600"/>
-              </a:spcAft>
-              <a:buFont typeface="Wingdings" charset="2"/>
-              <a:buChar char="§"/>
-            </a:pPr>
-            <a:endParaRPr lang="en-US" dirty="0">
-              <a:latin typeface="Fira Sans Light" charset="0"/>
-              <a:ea typeface="Fira Sans Light" charset="0"/>
-              <a:cs typeface="Fira Sans Light" charset="0"/>
-            </a:endParaRPr>
-          </a:p>
-          <a:p>
-            <a:pPr>
-              <a:spcAft>
-                <a:spcPts val="600"/>
-              </a:spcAft>
-              <a:buFont typeface="Wingdings" charset="2"/>
-              <a:buChar char="§"/>
-            </a:pPr>
-            <a:endParaRPr lang="en-US" dirty="0">
-              <a:latin typeface="Fira Sans Light" charset="0"/>
-              <a:ea typeface="Fira Sans Light" charset="0"/>
-              <a:cs typeface="Fira Sans Light" charset="0"/>
-            </a:endParaRPr>
-          </a:p>
-          <a:p>
-            <a:pPr>
-              <a:lnSpc>
-                <a:spcPct val="120000"/>
-              </a:lnSpc>
-              <a:spcAft>
-                <a:spcPts val="600"/>
-              </a:spcAft>
-              <a:buFont typeface="Wingdings" charset="2"/>
-              <a:buChar char="§"/>
-            </a:pPr>
-            <a:r>
-              <a:rPr lang="en-US" dirty="0">
+            <a:r>
+              <a:rPr lang="en-US" sz="2000" dirty="0">
                 <a:latin typeface="+mj-lt"/>
                 <a:ea typeface="Fira Sans Light" charset="0"/>
                 <a:cs typeface="Fira Sans Light" charset="0"/>
               </a:rPr>
-              <a:t>Application layer solution implemented in Mobile Client and Video Streaming Server (VSS)</a:t>
+              <a:t>First step</a:t>
             </a:r>
           </a:p>
           <a:p>
             <a:pPr>
-              <a:spcAft>
-                <a:spcPts val="600"/>
-              </a:spcAft>
+              <a:lnSpc>
+                <a:spcPct val="100000"/>
+              </a:lnSpc>
               <a:buFont typeface="Wingdings" charset="2"/>
               <a:buChar char="§"/>
             </a:pPr>
             <a:r>
-              <a:rPr lang="en-US" dirty="0">
+              <a:rPr lang="en-US" sz="2000" dirty="0">
                 <a:latin typeface="+mj-lt"/>
                 <a:ea typeface="Fira Sans Light" charset="0"/>
                 <a:cs typeface="Fira Sans Light" charset="0"/>
               </a:rPr>
-              <a:t>Multi connectivity</a:t>
+              <a:t>Second step</a:t>
             </a:r>
           </a:p>
           <a:p>
             <a:pPr>
-              <a:spcAft>
-                <a:spcPts val="600"/>
-              </a:spcAft>
+              <a:lnSpc>
+                <a:spcPct val="100000"/>
+              </a:lnSpc>
               <a:buFont typeface="Wingdings" charset="2"/>
               <a:buChar char="§"/>
             </a:pPr>
             <a:r>
-              <a:rPr lang="en-US" dirty="0">
+              <a:rPr lang="en-US" sz="2000" dirty="0">
                 <a:latin typeface="+mj-lt"/>
                 <a:ea typeface="Fira Sans Light" charset="0"/>
                 <a:cs typeface="Fira Sans Light" charset="0"/>
               </a:rPr>
-              <a:t>Network coding</a:t>
-            </a:r>
-          </a:p>
-          <a:p>
-            <a:pPr lvl="1">
-              <a:spcAft>
-                <a:spcPts val="600"/>
-              </a:spcAft>
+              <a:t>Third step</a:t>
+            </a:r>
+          </a:p>
+          <a:p>
+            <a:pPr>
+              <a:lnSpc>
+                <a:spcPct val="100000"/>
+              </a:lnSpc>
               <a:buFont typeface="Wingdings" charset="2"/>
               <a:buChar char="§"/>
             </a:pPr>
-            <a:endParaRPr lang="en-US" dirty="0">
-              <a:latin typeface="Fira Sans Light" charset="0"/>
-              <a:ea typeface="Fira Sans Light" charset="0"/>
-              <a:cs typeface="Fira Sans Light" charset="0"/>
-            </a:endParaRPr>
-          </a:p>
-          <a:p>
-            <a:pPr lvl="1">
-              <a:spcAft>
-                <a:spcPts val="600"/>
-              </a:spcAft>
-              <a:buFont typeface="Wingdings" charset="2"/>
-              <a:buChar char="§"/>
-            </a:pPr>
-            <a:endParaRPr lang="en-US" dirty="0">
-              <a:latin typeface="Fira Sans Light" charset="0"/>
-              <a:ea typeface="Fira Sans Light" charset="0"/>
-              <a:cs typeface="Fira Sans Light" charset="0"/>
-            </a:endParaRPr>
-          </a:p>
-        </p:txBody>
-      </p:sp>
-      <p:pic>
-        <p:nvPicPr>
-          <p:cNvPr id="2" name="Immagine 1"/>
-          <p:cNvPicPr>
-            <a:picLocks noChangeAspect="1"/>
-          </p:cNvPicPr>
-          <p:nvPr/>
-        </p:nvPicPr>
-        <p:blipFill>
-          <a:blip r:embed="rId2">
-            <a:extLst>
-              <a:ext uri="{28A0092B-C50C-407E-A947-70E740481C1C}">
-                <a14:useLocalDpi xmlns:a14="http://schemas.microsoft.com/office/drawing/2010/main" val="0"/>
-              </a:ext>
-            </a:extLst>
-          </a:blip>
-          <a:stretch>
-            <a:fillRect/>
-          </a:stretch>
-        </p:blipFill>
-        <p:spPr>
-          <a:xfrm>
-            <a:off x="804815" y="1592071"/>
-            <a:ext cx="8130761" cy="2317874"/>
-          </a:xfrm>
-          <a:prstGeom prst="rect">
-            <a:avLst/>
-          </a:prstGeom>
-        </p:spPr>
-      </p:pic>
+            <a:r>
+              <a:rPr lang="en-US" sz="2000" dirty="0">
+                <a:latin typeface="+mj-lt"/>
+                <a:ea typeface="Fira Sans Light" charset="0"/>
+                <a:cs typeface="Fira Sans Light" charset="0"/>
+              </a:rPr>
+              <a:t>Fourth step</a:t>
+            </a:r>
+          </a:p>
+        </p:txBody>
+      </p:sp>
     </p:spTree>
     <p:extLst>
       <p:ext uri="{BB962C8B-B14F-4D97-AF65-F5344CB8AC3E}">
-        <p14:creationId xmlns:p14="http://schemas.microsoft.com/office/powerpoint/2010/main" val="1606901192"/>
+        <p14:creationId xmlns:p14="http://schemas.microsoft.com/office/powerpoint/2010/main" val="378918219"/>
       </p:ext>
     </p:extLst>
   </p:cSld>
@@ -13157,6 +8347,14 @@
 <file path=ppt/slides/slide8.xml><?xml version="1.0" encoding="utf-8"?>
 <p:sld xmlns:a="http://schemas.openxmlformats.org/drawingml/2006/main" xmlns:r="http://schemas.openxmlformats.org/officeDocument/2006/relationships" xmlns:p="http://schemas.openxmlformats.org/presentationml/2006/main">
   <p:cSld>
+    <p:bg>
+      <p:bgPr>
+        <a:solidFill>
+          <a:schemeClr val="bg1"/>
+        </a:solidFill>
+        <a:effectLst/>
+      </p:bgPr>
+    </p:bg>
     <p:spTree>
       <p:nvGrpSpPr>
         <p:cNvPr id="1" name=""/>
@@ -13173,416 +8371,218 @@
       </p:grpSpPr>
       <p:sp>
         <p:nvSpPr>
-          <p:cNvPr id="10" name="Titolo 9"/>
-          <p:cNvSpPr>
-            <a:spLocks noGrp="1"/>
-          </p:cNvSpPr>
-          <p:nvPr>
-            <p:ph type="title"/>
-          </p:nvPr>
-        </p:nvSpPr>
-        <p:spPr/>
+          <p:cNvPr id="4" name="Titolo 3"/>
+          <p:cNvSpPr>
+            <a:spLocks noGrp="1"/>
+          </p:cNvSpPr>
+          <p:nvPr>
+            <p:ph type="ctrTitle"/>
+          </p:nvPr>
+        </p:nvSpPr>
+        <p:spPr>
+          <a:xfrm>
+            <a:off x="847612" y="1427705"/>
+            <a:ext cx="7855084" cy="1285705"/>
+          </a:xfrm>
+        </p:spPr>
         <p:txBody>
           <a:bodyPr>
-            <a:normAutofit/>
+            <a:noAutofit/>
           </a:bodyPr>
           <a:lstStyle/>
           <a:p>
-            <a:r>
-              <a:rPr lang="en-US" sz="3600" b="1" dirty="0"/>
-              <a:t>Multi connectivity in </a:t>
-            </a:r>
-            <a:r>
-              <a:rPr lang="en-US" sz="3600" b="1" dirty="0" err="1"/>
-              <a:t>mmWave</a:t>
-            </a:r>
-            <a:r>
-              <a:rPr lang="en-US" sz="3600" b="1" dirty="0"/>
-              <a:t> networks</a:t>
-            </a:r>
-          </a:p>
-        </p:txBody>
-      </p:sp>
-      <p:sp>
-        <p:nvSpPr>
-          <p:cNvPr id="11" name="Segnaposto contenuto 10"/>
-          <p:cNvSpPr>
-            <a:spLocks noGrp="1"/>
-          </p:cNvSpPr>
-          <p:nvPr>
-            <p:ph idx="1"/>
-          </p:nvPr>
-        </p:nvSpPr>
-        <p:spPr>
-          <a:xfrm>
-            <a:off x="937986" y="1631053"/>
-            <a:ext cx="7997589" cy="5296522"/>
-          </a:xfrm>
-        </p:spPr>
-        <p:txBody>
-          <a:bodyPr>
-            <a:normAutofit/>
+            <a:pPr>
+              <a:lnSpc>
+                <a:spcPct val="120000"/>
+              </a:lnSpc>
+            </a:pPr>
+            <a:r>
+              <a:rPr lang="en-US" sz="3600" dirty="0">
+                <a:effectLst>
+                  <a:outerShdw blurRad="38100" dist="38100" dir="2700000" algn="tl">
+                    <a:srgbClr val="000000">
+                      <a:alpha val="43137"/>
+                    </a:srgbClr>
+                  </a:outerShdw>
+                </a:effectLst>
+                <a:latin typeface="+mn-lt"/>
+                <a:ea typeface="Fira Sans" charset="0"/>
+                <a:cs typeface="Fira Sans" charset="0"/>
+              </a:rPr>
+              <a:t>Deep Learning Techniques for Gesture Recognition: Where to Split the Complexity</a:t>
+            </a:r>
+          </a:p>
+        </p:txBody>
+      </p:sp>
+      <p:sp>
+        <p:nvSpPr>
+          <p:cNvPr id="5" name="Sottotitolo 4"/>
+          <p:cNvSpPr>
+            <a:spLocks noGrp="1"/>
+          </p:cNvSpPr>
+          <p:nvPr>
+            <p:ph type="subTitle" idx="1"/>
+          </p:nvPr>
+        </p:nvSpPr>
+        <p:spPr>
+          <a:xfrm>
+            <a:off x="946016" y="2880628"/>
+            <a:ext cx="7658276" cy="1927161"/>
+          </a:xfrm>
+        </p:spPr>
+        <p:txBody>
+          <a:bodyPr anchor="ctr" anchorCtr="0">
+            <a:noAutofit/>
           </a:bodyPr>
           <a:lstStyle/>
           <a:p>
             <a:pPr>
-              <a:spcAft>
-                <a:spcPts val="600"/>
-              </a:spcAft>
-              <a:buFont typeface="Wingdings" charset="2"/>
-              <a:buChar char="§"/>
+              <a:lnSpc>
+                <a:spcPct val="100000"/>
+              </a:lnSpc>
+              <a:spcBef>
+                <a:spcPts val="0"/>
+              </a:spcBef>
             </a:pPr>
             <a:r>
-              <a:rPr lang="en-US" sz="2400" dirty="0">
-                <a:latin typeface="+mj-lt"/>
-                <a:ea typeface="Fira Sans Light" charset="0"/>
-                <a:cs typeface="Fira Sans Light" charset="0"/>
+              <a:rPr lang="it-IT" dirty="0">
+                <a:ea typeface="Fira Sans Book" charset="0"/>
+                <a:cs typeface="Fira Sans Book" charset="0"/>
               </a:rPr>
-              <a:t>Increases resiliency and improves end-to-end performance</a:t>
-            </a:r>
-          </a:p>
-          <a:p>
-            <a:pPr lvl="1">
-              <a:spcAft>
-                <a:spcPts val="600"/>
-              </a:spcAft>
-              <a:buFont typeface="Wingdings" charset="2"/>
-              <a:buChar char="§"/>
+              <a:t>Matteo Drago, Riccardo </a:t>
+            </a:r>
+            <a:r>
+              <a:rPr lang="it-IT" dirty="0" err="1">
+                <a:ea typeface="Fira Sans Book" charset="0"/>
+                <a:cs typeface="Fira Sans Book" charset="0"/>
+              </a:rPr>
+              <a:t>Lincetto</a:t>
+            </a:r>
+            <a:endParaRPr lang="it-IT" i="1" baseline="30000" dirty="0">
+              <a:ea typeface="Fira Sans Book" charset="0"/>
+              <a:cs typeface="Fira Sans Book" charset="0"/>
+            </a:endParaRPr>
+          </a:p>
+          <a:p>
+            <a:pPr>
+              <a:lnSpc>
+                <a:spcPct val="100000"/>
+              </a:lnSpc>
+              <a:spcBef>
+                <a:spcPts val="0"/>
+              </a:spcBef>
             </a:pPr>
             <a:r>
-              <a:rPr lang="en-US" sz="2000" dirty="0">
-                <a:latin typeface="+mj-lt"/>
-                <a:ea typeface="Fira Sans Light" charset="0"/>
-                <a:cs typeface="Fira Sans Light" charset="0"/>
+              <a:rPr lang="it-IT" sz="1800" dirty="0" err="1">
+                <a:ea typeface="Fira Sans Book" charset="0"/>
+                <a:cs typeface="Fira Sans Book" charset="0"/>
               </a:rPr>
-              <a:t>Combine links at different frequencies</a:t>
-            </a:r>
-          </a:p>
-          <a:p>
-            <a:pPr lvl="1">
-              <a:spcAft>
-                <a:spcPts val="600"/>
-              </a:spcAft>
-              <a:buFont typeface="Wingdings" charset="2"/>
-              <a:buChar char="§"/>
+              <a:t>Dept</a:t>
+            </a:r>
+            <a:r>
+              <a:rPr lang="it-IT" sz="1800" dirty="0">
+                <a:ea typeface="Fira Sans Book" charset="0"/>
+                <a:cs typeface="Fira Sans Book" charset="0"/>
+              </a:rPr>
+              <a:t>. of Information </a:t>
+            </a:r>
+            <a:r>
+              <a:rPr lang="it-IT" sz="1800" dirty="0" err="1">
+                <a:ea typeface="Fira Sans Book" charset="0"/>
+                <a:cs typeface="Fira Sans Book" charset="0"/>
+              </a:rPr>
+              <a:t>Engineering</a:t>
+            </a:r>
+            <a:r>
+              <a:rPr lang="it-IT" sz="1800" dirty="0">
+                <a:ea typeface="Fira Sans Book" charset="0"/>
+                <a:cs typeface="Fira Sans Book" charset="0"/>
+              </a:rPr>
+              <a:t>, </a:t>
+            </a:r>
+            <a:r>
+              <a:rPr lang="it-IT" sz="1800" dirty="0" err="1">
+                <a:ea typeface="Fira Sans Book" charset="0"/>
+                <a:cs typeface="Fira Sans Book" charset="0"/>
+              </a:rPr>
+              <a:t>University</a:t>
+            </a:r>
+            <a:r>
+              <a:rPr lang="it-IT" sz="1800" dirty="0">
+                <a:ea typeface="Fira Sans Book" charset="0"/>
+                <a:cs typeface="Fira Sans Book" charset="0"/>
+              </a:rPr>
+              <a:t> of Padova, </a:t>
+            </a:r>
+            <a:r>
+              <a:rPr lang="it-IT" sz="1800" dirty="0" err="1">
+                <a:ea typeface="Fira Sans Book" charset="0"/>
+                <a:cs typeface="Fira Sans Book" charset="0"/>
+              </a:rPr>
+              <a:t>Italy</a:t>
+            </a:r>
+            <a:endParaRPr lang="it-IT" sz="1800" dirty="0">
+              <a:ea typeface="Fira Sans Book" charset="0"/>
+              <a:cs typeface="Fira Sans Book" charset="0"/>
+            </a:endParaRPr>
+          </a:p>
+          <a:p>
+            <a:pPr>
+              <a:lnSpc>
+                <a:spcPct val="100000"/>
+              </a:lnSpc>
+              <a:spcBef>
+                <a:spcPts val="0"/>
+              </a:spcBef>
             </a:pPr>
-            <a:r>
-              <a:rPr lang="en-US" sz="2000" dirty="0">
-                <a:latin typeface="+mj-lt"/>
-                <a:ea typeface="Fira Sans Light" charset="0"/>
-                <a:cs typeface="Fira Sans Light" charset="0"/>
+            <a:endParaRPr lang="it-IT" sz="1800" dirty="0">
+              <a:ea typeface="Fira Sans Book" charset="0"/>
+              <a:cs typeface="Fira Sans Book" charset="0"/>
+            </a:endParaRPr>
+          </a:p>
+          <a:p>
+            <a:pPr>
+              <a:lnSpc>
+                <a:spcPct val="100000"/>
+              </a:lnSpc>
+              <a:spcBef>
+                <a:spcPts val="0"/>
+              </a:spcBef>
+            </a:pPr>
+            <a:r>
+              <a:rPr lang="it-IT" dirty="0">
+                <a:ea typeface="Fira Sans Book" charset="0"/>
+                <a:cs typeface="Fira Sans Book" charset="0"/>
               </a:rPr>
-              <a:t>In the RAN [1] (LTE-NR Dual Connectivity, Carrier Aggregation)</a:t>
-            </a:r>
-          </a:p>
-          <a:p>
-            <a:pPr lvl="1">
-              <a:spcAft>
-                <a:spcPts val="600"/>
-              </a:spcAft>
-              <a:buFont typeface="Wingdings" charset="2"/>
-              <a:buChar char="§"/>
+              <a:t>Prof. Michele Rossi</a:t>
+            </a:r>
+          </a:p>
+          <a:p>
+            <a:pPr>
+              <a:lnSpc>
+                <a:spcPct val="100000"/>
+              </a:lnSpc>
+              <a:spcBef>
+                <a:spcPts val="0"/>
+              </a:spcBef>
             </a:pPr>
-            <a:r>
-              <a:rPr lang="en-US" sz="2000" dirty="0">
-                <a:latin typeface="+mj-lt"/>
-                <a:ea typeface="Fira Sans Light" charset="0"/>
-                <a:cs typeface="Fira Sans Light" charset="0"/>
-              </a:rPr>
-              <a:t>At the transport layer </a:t>
-            </a:r>
-            <a:br>
-              <a:rPr lang="en-US" sz="2000" dirty="0">
-                <a:latin typeface="+mj-lt"/>
-                <a:ea typeface="Fira Sans Light" charset="0"/>
-                <a:cs typeface="Fira Sans Light" charset="0"/>
-              </a:rPr>
-            </a:br>
-            <a:r>
-              <a:rPr lang="en-US" sz="2000" dirty="0">
-                <a:latin typeface="+mj-lt"/>
-                <a:ea typeface="Fira Sans Light" charset="0"/>
-                <a:cs typeface="Fira Sans Light" charset="0"/>
-              </a:rPr>
-              <a:t>(Multipath TCP [2])</a:t>
-            </a:r>
-          </a:p>
-          <a:p>
-            <a:pPr lvl="1">
-              <a:spcAft>
-                <a:spcPts val="600"/>
-              </a:spcAft>
-              <a:buFont typeface="Wingdings" charset="2"/>
-              <a:buChar char="§"/>
-            </a:pPr>
-            <a:endParaRPr lang="en-US" dirty="0">
-              <a:latin typeface="Fira Sans Light" charset="0"/>
-              <a:ea typeface="Fira Sans Light" charset="0"/>
-              <a:cs typeface="Fira Sans Light" charset="0"/>
-            </a:endParaRPr>
-          </a:p>
-          <a:p>
-            <a:pPr lvl="1">
-              <a:spcAft>
-                <a:spcPts val="600"/>
-              </a:spcAft>
-              <a:buFont typeface="Wingdings" charset="2"/>
-              <a:buChar char="§"/>
-            </a:pPr>
-            <a:endParaRPr lang="en-US" dirty="0">
-              <a:latin typeface="Fira Sans Light" charset="0"/>
-              <a:ea typeface="Fira Sans Light" charset="0"/>
-              <a:cs typeface="Fira Sans Light" charset="0"/>
-            </a:endParaRPr>
-          </a:p>
-          <a:p>
-            <a:pPr marL="457200" lvl="1" indent="0">
-              <a:spcAft>
-                <a:spcPts val="600"/>
-              </a:spcAft>
-              <a:buNone/>
-            </a:pPr>
-            <a:endParaRPr lang="en-US" dirty="0">
-              <a:latin typeface="Fira Sans Light" charset="0"/>
-              <a:ea typeface="Fira Sans Light" charset="0"/>
-              <a:cs typeface="Fira Sans Light" charset="0"/>
-            </a:endParaRPr>
-          </a:p>
-          <a:p>
-            <a:pPr lvl="1">
-              <a:spcAft>
-                <a:spcPts val="600"/>
-              </a:spcAft>
-              <a:buFont typeface="Wingdings" charset="2"/>
-              <a:buChar char="§"/>
-            </a:pPr>
-            <a:endParaRPr lang="en-US" dirty="0">
-              <a:latin typeface="Fira Sans Light" charset="0"/>
-              <a:ea typeface="Fira Sans Light" charset="0"/>
-              <a:cs typeface="Fira Sans Light" charset="0"/>
-            </a:endParaRPr>
-          </a:p>
-          <a:p>
-            <a:pPr marL="0" indent="0">
-              <a:spcBef>
-                <a:spcPts val="400"/>
-              </a:spcBef>
-              <a:buNone/>
-            </a:pPr>
-            <a:r>
-              <a:rPr lang="en-US" sz="1300" dirty="0">
-                <a:latin typeface="+mj-lt"/>
-                <a:ea typeface="Fira Sans Light" charset="0"/>
-                <a:cs typeface="Fira Sans Light" charset="0"/>
-              </a:rPr>
-              <a:t>[1] M. </a:t>
-            </a:r>
-            <a:r>
-              <a:rPr lang="en-US" sz="1300" dirty="0" err="1">
-                <a:latin typeface="+mj-lt"/>
-                <a:ea typeface="Fira Sans Light" charset="0"/>
-                <a:cs typeface="Fira Sans Light" charset="0"/>
-              </a:rPr>
-              <a:t>Polese</a:t>
-            </a:r>
-            <a:r>
-              <a:rPr lang="en-US" sz="1300" dirty="0">
-                <a:latin typeface="+mj-lt"/>
-                <a:ea typeface="Fira Sans Light" charset="0"/>
-                <a:cs typeface="Fira Sans Light" charset="0"/>
-              </a:rPr>
-              <a:t>, M. </a:t>
-            </a:r>
-            <a:r>
-              <a:rPr lang="en-US" sz="1300" dirty="0" err="1">
-                <a:latin typeface="+mj-lt"/>
-                <a:ea typeface="Fira Sans Light" charset="0"/>
-                <a:cs typeface="Fira Sans Light" charset="0"/>
-              </a:rPr>
-              <a:t>Giordani</a:t>
-            </a:r>
-            <a:r>
-              <a:rPr lang="en-US" sz="1300" dirty="0">
-                <a:latin typeface="+mj-lt"/>
-                <a:ea typeface="Fira Sans Light" charset="0"/>
-                <a:cs typeface="Fira Sans Light" charset="0"/>
-              </a:rPr>
-              <a:t>, M. </a:t>
-            </a:r>
-            <a:r>
-              <a:rPr lang="en-US" sz="1300" dirty="0" err="1">
-                <a:latin typeface="+mj-lt"/>
-                <a:ea typeface="Fira Sans Light" charset="0"/>
-                <a:cs typeface="Fira Sans Light" charset="0"/>
-              </a:rPr>
-              <a:t>Mezzavilla</a:t>
-            </a:r>
-            <a:r>
-              <a:rPr lang="en-US" sz="1300" dirty="0">
-                <a:latin typeface="+mj-lt"/>
-                <a:ea typeface="Fira Sans Light" charset="0"/>
-                <a:cs typeface="Fira Sans Light" charset="0"/>
-              </a:rPr>
-              <a:t>, S. </a:t>
-            </a:r>
-            <a:r>
-              <a:rPr lang="en-US" sz="1300" dirty="0" err="1">
-                <a:latin typeface="+mj-lt"/>
-                <a:ea typeface="Fira Sans Light" charset="0"/>
-                <a:cs typeface="Fira Sans Light" charset="0"/>
-              </a:rPr>
-              <a:t>Rangan</a:t>
-            </a:r>
-            <a:r>
-              <a:rPr lang="en-US" sz="1300" dirty="0">
-                <a:latin typeface="+mj-lt"/>
-                <a:ea typeface="Fira Sans Light" charset="0"/>
-                <a:cs typeface="Fira Sans Light" charset="0"/>
-              </a:rPr>
-              <a:t>, and M. </a:t>
-            </a:r>
-            <a:r>
-              <a:rPr lang="en-US" sz="1300" dirty="0" err="1">
-                <a:latin typeface="+mj-lt"/>
-                <a:ea typeface="Fira Sans Light" charset="0"/>
-                <a:cs typeface="Fira Sans Light" charset="0"/>
-              </a:rPr>
-              <a:t>Zorzi</a:t>
-            </a:r>
-            <a:r>
-              <a:rPr lang="en-US" sz="1300" dirty="0">
-                <a:latin typeface="+mj-lt"/>
-                <a:ea typeface="Fira Sans Light" charset="0"/>
-                <a:cs typeface="Fira Sans Light" charset="0"/>
-              </a:rPr>
-              <a:t>, “Improved Handover Through Dual Connectivity in 5G </a:t>
-            </a:r>
-            <a:r>
-              <a:rPr lang="en-US" sz="1300" dirty="0" err="1">
-                <a:latin typeface="+mj-lt"/>
-                <a:ea typeface="Fira Sans Light" charset="0"/>
-                <a:cs typeface="Fira Sans Light" charset="0"/>
-              </a:rPr>
-              <a:t>mmWave</a:t>
-            </a:r>
-            <a:r>
-              <a:rPr lang="en-US" sz="1300" dirty="0">
-                <a:latin typeface="+mj-lt"/>
-                <a:ea typeface="Fira Sans Light" charset="0"/>
-                <a:cs typeface="Fira Sans Light" charset="0"/>
-              </a:rPr>
-              <a:t> Mobile Networks,” IEEE Journal on Selected Areas in Communications, vol. 35, no. 9, pp. 2069–2084, September 2017. </a:t>
-            </a:r>
-          </a:p>
-          <a:p>
-            <a:pPr marL="0" indent="0">
-              <a:spcBef>
-                <a:spcPts val="400"/>
-              </a:spcBef>
-              <a:buNone/>
-            </a:pPr>
-            <a:r>
-              <a:rPr lang="en-US" sz="1300" dirty="0">
-                <a:latin typeface="+mj-lt"/>
-                <a:ea typeface="Fira Sans Light" charset="0"/>
-                <a:cs typeface="Fira Sans Light" charset="0"/>
-              </a:rPr>
-              <a:t>[2] M. </a:t>
-            </a:r>
-            <a:r>
-              <a:rPr lang="en-US" sz="1300" dirty="0" err="1">
-                <a:latin typeface="+mj-lt"/>
-                <a:ea typeface="Fira Sans Light" charset="0"/>
-                <a:cs typeface="Fira Sans Light" charset="0"/>
-              </a:rPr>
-              <a:t>Polese</a:t>
-            </a:r>
-            <a:r>
-              <a:rPr lang="en-US" sz="1300" dirty="0">
-                <a:latin typeface="+mj-lt"/>
-                <a:ea typeface="Fira Sans Light" charset="0"/>
-                <a:cs typeface="Fira Sans Light" charset="0"/>
-              </a:rPr>
-              <a:t>, R. Jana, and M. </a:t>
-            </a:r>
-            <a:r>
-              <a:rPr lang="en-US" sz="1300" dirty="0" err="1">
-                <a:latin typeface="+mj-lt"/>
-                <a:ea typeface="Fira Sans Light" charset="0"/>
-                <a:cs typeface="Fira Sans Light" charset="0"/>
-              </a:rPr>
-              <a:t>Zorzi</a:t>
-            </a:r>
-            <a:r>
-              <a:rPr lang="en-US" sz="1300" dirty="0">
-                <a:latin typeface="+mj-lt"/>
-                <a:ea typeface="Fira Sans Light" charset="0"/>
-                <a:cs typeface="Fira Sans Light" charset="0"/>
-              </a:rPr>
-              <a:t>, “TCP and MP-TCP in 5G </a:t>
-            </a:r>
-            <a:r>
-              <a:rPr lang="en-US" sz="1300" dirty="0" err="1">
-                <a:latin typeface="+mj-lt"/>
-                <a:ea typeface="Fira Sans Light" charset="0"/>
-                <a:cs typeface="Fira Sans Light" charset="0"/>
-              </a:rPr>
-              <a:t>mmWave</a:t>
-            </a:r>
-            <a:r>
-              <a:rPr lang="en-US" sz="1300" dirty="0">
-                <a:latin typeface="+mj-lt"/>
-                <a:ea typeface="Fira Sans Light" charset="0"/>
-                <a:cs typeface="Fira Sans Light" charset="0"/>
-              </a:rPr>
-              <a:t> Networks,” IEEE Internet Computing, vol. 21, no. 5, pp. 12–19, September 2017.</a:t>
-            </a:r>
-            <a:endParaRPr lang="en-US" dirty="0">
-              <a:latin typeface="+mj-lt"/>
-              <a:ea typeface="Fira Sans Light" charset="0"/>
-              <a:cs typeface="Fira Sans Light" charset="0"/>
-            </a:endParaRPr>
-          </a:p>
-          <a:p>
-            <a:pPr lvl="1">
-              <a:spcAft>
-                <a:spcPts val="600"/>
-              </a:spcAft>
-              <a:buFont typeface="Wingdings" charset="2"/>
-              <a:buChar char="§"/>
-            </a:pPr>
-            <a:endParaRPr lang="en-US" dirty="0">
-              <a:latin typeface="Fira Sans Light" charset="0"/>
-              <a:ea typeface="Fira Sans Light" charset="0"/>
-              <a:cs typeface="Fira Sans Light" charset="0"/>
-            </a:endParaRPr>
-          </a:p>
-          <a:p>
-            <a:pPr lvl="1">
-              <a:spcAft>
-                <a:spcPts val="600"/>
-              </a:spcAft>
-              <a:buFont typeface="Wingdings" charset="2"/>
-              <a:buChar char="§"/>
-            </a:pPr>
-            <a:endParaRPr lang="en-US" dirty="0">
-              <a:latin typeface="Fira Sans Light" charset="0"/>
-              <a:ea typeface="Fira Sans Light" charset="0"/>
-              <a:cs typeface="Fira Sans Light" charset="0"/>
+            <a:endParaRPr lang="it-IT" sz="1600" b="1" baseline="30000" dirty="0">
+              <a:ea typeface="Fira Sans Book" charset="0"/>
+              <a:cs typeface="Fira Sans Book" charset="0"/>
             </a:endParaRPr>
           </a:p>
         </p:txBody>
       </p:sp>
       <p:pic>
         <p:nvPicPr>
-          <p:cNvPr id="2" name="Immagine 1"/>
+          <p:cNvPr id="7" name="Immagine 6"/>
           <p:cNvPicPr>
             <a:picLocks noChangeAspect="1"/>
           </p:cNvPicPr>
           <p:nvPr/>
         </p:nvPicPr>
         <p:blipFill>
-          <a:blip r:embed="rId2">
+          <a:blip r:embed="rId3" cstate="print">
             <a:extLst>
               <a:ext uri="{28A0092B-C50C-407E-A947-70E740481C1C}">
                 <a14:useLocalDpi xmlns:a14="http://schemas.microsoft.com/office/drawing/2010/main" val="0"/>
@@ -13595,894 +8595,102 @@
         </p:blipFill>
         <p:spPr>
           <a:xfrm>
-            <a:off x="4449274" y="2956616"/>
-            <a:ext cx="3955960" cy="2423025"/>
+            <a:off x="6738730" y="4670343"/>
+            <a:ext cx="1963966" cy="1976502"/>
           </a:xfrm>
           <a:prstGeom prst="rect">
             <a:avLst/>
           </a:prstGeom>
         </p:spPr>
       </p:pic>
+      <p:sp>
+        <p:nvSpPr>
+          <p:cNvPr id="9" name="CasellaDiTesto 8"/>
+          <p:cNvSpPr txBox="1"/>
+          <p:nvPr/>
+        </p:nvSpPr>
+        <p:spPr>
+          <a:xfrm>
+            <a:off x="900752" y="6012844"/>
+            <a:ext cx="3064961" cy="400110"/>
+          </a:xfrm>
+          <a:prstGeom prst="rect">
+            <a:avLst/>
+          </a:prstGeom>
+          <a:noFill/>
+        </p:spPr>
+        <p:txBody>
+          <a:bodyPr wrap="square" rtlCol="0">
+            <a:spAutoFit/>
+          </a:bodyPr>
+          <a:lstStyle/>
+          <a:p>
+            <a:r>
+              <a:rPr lang="it-IT" sz="2000" dirty="0" err="1">
+                <a:latin typeface="+mj-lt"/>
+                <a:ea typeface="Fira Sans Book" charset="0"/>
+                <a:cs typeface="Fira Sans Book" charset="0"/>
+              </a:rPr>
+              <a:t>September</a:t>
+            </a:r>
+            <a:r>
+              <a:rPr lang="it-IT" sz="2000" dirty="0">
+                <a:latin typeface="+mj-lt"/>
+                <a:ea typeface="Fira Sans Book" charset="0"/>
+                <a:cs typeface="Fira Sans Book" charset="0"/>
+              </a:rPr>
+              <a:t>, 5, 2018</a:t>
+            </a:r>
+          </a:p>
+        </p:txBody>
+      </p:sp>
+      <p:sp>
+        <p:nvSpPr>
+          <p:cNvPr id="8" name="CasellaDiTesto 7"/>
+          <p:cNvSpPr txBox="1"/>
+          <p:nvPr/>
+        </p:nvSpPr>
+        <p:spPr>
+          <a:xfrm>
+            <a:off x="900752" y="5156401"/>
+            <a:ext cx="4237778" cy="707886"/>
+          </a:xfrm>
+          <a:prstGeom prst="rect">
+            <a:avLst/>
+          </a:prstGeom>
+          <a:noFill/>
+        </p:spPr>
+        <p:txBody>
+          <a:bodyPr wrap="square" rtlCol="0">
+            <a:spAutoFit/>
+          </a:bodyPr>
+          <a:lstStyle/>
+          <a:p>
+            <a:r>
+              <a:rPr lang="it-IT" sz="2000" dirty="0">
+                <a:latin typeface="+mj-lt"/>
+                <a:ea typeface="Fira Sans Book" charset="0"/>
+                <a:cs typeface="Fira Sans Book" charset="0"/>
+              </a:rPr>
+              <a:t>matteo.drago@studenti.unipd.it</a:t>
+            </a:r>
+          </a:p>
+          <a:p>
+            <a:r>
+              <a:rPr lang="it-IT" sz="2000" dirty="0">
+                <a:latin typeface="+mj-lt"/>
+                <a:ea typeface="Fira Sans Book" charset="0"/>
+                <a:cs typeface="Fira Sans Book" charset="0"/>
+              </a:rPr>
+              <a:t>riccardo.lincetto@studenti.unipd.it</a:t>
+            </a:r>
+          </a:p>
+        </p:txBody>
+      </p:sp>
     </p:spTree>
     <p:extLst>
       <p:ext uri="{BB962C8B-B14F-4D97-AF65-F5344CB8AC3E}">
-        <p14:creationId xmlns:p14="http://schemas.microsoft.com/office/powerpoint/2010/main" val="1724709957"/>
-      </p:ext>
-    </p:extLst>
-  </p:cSld>
-  <p:clrMapOvr>
-    <a:masterClrMapping/>
-  </p:clrMapOvr>
-</p:sld>
-</file>
-
-<file path=ppt/slides/slide9.xml><?xml version="1.0" encoding="utf-8"?>
-<p:sld xmlns:a="http://schemas.openxmlformats.org/drawingml/2006/main" xmlns:r="http://schemas.openxmlformats.org/officeDocument/2006/relationships" xmlns:p="http://schemas.openxmlformats.org/presentationml/2006/main">
-  <p:cSld>
-    <p:spTree>
-      <p:nvGrpSpPr>
-        <p:cNvPr id="1" name=""/>
-        <p:cNvGrpSpPr/>
-        <p:nvPr/>
-      </p:nvGrpSpPr>
-      <p:grpSpPr>
-        <a:xfrm>
-          <a:off x="0" y="0"/>
-          <a:ext cx="0" cy="0"/>
-          <a:chOff x="0" y="0"/>
-          <a:chExt cx="0" cy="0"/>
-        </a:xfrm>
-      </p:grpSpPr>
-      <p:sp>
-        <p:nvSpPr>
-          <p:cNvPr id="10" name="Titolo 9"/>
-          <p:cNvSpPr>
-            <a:spLocks noGrp="1"/>
-          </p:cNvSpPr>
-          <p:nvPr>
-            <p:ph type="title"/>
-          </p:nvPr>
-        </p:nvSpPr>
-        <p:spPr/>
-        <p:txBody>
-          <a:bodyPr>
-            <a:normAutofit/>
-          </a:bodyPr>
-          <a:lstStyle/>
-          <a:p>
-            <a:r>
-              <a:rPr lang="en-US" sz="3600" b="1" dirty="0"/>
-              <a:t>Multi connectivity for video streaming</a:t>
-            </a:r>
-          </a:p>
-        </p:txBody>
-      </p:sp>
-      <p:sp>
-        <p:nvSpPr>
-          <p:cNvPr id="11" name="Segnaposto contenuto 10"/>
-          <p:cNvSpPr>
-            <a:spLocks noGrp="1"/>
-          </p:cNvSpPr>
-          <p:nvPr>
-            <p:ph idx="1"/>
-          </p:nvPr>
-        </p:nvSpPr>
-        <p:spPr>
-          <a:xfrm>
-            <a:off x="937986" y="1690687"/>
-            <a:ext cx="7997589" cy="3964677"/>
-          </a:xfrm>
-        </p:spPr>
-        <p:txBody>
-          <a:bodyPr>
-            <a:normAutofit/>
-          </a:bodyPr>
-          <a:lstStyle/>
-          <a:p>
-            <a:pPr>
-              <a:spcAft>
-                <a:spcPts val="600"/>
-              </a:spcAft>
-              <a:buFont typeface="Wingdings" charset="2"/>
-              <a:buChar char="§"/>
-            </a:pPr>
-            <a:r>
-              <a:rPr lang="en-US" dirty="0">
-                <a:latin typeface="+mj-lt"/>
-                <a:ea typeface="Fira Sans Light" charset="0"/>
-                <a:cs typeface="Fira Sans Light" charset="0"/>
-              </a:rPr>
-              <a:t>We exploit multi connectivity at </a:t>
-            </a:r>
-            <a:r>
-              <a:rPr lang="en-US" i="1" dirty="0">
-                <a:latin typeface="+mj-lt"/>
-                <a:ea typeface="Fira Sans Light" charset="0"/>
-                <a:cs typeface="Fira Sans Light" charset="0"/>
-              </a:rPr>
-              <a:t>application layer</a:t>
-            </a:r>
-          </a:p>
-          <a:p>
-            <a:pPr lvl="1">
-              <a:spcAft>
-                <a:spcPts val="600"/>
-              </a:spcAft>
-              <a:buFont typeface="Wingdings" charset="2"/>
-              <a:buChar char="§"/>
-            </a:pPr>
-            <a:r>
-              <a:rPr lang="en-US" dirty="0">
-                <a:latin typeface="+mj-lt"/>
-                <a:ea typeface="Fira Sans Light" charset="0"/>
-                <a:cs typeface="Fira Sans Light" charset="0"/>
-              </a:rPr>
-              <a:t>LTE: low rate, high reliability</a:t>
-            </a:r>
-          </a:p>
-          <a:p>
-            <a:pPr lvl="1">
-              <a:spcAft>
-                <a:spcPts val="600"/>
-              </a:spcAft>
-              <a:buFont typeface="Wingdings" charset="2"/>
-              <a:buChar char="§"/>
-            </a:pPr>
-            <a:r>
-              <a:rPr lang="en-US" dirty="0" err="1">
-                <a:latin typeface="+mj-lt"/>
-                <a:ea typeface="Fira Sans Light" charset="0"/>
-                <a:cs typeface="Fira Sans Light" charset="0"/>
-              </a:rPr>
-              <a:t>mmWave</a:t>
-            </a:r>
-            <a:r>
-              <a:rPr lang="en-US" dirty="0">
-                <a:latin typeface="+mj-lt"/>
-                <a:ea typeface="Fira Sans Light" charset="0"/>
-                <a:cs typeface="Fira Sans Light" charset="0"/>
-              </a:rPr>
-              <a:t>: high rate, lower reliability</a:t>
-            </a:r>
-          </a:p>
-          <a:p>
-            <a:pPr>
-              <a:spcAft>
-                <a:spcPts val="600"/>
-              </a:spcAft>
-              <a:buFont typeface="Wingdings" charset="2"/>
-              <a:buChar char="§"/>
-            </a:pPr>
-            <a:r>
-              <a:rPr lang="en-US" dirty="0">
-                <a:latin typeface="+mj-lt"/>
-                <a:ea typeface="Fira Sans Light" charset="0"/>
-                <a:cs typeface="Fira Sans Light" charset="0"/>
-              </a:rPr>
-              <a:t>LTE is used also to provide feedback from the user to the VSS</a:t>
-            </a:r>
-          </a:p>
-          <a:p>
-            <a:pPr>
-              <a:spcAft>
-                <a:spcPts val="600"/>
-              </a:spcAft>
-              <a:buFont typeface="Wingdings" charset="2"/>
-              <a:buChar char="§"/>
-            </a:pPr>
-            <a:endParaRPr lang="en-US" dirty="0">
-              <a:latin typeface="Fira Sans Light" charset="0"/>
-              <a:ea typeface="Fira Sans Light" charset="0"/>
-              <a:cs typeface="Fira Sans Light" charset="0"/>
-            </a:endParaRPr>
-          </a:p>
-          <a:p>
-            <a:pPr>
-              <a:spcAft>
-                <a:spcPts val="600"/>
-              </a:spcAft>
-              <a:buFont typeface="Wingdings" charset="2"/>
-              <a:buChar char="§"/>
-            </a:pPr>
-            <a:endParaRPr lang="en-US" dirty="0">
-              <a:latin typeface="Fira Sans Light" charset="0"/>
-              <a:ea typeface="Fira Sans Light" charset="0"/>
-              <a:cs typeface="Fira Sans Light" charset="0"/>
-            </a:endParaRPr>
-          </a:p>
-          <a:p>
-            <a:pPr>
-              <a:spcAft>
-                <a:spcPts val="600"/>
-              </a:spcAft>
-              <a:buFont typeface="Wingdings" charset="2"/>
-              <a:buChar char="§"/>
-            </a:pPr>
-            <a:endParaRPr lang="en-US" dirty="0">
-              <a:latin typeface="Fira Sans Light" charset="0"/>
-              <a:ea typeface="Fira Sans Light" charset="0"/>
-              <a:cs typeface="Fira Sans Light" charset="0"/>
-            </a:endParaRPr>
-          </a:p>
-          <a:p>
-            <a:pPr lvl="1">
-              <a:spcAft>
-                <a:spcPts val="600"/>
-              </a:spcAft>
-              <a:buFont typeface="Wingdings" charset="2"/>
-              <a:buChar char="§"/>
-            </a:pPr>
-            <a:endParaRPr lang="en-US" dirty="0">
-              <a:latin typeface="Fira Sans Light" charset="0"/>
-              <a:ea typeface="Fira Sans Light" charset="0"/>
-              <a:cs typeface="Fira Sans Light" charset="0"/>
-            </a:endParaRPr>
-          </a:p>
-          <a:p>
-            <a:pPr lvl="1">
-              <a:spcAft>
-                <a:spcPts val="600"/>
-              </a:spcAft>
-              <a:buFont typeface="Wingdings" charset="2"/>
-              <a:buChar char="§"/>
-            </a:pPr>
-            <a:endParaRPr lang="en-US" dirty="0">
-              <a:latin typeface="Fira Sans Light" charset="0"/>
-              <a:ea typeface="Fira Sans Light" charset="0"/>
-              <a:cs typeface="Fira Sans Light" charset="0"/>
-            </a:endParaRPr>
-          </a:p>
-          <a:p>
-            <a:pPr lvl="1">
-              <a:spcAft>
-                <a:spcPts val="600"/>
-              </a:spcAft>
-              <a:buFont typeface="Wingdings" charset="2"/>
-              <a:buChar char="§"/>
-            </a:pPr>
-            <a:endParaRPr lang="en-US" dirty="0">
-              <a:latin typeface="Fira Sans Light" charset="0"/>
-              <a:ea typeface="Fira Sans Light" charset="0"/>
-              <a:cs typeface="Fira Sans Light" charset="0"/>
-            </a:endParaRPr>
-          </a:p>
-        </p:txBody>
-      </p:sp>
-      <p:grpSp>
-        <p:nvGrpSpPr>
-          <p:cNvPr id="2" name="Gruppo 1"/>
-          <p:cNvGrpSpPr/>
-          <p:nvPr/>
-        </p:nvGrpSpPr>
-        <p:grpSpPr>
-          <a:xfrm>
-            <a:off x="4572000" y="4408632"/>
-            <a:ext cx="4029217" cy="2146012"/>
-            <a:chOff x="4518435" y="656823"/>
-            <a:chExt cx="3129260" cy="1647304"/>
-          </a:xfrm>
-        </p:grpSpPr>
-        <p:sp>
-          <p:nvSpPr>
-            <p:cNvPr id="4" name="Rectangle 4"/>
-            <p:cNvSpPr/>
-            <p:nvPr/>
-          </p:nvSpPr>
-          <p:spPr>
-            <a:xfrm>
-              <a:off x="4518435" y="656823"/>
-              <a:ext cx="2504335" cy="1469595"/>
-            </a:xfrm>
-            <a:prstGeom prst="rect">
-              <a:avLst/>
-            </a:prstGeom>
-            <a:solidFill>
-              <a:schemeClr val="bg2"/>
-            </a:solidFill>
-            <a:ln>
-              <a:prstDash val="dashDot"/>
-            </a:ln>
-            <a:effectLst/>
-          </p:spPr>
-          <p:style>
-            <a:lnRef idx="2">
-              <a:schemeClr val="dk1"/>
-            </a:lnRef>
-            <a:fillRef idx="1">
-              <a:schemeClr val="lt1"/>
-            </a:fillRef>
-            <a:effectRef idx="0">
-              <a:schemeClr val="dk1"/>
-            </a:effectRef>
-            <a:fontRef idx="minor">
-              <a:schemeClr val="dk1"/>
-            </a:fontRef>
-          </p:style>
-          <p:txBody>
-            <a:bodyPr rtlCol="0" anchor="ctr"/>
-            <a:lstStyle/>
-            <a:p>
-              <a:pPr algn="ctr"/>
-              <a:endParaRPr lang="en-US" sz="1100" dirty="0">
-                <a:latin typeface="Roboto Slab" charset="0"/>
-                <a:ea typeface="Roboto Slab" charset="0"/>
-                <a:cs typeface="Roboto Slab" charset="0"/>
-              </a:endParaRPr>
-            </a:p>
-          </p:txBody>
-        </p:sp>
-        <p:sp>
-          <p:nvSpPr>
-            <p:cNvPr id="5" name="Rectangle 4"/>
-            <p:cNvSpPr/>
-            <p:nvPr/>
-          </p:nvSpPr>
-          <p:spPr>
-            <a:xfrm>
-              <a:off x="4684550" y="735573"/>
-              <a:ext cx="2158239" cy="636681"/>
-            </a:xfrm>
-            <a:prstGeom prst="rect">
-              <a:avLst/>
-            </a:prstGeom>
-            <a:solidFill>
-              <a:schemeClr val="bg1">
-                <a:lumMod val="65000"/>
-              </a:schemeClr>
-            </a:solidFill>
-            <a:ln>
-              <a:prstDash val="dashDot"/>
-            </a:ln>
-            <a:effectLst/>
-          </p:spPr>
-          <p:style>
-            <a:lnRef idx="2">
-              <a:schemeClr val="dk1"/>
-            </a:lnRef>
-            <a:fillRef idx="1">
-              <a:schemeClr val="lt1"/>
-            </a:fillRef>
-            <a:effectRef idx="0">
-              <a:schemeClr val="dk1"/>
-            </a:effectRef>
-            <a:fontRef idx="minor">
-              <a:schemeClr val="dk1"/>
-            </a:fontRef>
-          </p:style>
-          <p:txBody>
-            <a:bodyPr rtlCol="0" anchor="ctr"/>
-            <a:lstStyle/>
-            <a:p>
-              <a:pPr algn="ctr"/>
-              <a:endParaRPr lang="en-US" sz="1100" dirty="0">
-                <a:latin typeface="Roboto Slab" charset="0"/>
-                <a:ea typeface="Roboto Slab" charset="0"/>
-                <a:cs typeface="Roboto Slab" charset="0"/>
-              </a:endParaRPr>
-            </a:p>
-          </p:txBody>
-        </p:sp>
-        <p:sp>
-          <p:nvSpPr>
-            <p:cNvPr id="6" name="Rectangle 4"/>
-            <p:cNvSpPr/>
-            <p:nvPr/>
-          </p:nvSpPr>
-          <p:spPr>
-            <a:xfrm>
-              <a:off x="5069787" y="828097"/>
-              <a:ext cx="1401631" cy="146312"/>
-            </a:xfrm>
-            <a:prstGeom prst="rect">
-              <a:avLst/>
-            </a:prstGeom>
-            <a:effectLst/>
-          </p:spPr>
-          <p:style>
-            <a:lnRef idx="2">
-              <a:schemeClr val="dk1"/>
-            </a:lnRef>
-            <a:fillRef idx="1">
-              <a:schemeClr val="lt1"/>
-            </a:fillRef>
-            <a:effectRef idx="0">
-              <a:schemeClr val="dk1"/>
-            </a:effectRef>
-            <a:fontRef idx="minor">
-              <a:schemeClr val="dk1"/>
-            </a:fontRef>
-          </p:style>
-          <p:txBody>
-            <a:bodyPr rtlCol="0" anchor="ctr"/>
-            <a:lstStyle/>
-            <a:p>
-              <a:pPr algn="ctr"/>
-              <a:r>
-                <a:rPr lang="en-US" sz="1000" dirty="0">
-                  <a:latin typeface="Roboto Slab" charset="0"/>
-                  <a:ea typeface="Roboto Slab" charset="0"/>
-                  <a:cs typeface="Roboto Slab" charset="0"/>
-                </a:rPr>
-                <a:t>Video Encoder</a:t>
-              </a:r>
-              <a:endParaRPr lang="en-US" sz="1100" dirty="0">
-                <a:latin typeface="Roboto Slab" charset="0"/>
-                <a:ea typeface="Roboto Slab" charset="0"/>
-                <a:cs typeface="Roboto Slab" charset="0"/>
-              </a:endParaRPr>
-            </a:p>
-          </p:txBody>
-        </p:sp>
-        <p:sp>
-          <p:nvSpPr>
-            <p:cNvPr id="7" name="Rectangle 4"/>
-            <p:cNvSpPr/>
-            <p:nvPr/>
-          </p:nvSpPr>
-          <p:spPr>
-            <a:xfrm>
-              <a:off x="4684550" y="1477509"/>
-              <a:ext cx="959597" cy="456836"/>
-            </a:xfrm>
-            <a:prstGeom prst="rect">
-              <a:avLst/>
-            </a:prstGeom>
-            <a:solidFill>
-              <a:schemeClr val="bg1">
-                <a:lumMod val="65000"/>
-              </a:schemeClr>
-            </a:solidFill>
-            <a:ln>
-              <a:prstDash val="dashDot"/>
-            </a:ln>
-            <a:effectLst/>
-          </p:spPr>
-          <p:style>
-            <a:lnRef idx="2">
-              <a:schemeClr val="dk1"/>
-            </a:lnRef>
-            <a:fillRef idx="1">
-              <a:schemeClr val="lt1"/>
-            </a:fillRef>
-            <a:effectRef idx="0">
-              <a:schemeClr val="dk1"/>
-            </a:effectRef>
-            <a:fontRef idx="minor">
-              <a:schemeClr val="dk1"/>
-            </a:fontRef>
-          </p:style>
-          <p:txBody>
-            <a:bodyPr rtlCol="0" anchor="ctr"/>
-            <a:lstStyle/>
-            <a:p>
-              <a:pPr algn="ctr"/>
-              <a:endParaRPr lang="en-US" sz="1100" dirty="0">
-                <a:latin typeface="Roboto Slab" charset="0"/>
-                <a:ea typeface="Roboto Slab" charset="0"/>
-                <a:cs typeface="Roboto Slab" charset="0"/>
-              </a:endParaRPr>
-            </a:p>
-          </p:txBody>
-        </p:sp>
-        <p:sp>
-          <p:nvSpPr>
-            <p:cNvPr id="8" name="Rectangle 4"/>
-            <p:cNvSpPr/>
-            <p:nvPr/>
-          </p:nvSpPr>
-          <p:spPr>
-            <a:xfrm>
-              <a:off x="4782662" y="1711991"/>
-              <a:ext cx="764979" cy="141005"/>
-            </a:xfrm>
-            <a:prstGeom prst="rect">
-              <a:avLst/>
-            </a:prstGeom>
-            <a:effectLst/>
-          </p:spPr>
-          <p:style>
-            <a:lnRef idx="2">
-              <a:schemeClr val="dk1"/>
-            </a:lnRef>
-            <a:fillRef idx="1">
-              <a:schemeClr val="lt1"/>
-            </a:fillRef>
-            <a:effectRef idx="0">
-              <a:schemeClr val="dk1"/>
-            </a:effectRef>
-            <a:fontRef idx="minor">
-              <a:schemeClr val="dk1"/>
-            </a:fontRef>
-          </p:style>
-          <p:txBody>
-            <a:bodyPr rtlCol="0" anchor="ctr"/>
-            <a:lstStyle/>
-            <a:p>
-              <a:pPr algn="ctr"/>
-              <a:r>
-                <a:rPr lang="en-US" sz="1000" dirty="0">
-                  <a:latin typeface="Roboto Slab" charset="0"/>
-                  <a:ea typeface="Roboto Slab" charset="0"/>
-                  <a:cs typeface="Roboto Slab" charset="0"/>
-                </a:rPr>
-                <a:t>IP</a:t>
-              </a:r>
-              <a:endParaRPr lang="en-US" sz="1100" dirty="0">
-                <a:latin typeface="Roboto Slab" charset="0"/>
-                <a:ea typeface="Roboto Slab" charset="0"/>
-                <a:cs typeface="Roboto Slab" charset="0"/>
-              </a:endParaRPr>
-            </a:p>
-          </p:txBody>
-        </p:sp>
-        <p:sp>
-          <p:nvSpPr>
-            <p:cNvPr id="9" name="Rectangle 4"/>
-            <p:cNvSpPr/>
-            <p:nvPr/>
-          </p:nvSpPr>
-          <p:spPr>
-            <a:xfrm>
-              <a:off x="4782597" y="1570451"/>
-              <a:ext cx="764979" cy="141005"/>
-            </a:xfrm>
-            <a:prstGeom prst="rect">
-              <a:avLst/>
-            </a:prstGeom>
-            <a:effectLst/>
-          </p:spPr>
-          <p:style>
-            <a:lnRef idx="2">
-              <a:schemeClr val="dk1"/>
-            </a:lnRef>
-            <a:fillRef idx="1">
-              <a:schemeClr val="lt1"/>
-            </a:fillRef>
-            <a:effectRef idx="0">
-              <a:schemeClr val="dk1"/>
-            </a:effectRef>
-            <a:fontRef idx="minor">
-              <a:schemeClr val="dk1"/>
-            </a:fontRef>
-          </p:style>
-          <p:txBody>
-            <a:bodyPr rtlCol="0" anchor="ctr"/>
-            <a:lstStyle/>
-            <a:p>
-              <a:pPr algn="ctr"/>
-              <a:r>
-                <a:rPr lang="en-US" sz="1000" dirty="0">
-                  <a:latin typeface="Roboto Slab" charset="0"/>
-                  <a:ea typeface="Roboto Slab" charset="0"/>
-                  <a:cs typeface="Roboto Slab" charset="0"/>
-                </a:rPr>
-                <a:t>UDP</a:t>
-              </a:r>
-              <a:endParaRPr lang="en-US" sz="1100" dirty="0">
-                <a:latin typeface="Roboto Slab" charset="0"/>
-                <a:ea typeface="Roboto Slab" charset="0"/>
-                <a:cs typeface="Roboto Slab" charset="0"/>
-              </a:endParaRPr>
-            </a:p>
-          </p:txBody>
-        </p:sp>
-        <p:sp>
-          <p:nvSpPr>
-            <p:cNvPr id="12" name="Rectangle 4"/>
-            <p:cNvSpPr/>
-            <p:nvPr/>
-          </p:nvSpPr>
-          <p:spPr>
-            <a:xfrm>
-              <a:off x="5883192" y="1477570"/>
-              <a:ext cx="959597" cy="456836"/>
-            </a:xfrm>
-            <a:prstGeom prst="rect">
-              <a:avLst/>
-            </a:prstGeom>
-            <a:solidFill>
-              <a:schemeClr val="bg1">
-                <a:lumMod val="65000"/>
-              </a:schemeClr>
-            </a:solidFill>
-            <a:ln>
-              <a:prstDash val="dashDot"/>
-            </a:ln>
-            <a:effectLst/>
-          </p:spPr>
-          <p:style>
-            <a:lnRef idx="2">
-              <a:schemeClr val="dk1"/>
-            </a:lnRef>
-            <a:fillRef idx="1">
-              <a:schemeClr val="lt1"/>
-            </a:fillRef>
-            <a:effectRef idx="0">
-              <a:schemeClr val="dk1"/>
-            </a:effectRef>
-            <a:fontRef idx="minor">
-              <a:schemeClr val="dk1"/>
-            </a:fontRef>
-          </p:style>
-          <p:txBody>
-            <a:bodyPr rtlCol="0" anchor="ctr"/>
-            <a:lstStyle/>
-            <a:p>
-              <a:pPr algn="ctr"/>
-              <a:endParaRPr lang="en-US" sz="1100" dirty="0">
-                <a:latin typeface="Roboto Slab" charset="0"/>
-                <a:ea typeface="Roboto Slab" charset="0"/>
-                <a:cs typeface="Roboto Slab" charset="0"/>
-              </a:endParaRPr>
-            </a:p>
-          </p:txBody>
-        </p:sp>
-        <p:sp>
-          <p:nvSpPr>
-            <p:cNvPr id="13" name="Rectangle 4"/>
-            <p:cNvSpPr/>
-            <p:nvPr/>
-          </p:nvSpPr>
-          <p:spPr>
-            <a:xfrm>
-              <a:off x="5981304" y="1712051"/>
-              <a:ext cx="764979" cy="141005"/>
-            </a:xfrm>
-            <a:prstGeom prst="rect">
-              <a:avLst/>
-            </a:prstGeom>
-            <a:effectLst/>
-          </p:spPr>
-          <p:style>
-            <a:lnRef idx="2">
-              <a:schemeClr val="dk1"/>
-            </a:lnRef>
-            <a:fillRef idx="1">
-              <a:schemeClr val="lt1"/>
-            </a:fillRef>
-            <a:effectRef idx="0">
-              <a:schemeClr val="dk1"/>
-            </a:effectRef>
-            <a:fontRef idx="minor">
-              <a:schemeClr val="dk1"/>
-            </a:fontRef>
-          </p:style>
-          <p:txBody>
-            <a:bodyPr rtlCol="0" anchor="ctr"/>
-            <a:lstStyle/>
-            <a:p>
-              <a:pPr algn="ctr"/>
-              <a:r>
-                <a:rPr lang="en-US" sz="1000" dirty="0">
-                  <a:latin typeface="Roboto Slab" charset="0"/>
-                  <a:ea typeface="Roboto Slab" charset="0"/>
-                  <a:cs typeface="Roboto Slab" charset="0"/>
-                </a:rPr>
-                <a:t>IP</a:t>
-              </a:r>
-              <a:endParaRPr lang="en-US" sz="1100" dirty="0">
-                <a:latin typeface="Roboto Slab" charset="0"/>
-                <a:ea typeface="Roboto Slab" charset="0"/>
-                <a:cs typeface="Roboto Slab" charset="0"/>
-              </a:endParaRPr>
-            </a:p>
-          </p:txBody>
-        </p:sp>
-        <p:sp>
-          <p:nvSpPr>
-            <p:cNvPr id="14" name="Rectangle 4"/>
-            <p:cNvSpPr/>
-            <p:nvPr/>
-          </p:nvSpPr>
-          <p:spPr>
-            <a:xfrm>
-              <a:off x="5981239" y="1570512"/>
-              <a:ext cx="764979" cy="141005"/>
-            </a:xfrm>
-            <a:prstGeom prst="rect">
-              <a:avLst/>
-            </a:prstGeom>
-            <a:effectLst/>
-          </p:spPr>
-          <p:style>
-            <a:lnRef idx="2">
-              <a:schemeClr val="dk1"/>
-            </a:lnRef>
-            <a:fillRef idx="1">
-              <a:schemeClr val="lt1"/>
-            </a:fillRef>
-            <a:effectRef idx="0">
-              <a:schemeClr val="dk1"/>
-            </a:effectRef>
-            <a:fontRef idx="minor">
-              <a:schemeClr val="dk1"/>
-            </a:fontRef>
-          </p:style>
-          <p:txBody>
-            <a:bodyPr rtlCol="0" anchor="ctr"/>
-            <a:lstStyle/>
-            <a:p>
-              <a:pPr algn="ctr"/>
-              <a:r>
-                <a:rPr lang="en-US" sz="1000" dirty="0">
-                  <a:latin typeface="Roboto Slab" charset="0"/>
-                  <a:ea typeface="Roboto Slab" charset="0"/>
-                  <a:cs typeface="Roboto Slab" charset="0"/>
-                </a:rPr>
-                <a:t>UDP</a:t>
-              </a:r>
-              <a:endParaRPr lang="en-US" sz="1100" dirty="0">
-                <a:latin typeface="Roboto Slab" charset="0"/>
-                <a:ea typeface="Roboto Slab" charset="0"/>
-                <a:cs typeface="Roboto Slab" charset="0"/>
-              </a:endParaRPr>
-            </a:p>
-          </p:txBody>
-        </p:sp>
-        <p:sp>
-          <p:nvSpPr>
-            <p:cNvPr id="15" name="Rectangle 4"/>
-            <p:cNvSpPr/>
-            <p:nvPr/>
-          </p:nvSpPr>
-          <p:spPr>
-            <a:xfrm>
-              <a:off x="4782597" y="1069487"/>
-              <a:ext cx="1963621" cy="221477"/>
-            </a:xfrm>
-            <a:prstGeom prst="rect">
-              <a:avLst/>
-            </a:prstGeom>
-            <a:effectLst/>
-          </p:spPr>
-          <p:style>
-            <a:lnRef idx="2">
-              <a:schemeClr val="dk1"/>
-            </a:lnRef>
-            <a:fillRef idx="1">
-              <a:schemeClr val="lt1"/>
-            </a:fillRef>
-            <a:effectRef idx="0">
-              <a:schemeClr val="dk1"/>
-            </a:effectRef>
-            <a:fontRef idx="minor">
-              <a:schemeClr val="dk1"/>
-            </a:fontRef>
-          </p:style>
-          <p:txBody>
-            <a:bodyPr rtlCol="0" anchor="ctr"/>
-            <a:lstStyle/>
-            <a:p>
-              <a:pPr algn="ctr"/>
-              <a:r>
-                <a:rPr lang="en-US" sz="1000" dirty="0">
-                  <a:latin typeface="Roboto Slab" charset="0"/>
-                  <a:ea typeface="Roboto Slab" charset="0"/>
-                  <a:cs typeface="Roboto Slab" charset="0"/>
-                </a:rPr>
-                <a:t>Video Distribution Layer</a:t>
-              </a:r>
-              <a:endParaRPr lang="en-US" sz="1100" dirty="0">
-                <a:latin typeface="Roboto Slab" charset="0"/>
-                <a:ea typeface="Roboto Slab" charset="0"/>
-                <a:cs typeface="Roboto Slab" charset="0"/>
-              </a:endParaRPr>
-            </a:p>
-          </p:txBody>
-        </p:sp>
-        <p:sp>
-          <p:nvSpPr>
-            <p:cNvPr id="16" name="CasellaDiTesto 15"/>
-            <p:cNvSpPr txBox="1"/>
-            <p:nvPr/>
-          </p:nvSpPr>
-          <p:spPr>
-            <a:xfrm>
-              <a:off x="4568812" y="1941754"/>
-              <a:ext cx="1194858" cy="172800"/>
-            </a:xfrm>
-            <a:prstGeom prst="rect">
-              <a:avLst/>
-            </a:prstGeom>
-            <a:noFill/>
-          </p:spPr>
-          <p:txBody>
-            <a:bodyPr wrap="square" rtlCol="0">
-              <a:spAutoFit/>
-            </a:bodyPr>
-            <a:lstStyle/>
-            <a:p>
-              <a:pPr algn="ctr"/>
-              <a:r>
-                <a:rPr lang="en-US" sz="900">
-                  <a:latin typeface="Roboto Slab" charset="0"/>
-                  <a:ea typeface="Roboto Slab" charset="0"/>
-                  <a:cs typeface="Roboto Slab" charset="0"/>
-                </a:rPr>
-                <a:t>LTE</a:t>
-              </a:r>
-              <a:endParaRPr lang="en-US" sz="900" dirty="0">
-                <a:latin typeface="Roboto Slab" charset="0"/>
-                <a:ea typeface="Roboto Slab" charset="0"/>
-                <a:cs typeface="Roboto Slab" charset="0"/>
-              </a:endParaRPr>
-            </a:p>
-          </p:txBody>
-        </p:sp>
-        <p:sp>
-          <p:nvSpPr>
-            <p:cNvPr id="17" name="CasellaDiTesto 16"/>
-            <p:cNvSpPr txBox="1"/>
-            <p:nvPr/>
-          </p:nvSpPr>
-          <p:spPr>
-            <a:xfrm>
-              <a:off x="5766298" y="1935022"/>
-              <a:ext cx="1194858" cy="172800"/>
-            </a:xfrm>
-            <a:prstGeom prst="rect">
-              <a:avLst/>
-            </a:prstGeom>
-            <a:noFill/>
-          </p:spPr>
-          <p:txBody>
-            <a:bodyPr wrap="square" rtlCol="0">
-              <a:spAutoFit/>
-            </a:bodyPr>
-            <a:lstStyle/>
-            <a:p>
-              <a:pPr algn="ctr"/>
-              <a:r>
-                <a:rPr lang="en-US" sz="900">
-                  <a:latin typeface="Roboto Slab" charset="0"/>
-                  <a:ea typeface="Roboto Slab" charset="0"/>
-                  <a:cs typeface="Roboto Slab" charset="0"/>
-                </a:rPr>
-                <a:t>mmWave</a:t>
-              </a:r>
-              <a:endParaRPr lang="en-US" sz="900" dirty="0">
-                <a:latin typeface="Roboto Slab" charset="0"/>
-                <a:ea typeface="Roboto Slab" charset="0"/>
-                <a:cs typeface="Roboto Slab" charset="0"/>
-              </a:endParaRPr>
-            </a:p>
-          </p:txBody>
-        </p:sp>
-        <p:pic>
-          <p:nvPicPr>
-            <p:cNvPr id="18" name="Immagine 17"/>
-            <p:cNvPicPr>
-              <a:picLocks noChangeAspect="1"/>
-            </p:cNvPicPr>
-            <p:nvPr/>
-          </p:nvPicPr>
-          <p:blipFill>
-            <a:blip r:embed="rId2">
-              <a:extLst>
-                <a:ext uri="{28A0092B-C50C-407E-A947-70E740481C1C}">
-                  <a14:useLocalDpi xmlns:a14="http://schemas.microsoft.com/office/drawing/2010/main" val="0"/>
-                </a:ext>
-              </a:extLst>
-            </a:blip>
-            <a:stretch>
-              <a:fillRect/>
-            </a:stretch>
-          </p:blipFill>
-          <p:spPr>
-            <a:xfrm>
-              <a:off x="6938431" y="1490290"/>
-              <a:ext cx="709264" cy="813837"/>
-            </a:xfrm>
-            <a:prstGeom prst="rect">
-              <a:avLst/>
-            </a:prstGeom>
-          </p:spPr>
-        </p:pic>
-      </p:grpSp>
-    </p:spTree>
-    <p:extLst>
-      <p:ext uri="{BB962C8B-B14F-4D97-AF65-F5344CB8AC3E}">
-        <p14:creationId xmlns:p14="http://schemas.microsoft.com/office/powerpoint/2010/main" val="1934277033"/>
+        <p14:creationId xmlns:p14="http://schemas.microsoft.com/office/powerpoint/2010/main" val="2348398944"/>
       </p:ext>
     </p:extLst>
   </p:cSld>

--- a/presentation/HDA 2018.pptx
+++ b/presentation/HDA 2018.pptx
@@ -6,7 +6,7 @@
     <p:sldMasterId id="2147483688" r:id="rId2"/>
   </p:sldMasterIdLst>
   <p:notesMasterIdLst>
-    <p:notesMasterId r:id="rId11"/>
+    <p:notesMasterId r:id="rId12"/>
   </p:notesMasterIdLst>
   <p:sldIdLst>
     <p:sldId id="285" r:id="rId3"/>
@@ -15,8 +15,9 @@
     <p:sldId id="403" r:id="rId6"/>
     <p:sldId id="404" r:id="rId7"/>
     <p:sldId id="405" r:id="rId8"/>
-    <p:sldId id="383" r:id="rId9"/>
-    <p:sldId id="401" r:id="rId10"/>
+    <p:sldId id="407" r:id="rId9"/>
+    <p:sldId id="383" r:id="rId10"/>
+    <p:sldId id="406" r:id="rId11"/>
   </p:sldIdLst>
   <p:sldSz cx="9144000" cy="6858000" type="screen4x3"/>
   <p:notesSz cx="6858000" cy="9144000"/>
@@ -650,7 +651,7 @@
           <a:p>
             <a:fld id="{043C84D1-19FD-4492-8382-9D79A275F182}" type="slidenum">
               <a:rPr lang="it-IT" smtClean="0"/>
-              <a:t>8</a:t>
+              <a:t>9</a:t>
             </a:fld>
             <a:endParaRPr lang="it-IT"/>
           </a:p>
@@ -659,7 +660,7 @@
     </p:spTree>
     <p:extLst>
       <p:ext uri="{BB962C8B-B14F-4D97-AF65-F5344CB8AC3E}">
-        <p14:creationId xmlns:p14="http://schemas.microsoft.com/office/powerpoint/2010/main" val="2977223332"/>
+        <p14:creationId xmlns:p14="http://schemas.microsoft.com/office/powerpoint/2010/main" val="2340119099"/>
       </p:ext>
     </p:extLst>
   </p:cSld>
@@ -6564,7 +6565,6 @@
                     </a:srgbClr>
                   </a:outerShdw>
                 </a:effectLst>
-                <a:latin typeface="+mn-lt"/>
                 <a:ea typeface="Fira Sans" charset="0"/>
                 <a:cs typeface="Fira Sans" charset="0"/>
               </a:rPr>
@@ -7125,15 +7125,21 @@
               <a:buNone/>
             </a:pPr>
             <a:r>
-              <a:rPr lang="it-IT" dirty="0"/>
+              <a:rPr lang="it-IT" dirty="0">
+                <a:latin typeface="+mj-lt"/>
+              </a:rPr>
               <a:t>Human Activity </a:t>
             </a:r>
             <a:r>
-              <a:rPr lang="it-IT" dirty="0" err="1"/>
+              <a:rPr lang="it-IT" dirty="0" err="1">
+                <a:latin typeface="+mj-lt"/>
+              </a:rPr>
               <a:t>Recognition</a:t>
             </a:r>
             <a:r>
-              <a:rPr lang="it-IT" dirty="0"/>
+              <a:rPr lang="it-IT" dirty="0">
+                <a:latin typeface="+mj-lt"/>
+              </a:rPr>
               <a:t>: </a:t>
             </a:r>
           </a:p>
@@ -7166,15 +7172,21 @@
               <a:buChar char="•"/>
             </a:pPr>
             <a:r>
-              <a:rPr lang="it-IT" sz="2400" dirty="0"/>
+              <a:rPr lang="it-IT" sz="2400" dirty="0">
+                <a:latin typeface="+mj-lt"/>
+              </a:rPr>
               <a:t>Visual </a:t>
             </a:r>
             <a:r>
-              <a:rPr lang="it-IT" sz="2400" dirty="0" err="1"/>
+              <a:rPr lang="it-IT" sz="2400" dirty="0" err="1">
+                <a:latin typeface="+mj-lt"/>
+              </a:rPr>
               <a:t>detection</a:t>
             </a:r>
             <a:r>
-              <a:rPr lang="it-IT" sz="2400" dirty="0"/>
+              <a:rPr lang="it-IT" sz="2400" dirty="0">
+                <a:latin typeface="+mj-lt"/>
+              </a:rPr>
               <a:t> from images and video</a:t>
             </a:r>
           </a:p>
@@ -7184,27 +7196,39 @@
               <a:buChar char="•"/>
             </a:pPr>
             <a:r>
-              <a:rPr lang="it-IT" sz="2400" dirty="0" err="1"/>
+              <a:rPr lang="it-IT" sz="2400" dirty="0" err="1">
+                <a:latin typeface="+mj-lt"/>
+              </a:rPr>
               <a:t>Gesture</a:t>
             </a:r>
             <a:r>
-              <a:rPr lang="it-IT" sz="2400" dirty="0"/>
+              <a:rPr lang="it-IT" sz="2400" dirty="0">
+                <a:latin typeface="+mj-lt"/>
+              </a:rPr>
               <a:t> </a:t>
             </a:r>
             <a:r>
-              <a:rPr lang="it-IT" sz="2400" dirty="0" err="1"/>
+              <a:rPr lang="it-IT" sz="2400" dirty="0" err="1">
+                <a:latin typeface="+mj-lt"/>
+              </a:rPr>
               <a:t>recognition</a:t>
             </a:r>
             <a:r>
-              <a:rPr lang="it-IT" sz="2400" dirty="0"/>
+              <a:rPr lang="it-IT" sz="2400" dirty="0">
+                <a:latin typeface="+mj-lt"/>
+              </a:rPr>
               <a:t> from </a:t>
             </a:r>
             <a:r>
-              <a:rPr lang="it-IT" sz="2400" dirty="0" err="1"/>
+              <a:rPr lang="it-IT" sz="2400" dirty="0" err="1">
+                <a:latin typeface="+mj-lt"/>
+              </a:rPr>
               <a:t>sensor-based</a:t>
             </a:r>
             <a:r>
-              <a:rPr lang="it-IT" sz="2400" dirty="0"/>
+              <a:rPr lang="it-IT" sz="2400" dirty="0">
+                <a:latin typeface="+mj-lt"/>
+              </a:rPr>
               <a:t> data</a:t>
             </a:r>
           </a:p>
@@ -7213,7 +7237,9 @@
               <a:buFont typeface="Arial" panose="020B0604020202020204" pitchFamily="34" charset="0"/>
               <a:buChar char="•"/>
             </a:pPr>
-            <a:endParaRPr lang="it-IT" dirty="0"/>
+            <a:endParaRPr lang="it-IT" dirty="0">
+              <a:latin typeface="+mj-lt"/>
+            </a:endParaRPr>
           </a:p>
         </p:txBody>
       </p:sp>
@@ -7283,92 +7309,136 @@
           <a:lstStyle/>
           <a:p>
             <a:r>
-              <a:rPr lang="it-IT" sz="2400" dirty="0"/>
+              <a:rPr lang="it-IT" sz="2400" dirty="0">
+                <a:latin typeface="+mj-lt"/>
+              </a:rPr>
               <a:t>In the </a:t>
             </a:r>
             <a:r>
-              <a:rPr lang="it-IT" sz="2400" dirty="0" err="1"/>
+              <a:rPr lang="it-IT" sz="2400" dirty="0" err="1">
+                <a:latin typeface="+mj-lt"/>
+              </a:rPr>
               <a:t>past</a:t>
             </a:r>
             <a:r>
-              <a:rPr lang="it-IT" sz="2400" dirty="0"/>
+              <a:rPr lang="it-IT" sz="2400" dirty="0">
+                <a:latin typeface="+mj-lt"/>
+              </a:rPr>
               <a:t> decade, </a:t>
             </a:r>
             <a:r>
-              <a:rPr lang="it-IT" sz="2400" dirty="0" err="1"/>
+              <a:rPr lang="it-IT" sz="2400" dirty="0" err="1">
+                <a:latin typeface="+mj-lt"/>
+              </a:rPr>
               <a:t>many</a:t>
             </a:r>
             <a:r>
-              <a:rPr lang="it-IT" sz="2400" dirty="0"/>
+              <a:rPr lang="it-IT" sz="2400" dirty="0">
+                <a:latin typeface="+mj-lt"/>
+              </a:rPr>
               <a:t> </a:t>
             </a:r>
             <a:r>
-              <a:rPr lang="it-IT" sz="2400" dirty="0" err="1"/>
+              <a:rPr lang="it-IT" sz="2400" dirty="0" err="1">
+                <a:latin typeface="+mj-lt"/>
+              </a:rPr>
               <a:t>models</a:t>
             </a:r>
             <a:r>
-              <a:rPr lang="it-IT" sz="2400" dirty="0"/>
+              <a:rPr lang="it-IT" sz="2400" dirty="0">
+                <a:latin typeface="+mj-lt"/>
+              </a:rPr>
               <a:t> </a:t>
             </a:r>
             <a:r>
-              <a:rPr lang="it-IT" sz="2400" dirty="0" err="1"/>
+              <a:rPr lang="it-IT" sz="2400" dirty="0" err="1">
+                <a:latin typeface="+mj-lt"/>
+              </a:rPr>
               <a:t>have</a:t>
             </a:r>
             <a:r>
-              <a:rPr lang="it-IT" sz="2400" dirty="0"/>
+              <a:rPr lang="it-IT" sz="2400" dirty="0">
+                <a:latin typeface="+mj-lt"/>
+              </a:rPr>
               <a:t> </a:t>
             </a:r>
             <a:r>
-              <a:rPr lang="it-IT" sz="2400" dirty="0" err="1"/>
+              <a:rPr lang="it-IT" sz="2400" dirty="0" err="1">
+                <a:latin typeface="+mj-lt"/>
+              </a:rPr>
               <a:t>been</a:t>
             </a:r>
             <a:r>
-              <a:rPr lang="it-IT" sz="2400" dirty="0"/>
+              <a:rPr lang="it-IT" sz="2400" dirty="0">
+                <a:latin typeface="+mj-lt"/>
+              </a:rPr>
               <a:t> </a:t>
             </a:r>
             <a:r>
-              <a:rPr lang="it-IT" sz="2400" dirty="0" err="1"/>
+              <a:rPr lang="it-IT" sz="2400" dirty="0" err="1">
+                <a:latin typeface="+mj-lt"/>
+              </a:rPr>
               <a:t>designed</a:t>
             </a:r>
             <a:r>
-              <a:rPr lang="it-IT" sz="2400" dirty="0"/>
+              <a:rPr lang="it-IT" sz="2400" dirty="0">
+                <a:latin typeface="+mj-lt"/>
+              </a:rPr>
               <a:t> for time </a:t>
             </a:r>
             <a:r>
-              <a:rPr lang="it-IT" sz="2400" dirty="0" err="1"/>
+              <a:rPr lang="it-IT" sz="2400" dirty="0" err="1">
+                <a:latin typeface="+mj-lt"/>
+              </a:rPr>
               <a:t>series</a:t>
             </a:r>
             <a:r>
-              <a:rPr lang="it-IT" sz="2400" dirty="0"/>
+              <a:rPr lang="it-IT" sz="2400" dirty="0">
+                <a:latin typeface="+mj-lt"/>
+              </a:rPr>
               <a:t> </a:t>
             </a:r>
             <a:r>
-              <a:rPr lang="it-IT" sz="2400" dirty="0" err="1"/>
+              <a:rPr lang="it-IT" sz="2400" dirty="0" err="1">
+                <a:latin typeface="+mj-lt"/>
+              </a:rPr>
               <a:t>classification</a:t>
             </a:r>
             <a:r>
-              <a:rPr lang="it-IT" sz="2400" dirty="0"/>
+              <a:rPr lang="it-IT" sz="2400" dirty="0">
+                <a:latin typeface="+mj-lt"/>
+              </a:rPr>
               <a:t>.</a:t>
             </a:r>
           </a:p>
           <a:p>
-            <a:endParaRPr lang="it-IT" sz="2400" dirty="0"/>
-          </a:p>
-          <a:p>
-            <a:r>
-              <a:rPr lang="it-IT" sz="2400" dirty="0" err="1"/>
+            <a:endParaRPr lang="it-IT" sz="2400" dirty="0">
+              <a:latin typeface="+mj-lt"/>
+            </a:endParaRPr>
+          </a:p>
+          <a:p>
+            <a:r>
+              <a:rPr lang="it-IT" sz="2400" dirty="0" err="1">
+                <a:latin typeface="+mj-lt"/>
+              </a:rPr>
               <a:t>Main</a:t>
             </a:r>
             <a:r>
-              <a:rPr lang="it-IT" sz="2400" dirty="0"/>
+              <a:rPr lang="it-IT" sz="2400" dirty="0">
+                <a:latin typeface="+mj-lt"/>
+              </a:rPr>
               <a:t> </a:t>
             </a:r>
             <a:r>
-              <a:rPr lang="it-IT" sz="2400" dirty="0" err="1"/>
+              <a:rPr lang="it-IT" sz="2400" dirty="0" err="1">
+                <a:latin typeface="+mj-lt"/>
+              </a:rPr>
               <a:t>problem</a:t>
             </a:r>
             <a:r>
-              <a:rPr lang="it-IT" sz="2400" dirty="0"/>
+              <a:rPr lang="it-IT" sz="2400" dirty="0">
+                <a:latin typeface="+mj-lt"/>
+              </a:rPr>
               <a:t>: </a:t>
             </a:r>
           </a:p>
@@ -7382,26 +7452,37 @@
                 <a:solidFill>
                   <a:srgbClr val="FF0000"/>
                 </a:solidFill>
+                <a:latin typeface="+mj-lt"/>
               </a:rPr>
               <a:t>LACK of  BENCHMARKING DATASET</a:t>
             </a:r>
             <a:r>
-              <a:rPr lang="it-IT" sz="2400" dirty="0"/>
+              <a:rPr lang="it-IT" sz="2400" dirty="0">
+                <a:latin typeface="+mj-lt"/>
+              </a:rPr>
               <a:t> to compare </a:t>
             </a:r>
             <a:r>
-              <a:rPr lang="it-IT" sz="2400" dirty="0" err="1"/>
+              <a:rPr lang="it-IT" sz="2400" dirty="0" err="1">
+                <a:latin typeface="+mj-lt"/>
+              </a:rPr>
               <a:t>different</a:t>
             </a:r>
             <a:r>
-              <a:rPr lang="it-IT" sz="2400" dirty="0"/>
+              <a:rPr lang="it-IT" sz="2400" dirty="0">
+                <a:latin typeface="+mj-lt"/>
+              </a:rPr>
               <a:t> </a:t>
             </a:r>
             <a:r>
-              <a:rPr lang="it-IT" sz="2400" dirty="0" err="1"/>
+              <a:rPr lang="it-IT" sz="2400" dirty="0" err="1">
+                <a:latin typeface="+mj-lt"/>
+              </a:rPr>
               <a:t>solutions</a:t>
             </a:r>
-            <a:endParaRPr lang="it-IT" sz="2400" dirty="0"/>
+            <a:endParaRPr lang="it-IT" sz="2400" dirty="0">
+              <a:latin typeface="+mj-lt"/>
+            </a:endParaRPr>
           </a:p>
           <a:p>
             <a:pPr marL="342900" indent="-342900">
@@ -7413,46 +7494,67 @@
                 <a:solidFill>
                   <a:srgbClr val="FF0000"/>
                 </a:solidFill>
+                <a:latin typeface="+mj-lt"/>
               </a:rPr>
               <a:t>ABSENCE of DETAILS</a:t>
             </a:r>
             <a:r>
-              <a:rPr lang="it-IT" sz="2400" b="1" dirty="0"/>
+              <a:rPr lang="it-IT" sz="2400" b="1" dirty="0">
+                <a:latin typeface="+mj-lt"/>
+              </a:rPr>
               <a:t> </a:t>
             </a:r>
             <a:r>
-              <a:rPr lang="it-IT" sz="2400" dirty="0"/>
+              <a:rPr lang="it-IT" sz="2400" dirty="0">
+                <a:latin typeface="+mj-lt"/>
+              </a:rPr>
               <a:t>in </a:t>
             </a:r>
             <a:r>
-              <a:rPr lang="it-IT" sz="2400" dirty="0" err="1"/>
+              <a:rPr lang="it-IT" sz="2400" dirty="0" err="1">
+                <a:latin typeface="+mj-lt"/>
+              </a:rPr>
               <a:t>most</a:t>
             </a:r>
             <a:r>
-              <a:rPr lang="it-IT" sz="2400" dirty="0"/>
+              <a:rPr lang="it-IT" sz="2400" dirty="0">
+                <a:latin typeface="+mj-lt"/>
+              </a:rPr>
               <a:t> of the </a:t>
             </a:r>
             <a:r>
-              <a:rPr lang="it-IT" sz="2400" dirty="0" err="1"/>
+              <a:rPr lang="it-IT" sz="2400" dirty="0" err="1">
+                <a:latin typeface="+mj-lt"/>
+              </a:rPr>
               <a:t>models</a:t>
             </a:r>
             <a:r>
-              <a:rPr lang="it-IT" sz="2400" dirty="0"/>
+              <a:rPr lang="it-IT" sz="2400" dirty="0">
+                <a:latin typeface="+mj-lt"/>
+              </a:rPr>
               <a:t> </a:t>
             </a:r>
             <a:r>
-              <a:rPr lang="it-IT" sz="2400" dirty="0" err="1"/>
+              <a:rPr lang="it-IT" sz="2400" dirty="0" err="1">
+                <a:latin typeface="+mj-lt"/>
+              </a:rPr>
               <a:t>presented</a:t>
             </a:r>
             <a:r>
-              <a:rPr lang="it-IT" sz="2400" dirty="0"/>
+              <a:rPr lang="it-IT" sz="2400" dirty="0">
+                <a:latin typeface="+mj-lt"/>
+              </a:rPr>
               <a:t> in the </a:t>
             </a:r>
             <a:r>
-              <a:rPr lang="it-IT" sz="2400" dirty="0" err="1"/>
+              <a:rPr lang="it-IT" sz="2400" dirty="0" err="1">
+                <a:latin typeface="+mj-lt"/>
+              </a:rPr>
               <a:t>literature</a:t>
             </a:r>
-            <a:endParaRPr lang="it-IT" sz="2400" dirty="0"/>
+            <a:endParaRPr lang="it-IT" sz="2400" dirty="0">
+              <a:latin typeface="+mj-lt"/>
+            </a:endParaRPr>
           </a:p>
         </p:txBody>
       </p:sp>
@@ -7568,87 +7670,129 @@
           <a:lstStyle/>
           <a:p>
             <a:r>
-              <a:rPr lang="it-IT" sz="1400" dirty="0"/>
+              <a:rPr lang="it-IT" sz="1400" dirty="0">
+                <a:latin typeface="+mj-lt"/>
+              </a:rPr>
               <a:t>[1] R. </a:t>
             </a:r>
             <a:r>
-              <a:rPr lang="it-IT" sz="1400" dirty="0" err="1"/>
+              <a:rPr lang="it-IT" sz="1400" dirty="0" err="1">
+                <a:latin typeface="+mj-lt"/>
+              </a:rPr>
               <a:t>Chavarriaga</a:t>
             </a:r>
             <a:r>
-              <a:rPr lang="it-IT" sz="1400" dirty="0"/>
+              <a:rPr lang="it-IT" sz="1400" dirty="0">
+                <a:latin typeface="+mj-lt"/>
+              </a:rPr>
               <a:t>, H. </a:t>
             </a:r>
             <a:r>
-              <a:rPr lang="it-IT" sz="1400" dirty="0" err="1"/>
+              <a:rPr lang="it-IT" sz="1400" dirty="0" err="1">
+                <a:latin typeface="+mj-lt"/>
+              </a:rPr>
               <a:t>Sagha</a:t>
             </a:r>
             <a:r>
-              <a:rPr lang="it-IT" sz="1400" dirty="0"/>
+              <a:rPr lang="it-IT" sz="1400" dirty="0">
+                <a:latin typeface="+mj-lt"/>
+              </a:rPr>
               <a:t>, A. </a:t>
             </a:r>
             <a:r>
-              <a:rPr lang="it-IT" sz="1400" dirty="0" err="1"/>
+              <a:rPr lang="it-IT" sz="1400" dirty="0" err="1">
+                <a:latin typeface="+mj-lt"/>
+              </a:rPr>
               <a:t>Calatroni</a:t>
             </a:r>
             <a:r>
-              <a:rPr lang="it-IT" sz="1400" dirty="0"/>
+              <a:rPr lang="it-IT" sz="1400" dirty="0">
+                <a:latin typeface="+mj-lt"/>
+              </a:rPr>
               <a:t>, S. T. </a:t>
             </a:r>
             <a:r>
-              <a:rPr lang="it-IT" sz="1400" dirty="0" err="1"/>
+              <a:rPr lang="it-IT" sz="1400" dirty="0" err="1">
+                <a:latin typeface="+mj-lt"/>
+              </a:rPr>
               <a:t>Digumarti</a:t>
             </a:r>
             <a:r>
-              <a:rPr lang="it-IT" sz="1400" dirty="0"/>
+              <a:rPr lang="it-IT" sz="1400" dirty="0">
+                <a:latin typeface="+mj-lt"/>
+              </a:rPr>
               <a:t>, G. </a:t>
             </a:r>
             <a:r>
-              <a:rPr lang="it-IT" sz="1400" dirty="0" err="1"/>
+              <a:rPr lang="it-IT" sz="1400" dirty="0" err="1">
+                <a:latin typeface="+mj-lt"/>
+              </a:rPr>
               <a:t>Tröster</a:t>
             </a:r>
             <a:r>
-              <a:rPr lang="it-IT" sz="1400" dirty="0"/>
+              <a:rPr lang="it-IT" sz="1400" dirty="0">
+                <a:latin typeface="+mj-lt"/>
+              </a:rPr>
               <a:t>, </a:t>
             </a:r>
             <a:r>
-              <a:rPr lang="en-US" sz="1400" dirty="0"/>
+              <a:rPr lang="en-US" sz="1400" dirty="0">
+                <a:latin typeface="+mj-lt"/>
+              </a:rPr>
               <a:t>J. del R. </a:t>
             </a:r>
             <a:r>
-              <a:rPr lang="en-US" sz="1400" dirty="0" err="1"/>
+              <a:rPr lang="en-US" sz="1400" dirty="0" err="1">
+                <a:latin typeface="+mj-lt"/>
+              </a:rPr>
               <a:t>Millán</a:t>
             </a:r>
             <a:r>
-              <a:rPr lang="en-US" sz="1400" dirty="0"/>
+              <a:rPr lang="en-US" sz="1400" dirty="0">
+                <a:latin typeface="+mj-lt"/>
+              </a:rPr>
               <a:t>, and D. </a:t>
             </a:r>
             <a:r>
-              <a:rPr lang="en-US" sz="1400" dirty="0" err="1"/>
+              <a:rPr lang="en-US" sz="1400" dirty="0" err="1">
+                <a:latin typeface="+mj-lt"/>
+              </a:rPr>
               <a:t>Roggen</a:t>
             </a:r>
             <a:r>
-              <a:rPr lang="en-US" sz="1400" dirty="0"/>
+              <a:rPr lang="en-US" sz="1400" dirty="0">
+                <a:latin typeface="+mj-lt"/>
+              </a:rPr>
               <a:t>, “The opportunity challenge: A benchmark database for on-body sensor-based activity recognition,” </a:t>
             </a:r>
             <a:r>
-              <a:rPr lang="it-IT" sz="1400" i="1" dirty="0"/>
+              <a:rPr lang="it-IT" sz="1400" i="1" dirty="0">
+                <a:latin typeface="+mj-lt"/>
+              </a:rPr>
               <a:t>Pattern </a:t>
             </a:r>
             <a:r>
-              <a:rPr lang="it-IT" sz="1400" i="1" dirty="0" err="1"/>
+              <a:rPr lang="it-IT" sz="1400" i="1" dirty="0" err="1">
+                <a:latin typeface="+mj-lt"/>
+              </a:rPr>
               <a:t>Recognition</a:t>
             </a:r>
             <a:r>
-              <a:rPr lang="it-IT" sz="1400" i="1" dirty="0"/>
+              <a:rPr lang="it-IT" sz="1400" i="1" dirty="0">
+                <a:latin typeface="+mj-lt"/>
+              </a:rPr>
               <a:t> </a:t>
             </a:r>
             <a:r>
-              <a:rPr lang="it-IT" sz="1400" i="1" dirty="0" err="1"/>
+              <a:rPr lang="it-IT" sz="1400" i="1" dirty="0" err="1">
+                <a:latin typeface="+mj-lt"/>
+              </a:rPr>
               <a:t>Letters</a:t>
             </a:r>
             <a:r>
-              <a:rPr lang="it-IT" sz="1400" dirty="0"/>
+              <a:rPr lang="it-IT" sz="1400" dirty="0">
+                <a:latin typeface="+mj-lt"/>
+              </a:rPr>
               <a:t>, 2013.</a:t>
             </a:r>
           </a:p>
@@ -7678,7 +7822,9 @@
           <a:p>
             <a:pPr algn="ctr"/>
             <a:r>
-              <a:rPr lang="it-IT" sz="3200" b="1" dirty="0"/>
+              <a:rPr lang="it-IT" sz="3200" b="1" dirty="0">
+                <a:latin typeface="+mj-lt"/>
+              </a:rPr>
               <a:t>OPPORTUNITY DATASET</a:t>
             </a:r>
           </a:p>
@@ -7800,23 +7946,33 @@
               <a:buChar char="•"/>
             </a:pPr>
             <a:r>
-              <a:rPr lang="it-IT" sz="2400" dirty="0"/>
+              <a:rPr lang="it-IT" sz="2400" dirty="0">
+                <a:latin typeface="+mj-lt"/>
+              </a:rPr>
               <a:t>4 </a:t>
             </a:r>
             <a:r>
-              <a:rPr lang="it-IT" sz="2400" dirty="0" err="1"/>
+              <a:rPr lang="it-IT" sz="2400" dirty="0" err="1">
+                <a:latin typeface="+mj-lt"/>
+              </a:rPr>
               <a:t>different</a:t>
             </a:r>
             <a:r>
-              <a:rPr lang="it-IT" sz="2400" dirty="0"/>
+              <a:rPr lang="it-IT" sz="2400" dirty="0">
+                <a:latin typeface="+mj-lt"/>
+              </a:rPr>
               <a:t> </a:t>
             </a:r>
             <a:r>
-              <a:rPr lang="it-IT" sz="2400" dirty="0" err="1"/>
+              <a:rPr lang="it-IT" sz="2400" dirty="0" err="1">
+                <a:latin typeface="+mj-lt"/>
+              </a:rPr>
               <a:t>subjects</a:t>
             </a:r>
             <a:r>
-              <a:rPr lang="it-IT" sz="2400" dirty="0"/>
+              <a:rPr lang="it-IT" sz="2400" dirty="0">
+                <a:latin typeface="+mj-lt"/>
+              </a:rPr>
               <a:t> </a:t>
             </a:r>
           </a:p>
@@ -7826,31 +7982,45 @@
               <a:buChar char="•"/>
             </a:pPr>
             <a:r>
-              <a:rPr lang="it-IT" sz="2400" dirty="0"/>
+              <a:rPr lang="it-IT" sz="2400" dirty="0">
+                <a:latin typeface="+mj-lt"/>
+              </a:rPr>
               <a:t>7 </a:t>
             </a:r>
             <a:r>
-              <a:rPr lang="it-IT" sz="2400" dirty="0" err="1"/>
+              <a:rPr lang="it-IT" sz="2400" dirty="0" err="1">
+                <a:latin typeface="+mj-lt"/>
+              </a:rPr>
               <a:t>Inertial</a:t>
             </a:r>
             <a:r>
-              <a:rPr lang="it-IT" sz="2400" dirty="0"/>
+              <a:rPr lang="it-IT" sz="2400" dirty="0">
+                <a:latin typeface="+mj-lt"/>
+              </a:rPr>
               <a:t> </a:t>
             </a:r>
             <a:r>
-              <a:rPr lang="it-IT" sz="2400" dirty="0" err="1"/>
+              <a:rPr lang="it-IT" sz="2400" dirty="0" err="1">
+                <a:latin typeface="+mj-lt"/>
+              </a:rPr>
               <a:t>Measurement</a:t>
             </a:r>
             <a:r>
-              <a:rPr lang="it-IT" sz="2400" dirty="0"/>
+              <a:rPr lang="it-IT" sz="2400" dirty="0">
+                <a:latin typeface="+mj-lt"/>
+              </a:rPr>
               <a:t> </a:t>
             </a:r>
             <a:r>
-              <a:rPr lang="it-IT" sz="2400" dirty="0" err="1"/>
+              <a:rPr lang="it-IT" sz="2400" dirty="0" err="1">
+                <a:latin typeface="+mj-lt"/>
+              </a:rPr>
               <a:t>Units</a:t>
             </a:r>
             <a:r>
-              <a:rPr lang="it-IT" sz="2400" dirty="0"/>
+              <a:rPr lang="it-IT" sz="2400" dirty="0">
+                <a:latin typeface="+mj-lt"/>
+              </a:rPr>
               <a:t> </a:t>
             </a:r>
           </a:p>
@@ -7860,23 +8030,33 @@
               <a:buChar char="•"/>
             </a:pPr>
             <a:r>
-              <a:rPr lang="it-IT" sz="2400" dirty="0"/>
+              <a:rPr lang="it-IT" sz="2400" dirty="0">
+                <a:latin typeface="+mj-lt"/>
+              </a:rPr>
               <a:t>12 </a:t>
             </a:r>
             <a:r>
-              <a:rPr lang="it-IT" sz="2400" dirty="0" err="1"/>
+              <a:rPr lang="it-IT" sz="2400" dirty="0" err="1">
+                <a:latin typeface="+mj-lt"/>
+              </a:rPr>
               <a:t>accelerometer</a:t>
             </a:r>
             <a:r>
-              <a:rPr lang="it-IT" sz="2400" dirty="0"/>
+              <a:rPr lang="it-IT" sz="2400" dirty="0">
+                <a:latin typeface="+mj-lt"/>
+              </a:rPr>
               <a:t> </a:t>
             </a:r>
             <a:r>
-              <a:rPr lang="it-IT" sz="2400" dirty="0" err="1"/>
+              <a:rPr lang="it-IT" sz="2400" dirty="0" err="1">
+                <a:latin typeface="+mj-lt"/>
+              </a:rPr>
               <a:t>sensors</a:t>
             </a:r>
             <a:r>
-              <a:rPr lang="it-IT" sz="2400" dirty="0"/>
+              <a:rPr lang="it-IT" sz="2400" dirty="0">
+                <a:latin typeface="+mj-lt"/>
+              </a:rPr>
               <a:t> </a:t>
             </a:r>
           </a:p>
@@ -7948,23 +8128,33 @@
           <a:lstStyle/>
           <a:p>
             <a:r>
-              <a:rPr lang="it-IT" sz="2400" dirty="0"/>
+              <a:rPr lang="it-IT" sz="2400" dirty="0">
+                <a:latin typeface="+mj-lt"/>
+              </a:rPr>
               <a:t>113 </a:t>
             </a:r>
             <a:r>
-              <a:rPr lang="it-IT" sz="2400" dirty="0" err="1"/>
+              <a:rPr lang="it-IT" sz="2400" dirty="0" err="1">
+                <a:latin typeface="+mj-lt"/>
+              </a:rPr>
               <a:t>channels</a:t>
             </a:r>
             <a:r>
-              <a:rPr lang="it-IT" sz="2400" dirty="0"/>
+              <a:rPr lang="it-IT" sz="2400" dirty="0">
+                <a:latin typeface="+mj-lt"/>
+              </a:rPr>
               <a:t> of </a:t>
             </a:r>
             <a:r>
-              <a:rPr lang="it-IT" sz="2400" dirty="0" err="1"/>
+              <a:rPr lang="it-IT" sz="2400" dirty="0" err="1">
+                <a:latin typeface="+mj-lt"/>
+              </a:rPr>
               <a:t>measurements</a:t>
             </a:r>
             <a:r>
-              <a:rPr lang="it-IT" sz="2400" dirty="0"/>
+              <a:rPr lang="it-IT" sz="2400" dirty="0">
+                <a:latin typeface="+mj-lt"/>
+              </a:rPr>
               <a:t> </a:t>
             </a:r>
           </a:p>
@@ -7993,55 +8183,81 @@
           <a:lstStyle/>
           <a:p>
             <a:r>
-              <a:rPr lang="it-IT" sz="2400" dirty="0"/>
+              <a:rPr lang="it-IT" sz="2400" dirty="0">
+                <a:latin typeface="+mj-lt"/>
+              </a:rPr>
               <a:t>Data </a:t>
             </a:r>
             <a:r>
-              <a:rPr lang="it-IT" sz="2400" dirty="0" err="1"/>
+              <a:rPr lang="it-IT" sz="2400" dirty="0" err="1">
+                <a:latin typeface="+mj-lt"/>
+              </a:rPr>
               <a:t>has</a:t>
             </a:r>
             <a:r>
-              <a:rPr lang="it-IT" sz="2400" dirty="0"/>
+              <a:rPr lang="it-IT" sz="2400" dirty="0">
+                <a:latin typeface="+mj-lt"/>
+              </a:rPr>
               <a:t> </a:t>
             </a:r>
             <a:r>
-              <a:rPr lang="it-IT" sz="2400" dirty="0" err="1"/>
+              <a:rPr lang="it-IT" sz="2400" dirty="0" err="1">
+                <a:latin typeface="+mj-lt"/>
+              </a:rPr>
               <a:t>been</a:t>
             </a:r>
             <a:r>
-              <a:rPr lang="it-IT" sz="2400" dirty="0"/>
+              <a:rPr lang="it-IT" sz="2400" dirty="0">
+                <a:latin typeface="+mj-lt"/>
+              </a:rPr>
               <a:t> </a:t>
             </a:r>
             <a:r>
-              <a:rPr lang="it-IT" sz="2400" dirty="0" err="1"/>
+              <a:rPr lang="it-IT" sz="2400" dirty="0" err="1">
+                <a:latin typeface="+mj-lt"/>
+              </a:rPr>
               <a:t>collected</a:t>
             </a:r>
             <a:r>
-              <a:rPr lang="it-IT" sz="2400" dirty="0"/>
+              <a:rPr lang="it-IT" sz="2400" dirty="0">
+                <a:latin typeface="+mj-lt"/>
+              </a:rPr>
               <a:t> in </a:t>
             </a:r>
             <a:r>
-              <a:rPr lang="it-IT" sz="2400" dirty="0" err="1"/>
+              <a:rPr lang="it-IT" sz="2400" dirty="0" err="1">
+                <a:latin typeface="+mj-lt"/>
+              </a:rPr>
               <a:t>two</a:t>
             </a:r>
             <a:r>
-              <a:rPr lang="it-IT" sz="2400" dirty="0"/>
+              <a:rPr lang="it-IT" sz="2400" dirty="0">
+                <a:latin typeface="+mj-lt"/>
+              </a:rPr>
               <a:t> </a:t>
             </a:r>
             <a:r>
-              <a:rPr lang="it-IT" sz="2400" dirty="0" err="1"/>
+              <a:rPr lang="it-IT" sz="2400" dirty="0" err="1">
+                <a:latin typeface="+mj-lt"/>
+              </a:rPr>
               <a:t>distinct</a:t>
             </a:r>
             <a:r>
-              <a:rPr lang="it-IT" sz="2400" dirty="0"/>
+              <a:rPr lang="it-IT" sz="2400" dirty="0">
+                <a:latin typeface="+mj-lt"/>
+              </a:rPr>
               <a:t> </a:t>
             </a:r>
             <a:r>
-              <a:rPr lang="it-IT" sz="2400" dirty="0" err="1"/>
+              <a:rPr lang="it-IT" sz="2400" dirty="0" err="1">
+                <a:latin typeface="+mj-lt"/>
+              </a:rPr>
               <a:t>modalities</a:t>
             </a:r>
             <a:r>
-              <a:rPr lang="it-IT" sz="2400" dirty="0"/>
+              <a:rPr lang="it-IT" sz="2400" dirty="0">
+                <a:latin typeface="+mj-lt"/>
+              </a:rPr>
               <a:t> :</a:t>
             </a:r>
           </a:p>
@@ -8051,23 +8267,33 @@
               <a:buChar char="•"/>
             </a:pPr>
             <a:r>
-              <a:rPr lang="it-IT" sz="2400" dirty="0"/>
+              <a:rPr lang="it-IT" sz="2400" dirty="0">
+                <a:latin typeface="+mj-lt"/>
+              </a:rPr>
               <a:t>5 sessions of  </a:t>
             </a:r>
             <a:r>
-              <a:rPr lang="it-IT" sz="2400" b="1" dirty="0"/>
+              <a:rPr lang="it-IT" sz="2400" b="1" dirty="0">
+                <a:latin typeface="+mj-lt"/>
+              </a:rPr>
               <a:t>Activity of </a:t>
             </a:r>
             <a:r>
-              <a:rPr lang="it-IT" sz="2400" b="1" dirty="0" err="1"/>
+              <a:rPr lang="it-IT" sz="2400" b="1" dirty="0" err="1">
+                <a:latin typeface="+mj-lt"/>
+              </a:rPr>
               <a:t>Daily</a:t>
             </a:r>
             <a:r>
-              <a:rPr lang="it-IT" sz="2400" b="1" dirty="0"/>
+              <a:rPr lang="it-IT" sz="2400" b="1" dirty="0">
+                <a:latin typeface="+mj-lt"/>
+              </a:rPr>
               <a:t> Living </a:t>
             </a:r>
             <a:r>
-              <a:rPr lang="it-IT" sz="2400" dirty="0"/>
+              <a:rPr lang="it-IT" sz="2400" dirty="0">
+                <a:latin typeface="+mj-lt"/>
+              </a:rPr>
               <a:t>(ADL)</a:t>
             </a:r>
           </a:p>
@@ -8077,46 +8303,68 @@
               <a:buChar char="•"/>
             </a:pPr>
             <a:r>
-              <a:rPr lang="it-IT" sz="2400" b="1" dirty="0" err="1"/>
+              <a:rPr lang="it-IT" sz="2400" b="1" dirty="0" err="1">
+                <a:latin typeface="+mj-lt"/>
+              </a:rPr>
               <a:t>Drill</a:t>
             </a:r>
             <a:r>
-              <a:rPr lang="it-IT" sz="2400" b="1" dirty="0"/>
+              <a:rPr lang="it-IT" sz="2400" b="1" dirty="0">
+                <a:latin typeface="+mj-lt"/>
+              </a:rPr>
               <a:t> </a:t>
             </a:r>
             <a:r>
-              <a:rPr lang="it-IT" sz="2400" dirty="0"/>
+              <a:rPr lang="it-IT" sz="2400" dirty="0">
+                <a:latin typeface="+mj-lt"/>
+              </a:rPr>
               <a:t>: 20 </a:t>
             </a:r>
             <a:r>
-              <a:rPr lang="it-IT" sz="2400" dirty="0" err="1"/>
+              <a:rPr lang="it-IT" sz="2400" dirty="0" err="1">
+                <a:latin typeface="+mj-lt"/>
+              </a:rPr>
               <a:t>repetitions</a:t>
             </a:r>
             <a:r>
-              <a:rPr lang="it-IT" sz="2400" dirty="0"/>
+              <a:rPr lang="it-IT" sz="2400" dirty="0">
+                <a:latin typeface="+mj-lt"/>
+              </a:rPr>
               <a:t> of </a:t>
             </a:r>
             <a:r>
-              <a:rPr lang="it-IT" sz="2400" dirty="0" err="1"/>
+              <a:rPr lang="it-IT" sz="2400" dirty="0" err="1">
+                <a:latin typeface="+mj-lt"/>
+              </a:rPr>
               <a:t>low</a:t>
             </a:r>
             <a:r>
-              <a:rPr lang="it-IT" sz="2400" dirty="0"/>
+              <a:rPr lang="it-IT" sz="2400" dirty="0">
+                <a:latin typeface="+mj-lt"/>
+              </a:rPr>
               <a:t> </a:t>
             </a:r>
             <a:r>
-              <a:rPr lang="it-IT" sz="2400" dirty="0" err="1"/>
+              <a:rPr lang="it-IT" sz="2400" dirty="0" err="1">
+                <a:latin typeface="+mj-lt"/>
+              </a:rPr>
               <a:t>level</a:t>
             </a:r>
             <a:r>
-              <a:rPr lang="it-IT" sz="2400" dirty="0"/>
+              <a:rPr lang="it-IT" sz="2400" dirty="0">
+                <a:latin typeface="+mj-lt"/>
+              </a:rPr>
               <a:t> </a:t>
             </a:r>
             <a:r>
-              <a:rPr lang="it-IT" sz="2400" dirty="0" err="1"/>
+              <a:rPr lang="it-IT" sz="2400" dirty="0" err="1">
+                <a:latin typeface="+mj-lt"/>
+              </a:rPr>
               <a:t>activities</a:t>
             </a:r>
-            <a:endParaRPr lang="it-IT" sz="2400" b="1" dirty="0"/>
+            <a:endParaRPr lang="it-IT" sz="2400" b="1" dirty="0">
+              <a:latin typeface="+mj-lt"/>
+            </a:endParaRPr>
           </a:p>
         </p:txBody>
       </p:sp>
@@ -8160,12 +8408,37 @@
             <p:ph type="title"/>
           </p:nvPr>
         </p:nvSpPr>
-        <p:spPr/>
-        <p:txBody>
-          <a:bodyPr/>
-          <a:lstStyle/>
-          <a:p>
-            <a:endParaRPr lang="it-IT"/>
+        <p:spPr>
+          <a:xfrm>
+            <a:off x="628650" y="285612"/>
+            <a:ext cx="7886700" cy="1325563"/>
+          </a:xfrm>
+        </p:spPr>
+        <p:txBody>
+          <a:bodyPr/>
+          <a:lstStyle/>
+          <a:p>
+            <a:r>
+              <a:rPr lang="it-IT" b="1" dirty="0" err="1"/>
+              <a:t>Multiclass</a:t>
+            </a:r>
+            <a:r>
+              <a:rPr lang="it-IT" b="1" dirty="0"/>
+              <a:t> </a:t>
+            </a:r>
+            <a:r>
+              <a:rPr lang="it-IT" b="1" dirty="0" err="1"/>
+              <a:t>Classification</a:t>
+            </a:r>
+            <a:r>
+              <a:rPr lang="it-IT" b="1" dirty="0"/>
+              <a:t> </a:t>
+            </a:r>
+            <a:r>
+              <a:rPr lang="it-IT" b="1" dirty="0" err="1"/>
+              <a:t>Problem</a:t>
+            </a:r>
+            <a:endParaRPr lang="it-IT" b="1" dirty="0"/>
           </a:p>
         </p:txBody>
       </p:sp>
@@ -8179,12 +8452,494 @@
             <p:ph idx="1"/>
           </p:nvPr>
         </p:nvSpPr>
-        <p:spPr/>
-        <p:txBody>
-          <a:bodyPr/>
-          <a:lstStyle/>
-          <a:p>
-            <a:endParaRPr lang="it-IT" dirty="0"/>
+        <p:spPr>
+          <a:xfrm>
+            <a:off x="837372" y="1611175"/>
+            <a:ext cx="7886700" cy="4351338"/>
+          </a:xfrm>
+        </p:spPr>
+        <p:txBody>
+          <a:bodyPr/>
+          <a:lstStyle/>
+          <a:p>
+            <a:pPr marL="0" indent="0">
+              <a:buNone/>
+            </a:pPr>
+            <a:r>
+              <a:rPr lang="it-IT" b="1" dirty="0">
+                <a:latin typeface="+mj-lt"/>
+              </a:rPr>
+              <a:t>TASK A:</a:t>
+            </a:r>
+          </a:p>
+          <a:p>
+            <a:r>
+              <a:rPr lang="it-IT" b="1" dirty="0" err="1">
+                <a:latin typeface="+mj-lt"/>
+              </a:rPr>
+              <a:t>Classification</a:t>
+            </a:r>
+            <a:r>
+              <a:rPr lang="it-IT" b="1" dirty="0">
+                <a:latin typeface="+mj-lt"/>
+              </a:rPr>
+              <a:t> of high </a:t>
+            </a:r>
+            <a:r>
+              <a:rPr lang="it-IT" b="1" dirty="0" err="1">
+                <a:latin typeface="+mj-lt"/>
+              </a:rPr>
+              <a:t>level</a:t>
+            </a:r>
+            <a:r>
+              <a:rPr lang="it-IT" b="1" dirty="0">
+                <a:latin typeface="+mj-lt"/>
+              </a:rPr>
+              <a:t> </a:t>
+            </a:r>
+            <a:r>
+              <a:rPr lang="it-IT" b="1" dirty="0" err="1">
+                <a:latin typeface="+mj-lt"/>
+              </a:rPr>
+              <a:t>gestures</a:t>
+            </a:r>
+            <a:r>
+              <a:rPr lang="it-IT" b="1" dirty="0">
+                <a:latin typeface="+mj-lt"/>
+              </a:rPr>
+              <a:t> / </a:t>
+            </a:r>
+            <a:r>
+              <a:rPr lang="it-IT" b="1" dirty="0" err="1">
+                <a:latin typeface="+mj-lt"/>
+              </a:rPr>
+              <a:t>modes</a:t>
+            </a:r>
+            <a:r>
+              <a:rPr lang="it-IT" b="1" dirty="0">
+                <a:latin typeface="+mj-lt"/>
+              </a:rPr>
+              <a:t> of </a:t>
+            </a:r>
+            <a:r>
+              <a:rPr lang="it-IT" b="1" dirty="0" err="1">
+                <a:latin typeface="+mj-lt"/>
+              </a:rPr>
+              <a:t>locomotion</a:t>
+            </a:r>
+            <a:endParaRPr lang="it-IT" b="1" dirty="0">
+              <a:latin typeface="+mj-lt"/>
+            </a:endParaRPr>
+          </a:p>
+          <a:p>
+            <a:pPr marL="0" indent="0">
+              <a:buNone/>
+            </a:pPr>
+            <a:r>
+              <a:rPr lang="it-IT" sz="2400" b="1" i="1" dirty="0">
+                <a:latin typeface="+mj-lt"/>
+              </a:rPr>
+              <a:t>Standing, </a:t>
+            </a:r>
+            <a:r>
+              <a:rPr lang="it-IT" sz="2400" b="1" i="1" dirty="0" err="1">
+                <a:latin typeface="+mj-lt"/>
+              </a:rPr>
+              <a:t>Walking</a:t>
+            </a:r>
+            <a:r>
+              <a:rPr lang="it-IT" sz="2400" b="1" i="1" dirty="0">
+                <a:latin typeface="+mj-lt"/>
+              </a:rPr>
+              <a:t>, </a:t>
+            </a:r>
+            <a:r>
+              <a:rPr lang="it-IT" sz="2400" b="1" i="1" dirty="0" err="1">
+                <a:latin typeface="+mj-lt"/>
+              </a:rPr>
+              <a:t>Lying</a:t>
+            </a:r>
+            <a:r>
+              <a:rPr lang="it-IT" sz="2400" b="1" i="1" dirty="0">
+                <a:latin typeface="+mj-lt"/>
+              </a:rPr>
+              <a:t>, </a:t>
+            </a:r>
+            <a:r>
+              <a:rPr lang="it-IT" sz="2400" b="1" i="1" dirty="0" err="1">
+                <a:latin typeface="+mj-lt"/>
+              </a:rPr>
+              <a:t>Sitting</a:t>
+            </a:r>
+            <a:endParaRPr lang="it-IT" sz="2400" b="1" i="1" dirty="0">
+              <a:latin typeface="+mj-lt"/>
+            </a:endParaRPr>
+          </a:p>
+          <a:p>
+            <a:pPr marL="0" indent="0">
+              <a:buNone/>
+            </a:pPr>
+            <a:endParaRPr lang="it-IT" sz="2400" b="1" dirty="0">
+              <a:latin typeface="+mj-lt"/>
+            </a:endParaRPr>
+          </a:p>
+          <a:p>
+            <a:pPr marL="0" indent="0">
+              <a:buNone/>
+            </a:pPr>
+            <a:r>
+              <a:rPr lang="it-IT" b="1" dirty="0">
+                <a:latin typeface="+mj-lt"/>
+              </a:rPr>
+              <a:t>TASK B:</a:t>
+            </a:r>
+          </a:p>
+          <a:p>
+            <a:r>
+              <a:rPr lang="it-IT" b="1" dirty="0" err="1">
+                <a:latin typeface="+mj-lt"/>
+              </a:rPr>
+              <a:t>Recognition</a:t>
+            </a:r>
+            <a:r>
+              <a:rPr lang="it-IT" b="1" dirty="0">
+                <a:latin typeface="+mj-lt"/>
+              </a:rPr>
+              <a:t> of </a:t>
+            </a:r>
+            <a:r>
+              <a:rPr lang="it-IT" b="1" dirty="0" err="1">
+                <a:latin typeface="+mj-lt"/>
+              </a:rPr>
+              <a:t>low</a:t>
+            </a:r>
+            <a:r>
+              <a:rPr lang="it-IT" b="1" dirty="0">
+                <a:latin typeface="+mj-lt"/>
+              </a:rPr>
+              <a:t> </a:t>
+            </a:r>
+            <a:r>
+              <a:rPr lang="it-IT" b="1" dirty="0" err="1">
+                <a:latin typeface="+mj-lt"/>
+              </a:rPr>
+              <a:t>level</a:t>
+            </a:r>
+            <a:r>
+              <a:rPr lang="it-IT" b="1" dirty="0">
+                <a:latin typeface="+mj-lt"/>
+              </a:rPr>
+              <a:t> </a:t>
+            </a:r>
+            <a:r>
+              <a:rPr lang="it-IT" b="1" dirty="0" err="1">
+                <a:latin typeface="+mj-lt"/>
+              </a:rPr>
+              <a:t>gestures</a:t>
+            </a:r>
+            <a:r>
+              <a:rPr lang="it-IT" b="1" dirty="0">
+                <a:latin typeface="+mj-lt"/>
+              </a:rPr>
+              <a:t> </a:t>
+            </a:r>
+            <a:r>
+              <a:rPr lang="it-IT" sz="1800" b="1" dirty="0">
+                <a:latin typeface="+mj-lt"/>
+              </a:rPr>
+              <a:t>(17 in </a:t>
+            </a:r>
+            <a:r>
+              <a:rPr lang="it-IT" sz="1800" b="1" dirty="0" err="1">
+                <a:latin typeface="+mj-lt"/>
+              </a:rPr>
+              <a:t>total</a:t>
+            </a:r>
+            <a:r>
+              <a:rPr lang="it-IT" sz="1800" b="1" dirty="0">
+                <a:latin typeface="+mj-lt"/>
+              </a:rPr>
+              <a:t>)</a:t>
+            </a:r>
+          </a:p>
+          <a:p>
+            <a:pPr marL="0" indent="0">
+              <a:buNone/>
+            </a:pPr>
+            <a:r>
+              <a:rPr lang="it-IT" sz="2400" b="1" i="1" dirty="0">
+                <a:latin typeface="+mj-lt"/>
+              </a:rPr>
+              <a:t>Open </a:t>
+            </a:r>
+            <a:r>
+              <a:rPr lang="it-IT" sz="2400" b="1" i="1" dirty="0" err="1">
+                <a:latin typeface="+mj-lt"/>
+              </a:rPr>
+              <a:t>Dishwasher</a:t>
+            </a:r>
+            <a:r>
+              <a:rPr lang="it-IT" sz="2400" b="1" i="1" dirty="0">
+                <a:latin typeface="+mj-lt"/>
+              </a:rPr>
+              <a:t>, Close </a:t>
+            </a:r>
+            <a:r>
+              <a:rPr lang="it-IT" sz="2400" b="1" i="1" dirty="0" err="1">
+                <a:latin typeface="+mj-lt"/>
+              </a:rPr>
+              <a:t>Dishwasher</a:t>
+            </a:r>
+            <a:r>
+              <a:rPr lang="it-IT" sz="2400" b="1" i="1" dirty="0">
+                <a:latin typeface="+mj-lt"/>
+              </a:rPr>
+              <a:t>, Open </a:t>
+            </a:r>
+            <a:r>
+              <a:rPr lang="it-IT" sz="2400" b="1" i="1" dirty="0" err="1">
+                <a:latin typeface="+mj-lt"/>
+              </a:rPr>
+              <a:t>Fridge</a:t>
+            </a:r>
+            <a:r>
+              <a:rPr lang="it-IT" sz="2400" b="1" i="1" dirty="0">
+                <a:latin typeface="+mj-lt"/>
+              </a:rPr>
+              <a:t>, Close </a:t>
+            </a:r>
+            <a:r>
+              <a:rPr lang="it-IT" sz="2400" b="1" i="1" dirty="0" err="1">
+                <a:latin typeface="+mj-lt"/>
+              </a:rPr>
+              <a:t>Fridge</a:t>
+            </a:r>
+            <a:r>
+              <a:rPr lang="it-IT" sz="2400" b="1" i="1" dirty="0">
+                <a:latin typeface="+mj-lt"/>
+              </a:rPr>
+              <a:t>,</a:t>
+            </a:r>
+          </a:p>
+          <a:p>
+            <a:pPr marL="0" indent="0">
+              <a:buNone/>
+            </a:pPr>
+            <a:r>
+              <a:rPr lang="it-IT" sz="2400" b="1" i="1" dirty="0">
+                <a:latin typeface="+mj-lt"/>
+              </a:rPr>
+              <a:t>Open </a:t>
+            </a:r>
+            <a:r>
+              <a:rPr lang="it-IT" sz="2400" b="1" i="1" dirty="0" err="1">
+                <a:latin typeface="+mj-lt"/>
+              </a:rPr>
+              <a:t>Drawer</a:t>
+            </a:r>
+            <a:r>
+              <a:rPr lang="it-IT" sz="2400" b="1" i="1" dirty="0">
+                <a:latin typeface="+mj-lt"/>
+              </a:rPr>
+              <a:t> 1, Close </a:t>
+            </a:r>
+            <a:r>
+              <a:rPr lang="it-IT" sz="2400" b="1" i="1" dirty="0" err="1">
+                <a:latin typeface="+mj-lt"/>
+              </a:rPr>
+              <a:t>Drawer</a:t>
+            </a:r>
+            <a:r>
+              <a:rPr lang="it-IT" sz="2400" b="1" i="1" dirty="0">
+                <a:latin typeface="+mj-lt"/>
+              </a:rPr>
+              <a:t> 1, Open Door 1, Close Door 1, …</a:t>
+            </a:r>
+          </a:p>
+          <a:p>
+            <a:endParaRPr lang="it-IT" b="1" dirty="0">
+              <a:latin typeface="+mj-lt"/>
+            </a:endParaRPr>
+          </a:p>
+        </p:txBody>
+      </p:sp>
+      <p:sp>
+        <p:nvSpPr>
+          <p:cNvPr id="4" name="CasellaDiTesto 3"/>
+          <p:cNvSpPr txBox="1"/>
+          <p:nvPr/>
+        </p:nvSpPr>
+        <p:spPr>
+          <a:xfrm>
+            <a:off x="728041" y="6033052"/>
+            <a:ext cx="6358600" cy="646331"/>
+          </a:xfrm>
+          <a:prstGeom prst="rect">
+            <a:avLst/>
+          </a:prstGeom>
+          <a:noFill/>
+        </p:spPr>
+        <p:txBody>
+          <a:bodyPr wrap="none" rtlCol="0">
+            <a:spAutoFit/>
+          </a:bodyPr>
+          <a:lstStyle/>
+          <a:p>
+            <a:r>
+              <a:rPr lang="it-IT" dirty="0" err="1">
+                <a:latin typeface="+mj-lt"/>
+              </a:rPr>
+              <a:t>Both</a:t>
+            </a:r>
+            <a:r>
+              <a:rPr lang="it-IT" dirty="0">
+                <a:latin typeface="+mj-lt"/>
+              </a:rPr>
+              <a:t> </a:t>
+            </a:r>
+            <a:r>
+              <a:rPr lang="it-IT" dirty="0" err="1">
+                <a:latin typeface="+mj-lt"/>
+              </a:rPr>
+              <a:t>tasks</a:t>
+            </a:r>
+            <a:r>
+              <a:rPr lang="it-IT" dirty="0">
+                <a:latin typeface="+mj-lt"/>
+              </a:rPr>
+              <a:t> </a:t>
+            </a:r>
+            <a:r>
+              <a:rPr lang="it-IT" dirty="0" err="1">
+                <a:latin typeface="+mj-lt"/>
+              </a:rPr>
+              <a:t>comprehend</a:t>
+            </a:r>
+            <a:r>
+              <a:rPr lang="it-IT" dirty="0">
+                <a:latin typeface="+mj-lt"/>
+              </a:rPr>
+              <a:t> the </a:t>
+            </a:r>
+            <a:r>
+              <a:rPr lang="it-IT" i="1" dirty="0" err="1">
+                <a:latin typeface="+mj-lt"/>
+              </a:rPr>
+              <a:t>Null</a:t>
+            </a:r>
+            <a:r>
+              <a:rPr lang="it-IT" i="1" dirty="0">
+                <a:latin typeface="+mj-lt"/>
+              </a:rPr>
+              <a:t> Class</a:t>
+            </a:r>
+            <a:r>
+              <a:rPr lang="it-IT" dirty="0">
+                <a:latin typeface="+mj-lt"/>
+              </a:rPr>
+              <a:t>, </a:t>
+            </a:r>
+            <a:r>
+              <a:rPr lang="it-IT" dirty="0" err="1">
+                <a:latin typeface="+mj-lt"/>
+              </a:rPr>
+              <a:t>which</a:t>
+            </a:r>
+            <a:r>
+              <a:rPr lang="it-IT" dirty="0">
+                <a:latin typeface="+mj-lt"/>
+              </a:rPr>
+              <a:t> </a:t>
+            </a:r>
+            <a:r>
+              <a:rPr lang="it-IT" dirty="0" err="1">
+                <a:latin typeface="+mj-lt"/>
+              </a:rPr>
+              <a:t>represents</a:t>
+            </a:r>
+            <a:r>
+              <a:rPr lang="it-IT" dirty="0">
+                <a:latin typeface="+mj-lt"/>
+              </a:rPr>
+              <a:t> </a:t>
+            </a:r>
+            <a:r>
+              <a:rPr lang="it-IT" dirty="0" err="1">
+                <a:latin typeface="+mj-lt"/>
+              </a:rPr>
+              <a:t>inactivity</a:t>
+            </a:r>
+            <a:r>
+              <a:rPr lang="it-IT" dirty="0">
+                <a:latin typeface="+mj-lt"/>
+              </a:rPr>
+              <a:t>. </a:t>
+            </a:r>
+          </a:p>
+          <a:p>
+            <a:r>
+              <a:rPr lang="it-IT" dirty="0">
+                <a:latin typeface="+mj-lt"/>
+              </a:rPr>
+              <a:t>A more </a:t>
+            </a:r>
+            <a:r>
+              <a:rPr lang="it-IT" dirty="0" err="1">
+                <a:latin typeface="+mj-lt"/>
+              </a:rPr>
+              <a:t>detailed</a:t>
+            </a:r>
+            <a:r>
+              <a:rPr lang="it-IT" dirty="0">
+                <a:latin typeface="+mj-lt"/>
+              </a:rPr>
+              <a:t> </a:t>
+            </a:r>
+            <a:r>
+              <a:rPr lang="it-IT" dirty="0" err="1">
+                <a:latin typeface="+mj-lt"/>
+              </a:rPr>
+              <a:t>discussion</a:t>
+            </a:r>
+            <a:r>
+              <a:rPr lang="it-IT" dirty="0">
+                <a:latin typeface="+mj-lt"/>
+              </a:rPr>
+              <a:t> on </a:t>
+            </a:r>
+            <a:r>
+              <a:rPr lang="it-IT" dirty="0" err="1">
+                <a:latin typeface="+mj-lt"/>
+              </a:rPr>
+              <a:t>this</a:t>
+            </a:r>
+            <a:r>
+              <a:rPr lang="it-IT" dirty="0">
+                <a:latin typeface="+mj-lt"/>
+              </a:rPr>
+              <a:t> in a </a:t>
+            </a:r>
+            <a:r>
+              <a:rPr lang="it-IT" dirty="0" err="1">
+                <a:latin typeface="+mj-lt"/>
+              </a:rPr>
+              <a:t>couple</a:t>
+            </a:r>
+            <a:r>
+              <a:rPr lang="it-IT" dirty="0">
+                <a:latin typeface="+mj-lt"/>
+              </a:rPr>
+              <a:t> of </a:t>
+            </a:r>
+            <a:r>
+              <a:rPr lang="it-IT" dirty="0" err="1">
+                <a:latin typeface="+mj-lt"/>
+              </a:rPr>
+              <a:t>slides</a:t>
+            </a:r>
+            <a:endParaRPr lang="it-IT" dirty="0">
+              <a:latin typeface="+mj-lt"/>
+            </a:endParaRPr>
           </a:p>
         </p:txBody>
       </p:sp>
@@ -8220,6 +8975,77 @@
       </p:grpSpPr>
       <p:sp>
         <p:nvSpPr>
+          <p:cNvPr id="2" name="Titolo 1"/>
+          <p:cNvSpPr>
+            <a:spLocks noGrp="1"/>
+          </p:cNvSpPr>
+          <p:nvPr>
+            <p:ph type="title"/>
+          </p:nvPr>
+        </p:nvSpPr>
+        <p:spPr/>
+        <p:txBody>
+          <a:bodyPr/>
+          <a:lstStyle/>
+          <a:p>
+            <a:r>
+              <a:rPr lang="it-IT" dirty="0"/>
+              <a:t>State of the Art </a:t>
+            </a:r>
+          </a:p>
+        </p:txBody>
+      </p:sp>
+      <p:sp>
+        <p:nvSpPr>
+          <p:cNvPr id="3" name="Segnaposto contenuto 2"/>
+          <p:cNvSpPr>
+            <a:spLocks noGrp="1"/>
+          </p:cNvSpPr>
+          <p:nvPr>
+            <p:ph idx="1"/>
+          </p:nvPr>
+        </p:nvSpPr>
+        <p:spPr/>
+        <p:txBody>
+          <a:bodyPr/>
+          <a:lstStyle/>
+          <a:p>
+            <a:endParaRPr lang="it-IT" dirty="0"/>
+          </a:p>
+        </p:txBody>
+      </p:sp>
+    </p:spTree>
+    <p:extLst>
+      <p:ext uri="{BB962C8B-B14F-4D97-AF65-F5344CB8AC3E}">
+        <p14:creationId xmlns:p14="http://schemas.microsoft.com/office/powerpoint/2010/main" val="2280814564"/>
+      </p:ext>
+    </p:extLst>
+  </p:cSld>
+  <p:clrMapOvr>
+    <a:masterClrMapping/>
+  </p:clrMapOvr>
+</p:sld>
+</file>
+
+<file path=ppt/slides/slide8.xml><?xml version="1.0" encoding="utf-8"?>
+<p:sld xmlns:a="http://schemas.openxmlformats.org/drawingml/2006/main" xmlns:r="http://schemas.openxmlformats.org/officeDocument/2006/relationships" xmlns:p="http://schemas.openxmlformats.org/presentationml/2006/main">
+  <p:cSld>
+    <p:spTree>
+      <p:nvGrpSpPr>
+        <p:cNvPr id="1" name=""/>
+        <p:cNvGrpSpPr/>
+        <p:nvPr/>
+      </p:nvGrpSpPr>
+      <p:grpSpPr>
+        <a:xfrm>
+          <a:off x="0" y="0"/>
+          <a:ext cx="0" cy="0"/>
+          <a:chOff x="0" y="0"/>
+          <a:chExt cx="0" cy="0"/>
+        </a:xfrm>
+      </p:grpSpPr>
+      <p:sp>
+        <p:nvSpPr>
           <p:cNvPr id="10" name="Titolo 9"/>
           <p:cNvSpPr>
             <a:spLocks noGrp="1"/>
@@ -8344,7 +9170,7 @@
 </p:sld>
 </file>
 
-<file path=ppt/slides/slide8.xml><?xml version="1.0" encoding="utf-8"?>
+<file path=ppt/slides/slide9.xml><?xml version="1.0" encoding="utf-8"?>
 <p:sld xmlns:a="http://schemas.openxmlformats.org/drawingml/2006/main" xmlns:r="http://schemas.openxmlformats.org/officeDocument/2006/relationships" xmlns:p="http://schemas.openxmlformats.org/presentationml/2006/main">
   <p:cSld>
     <p:bg>
@@ -8405,7 +9231,6 @@
                     </a:srgbClr>
                   </a:outerShdw>
                 </a:effectLst>
-                <a:latin typeface="+mn-lt"/>
                 <a:ea typeface="Fira Sans" charset="0"/>
                 <a:cs typeface="Fira Sans" charset="0"/>
               </a:rPr>
@@ -8690,7 +9515,7 @@
     </p:spTree>
     <p:extLst>
       <p:ext uri="{BB962C8B-B14F-4D97-AF65-F5344CB8AC3E}">
-        <p14:creationId xmlns:p14="http://schemas.microsoft.com/office/powerpoint/2010/main" val="2348398944"/>
+        <p14:creationId xmlns:p14="http://schemas.microsoft.com/office/powerpoint/2010/main" val="940851349"/>
       </p:ext>
     </p:extLst>
   </p:cSld>

--- a/presentation/HDA 2018.pptx
+++ b/presentation/HDA 2018.pptx
@@ -8474,60 +8474,60 @@
           </a:p>
           <a:p>
             <a:r>
-              <a:rPr lang="it-IT" b="1" dirty="0" err="1">
+              <a:rPr lang="it-IT" dirty="0" err="1">
                 <a:latin typeface="+mj-lt"/>
               </a:rPr>
               <a:t>Classification</a:t>
             </a:r>
             <a:r>
-              <a:rPr lang="it-IT" b="1" dirty="0">
+              <a:rPr lang="it-IT" dirty="0">
                 <a:latin typeface="+mj-lt"/>
               </a:rPr>
               <a:t> of high </a:t>
             </a:r>
             <a:r>
-              <a:rPr lang="it-IT" b="1" dirty="0" err="1">
+              <a:rPr lang="it-IT" dirty="0" err="1">
                 <a:latin typeface="+mj-lt"/>
               </a:rPr>
               <a:t>level</a:t>
             </a:r>
             <a:r>
-              <a:rPr lang="it-IT" b="1" dirty="0">
+              <a:rPr lang="it-IT" dirty="0">
                 <a:latin typeface="+mj-lt"/>
               </a:rPr>
               <a:t> </a:t>
             </a:r>
             <a:r>
-              <a:rPr lang="it-IT" b="1" dirty="0" err="1">
+              <a:rPr lang="it-IT" dirty="0" err="1">
                 <a:latin typeface="+mj-lt"/>
               </a:rPr>
               <a:t>gestures</a:t>
             </a:r>
             <a:r>
-              <a:rPr lang="it-IT" b="1" dirty="0">
+              <a:rPr lang="it-IT" dirty="0">
                 <a:latin typeface="+mj-lt"/>
               </a:rPr>
               <a:t> / </a:t>
             </a:r>
             <a:r>
-              <a:rPr lang="it-IT" b="1" dirty="0" err="1">
+              <a:rPr lang="it-IT" dirty="0" err="1">
                 <a:latin typeface="+mj-lt"/>
               </a:rPr>
               <a:t>modes</a:t>
             </a:r>
             <a:r>
-              <a:rPr lang="it-IT" b="1" dirty="0">
+              <a:rPr lang="it-IT" dirty="0">
                 <a:latin typeface="+mj-lt"/>
               </a:rPr>
               <a:t> of </a:t>
             </a:r>
             <a:r>
-              <a:rPr lang="it-IT" b="1" dirty="0" err="1">
+              <a:rPr lang="it-IT" dirty="0" err="1">
                 <a:latin typeface="+mj-lt"/>
               </a:rPr>
               <a:t>locomotion</a:t>
             </a:r>
-            <a:endParaRPr lang="it-IT" b="1" dirty="0">
+            <a:endParaRPr lang="it-IT" dirty="0">
               <a:latin typeface="+mj-lt"/>
             </a:endParaRPr>
           </a:p>
@@ -8536,42 +8536,42 @@
               <a:buNone/>
             </a:pPr>
             <a:r>
-              <a:rPr lang="it-IT" sz="2400" b="1" i="1" dirty="0">
+              <a:rPr lang="it-IT" sz="2400" i="1" dirty="0">
                 <a:latin typeface="+mj-lt"/>
               </a:rPr>
               <a:t>Standing, </a:t>
             </a:r>
             <a:r>
-              <a:rPr lang="it-IT" sz="2400" b="1" i="1" dirty="0" err="1">
+              <a:rPr lang="it-IT" sz="2400" i="1" dirty="0" err="1">
                 <a:latin typeface="+mj-lt"/>
               </a:rPr>
               <a:t>Walking</a:t>
             </a:r>
             <a:r>
-              <a:rPr lang="it-IT" sz="2400" b="1" i="1" dirty="0">
+              <a:rPr lang="it-IT" sz="2400" i="1" dirty="0">
                 <a:latin typeface="+mj-lt"/>
               </a:rPr>
               <a:t>, </a:t>
             </a:r>
             <a:r>
-              <a:rPr lang="it-IT" sz="2400" b="1" i="1" dirty="0" err="1">
+              <a:rPr lang="it-IT" sz="2400" i="1" dirty="0" err="1">
                 <a:latin typeface="+mj-lt"/>
               </a:rPr>
               <a:t>Lying</a:t>
             </a:r>
             <a:r>
-              <a:rPr lang="it-IT" sz="2400" b="1" i="1" dirty="0">
+              <a:rPr lang="it-IT" sz="2400" i="1" dirty="0">
                 <a:latin typeface="+mj-lt"/>
               </a:rPr>
               <a:t>, </a:t>
             </a:r>
             <a:r>
-              <a:rPr lang="it-IT" sz="2400" b="1" i="1" dirty="0" err="1">
+              <a:rPr lang="it-IT" sz="2400" i="1" dirty="0" err="1">
                 <a:latin typeface="+mj-lt"/>
               </a:rPr>
               <a:t>Sitting</a:t>
             </a:r>
-            <a:endParaRPr lang="it-IT" sz="2400" b="1" i="1" dirty="0">
+            <a:endParaRPr lang="it-IT" sz="2400" i="1" dirty="0">
               <a:latin typeface="+mj-lt"/>
             </a:endParaRPr>
           </a:p>
@@ -8596,67 +8596,67 @@
           </a:p>
           <a:p>
             <a:r>
-              <a:rPr lang="it-IT" b="1" dirty="0" err="1">
+              <a:rPr lang="it-IT" dirty="0" err="1">
                 <a:latin typeface="+mj-lt"/>
               </a:rPr>
               <a:t>Recognition</a:t>
             </a:r>
             <a:r>
-              <a:rPr lang="it-IT" b="1" dirty="0">
+              <a:rPr lang="it-IT" dirty="0">
                 <a:latin typeface="+mj-lt"/>
               </a:rPr>
               <a:t> of </a:t>
             </a:r>
             <a:r>
-              <a:rPr lang="it-IT" b="1" dirty="0" err="1">
+              <a:rPr lang="it-IT" dirty="0" err="1">
                 <a:latin typeface="+mj-lt"/>
               </a:rPr>
               <a:t>low</a:t>
             </a:r>
             <a:r>
-              <a:rPr lang="it-IT" b="1" dirty="0">
+              <a:rPr lang="it-IT" dirty="0">
                 <a:latin typeface="+mj-lt"/>
               </a:rPr>
               <a:t> </a:t>
             </a:r>
             <a:r>
-              <a:rPr lang="it-IT" b="1" dirty="0" err="1">
+              <a:rPr lang="it-IT" dirty="0" err="1">
                 <a:latin typeface="+mj-lt"/>
               </a:rPr>
               <a:t>level</a:t>
             </a:r>
             <a:r>
-              <a:rPr lang="it-IT" b="1" dirty="0">
+              <a:rPr lang="it-IT" dirty="0">
                 <a:latin typeface="+mj-lt"/>
               </a:rPr>
               <a:t> </a:t>
             </a:r>
             <a:r>
-              <a:rPr lang="it-IT" b="1" dirty="0" err="1">
+              <a:rPr lang="it-IT" dirty="0" err="1">
                 <a:latin typeface="+mj-lt"/>
               </a:rPr>
               <a:t>gestures</a:t>
             </a:r>
             <a:r>
-              <a:rPr lang="it-IT" b="1" dirty="0">
+              <a:rPr lang="it-IT" dirty="0">
                 <a:latin typeface="+mj-lt"/>
               </a:rPr>
               <a:t> </a:t>
             </a:r>
             <a:r>
-              <a:rPr lang="it-IT" sz="1800" b="1" dirty="0">
+              <a:rPr lang="it-IT" sz="1800" dirty="0">
                 <a:latin typeface="+mj-lt"/>
               </a:rPr>
               <a:t>(17 in </a:t>
             </a:r>
             <a:r>
-              <a:rPr lang="it-IT" sz="1800" b="1" dirty="0" err="1">
+              <a:rPr lang="it-IT" sz="1800" dirty="0" err="1">
                 <a:latin typeface="+mj-lt"/>
               </a:rPr>
               <a:t>total</a:t>
             </a:r>
             <a:r>
-              <a:rPr lang="it-IT" sz="1800" b="1" dirty="0">
+              <a:rPr lang="it-IT" sz="1800" dirty="0">
                 <a:latin typeface="+mj-lt"/>
               </a:rPr>
               <a:t>)</a:t>
@@ -8667,55 +8667,55 @@
               <a:buNone/>
             </a:pPr>
             <a:r>
-              <a:rPr lang="it-IT" sz="2400" b="1" i="1" dirty="0">
+              <a:rPr lang="it-IT" sz="2400" i="1" dirty="0">
                 <a:latin typeface="+mj-lt"/>
               </a:rPr>
               <a:t>Open </a:t>
             </a:r>
             <a:r>
-              <a:rPr lang="it-IT" sz="2400" b="1" i="1" dirty="0" err="1">
+              <a:rPr lang="it-IT" sz="2400" i="1" dirty="0" err="1">
                 <a:latin typeface="+mj-lt"/>
               </a:rPr>
               <a:t>Dishwasher</a:t>
             </a:r>
             <a:r>
-              <a:rPr lang="it-IT" sz="2400" b="1" i="1" dirty="0">
+              <a:rPr lang="it-IT" sz="2400" i="1" dirty="0">
                 <a:latin typeface="+mj-lt"/>
               </a:rPr>
               <a:t>, Close </a:t>
             </a:r>
             <a:r>
-              <a:rPr lang="it-IT" sz="2400" b="1" i="1" dirty="0" err="1">
+              <a:rPr lang="it-IT" sz="2400" i="1" dirty="0" err="1">
                 <a:latin typeface="+mj-lt"/>
               </a:rPr>
               <a:t>Dishwasher</a:t>
             </a:r>
             <a:r>
-              <a:rPr lang="it-IT" sz="2400" b="1" i="1" dirty="0">
+              <a:rPr lang="it-IT" sz="2400" i="1" dirty="0">
                 <a:latin typeface="+mj-lt"/>
               </a:rPr>
               <a:t>, Open </a:t>
             </a:r>
             <a:r>
-              <a:rPr lang="it-IT" sz="2400" b="1" i="1" dirty="0" err="1">
+              <a:rPr lang="it-IT" sz="2400" i="1" dirty="0" err="1">
                 <a:latin typeface="+mj-lt"/>
               </a:rPr>
               <a:t>Fridge</a:t>
             </a:r>
             <a:r>
-              <a:rPr lang="it-IT" sz="2400" b="1" i="1" dirty="0">
+              <a:rPr lang="it-IT" sz="2400" i="1" dirty="0">
                 <a:latin typeface="+mj-lt"/>
               </a:rPr>
               <a:t>, Close </a:t>
             </a:r>
             <a:r>
-              <a:rPr lang="it-IT" sz="2400" b="1" i="1" dirty="0" err="1">
+              <a:rPr lang="it-IT" sz="2400" i="1" dirty="0" err="1">
                 <a:latin typeface="+mj-lt"/>
               </a:rPr>
               <a:t>Fridge</a:t>
             </a:r>
             <a:r>
-              <a:rPr lang="it-IT" sz="2400" b="1" i="1" dirty="0">
+              <a:rPr lang="it-IT" sz="2400" i="1" dirty="0">
                 <a:latin typeface="+mj-lt"/>
               </a:rPr>
               <a:t>,</a:t>
@@ -8726,31 +8726,31 @@
               <a:buNone/>
             </a:pPr>
             <a:r>
-              <a:rPr lang="it-IT" sz="2400" b="1" i="1" dirty="0">
+              <a:rPr lang="it-IT" sz="2400" i="1" dirty="0">
                 <a:latin typeface="+mj-lt"/>
               </a:rPr>
               <a:t>Open </a:t>
             </a:r>
             <a:r>
-              <a:rPr lang="it-IT" sz="2400" b="1" i="1" dirty="0" err="1">
+              <a:rPr lang="it-IT" sz="2400" i="1" dirty="0" err="1">
                 <a:latin typeface="+mj-lt"/>
               </a:rPr>
               <a:t>Drawer</a:t>
             </a:r>
             <a:r>
-              <a:rPr lang="it-IT" sz="2400" b="1" i="1" dirty="0">
+              <a:rPr lang="it-IT" sz="2400" i="1" dirty="0">
                 <a:latin typeface="+mj-lt"/>
               </a:rPr>
               <a:t> 1, Close </a:t>
             </a:r>
             <a:r>
-              <a:rPr lang="it-IT" sz="2400" b="1" i="1" dirty="0" err="1">
+              <a:rPr lang="it-IT" sz="2400" i="1" dirty="0" err="1">
                 <a:latin typeface="+mj-lt"/>
               </a:rPr>
               <a:t>Drawer</a:t>
             </a:r>
             <a:r>
-              <a:rPr lang="it-IT" sz="2400" b="1" i="1" dirty="0">
+              <a:rPr lang="it-IT" sz="2400" i="1" dirty="0">
                 <a:latin typeface="+mj-lt"/>
               </a:rPr>
               <a:t> 1, Open Door 1, Close Door 1, …</a:t>

--- a/presentation/HDA 2018.pptx
+++ b/presentation/HDA 2018.pptx
@@ -6,7 +6,7 @@
     <p:sldMasterId id="2147483688" r:id="rId2"/>
   </p:sldMasterIdLst>
   <p:notesMasterIdLst>
-    <p:notesMasterId r:id="rId12"/>
+    <p:notesMasterId r:id="rId14"/>
   </p:notesMasterIdLst>
   <p:sldIdLst>
     <p:sldId id="285" r:id="rId3"/>
@@ -16,8 +16,10 @@
     <p:sldId id="404" r:id="rId7"/>
     <p:sldId id="405" r:id="rId8"/>
     <p:sldId id="407" r:id="rId9"/>
-    <p:sldId id="383" r:id="rId10"/>
-    <p:sldId id="406" r:id="rId11"/>
+    <p:sldId id="408" r:id="rId10"/>
+    <p:sldId id="409" r:id="rId11"/>
+    <p:sldId id="383" r:id="rId12"/>
+    <p:sldId id="406" r:id="rId13"/>
   </p:sldIdLst>
   <p:sldSz cx="9144000" cy="6858000" type="screen4x3"/>
   <p:notesSz cx="6858000" cy="9144000"/>
@@ -235,7 +237,7 @@
           <a:p>
             <a:fld id="{00472BE3-30AD-44B6-9AE4-B99D5977AD3D}" type="datetimeFigureOut">
               <a:rPr lang="it-IT" smtClean="0"/>
-              <a:t>03/09/2018</a:t>
+              <a:t>04/09/2018</a:t>
             </a:fld>
             <a:endParaRPr lang="it-IT"/>
           </a:p>
@@ -651,7 +653,7 @@
           <a:p>
             <a:fld id="{043C84D1-19FD-4492-8382-9D79A275F182}" type="slidenum">
               <a:rPr lang="it-IT" smtClean="0"/>
-              <a:t>9</a:t>
+              <a:t>11</a:t>
             </a:fld>
             <a:endParaRPr lang="it-IT"/>
           </a:p>
@@ -1425,7 +1427,7 @@
           <a:p>
             <a:fld id="{71D578BD-D5EC-4F5E-BAA0-C9A897EEFD5B}" type="datetimeFigureOut">
               <a:rPr lang="it-IT" smtClean="0"/>
-              <a:t>03/09/2018</a:t>
+              <a:t>04/09/2018</a:t>
             </a:fld>
             <a:endParaRPr lang="it-IT"/>
           </a:p>
@@ -1593,7 +1595,7 @@
           <a:p>
             <a:fld id="{71D578BD-D5EC-4F5E-BAA0-C9A897EEFD5B}" type="datetimeFigureOut">
               <a:rPr lang="it-IT" smtClean="0"/>
-              <a:t>03/09/2018</a:t>
+              <a:t>04/09/2018</a:t>
             </a:fld>
             <a:endParaRPr lang="it-IT"/>
           </a:p>
@@ -1838,7 +1840,7 @@
           <a:p>
             <a:fld id="{71D578BD-D5EC-4F5E-BAA0-C9A897EEFD5B}" type="datetimeFigureOut">
               <a:rPr lang="it-IT" smtClean="0"/>
-              <a:t>03/09/2018</a:t>
+              <a:t>04/09/2018</a:t>
             </a:fld>
             <a:endParaRPr lang="it-IT"/>
           </a:p>
@@ -2067,7 +2069,7 @@
           <a:p>
             <a:fld id="{71D578BD-D5EC-4F5E-BAA0-C9A897EEFD5B}" type="datetimeFigureOut">
               <a:rPr lang="it-IT" smtClean="0"/>
-              <a:t>03/09/2018</a:t>
+              <a:t>04/09/2018</a:t>
             </a:fld>
             <a:endParaRPr lang="it-IT"/>
           </a:p>
@@ -2431,7 +2433,7 @@
           <a:p>
             <a:fld id="{71D578BD-D5EC-4F5E-BAA0-C9A897EEFD5B}" type="datetimeFigureOut">
               <a:rPr lang="it-IT" smtClean="0"/>
-              <a:t>03/09/2018</a:t>
+              <a:t>04/09/2018</a:t>
             </a:fld>
             <a:endParaRPr lang="it-IT"/>
           </a:p>
@@ -2548,7 +2550,7 @@
           <a:p>
             <a:fld id="{71D578BD-D5EC-4F5E-BAA0-C9A897EEFD5B}" type="datetimeFigureOut">
               <a:rPr lang="it-IT" smtClean="0"/>
-              <a:t>03/09/2018</a:t>
+              <a:t>04/09/2018</a:t>
             </a:fld>
             <a:endParaRPr lang="it-IT"/>
           </a:p>
@@ -2643,7 +2645,7 @@
           <a:p>
             <a:fld id="{71D578BD-D5EC-4F5E-BAA0-C9A897EEFD5B}" type="datetimeFigureOut">
               <a:rPr lang="it-IT" smtClean="0"/>
-              <a:t>03/09/2018</a:t>
+              <a:t>04/09/2018</a:t>
             </a:fld>
             <a:endParaRPr lang="it-IT"/>
           </a:p>
@@ -3021,7 +3023,7 @@
           <a:p>
             <a:fld id="{71D578BD-D5EC-4F5E-BAA0-C9A897EEFD5B}" type="datetimeFigureOut">
               <a:rPr lang="it-IT" smtClean="0"/>
-              <a:t>03/09/2018</a:t>
+              <a:t>04/09/2018</a:t>
             </a:fld>
             <a:endParaRPr lang="it-IT"/>
           </a:p>
@@ -3273,7 +3275,7 @@
           <a:p>
             <a:fld id="{71D578BD-D5EC-4F5E-BAA0-C9A897EEFD5B}" type="datetimeFigureOut">
               <a:rPr lang="it-IT" smtClean="0"/>
-              <a:t>03/09/2018</a:t>
+              <a:t>04/09/2018</a:t>
             </a:fld>
             <a:endParaRPr lang="it-IT"/>
           </a:p>
@@ -3441,7 +3443,7 @@
           <a:p>
             <a:fld id="{71D578BD-D5EC-4F5E-BAA0-C9A897EEFD5B}" type="datetimeFigureOut">
               <a:rPr lang="it-IT" smtClean="0"/>
-              <a:t>03/09/2018</a:t>
+              <a:t>04/09/2018</a:t>
             </a:fld>
             <a:endParaRPr lang="it-IT"/>
           </a:p>
@@ -3619,7 +3621,7 @@
           <a:p>
             <a:fld id="{71D578BD-D5EC-4F5E-BAA0-C9A897EEFD5B}" type="datetimeFigureOut">
               <a:rPr lang="it-IT" smtClean="0"/>
-              <a:t>03/09/2018</a:t>
+              <a:t>04/09/2018</a:t>
             </a:fld>
             <a:endParaRPr lang="it-IT"/>
           </a:p>
@@ -6116,7 +6118,7 @@
           <a:p>
             <a:fld id="{71D578BD-D5EC-4F5E-BAA0-C9A897EEFD5B}" type="datetimeFigureOut">
               <a:rPr lang="it-IT" smtClean="0"/>
-              <a:t>03/09/2018</a:t>
+              <a:t>04/09/2018</a:t>
             </a:fld>
             <a:endParaRPr lang="it-IT"/>
           </a:p>
@@ -6859,6 +6861,504 @@
 </p:sld>
 </file>
 
+<file path=ppt/slides/slide10.xml><?xml version="1.0" encoding="utf-8"?>
+<p:sld xmlns:a="http://schemas.openxmlformats.org/drawingml/2006/main" xmlns:r="http://schemas.openxmlformats.org/officeDocument/2006/relationships" xmlns:p="http://schemas.openxmlformats.org/presentationml/2006/main">
+  <p:cSld>
+    <p:spTree>
+      <p:nvGrpSpPr>
+        <p:cNvPr id="1" name=""/>
+        <p:cNvGrpSpPr/>
+        <p:nvPr/>
+      </p:nvGrpSpPr>
+      <p:grpSpPr>
+        <a:xfrm>
+          <a:off x="0" y="0"/>
+          <a:ext cx="0" cy="0"/>
+          <a:chOff x="0" y="0"/>
+          <a:chExt cx="0" cy="0"/>
+        </a:xfrm>
+      </p:grpSpPr>
+      <p:sp>
+        <p:nvSpPr>
+          <p:cNvPr id="10" name="Titolo 9"/>
+          <p:cNvSpPr>
+            <a:spLocks noGrp="1"/>
+          </p:cNvSpPr>
+          <p:nvPr>
+            <p:ph type="title"/>
+          </p:nvPr>
+        </p:nvSpPr>
+        <p:spPr/>
+        <p:txBody>
+          <a:bodyPr/>
+          <a:lstStyle/>
+          <a:p>
+            <a:r>
+              <a:rPr lang="en-US" b="1" dirty="0"/>
+              <a:t>Conclusions</a:t>
+            </a:r>
+          </a:p>
+        </p:txBody>
+      </p:sp>
+      <p:sp>
+        <p:nvSpPr>
+          <p:cNvPr id="11" name="Segnaposto contenuto 10"/>
+          <p:cNvSpPr>
+            <a:spLocks noGrp="1"/>
+          </p:cNvSpPr>
+          <p:nvPr>
+            <p:ph idx="1"/>
+          </p:nvPr>
+        </p:nvSpPr>
+        <p:spPr>
+          <a:xfrm>
+            <a:off x="828654" y="1568415"/>
+            <a:ext cx="8215953" cy="5160376"/>
+          </a:xfrm>
+        </p:spPr>
+        <p:txBody>
+          <a:bodyPr>
+            <a:normAutofit/>
+          </a:bodyPr>
+          <a:lstStyle/>
+          <a:p>
+            <a:pPr>
+              <a:lnSpc>
+                <a:spcPct val="100000"/>
+              </a:lnSpc>
+              <a:buFont typeface="Wingdings" charset="2"/>
+              <a:buChar char="§"/>
+            </a:pPr>
+            <a:r>
+              <a:rPr lang="en-US" sz="2000" dirty="0">
+                <a:latin typeface="+mj-lt"/>
+                <a:ea typeface="Fira Sans Light" charset="0"/>
+                <a:cs typeface="Fira Sans Light" charset="0"/>
+              </a:rPr>
+              <a:t>First step</a:t>
+            </a:r>
+          </a:p>
+          <a:p>
+            <a:pPr>
+              <a:lnSpc>
+                <a:spcPct val="100000"/>
+              </a:lnSpc>
+              <a:buFont typeface="Wingdings" charset="2"/>
+              <a:buChar char="§"/>
+            </a:pPr>
+            <a:r>
+              <a:rPr lang="en-US" sz="2000" dirty="0">
+                <a:latin typeface="+mj-lt"/>
+                <a:ea typeface="Fira Sans Light" charset="0"/>
+                <a:cs typeface="Fira Sans Light" charset="0"/>
+              </a:rPr>
+              <a:t>Second step</a:t>
+            </a:r>
+          </a:p>
+          <a:p>
+            <a:pPr>
+              <a:lnSpc>
+                <a:spcPct val="100000"/>
+              </a:lnSpc>
+              <a:buFont typeface="Wingdings" charset="2"/>
+              <a:buChar char="§"/>
+            </a:pPr>
+            <a:r>
+              <a:rPr lang="en-US" sz="2000" dirty="0">
+                <a:latin typeface="+mj-lt"/>
+                <a:ea typeface="Fira Sans Light" charset="0"/>
+                <a:cs typeface="Fira Sans Light" charset="0"/>
+              </a:rPr>
+              <a:t>Third step</a:t>
+            </a:r>
+          </a:p>
+          <a:p>
+            <a:pPr>
+              <a:lnSpc>
+                <a:spcPct val="100000"/>
+              </a:lnSpc>
+              <a:buFont typeface="Wingdings" charset="2"/>
+              <a:buChar char="§"/>
+            </a:pPr>
+            <a:r>
+              <a:rPr lang="en-US" sz="2000" dirty="0">
+                <a:latin typeface="+mj-lt"/>
+                <a:ea typeface="Fira Sans Light" charset="0"/>
+                <a:cs typeface="Fira Sans Light" charset="0"/>
+              </a:rPr>
+              <a:t>Fourth step</a:t>
+            </a:r>
+          </a:p>
+        </p:txBody>
+      </p:sp>
+    </p:spTree>
+    <p:extLst>
+      <p:ext uri="{BB962C8B-B14F-4D97-AF65-F5344CB8AC3E}">
+        <p14:creationId xmlns:p14="http://schemas.microsoft.com/office/powerpoint/2010/main" val="378918219"/>
+      </p:ext>
+    </p:extLst>
+  </p:cSld>
+  <p:clrMapOvr>
+    <a:masterClrMapping/>
+  </p:clrMapOvr>
+</p:sld>
+</file>
+
+<file path=ppt/slides/slide11.xml><?xml version="1.0" encoding="utf-8"?>
+<p:sld xmlns:a="http://schemas.openxmlformats.org/drawingml/2006/main" xmlns:r="http://schemas.openxmlformats.org/officeDocument/2006/relationships" xmlns:p="http://schemas.openxmlformats.org/presentationml/2006/main">
+  <p:cSld>
+    <p:bg>
+      <p:bgPr>
+        <a:solidFill>
+          <a:schemeClr val="bg1"/>
+        </a:solidFill>
+        <a:effectLst/>
+      </p:bgPr>
+    </p:bg>
+    <p:spTree>
+      <p:nvGrpSpPr>
+        <p:cNvPr id="1" name=""/>
+        <p:cNvGrpSpPr/>
+        <p:nvPr/>
+      </p:nvGrpSpPr>
+      <p:grpSpPr>
+        <a:xfrm>
+          <a:off x="0" y="0"/>
+          <a:ext cx="0" cy="0"/>
+          <a:chOff x="0" y="0"/>
+          <a:chExt cx="0" cy="0"/>
+        </a:xfrm>
+      </p:grpSpPr>
+      <p:sp>
+        <p:nvSpPr>
+          <p:cNvPr id="4" name="Titolo 3"/>
+          <p:cNvSpPr>
+            <a:spLocks noGrp="1"/>
+          </p:cNvSpPr>
+          <p:nvPr>
+            <p:ph type="ctrTitle"/>
+          </p:nvPr>
+        </p:nvSpPr>
+        <p:spPr>
+          <a:xfrm>
+            <a:off x="847612" y="1427705"/>
+            <a:ext cx="7855084" cy="1285705"/>
+          </a:xfrm>
+        </p:spPr>
+        <p:txBody>
+          <a:bodyPr>
+            <a:noAutofit/>
+          </a:bodyPr>
+          <a:lstStyle/>
+          <a:p>
+            <a:pPr>
+              <a:lnSpc>
+                <a:spcPct val="120000"/>
+              </a:lnSpc>
+            </a:pPr>
+            <a:r>
+              <a:rPr lang="en-US" sz="3600" dirty="0">
+                <a:effectLst>
+                  <a:outerShdw blurRad="38100" dist="38100" dir="2700000" algn="tl">
+                    <a:srgbClr val="000000">
+                      <a:alpha val="43137"/>
+                    </a:srgbClr>
+                  </a:outerShdw>
+                </a:effectLst>
+                <a:ea typeface="Fira Sans" charset="0"/>
+                <a:cs typeface="Fira Sans" charset="0"/>
+              </a:rPr>
+              <a:t>Deep Learning Techniques for Gesture Recognition: Where to Split the Complexity</a:t>
+            </a:r>
+          </a:p>
+        </p:txBody>
+      </p:sp>
+      <p:sp>
+        <p:nvSpPr>
+          <p:cNvPr id="5" name="Sottotitolo 4"/>
+          <p:cNvSpPr>
+            <a:spLocks noGrp="1"/>
+          </p:cNvSpPr>
+          <p:nvPr>
+            <p:ph type="subTitle" idx="1"/>
+          </p:nvPr>
+        </p:nvSpPr>
+        <p:spPr>
+          <a:xfrm>
+            <a:off x="946016" y="2880628"/>
+            <a:ext cx="7658276" cy="1927161"/>
+          </a:xfrm>
+        </p:spPr>
+        <p:txBody>
+          <a:bodyPr anchor="ctr" anchorCtr="0">
+            <a:noAutofit/>
+          </a:bodyPr>
+          <a:lstStyle/>
+          <a:p>
+            <a:pPr>
+              <a:lnSpc>
+                <a:spcPct val="100000"/>
+              </a:lnSpc>
+              <a:spcBef>
+                <a:spcPts val="0"/>
+              </a:spcBef>
+            </a:pPr>
+            <a:r>
+              <a:rPr lang="it-IT" dirty="0">
+                <a:ea typeface="Fira Sans Book" charset="0"/>
+                <a:cs typeface="Fira Sans Book" charset="0"/>
+              </a:rPr>
+              <a:t>Matteo Drago, Riccardo </a:t>
+            </a:r>
+            <a:r>
+              <a:rPr lang="it-IT" dirty="0" err="1">
+                <a:ea typeface="Fira Sans Book" charset="0"/>
+                <a:cs typeface="Fira Sans Book" charset="0"/>
+              </a:rPr>
+              <a:t>Lincetto</a:t>
+            </a:r>
+            <a:endParaRPr lang="it-IT" i="1" baseline="30000" dirty="0">
+              <a:ea typeface="Fira Sans Book" charset="0"/>
+              <a:cs typeface="Fira Sans Book" charset="0"/>
+            </a:endParaRPr>
+          </a:p>
+          <a:p>
+            <a:pPr>
+              <a:lnSpc>
+                <a:spcPct val="100000"/>
+              </a:lnSpc>
+              <a:spcBef>
+                <a:spcPts val="0"/>
+              </a:spcBef>
+            </a:pPr>
+            <a:r>
+              <a:rPr lang="it-IT" sz="1800" dirty="0" err="1">
+                <a:ea typeface="Fira Sans Book" charset="0"/>
+                <a:cs typeface="Fira Sans Book" charset="0"/>
+              </a:rPr>
+              <a:t>Dept</a:t>
+            </a:r>
+            <a:r>
+              <a:rPr lang="it-IT" sz="1800" dirty="0">
+                <a:ea typeface="Fira Sans Book" charset="0"/>
+                <a:cs typeface="Fira Sans Book" charset="0"/>
+              </a:rPr>
+              <a:t>. of Information </a:t>
+            </a:r>
+            <a:r>
+              <a:rPr lang="it-IT" sz="1800" dirty="0" err="1">
+                <a:ea typeface="Fira Sans Book" charset="0"/>
+                <a:cs typeface="Fira Sans Book" charset="0"/>
+              </a:rPr>
+              <a:t>Engineering</a:t>
+            </a:r>
+            <a:r>
+              <a:rPr lang="it-IT" sz="1800" dirty="0">
+                <a:ea typeface="Fira Sans Book" charset="0"/>
+                <a:cs typeface="Fira Sans Book" charset="0"/>
+              </a:rPr>
+              <a:t>, </a:t>
+            </a:r>
+            <a:r>
+              <a:rPr lang="it-IT" sz="1800" dirty="0" err="1">
+                <a:ea typeface="Fira Sans Book" charset="0"/>
+                <a:cs typeface="Fira Sans Book" charset="0"/>
+              </a:rPr>
+              <a:t>University</a:t>
+            </a:r>
+            <a:r>
+              <a:rPr lang="it-IT" sz="1800" dirty="0">
+                <a:ea typeface="Fira Sans Book" charset="0"/>
+                <a:cs typeface="Fira Sans Book" charset="0"/>
+              </a:rPr>
+              <a:t> of Padova, </a:t>
+            </a:r>
+            <a:r>
+              <a:rPr lang="it-IT" sz="1800" dirty="0" err="1">
+                <a:ea typeface="Fira Sans Book" charset="0"/>
+                <a:cs typeface="Fira Sans Book" charset="0"/>
+              </a:rPr>
+              <a:t>Italy</a:t>
+            </a:r>
+            <a:endParaRPr lang="it-IT" sz="1800" dirty="0">
+              <a:ea typeface="Fira Sans Book" charset="0"/>
+              <a:cs typeface="Fira Sans Book" charset="0"/>
+            </a:endParaRPr>
+          </a:p>
+          <a:p>
+            <a:pPr>
+              <a:lnSpc>
+                <a:spcPct val="100000"/>
+              </a:lnSpc>
+              <a:spcBef>
+                <a:spcPts val="0"/>
+              </a:spcBef>
+            </a:pPr>
+            <a:endParaRPr lang="it-IT" sz="1800" dirty="0">
+              <a:ea typeface="Fira Sans Book" charset="0"/>
+              <a:cs typeface="Fira Sans Book" charset="0"/>
+            </a:endParaRPr>
+          </a:p>
+          <a:p>
+            <a:pPr>
+              <a:lnSpc>
+                <a:spcPct val="100000"/>
+              </a:lnSpc>
+              <a:spcBef>
+                <a:spcPts val="0"/>
+              </a:spcBef>
+            </a:pPr>
+            <a:r>
+              <a:rPr lang="it-IT" dirty="0">
+                <a:ea typeface="Fira Sans Book" charset="0"/>
+                <a:cs typeface="Fira Sans Book" charset="0"/>
+              </a:rPr>
+              <a:t>Prof. Michele Rossi</a:t>
+            </a:r>
+          </a:p>
+          <a:p>
+            <a:pPr>
+              <a:lnSpc>
+                <a:spcPct val="100000"/>
+              </a:lnSpc>
+              <a:spcBef>
+                <a:spcPts val="0"/>
+              </a:spcBef>
+            </a:pPr>
+            <a:endParaRPr lang="it-IT" sz="1600" b="1" baseline="30000" dirty="0">
+              <a:ea typeface="Fira Sans Book" charset="0"/>
+              <a:cs typeface="Fira Sans Book" charset="0"/>
+            </a:endParaRPr>
+          </a:p>
+        </p:txBody>
+      </p:sp>
+      <p:pic>
+        <p:nvPicPr>
+          <p:cNvPr id="7" name="Immagine 6"/>
+          <p:cNvPicPr>
+            <a:picLocks noChangeAspect="1"/>
+          </p:cNvPicPr>
+          <p:nvPr/>
+        </p:nvPicPr>
+        <p:blipFill>
+          <a:blip r:embed="rId3" cstate="print">
+            <a:extLst>
+              <a:ext uri="{28A0092B-C50C-407E-A947-70E740481C1C}">
+                <a14:useLocalDpi xmlns:a14="http://schemas.microsoft.com/office/drawing/2010/main" val="0"/>
+              </a:ext>
+            </a:extLst>
+          </a:blip>
+          <a:stretch>
+            <a:fillRect/>
+          </a:stretch>
+        </p:blipFill>
+        <p:spPr>
+          <a:xfrm>
+            <a:off x="6738730" y="4670343"/>
+            <a:ext cx="1963966" cy="1976502"/>
+          </a:xfrm>
+          <a:prstGeom prst="rect">
+            <a:avLst/>
+          </a:prstGeom>
+        </p:spPr>
+      </p:pic>
+      <p:sp>
+        <p:nvSpPr>
+          <p:cNvPr id="9" name="CasellaDiTesto 8"/>
+          <p:cNvSpPr txBox="1"/>
+          <p:nvPr/>
+        </p:nvSpPr>
+        <p:spPr>
+          <a:xfrm>
+            <a:off x="900752" y="6012844"/>
+            <a:ext cx="3064961" cy="400110"/>
+          </a:xfrm>
+          <a:prstGeom prst="rect">
+            <a:avLst/>
+          </a:prstGeom>
+          <a:noFill/>
+        </p:spPr>
+        <p:txBody>
+          <a:bodyPr wrap="square" rtlCol="0">
+            <a:spAutoFit/>
+          </a:bodyPr>
+          <a:lstStyle/>
+          <a:p>
+            <a:r>
+              <a:rPr lang="it-IT" sz="2000" dirty="0" err="1">
+                <a:latin typeface="+mj-lt"/>
+                <a:ea typeface="Fira Sans Book" charset="0"/>
+                <a:cs typeface="Fira Sans Book" charset="0"/>
+              </a:rPr>
+              <a:t>September</a:t>
+            </a:r>
+            <a:r>
+              <a:rPr lang="it-IT" sz="2000" dirty="0">
+                <a:latin typeface="+mj-lt"/>
+                <a:ea typeface="Fira Sans Book" charset="0"/>
+                <a:cs typeface="Fira Sans Book" charset="0"/>
+              </a:rPr>
+              <a:t>, 5, 2018</a:t>
+            </a:r>
+          </a:p>
+        </p:txBody>
+      </p:sp>
+      <p:sp>
+        <p:nvSpPr>
+          <p:cNvPr id="8" name="CasellaDiTesto 7"/>
+          <p:cNvSpPr txBox="1"/>
+          <p:nvPr/>
+        </p:nvSpPr>
+        <p:spPr>
+          <a:xfrm>
+            <a:off x="900752" y="5156401"/>
+            <a:ext cx="4237778" cy="707886"/>
+          </a:xfrm>
+          <a:prstGeom prst="rect">
+            <a:avLst/>
+          </a:prstGeom>
+          <a:noFill/>
+        </p:spPr>
+        <p:txBody>
+          <a:bodyPr wrap="square" rtlCol="0">
+            <a:spAutoFit/>
+          </a:bodyPr>
+          <a:lstStyle/>
+          <a:p>
+            <a:r>
+              <a:rPr lang="it-IT" sz="2000" dirty="0">
+                <a:latin typeface="+mj-lt"/>
+                <a:ea typeface="Fira Sans Book" charset="0"/>
+                <a:cs typeface="Fira Sans Book" charset="0"/>
+              </a:rPr>
+              <a:t>matteo.drago@studenti.unipd.it</a:t>
+            </a:r>
+          </a:p>
+          <a:p>
+            <a:r>
+              <a:rPr lang="it-IT" sz="2000" dirty="0">
+                <a:latin typeface="+mj-lt"/>
+                <a:ea typeface="Fira Sans Book" charset="0"/>
+                <a:cs typeface="Fira Sans Book" charset="0"/>
+              </a:rPr>
+              <a:t>riccardo.lincetto@studenti.unipd.it</a:t>
+            </a:r>
+          </a:p>
+        </p:txBody>
+      </p:sp>
+    </p:spTree>
+    <p:extLst>
+      <p:ext uri="{BB962C8B-B14F-4D97-AF65-F5344CB8AC3E}">
+        <p14:creationId xmlns:p14="http://schemas.microsoft.com/office/powerpoint/2010/main" val="940851349"/>
+      </p:ext>
+    </p:extLst>
+  </p:cSld>
+  <p:clrMapOvr>
+    <a:masterClrMapping/>
+  </p:clrMapOvr>
+</p:sld>
+</file>
+
 <file path=ppt/slides/slide2.xml><?xml version="1.0" encoding="utf-8"?>
 <p:sld xmlns:a="http://schemas.openxmlformats.org/drawingml/2006/main" xmlns:r="http://schemas.openxmlformats.org/officeDocument/2006/relationships" xmlns:p="http://schemas.openxmlformats.org/presentationml/2006/main">
   <p:cSld>
@@ -7433,7 +7933,7 @@
               <a:rPr lang="it-IT" sz="2400" dirty="0" err="1">
                 <a:latin typeface="+mj-lt"/>
               </a:rPr>
-              <a:t>problem</a:t>
+              <a:t>problems</a:t>
             </a:r>
             <a:r>
               <a:rPr lang="it-IT" sz="2400" dirty="0">
@@ -8474,60 +8974,60 @@
           </a:p>
           <a:p>
             <a:r>
-              <a:rPr lang="it-IT" b="1" dirty="0" err="1">
+              <a:rPr lang="it-IT" dirty="0" err="1">
                 <a:latin typeface="+mj-lt"/>
               </a:rPr>
               <a:t>Classification</a:t>
             </a:r>
             <a:r>
-              <a:rPr lang="it-IT" b="1" dirty="0">
+              <a:rPr lang="it-IT" dirty="0">
                 <a:latin typeface="+mj-lt"/>
               </a:rPr>
               <a:t> of high </a:t>
             </a:r>
             <a:r>
-              <a:rPr lang="it-IT" b="1" dirty="0" err="1">
+              <a:rPr lang="it-IT" dirty="0" err="1">
                 <a:latin typeface="+mj-lt"/>
               </a:rPr>
               <a:t>level</a:t>
             </a:r>
             <a:r>
-              <a:rPr lang="it-IT" b="1" dirty="0">
+              <a:rPr lang="it-IT" dirty="0">
                 <a:latin typeface="+mj-lt"/>
               </a:rPr>
               <a:t> </a:t>
             </a:r>
             <a:r>
-              <a:rPr lang="it-IT" b="1" dirty="0" err="1">
+              <a:rPr lang="it-IT" dirty="0" err="1">
                 <a:latin typeface="+mj-lt"/>
               </a:rPr>
               <a:t>gestures</a:t>
             </a:r>
             <a:r>
-              <a:rPr lang="it-IT" b="1" dirty="0">
+              <a:rPr lang="it-IT" dirty="0">
                 <a:latin typeface="+mj-lt"/>
               </a:rPr>
               <a:t> / </a:t>
             </a:r>
             <a:r>
-              <a:rPr lang="it-IT" b="1" dirty="0" err="1">
+              <a:rPr lang="it-IT" dirty="0" err="1">
                 <a:latin typeface="+mj-lt"/>
               </a:rPr>
               <a:t>modes</a:t>
             </a:r>
             <a:r>
-              <a:rPr lang="it-IT" b="1" dirty="0">
+              <a:rPr lang="it-IT" dirty="0">
                 <a:latin typeface="+mj-lt"/>
               </a:rPr>
               <a:t> of </a:t>
             </a:r>
             <a:r>
-              <a:rPr lang="it-IT" b="1" dirty="0" err="1">
+              <a:rPr lang="it-IT" dirty="0" err="1">
                 <a:latin typeface="+mj-lt"/>
               </a:rPr>
               <a:t>locomotion</a:t>
             </a:r>
-            <a:endParaRPr lang="it-IT" b="1" dirty="0">
+            <a:endParaRPr lang="it-IT" dirty="0">
               <a:latin typeface="+mj-lt"/>
             </a:endParaRPr>
           </a:p>
@@ -8536,42 +9036,42 @@
               <a:buNone/>
             </a:pPr>
             <a:r>
-              <a:rPr lang="it-IT" sz="2400" b="1" i="1" dirty="0">
+              <a:rPr lang="it-IT" sz="2400" i="1" dirty="0">
                 <a:latin typeface="+mj-lt"/>
               </a:rPr>
               <a:t>Standing, </a:t>
             </a:r>
             <a:r>
-              <a:rPr lang="it-IT" sz="2400" b="1" i="1" dirty="0" err="1">
+              <a:rPr lang="it-IT" sz="2400" i="1" dirty="0" err="1">
                 <a:latin typeface="+mj-lt"/>
               </a:rPr>
               <a:t>Walking</a:t>
             </a:r>
             <a:r>
-              <a:rPr lang="it-IT" sz="2400" b="1" i="1" dirty="0">
+              <a:rPr lang="it-IT" sz="2400" i="1" dirty="0">
                 <a:latin typeface="+mj-lt"/>
               </a:rPr>
               <a:t>, </a:t>
             </a:r>
             <a:r>
-              <a:rPr lang="it-IT" sz="2400" b="1" i="1" dirty="0" err="1">
+              <a:rPr lang="it-IT" sz="2400" i="1" dirty="0" err="1">
                 <a:latin typeface="+mj-lt"/>
               </a:rPr>
               <a:t>Lying</a:t>
             </a:r>
             <a:r>
-              <a:rPr lang="it-IT" sz="2400" b="1" i="1" dirty="0">
+              <a:rPr lang="it-IT" sz="2400" i="1" dirty="0">
                 <a:latin typeface="+mj-lt"/>
               </a:rPr>
               <a:t>, </a:t>
             </a:r>
             <a:r>
-              <a:rPr lang="it-IT" sz="2400" b="1" i="1" dirty="0" err="1">
+              <a:rPr lang="it-IT" sz="2400" i="1" dirty="0" err="1">
                 <a:latin typeface="+mj-lt"/>
               </a:rPr>
               <a:t>Sitting</a:t>
             </a:r>
-            <a:endParaRPr lang="it-IT" sz="2400" b="1" i="1" dirty="0">
+            <a:endParaRPr lang="it-IT" sz="2400" i="1" dirty="0">
               <a:latin typeface="+mj-lt"/>
             </a:endParaRPr>
           </a:p>
@@ -8596,67 +9096,67 @@
           </a:p>
           <a:p>
             <a:r>
-              <a:rPr lang="it-IT" b="1" dirty="0" err="1">
+              <a:rPr lang="it-IT" dirty="0" err="1">
                 <a:latin typeface="+mj-lt"/>
               </a:rPr>
               <a:t>Recognition</a:t>
             </a:r>
             <a:r>
-              <a:rPr lang="it-IT" b="1" dirty="0">
+              <a:rPr lang="it-IT" dirty="0">
                 <a:latin typeface="+mj-lt"/>
               </a:rPr>
               <a:t> of </a:t>
             </a:r>
             <a:r>
-              <a:rPr lang="it-IT" b="1" dirty="0" err="1">
+              <a:rPr lang="it-IT" dirty="0" err="1">
                 <a:latin typeface="+mj-lt"/>
               </a:rPr>
               <a:t>low</a:t>
             </a:r>
             <a:r>
-              <a:rPr lang="it-IT" b="1" dirty="0">
+              <a:rPr lang="it-IT" dirty="0">
                 <a:latin typeface="+mj-lt"/>
               </a:rPr>
               <a:t> </a:t>
             </a:r>
             <a:r>
-              <a:rPr lang="it-IT" b="1" dirty="0" err="1">
+              <a:rPr lang="it-IT" dirty="0" err="1">
                 <a:latin typeface="+mj-lt"/>
               </a:rPr>
               <a:t>level</a:t>
             </a:r>
             <a:r>
-              <a:rPr lang="it-IT" b="1" dirty="0">
+              <a:rPr lang="it-IT" dirty="0">
                 <a:latin typeface="+mj-lt"/>
               </a:rPr>
               <a:t> </a:t>
             </a:r>
             <a:r>
-              <a:rPr lang="it-IT" b="1" dirty="0" err="1">
+              <a:rPr lang="it-IT" dirty="0" err="1">
                 <a:latin typeface="+mj-lt"/>
               </a:rPr>
               <a:t>gestures</a:t>
             </a:r>
             <a:r>
-              <a:rPr lang="it-IT" b="1" dirty="0">
+              <a:rPr lang="it-IT" dirty="0">
                 <a:latin typeface="+mj-lt"/>
               </a:rPr>
               <a:t> </a:t>
             </a:r>
             <a:r>
-              <a:rPr lang="it-IT" sz="1800" b="1" dirty="0">
+              <a:rPr lang="it-IT" sz="1800" dirty="0">
                 <a:latin typeface="+mj-lt"/>
               </a:rPr>
               <a:t>(17 in </a:t>
             </a:r>
             <a:r>
-              <a:rPr lang="it-IT" sz="1800" b="1" dirty="0" err="1">
+              <a:rPr lang="it-IT" sz="1800" dirty="0" err="1">
                 <a:latin typeface="+mj-lt"/>
               </a:rPr>
               <a:t>total</a:t>
             </a:r>
             <a:r>
-              <a:rPr lang="it-IT" sz="1800" b="1" dirty="0">
+              <a:rPr lang="it-IT" sz="1800" dirty="0">
                 <a:latin typeface="+mj-lt"/>
               </a:rPr>
               <a:t>)</a:t>
@@ -8667,55 +9167,55 @@
               <a:buNone/>
             </a:pPr>
             <a:r>
-              <a:rPr lang="it-IT" sz="2400" b="1" i="1" dirty="0">
+              <a:rPr lang="it-IT" sz="2400" i="1" dirty="0">
                 <a:latin typeface="+mj-lt"/>
               </a:rPr>
               <a:t>Open </a:t>
             </a:r>
             <a:r>
-              <a:rPr lang="it-IT" sz="2400" b="1" i="1" dirty="0" err="1">
+              <a:rPr lang="it-IT" sz="2400" i="1" dirty="0" err="1">
                 <a:latin typeface="+mj-lt"/>
               </a:rPr>
               <a:t>Dishwasher</a:t>
             </a:r>
             <a:r>
-              <a:rPr lang="it-IT" sz="2400" b="1" i="1" dirty="0">
+              <a:rPr lang="it-IT" sz="2400" i="1" dirty="0">
                 <a:latin typeface="+mj-lt"/>
               </a:rPr>
               <a:t>, Close </a:t>
             </a:r>
             <a:r>
-              <a:rPr lang="it-IT" sz="2400" b="1" i="1" dirty="0" err="1">
+              <a:rPr lang="it-IT" sz="2400" i="1" dirty="0" err="1">
                 <a:latin typeface="+mj-lt"/>
               </a:rPr>
               <a:t>Dishwasher</a:t>
             </a:r>
             <a:r>
-              <a:rPr lang="it-IT" sz="2400" b="1" i="1" dirty="0">
+              <a:rPr lang="it-IT" sz="2400" i="1" dirty="0">
                 <a:latin typeface="+mj-lt"/>
               </a:rPr>
               <a:t>, Open </a:t>
             </a:r>
             <a:r>
-              <a:rPr lang="it-IT" sz="2400" b="1" i="1" dirty="0" err="1">
+              <a:rPr lang="it-IT" sz="2400" i="1" dirty="0" err="1">
                 <a:latin typeface="+mj-lt"/>
               </a:rPr>
               <a:t>Fridge</a:t>
             </a:r>
             <a:r>
-              <a:rPr lang="it-IT" sz="2400" b="1" i="1" dirty="0">
+              <a:rPr lang="it-IT" sz="2400" i="1" dirty="0">
                 <a:latin typeface="+mj-lt"/>
               </a:rPr>
               <a:t>, Close </a:t>
             </a:r>
             <a:r>
-              <a:rPr lang="it-IT" sz="2400" b="1" i="1" dirty="0" err="1">
+              <a:rPr lang="it-IT" sz="2400" i="1" dirty="0" err="1">
                 <a:latin typeface="+mj-lt"/>
               </a:rPr>
               <a:t>Fridge</a:t>
             </a:r>
             <a:r>
-              <a:rPr lang="it-IT" sz="2400" b="1" i="1" dirty="0">
+              <a:rPr lang="it-IT" sz="2400" i="1" dirty="0">
                 <a:latin typeface="+mj-lt"/>
               </a:rPr>
               <a:t>,</a:t>
@@ -8726,31 +9226,31 @@
               <a:buNone/>
             </a:pPr>
             <a:r>
-              <a:rPr lang="it-IT" sz="2400" b="1" i="1" dirty="0">
+              <a:rPr lang="it-IT" sz="2400" i="1" dirty="0">
                 <a:latin typeface="+mj-lt"/>
               </a:rPr>
               <a:t>Open </a:t>
             </a:r>
             <a:r>
-              <a:rPr lang="it-IT" sz="2400" b="1" i="1" dirty="0" err="1">
+              <a:rPr lang="it-IT" sz="2400" i="1" dirty="0" err="1">
                 <a:latin typeface="+mj-lt"/>
               </a:rPr>
               <a:t>Drawer</a:t>
             </a:r>
             <a:r>
-              <a:rPr lang="it-IT" sz="2400" b="1" i="1" dirty="0">
+              <a:rPr lang="it-IT" sz="2400" i="1" dirty="0">
                 <a:latin typeface="+mj-lt"/>
               </a:rPr>
               <a:t> 1, Close </a:t>
             </a:r>
             <a:r>
-              <a:rPr lang="it-IT" sz="2400" b="1" i="1" dirty="0" err="1">
+              <a:rPr lang="it-IT" sz="2400" i="1" dirty="0" err="1">
                 <a:latin typeface="+mj-lt"/>
               </a:rPr>
               <a:t>Drawer</a:t>
             </a:r>
             <a:r>
-              <a:rPr lang="it-IT" sz="2400" b="1" i="1" dirty="0">
+              <a:rPr lang="it-IT" sz="2400" i="1" dirty="0">
                 <a:latin typeface="+mj-lt"/>
               </a:rPr>
               <a:t> 1, Open Door 1, Close Door 1, …</a:t>
@@ -8983,7 +9483,12 @@
             <p:ph type="title"/>
           </p:nvPr>
         </p:nvSpPr>
-        <p:spPr/>
+        <p:spPr>
+          <a:xfrm>
+            <a:off x="728041" y="255795"/>
+            <a:ext cx="7886700" cy="1325563"/>
+          </a:xfrm>
+        </p:spPr>
         <p:txBody>
           <a:bodyPr/>
           <a:lstStyle/>
@@ -9005,12 +9510,952 @@
             <p:ph idx="1"/>
           </p:nvPr>
         </p:nvSpPr>
-        <p:spPr/>
-        <p:txBody>
-          <a:bodyPr/>
-          <a:lstStyle/>
-          <a:p>
-            <a:endParaRPr lang="it-IT" dirty="0"/>
+        <p:spPr>
+          <a:xfrm>
+            <a:off x="827432" y="1581358"/>
+            <a:ext cx="7886700" cy="4351338"/>
+          </a:xfrm>
+        </p:spPr>
+        <p:txBody>
+          <a:bodyPr>
+            <a:normAutofit/>
+          </a:bodyPr>
+          <a:lstStyle/>
+          <a:p>
+            <a:pPr marL="0" indent="0">
+              <a:buNone/>
+            </a:pPr>
+            <a:r>
+              <a:rPr lang="it-IT" sz="2000" dirty="0">
+                <a:latin typeface="+mj-lt"/>
+              </a:rPr>
+              <a:t>In the </a:t>
+            </a:r>
+            <a:r>
+              <a:rPr lang="it-IT" sz="2000" dirty="0" err="1">
+                <a:latin typeface="+mj-lt"/>
+              </a:rPr>
+              <a:t>literature</a:t>
+            </a:r>
+            <a:r>
+              <a:rPr lang="it-IT" sz="2000" dirty="0">
+                <a:latin typeface="+mj-lt"/>
+              </a:rPr>
+              <a:t> </a:t>
+            </a:r>
+            <a:r>
+              <a:rPr lang="it-IT" sz="2000" dirty="0" err="1">
+                <a:latin typeface="+mj-lt"/>
+              </a:rPr>
+              <a:t>there’s</a:t>
+            </a:r>
+            <a:r>
+              <a:rPr lang="it-IT" sz="2000" dirty="0">
+                <a:latin typeface="+mj-lt"/>
+              </a:rPr>
+              <a:t> no </a:t>
+            </a:r>
+            <a:r>
+              <a:rPr lang="it-IT" sz="2000" dirty="0" err="1">
+                <a:latin typeface="+mj-lt"/>
+              </a:rPr>
+              <a:t>shortage</a:t>
+            </a:r>
+            <a:r>
+              <a:rPr lang="it-IT" sz="2000" dirty="0">
+                <a:latin typeface="+mj-lt"/>
+              </a:rPr>
+              <a:t> of </a:t>
+            </a:r>
+            <a:r>
+              <a:rPr lang="it-IT" sz="2000" dirty="0" err="1">
+                <a:latin typeface="+mj-lt"/>
+              </a:rPr>
+              <a:t>models</a:t>
+            </a:r>
+            <a:r>
+              <a:rPr lang="it-IT" sz="2000" dirty="0">
+                <a:latin typeface="+mj-lt"/>
+              </a:rPr>
+              <a:t> </a:t>
+            </a:r>
+            <a:r>
+              <a:rPr lang="it-IT" sz="2000" dirty="0" err="1">
+                <a:latin typeface="+mj-lt"/>
+              </a:rPr>
+              <a:t>trying</a:t>
+            </a:r>
+            <a:r>
+              <a:rPr lang="it-IT" sz="2000" dirty="0">
+                <a:latin typeface="+mj-lt"/>
+              </a:rPr>
+              <a:t> to solve the </a:t>
+            </a:r>
+            <a:r>
+              <a:rPr lang="it-IT" sz="2000" dirty="0" err="1">
+                <a:latin typeface="+mj-lt"/>
+              </a:rPr>
+              <a:t>problem</a:t>
+            </a:r>
+            <a:r>
+              <a:rPr lang="it-IT" sz="2000" dirty="0">
+                <a:latin typeface="+mj-lt"/>
+              </a:rPr>
+              <a:t>. For </a:t>
+            </a:r>
+            <a:r>
+              <a:rPr lang="it-IT" sz="2000" dirty="0" err="1">
+                <a:latin typeface="+mj-lt"/>
+              </a:rPr>
+              <a:t>example</a:t>
+            </a:r>
+            <a:r>
+              <a:rPr lang="it-IT" sz="2000" dirty="0">
+                <a:latin typeface="+mj-lt"/>
+              </a:rPr>
+              <a:t>:</a:t>
+            </a:r>
+          </a:p>
+          <a:p>
+            <a:r>
+              <a:rPr lang="it-IT" sz="2000" dirty="0">
+                <a:latin typeface="+mj-lt"/>
+              </a:rPr>
+              <a:t>Complete </a:t>
+            </a:r>
+            <a:r>
+              <a:rPr lang="it-IT" sz="2000" dirty="0" err="1">
+                <a:latin typeface="+mj-lt"/>
+              </a:rPr>
+              <a:t>framework</a:t>
+            </a:r>
+            <a:r>
+              <a:rPr lang="it-IT" sz="2000" dirty="0">
+                <a:latin typeface="+mj-lt"/>
+              </a:rPr>
+              <a:t> in [2] </a:t>
+            </a:r>
+            <a:r>
+              <a:rPr lang="it-IT" sz="2000" dirty="0" err="1">
+                <a:latin typeface="+mj-lt"/>
+              </a:rPr>
+              <a:t>that</a:t>
+            </a:r>
+            <a:r>
+              <a:rPr lang="it-IT" sz="2000" dirty="0">
+                <a:latin typeface="+mj-lt"/>
+              </a:rPr>
+              <a:t> </a:t>
+            </a:r>
+            <a:r>
+              <a:rPr lang="it-IT" sz="2000" dirty="0" err="1">
+                <a:latin typeface="+mj-lt"/>
+              </a:rPr>
+              <a:t>performs</a:t>
+            </a:r>
+            <a:r>
+              <a:rPr lang="it-IT" sz="2000" dirty="0">
+                <a:latin typeface="+mj-lt"/>
+              </a:rPr>
+              <a:t> </a:t>
+            </a:r>
+            <a:r>
+              <a:rPr lang="it-IT" sz="2000" dirty="0" err="1">
+                <a:latin typeface="+mj-lt"/>
+              </a:rPr>
+              <a:t>interpolation</a:t>
+            </a:r>
+            <a:r>
+              <a:rPr lang="it-IT" sz="2000" dirty="0">
+                <a:latin typeface="+mj-lt"/>
+              </a:rPr>
+              <a:t> in </a:t>
+            </a:r>
+            <a:r>
+              <a:rPr lang="it-IT" sz="2000" dirty="0" err="1">
+                <a:latin typeface="+mj-lt"/>
+              </a:rPr>
+              <a:t>preprocessing</a:t>
+            </a:r>
+            <a:r>
+              <a:rPr lang="it-IT" sz="2000" dirty="0">
+                <a:latin typeface="+mj-lt"/>
+              </a:rPr>
+              <a:t> and </a:t>
+            </a:r>
+            <a:r>
+              <a:rPr lang="it-IT" sz="2000" dirty="0" err="1">
+                <a:latin typeface="+mj-lt"/>
+              </a:rPr>
+              <a:t>tries</a:t>
+            </a:r>
+            <a:r>
+              <a:rPr lang="it-IT" sz="2000" dirty="0">
+                <a:latin typeface="+mj-lt"/>
+              </a:rPr>
+              <a:t> to </a:t>
+            </a:r>
+            <a:r>
+              <a:rPr lang="it-IT" sz="2000" dirty="0" err="1">
+                <a:latin typeface="+mj-lt"/>
+              </a:rPr>
+              <a:t>cope</a:t>
+            </a:r>
+            <a:r>
+              <a:rPr lang="it-IT" sz="2000" dirty="0">
+                <a:latin typeface="+mj-lt"/>
+              </a:rPr>
+              <a:t> with </a:t>
+            </a:r>
+            <a:r>
+              <a:rPr lang="it-IT" sz="2000" dirty="0" err="1">
+                <a:latin typeface="+mj-lt"/>
+              </a:rPr>
+              <a:t>class</a:t>
+            </a:r>
+            <a:r>
+              <a:rPr lang="it-IT" sz="2000" dirty="0">
+                <a:latin typeface="+mj-lt"/>
+              </a:rPr>
+              <a:t> </a:t>
+            </a:r>
+            <a:r>
+              <a:rPr lang="it-IT" sz="2000" dirty="0" err="1">
+                <a:latin typeface="+mj-lt"/>
+              </a:rPr>
+              <a:t>imbalances</a:t>
+            </a:r>
+            <a:r>
+              <a:rPr lang="it-IT" sz="2000" dirty="0">
+                <a:latin typeface="+mj-lt"/>
+              </a:rPr>
+              <a:t> (</a:t>
+            </a:r>
+            <a:r>
+              <a:rPr lang="it-IT" sz="2000" b="1" dirty="0">
+                <a:latin typeface="+mj-lt"/>
+              </a:rPr>
+              <a:t>1NN</a:t>
+            </a:r>
+            <a:r>
+              <a:rPr lang="it-IT" sz="2000" dirty="0">
+                <a:latin typeface="+mj-lt"/>
+              </a:rPr>
+              <a:t> and </a:t>
+            </a:r>
+            <a:r>
+              <a:rPr lang="it-IT" sz="2000" b="1" dirty="0">
+                <a:latin typeface="+mj-lt"/>
+              </a:rPr>
+              <a:t>SVM</a:t>
+            </a:r>
+            <a:r>
+              <a:rPr lang="it-IT" sz="2000" dirty="0">
+                <a:latin typeface="+mj-lt"/>
+              </a:rPr>
+              <a:t> </a:t>
+            </a:r>
+            <a:r>
+              <a:rPr lang="it-IT" sz="2000" dirty="0" err="1">
+                <a:latin typeface="+mj-lt"/>
+              </a:rPr>
+              <a:t>as</a:t>
+            </a:r>
+            <a:r>
+              <a:rPr lang="it-IT" sz="2000" dirty="0">
+                <a:latin typeface="+mj-lt"/>
+              </a:rPr>
+              <a:t> </a:t>
+            </a:r>
+            <a:r>
+              <a:rPr lang="it-IT" sz="2000" dirty="0" err="1">
+                <a:latin typeface="+mj-lt"/>
+              </a:rPr>
+              <a:t>classifiers</a:t>
+            </a:r>
+            <a:r>
+              <a:rPr lang="it-IT" sz="2000" dirty="0">
+                <a:latin typeface="+mj-lt"/>
+              </a:rPr>
+              <a:t>)</a:t>
+            </a:r>
+          </a:p>
+          <a:p>
+            <a:r>
+              <a:rPr lang="it-IT" sz="2000" b="1" dirty="0" err="1">
+                <a:latin typeface="+mj-lt"/>
+              </a:rPr>
+              <a:t>Convolutional</a:t>
+            </a:r>
+            <a:r>
+              <a:rPr lang="it-IT" sz="2000" b="1" dirty="0">
+                <a:latin typeface="+mj-lt"/>
+              </a:rPr>
+              <a:t> </a:t>
+            </a:r>
+            <a:r>
+              <a:rPr lang="it-IT" sz="2000" b="1" dirty="0" err="1">
+                <a:latin typeface="+mj-lt"/>
+              </a:rPr>
+              <a:t>layers</a:t>
+            </a:r>
+            <a:r>
+              <a:rPr lang="it-IT" sz="2000" b="1" dirty="0">
+                <a:latin typeface="+mj-lt"/>
+              </a:rPr>
+              <a:t> </a:t>
+            </a:r>
+            <a:r>
+              <a:rPr lang="it-IT" sz="2000" dirty="0" err="1">
+                <a:latin typeface="+mj-lt"/>
+              </a:rPr>
+              <a:t>were</a:t>
+            </a:r>
+            <a:r>
+              <a:rPr lang="it-IT" sz="2000" dirty="0">
+                <a:latin typeface="+mj-lt"/>
+              </a:rPr>
+              <a:t> </a:t>
+            </a:r>
+            <a:r>
+              <a:rPr lang="it-IT" sz="2000" dirty="0" err="1">
+                <a:latin typeface="+mj-lt"/>
+              </a:rPr>
+              <a:t>implemented</a:t>
+            </a:r>
+            <a:r>
+              <a:rPr lang="it-IT" sz="2000" dirty="0">
+                <a:latin typeface="+mj-lt"/>
+              </a:rPr>
+              <a:t> in NN </a:t>
+            </a:r>
+            <a:r>
+              <a:rPr lang="it-IT" sz="2000" dirty="0" err="1">
+                <a:latin typeface="+mj-lt"/>
+              </a:rPr>
+              <a:t>along</a:t>
+            </a:r>
+            <a:r>
+              <a:rPr lang="it-IT" sz="2000" dirty="0">
+                <a:latin typeface="+mj-lt"/>
+              </a:rPr>
+              <a:t> with </a:t>
+            </a:r>
+            <a:r>
+              <a:rPr lang="it-IT" sz="2000" b="1" dirty="0" err="1">
+                <a:latin typeface="+mj-lt"/>
+              </a:rPr>
+              <a:t>ReLU</a:t>
+            </a:r>
+            <a:r>
+              <a:rPr lang="it-IT" sz="2000" dirty="0">
+                <a:latin typeface="+mj-lt"/>
+              </a:rPr>
+              <a:t> and </a:t>
+            </a:r>
+            <a:r>
+              <a:rPr lang="it-IT" sz="2000" b="1" dirty="0" err="1">
+                <a:latin typeface="+mj-lt"/>
+              </a:rPr>
+              <a:t>pooling</a:t>
+            </a:r>
+            <a:r>
+              <a:rPr lang="it-IT" sz="2000" dirty="0">
+                <a:latin typeface="+mj-lt"/>
+              </a:rPr>
+              <a:t> </a:t>
+            </a:r>
+            <a:r>
+              <a:rPr lang="it-IT" sz="2000" dirty="0" err="1">
+                <a:latin typeface="+mj-lt"/>
+              </a:rPr>
+              <a:t>layers</a:t>
+            </a:r>
+            <a:r>
+              <a:rPr lang="it-IT" sz="2000" dirty="0">
+                <a:latin typeface="+mj-lt"/>
+              </a:rPr>
+              <a:t> in [3], in </a:t>
+            </a:r>
+            <a:r>
+              <a:rPr lang="it-IT" sz="2000" dirty="0" err="1">
+                <a:latin typeface="+mj-lt"/>
+              </a:rPr>
+              <a:t>order</a:t>
+            </a:r>
+            <a:r>
+              <a:rPr lang="it-IT" sz="2000" dirty="0">
+                <a:latin typeface="+mj-lt"/>
+              </a:rPr>
+              <a:t> to </a:t>
+            </a:r>
+            <a:r>
+              <a:rPr lang="it-IT" sz="2000" dirty="0" err="1">
+                <a:latin typeface="+mj-lt"/>
+              </a:rPr>
+              <a:t>extract</a:t>
+            </a:r>
+            <a:r>
+              <a:rPr lang="it-IT" sz="2000" dirty="0">
+                <a:latin typeface="+mj-lt"/>
+              </a:rPr>
+              <a:t> </a:t>
+            </a:r>
+            <a:r>
+              <a:rPr lang="it-IT" sz="2000" dirty="0" err="1">
+                <a:latin typeface="+mj-lt"/>
+              </a:rPr>
+              <a:t>better</a:t>
+            </a:r>
+            <a:r>
+              <a:rPr lang="it-IT" sz="2000" dirty="0">
+                <a:latin typeface="+mj-lt"/>
+              </a:rPr>
+              <a:t> </a:t>
+            </a:r>
+            <a:r>
+              <a:rPr lang="it-IT" sz="2000" dirty="0" err="1">
+                <a:latin typeface="+mj-lt"/>
+              </a:rPr>
+              <a:t>features</a:t>
+            </a:r>
+            <a:r>
+              <a:rPr lang="it-IT" sz="2000" dirty="0">
+                <a:latin typeface="+mj-lt"/>
+              </a:rPr>
+              <a:t>; </a:t>
+            </a:r>
+            <a:r>
+              <a:rPr lang="it-IT" sz="2000" dirty="0" err="1">
+                <a:latin typeface="+mj-lt"/>
+              </a:rPr>
+              <a:t>they</a:t>
+            </a:r>
+            <a:r>
+              <a:rPr lang="it-IT" sz="2000" dirty="0">
+                <a:latin typeface="+mj-lt"/>
+              </a:rPr>
+              <a:t> </a:t>
+            </a:r>
+            <a:r>
+              <a:rPr lang="it-IT" sz="2000" dirty="0" err="1">
+                <a:latin typeface="+mj-lt"/>
+              </a:rPr>
+              <a:t>also</a:t>
+            </a:r>
+            <a:r>
+              <a:rPr lang="it-IT" sz="2000" dirty="0">
+                <a:latin typeface="+mj-lt"/>
+              </a:rPr>
+              <a:t> </a:t>
+            </a:r>
+            <a:r>
+              <a:rPr lang="it-IT" sz="2000" dirty="0" err="1">
+                <a:latin typeface="+mj-lt"/>
+              </a:rPr>
+              <a:t>segment</a:t>
+            </a:r>
+            <a:r>
+              <a:rPr lang="it-IT" sz="2000" dirty="0">
+                <a:latin typeface="+mj-lt"/>
+              </a:rPr>
+              <a:t> the </a:t>
+            </a:r>
+            <a:r>
+              <a:rPr lang="it-IT" sz="2000" dirty="0" err="1">
+                <a:latin typeface="+mj-lt"/>
+              </a:rPr>
+              <a:t>datasets</a:t>
+            </a:r>
+            <a:r>
+              <a:rPr lang="it-IT" sz="2000" dirty="0">
+                <a:latin typeface="+mj-lt"/>
+              </a:rPr>
+              <a:t> </a:t>
+            </a:r>
+            <a:r>
+              <a:rPr lang="it-IT" sz="2000" dirty="0" err="1">
+                <a:latin typeface="+mj-lt"/>
+              </a:rPr>
+              <a:t>into</a:t>
+            </a:r>
+            <a:r>
+              <a:rPr lang="it-IT" sz="2000" dirty="0">
+                <a:latin typeface="+mj-lt"/>
+              </a:rPr>
+              <a:t> </a:t>
+            </a:r>
+            <a:r>
+              <a:rPr lang="it-IT" sz="2000" dirty="0" err="1">
+                <a:latin typeface="+mj-lt"/>
+              </a:rPr>
+              <a:t>windows</a:t>
+            </a:r>
+            <a:r>
+              <a:rPr lang="it-IT" sz="2000" dirty="0">
+                <a:latin typeface="+mj-lt"/>
+              </a:rPr>
+              <a:t> of </a:t>
+            </a:r>
+            <a:r>
+              <a:rPr lang="it-IT" sz="2000" dirty="0" err="1">
+                <a:latin typeface="+mj-lt"/>
+              </a:rPr>
+              <a:t>samples</a:t>
+            </a:r>
+            <a:endParaRPr lang="it-IT" sz="2000" dirty="0">
+              <a:latin typeface="+mj-lt"/>
+            </a:endParaRPr>
+          </a:p>
+          <a:p>
+            <a:r>
+              <a:rPr lang="it-IT" sz="2000" dirty="0">
+                <a:latin typeface="+mj-lt"/>
+              </a:rPr>
+              <a:t>A complete </a:t>
+            </a:r>
+            <a:r>
+              <a:rPr lang="it-IT" sz="2000" dirty="0" err="1">
+                <a:latin typeface="+mj-lt"/>
+              </a:rPr>
+              <a:t>comparison</a:t>
+            </a:r>
+            <a:r>
+              <a:rPr lang="it-IT" sz="2000" dirty="0">
+                <a:latin typeface="+mj-lt"/>
+              </a:rPr>
+              <a:t> can be </a:t>
+            </a:r>
+            <a:r>
+              <a:rPr lang="it-IT" sz="2000" dirty="0" err="1">
+                <a:latin typeface="+mj-lt"/>
+              </a:rPr>
+              <a:t>found</a:t>
+            </a:r>
+            <a:r>
+              <a:rPr lang="it-IT" sz="2000" dirty="0">
+                <a:latin typeface="+mj-lt"/>
+              </a:rPr>
+              <a:t> in [4] </a:t>
+            </a:r>
+            <a:r>
+              <a:rPr lang="it-IT" sz="2000" dirty="0" err="1">
+                <a:latin typeface="+mj-lt"/>
+              </a:rPr>
+              <a:t>were</a:t>
+            </a:r>
+            <a:r>
+              <a:rPr lang="it-IT" sz="2000" dirty="0">
+                <a:latin typeface="+mj-lt"/>
+              </a:rPr>
+              <a:t> </a:t>
+            </a:r>
+            <a:r>
+              <a:rPr lang="it-IT" sz="2000" dirty="0" err="1">
+                <a:latin typeface="+mj-lt"/>
+              </a:rPr>
+              <a:t>they</a:t>
+            </a:r>
+            <a:r>
+              <a:rPr lang="it-IT" sz="2000" dirty="0">
+                <a:latin typeface="+mj-lt"/>
+              </a:rPr>
+              <a:t> </a:t>
+            </a:r>
+            <a:r>
+              <a:rPr lang="it-IT" sz="2000" dirty="0" err="1">
+                <a:latin typeface="+mj-lt"/>
+              </a:rPr>
+              <a:t>also</a:t>
+            </a:r>
+            <a:r>
+              <a:rPr lang="it-IT" sz="2000" dirty="0">
+                <a:latin typeface="+mj-lt"/>
+              </a:rPr>
+              <a:t> </a:t>
+            </a:r>
+            <a:r>
+              <a:rPr lang="it-IT" sz="2000" dirty="0" err="1">
+                <a:latin typeface="+mj-lt"/>
+              </a:rPr>
+              <a:t>implement</a:t>
+            </a:r>
+            <a:r>
+              <a:rPr lang="it-IT" sz="2000" dirty="0">
+                <a:latin typeface="+mj-lt"/>
+              </a:rPr>
+              <a:t> a model </a:t>
+            </a:r>
+            <a:r>
+              <a:rPr lang="it-IT" sz="2000" dirty="0" err="1">
+                <a:latin typeface="+mj-lt"/>
+              </a:rPr>
+              <a:t>comprehesive</a:t>
+            </a:r>
+            <a:r>
+              <a:rPr lang="it-IT" sz="2000" dirty="0">
+                <a:latin typeface="+mj-lt"/>
+              </a:rPr>
+              <a:t> of </a:t>
+            </a:r>
+            <a:r>
+              <a:rPr lang="it-IT" sz="2000" dirty="0" err="1">
+                <a:latin typeface="+mj-lt"/>
+              </a:rPr>
+              <a:t>both</a:t>
+            </a:r>
+            <a:r>
+              <a:rPr lang="it-IT" sz="2000" dirty="0">
+                <a:latin typeface="+mj-lt"/>
+              </a:rPr>
+              <a:t> </a:t>
+            </a:r>
+            <a:r>
+              <a:rPr lang="it-IT" sz="2000" b="1" dirty="0" err="1">
+                <a:latin typeface="+mj-lt"/>
+              </a:rPr>
+              <a:t>convolutional</a:t>
+            </a:r>
+            <a:r>
+              <a:rPr lang="it-IT" sz="2000" dirty="0">
+                <a:latin typeface="+mj-lt"/>
+              </a:rPr>
+              <a:t> and </a:t>
+            </a:r>
+            <a:r>
+              <a:rPr lang="it-IT" sz="2000" b="1" dirty="0">
+                <a:latin typeface="+mj-lt"/>
+              </a:rPr>
+              <a:t>LSTM</a:t>
+            </a:r>
+            <a:r>
+              <a:rPr lang="it-IT" sz="2000" dirty="0">
+                <a:latin typeface="+mj-lt"/>
+              </a:rPr>
+              <a:t> </a:t>
+            </a:r>
+            <a:r>
+              <a:rPr lang="it-IT" sz="2000" dirty="0" err="1">
+                <a:latin typeface="+mj-lt"/>
+              </a:rPr>
+              <a:t>layers</a:t>
+            </a:r>
+            <a:r>
+              <a:rPr lang="it-IT" sz="2000" dirty="0">
+                <a:latin typeface="+mj-lt"/>
+              </a:rPr>
+              <a:t>, in </a:t>
+            </a:r>
+            <a:r>
+              <a:rPr lang="it-IT" sz="2000" dirty="0" err="1">
+                <a:latin typeface="+mj-lt"/>
+              </a:rPr>
+              <a:t>order</a:t>
+            </a:r>
+            <a:r>
+              <a:rPr lang="it-IT" sz="2000" dirty="0">
+                <a:latin typeface="+mj-lt"/>
+              </a:rPr>
+              <a:t> to </a:t>
+            </a:r>
+            <a:r>
+              <a:rPr lang="it-IT" sz="2000" dirty="0" err="1">
+                <a:latin typeface="+mj-lt"/>
+              </a:rPr>
+              <a:t>extract</a:t>
+            </a:r>
+            <a:r>
+              <a:rPr lang="it-IT" sz="2000" dirty="0">
+                <a:latin typeface="+mj-lt"/>
+              </a:rPr>
+              <a:t> </a:t>
+            </a:r>
+            <a:r>
+              <a:rPr lang="it-IT" sz="2000" dirty="0" err="1">
+                <a:latin typeface="+mj-lt"/>
+              </a:rPr>
+              <a:t>sensible</a:t>
+            </a:r>
+            <a:r>
+              <a:rPr lang="it-IT" sz="2000" dirty="0">
+                <a:latin typeface="+mj-lt"/>
+              </a:rPr>
+              <a:t> </a:t>
+            </a:r>
+            <a:r>
+              <a:rPr lang="it-IT" sz="2000" dirty="0" err="1">
+                <a:latin typeface="+mj-lt"/>
+              </a:rPr>
+              <a:t>features</a:t>
+            </a:r>
+            <a:r>
+              <a:rPr lang="it-IT" sz="2000" dirty="0">
+                <a:latin typeface="+mj-lt"/>
+              </a:rPr>
+              <a:t> and exploit the </a:t>
+            </a:r>
+            <a:r>
+              <a:rPr lang="it-IT" sz="2000" dirty="0" err="1">
+                <a:latin typeface="+mj-lt"/>
+              </a:rPr>
+              <a:t>correlation</a:t>
+            </a:r>
+            <a:r>
+              <a:rPr lang="it-IT" sz="2000" dirty="0">
+                <a:latin typeface="+mj-lt"/>
+              </a:rPr>
+              <a:t> </a:t>
+            </a:r>
+            <a:r>
+              <a:rPr lang="it-IT" sz="2000" dirty="0" err="1">
+                <a:latin typeface="+mj-lt"/>
+              </a:rPr>
+              <a:t>among</a:t>
+            </a:r>
+            <a:r>
+              <a:rPr lang="it-IT" sz="2000" dirty="0">
+                <a:latin typeface="+mj-lt"/>
+              </a:rPr>
+              <a:t> consecutive </a:t>
+            </a:r>
+            <a:r>
+              <a:rPr lang="it-IT" sz="2000" dirty="0" err="1">
+                <a:latin typeface="+mj-lt"/>
+              </a:rPr>
+              <a:t>samples</a:t>
+            </a:r>
+            <a:r>
+              <a:rPr lang="it-IT" sz="2000" dirty="0">
+                <a:latin typeface="+mj-lt"/>
+              </a:rPr>
+              <a:t> and </a:t>
+            </a:r>
+            <a:r>
+              <a:rPr lang="it-IT" sz="2000" dirty="0" err="1">
+                <a:latin typeface="+mj-lt"/>
+              </a:rPr>
+              <a:t>independent</a:t>
+            </a:r>
+            <a:r>
+              <a:rPr lang="it-IT" sz="2000" dirty="0">
+                <a:latin typeface="+mj-lt"/>
+              </a:rPr>
+              <a:t> </a:t>
+            </a:r>
+            <a:r>
+              <a:rPr lang="it-IT" sz="2000" dirty="0" err="1">
+                <a:latin typeface="+mj-lt"/>
+              </a:rPr>
+              <a:t>windows</a:t>
+            </a:r>
+            <a:endParaRPr lang="it-IT" sz="2000" dirty="0">
+              <a:latin typeface="+mj-lt"/>
+            </a:endParaRPr>
+          </a:p>
+        </p:txBody>
+      </p:sp>
+      <p:sp>
+        <p:nvSpPr>
+          <p:cNvPr id="4" name="CasellaDiTesto 3"/>
+          <p:cNvSpPr txBox="1"/>
+          <p:nvPr/>
+        </p:nvSpPr>
+        <p:spPr>
+          <a:xfrm>
+            <a:off x="628650" y="5241807"/>
+            <a:ext cx="7886700" cy="1600438"/>
+          </a:xfrm>
+          <a:prstGeom prst="rect">
+            <a:avLst/>
+          </a:prstGeom>
+          <a:noFill/>
+        </p:spPr>
+        <p:txBody>
+          <a:bodyPr wrap="square" rtlCol="0">
+            <a:spAutoFit/>
+          </a:bodyPr>
+          <a:lstStyle/>
+          <a:p>
+            <a:r>
+              <a:rPr lang="it-IT" sz="1400" dirty="0">
+                <a:latin typeface="+mj-lt"/>
+              </a:rPr>
+              <a:t>[2] H. </a:t>
+            </a:r>
+            <a:r>
+              <a:rPr lang="it-IT" sz="1400" dirty="0" err="1">
+                <a:latin typeface="+mj-lt"/>
+              </a:rPr>
+              <a:t>Cao</a:t>
+            </a:r>
+            <a:r>
+              <a:rPr lang="it-IT" sz="1400" dirty="0">
+                <a:latin typeface="+mj-lt"/>
+              </a:rPr>
+              <a:t>, M. N. </a:t>
+            </a:r>
+            <a:r>
+              <a:rPr lang="it-IT" sz="1400" dirty="0" err="1">
+                <a:latin typeface="+mj-lt"/>
+              </a:rPr>
+              <a:t>Nguyen</a:t>
+            </a:r>
+            <a:r>
+              <a:rPr lang="it-IT" sz="1400" dirty="0">
+                <a:latin typeface="+mj-lt"/>
+              </a:rPr>
+              <a:t>, C. </a:t>
+            </a:r>
+            <a:r>
+              <a:rPr lang="it-IT" sz="1400" dirty="0" err="1">
+                <a:latin typeface="+mj-lt"/>
+              </a:rPr>
+              <a:t>Phua</a:t>
+            </a:r>
+            <a:r>
+              <a:rPr lang="it-IT" sz="1400" dirty="0">
+                <a:latin typeface="+mj-lt"/>
+              </a:rPr>
+              <a:t>, S. </a:t>
+            </a:r>
+            <a:r>
+              <a:rPr lang="it-IT" sz="1400" dirty="0" err="1">
+                <a:latin typeface="+mj-lt"/>
+              </a:rPr>
+              <a:t>Krishnaswamy</a:t>
+            </a:r>
+            <a:r>
+              <a:rPr lang="it-IT" sz="1400" dirty="0">
+                <a:latin typeface="+mj-lt"/>
+              </a:rPr>
+              <a:t>, and X. Li, “An </a:t>
+            </a:r>
+            <a:r>
+              <a:rPr lang="en-US" sz="1400" dirty="0">
+                <a:latin typeface="+mj-lt"/>
+              </a:rPr>
+              <a:t>integrated framework for human activity classification.,” in </a:t>
+            </a:r>
+            <a:r>
+              <a:rPr lang="en-US" sz="1400" i="1" dirty="0" err="1">
+                <a:latin typeface="+mj-lt"/>
+              </a:rPr>
+              <a:t>UbiComp</a:t>
+            </a:r>
+            <a:r>
+              <a:rPr lang="en-US" sz="1400" dirty="0">
+                <a:latin typeface="+mj-lt"/>
+              </a:rPr>
+              <a:t>,</a:t>
+            </a:r>
+            <a:r>
+              <a:rPr lang="it-IT" sz="1400" dirty="0">
+                <a:latin typeface="+mj-lt"/>
+              </a:rPr>
+              <a:t>pp. 331–340, 2012.</a:t>
+            </a:r>
+          </a:p>
+          <a:p>
+            <a:r>
+              <a:rPr lang="it-IT" sz="1400" dirty="0">
+                <a:latin typeface="+mj-lt"/>
+              </a:rPr>
+              <a:t>[3] J. Yang, M. N. </a:t>
+            </a:r>
+            <a:r>
+              <a:rPr lang="it-IT" sz="1400" dirty="0" err="1">
+                <a:latin typeface="+mj-lt"/>
+              </a:rPr>
+              <a:t>Nguyen</a:t>
+            </a:r>
+            <a:r>
+              <a:rPr lang="it-IT" sz="1400" dirty="0">
+                <a:latin typeface="+mj-lt"/>
+              </a:rPr>
+              <a:t>, P. P. San, X. Li, and S. </a:t>
+            </a:r>
+            <a:r>
+              <a:rPr lang="it-IT" sz="1400" dirty="0" err="1">
+                <a:latin typeface="+mj-lt"/>
+              </a:rPr>
+              <a:t>Krishnaswamy</a:t>
+            </a:r>
+            <a:r>
+              <a:rPr lang="it-IT" sz="1400" dirty="0">
+                <a:latin typeface="+mj-lt"/>
+              </a:rPr>
+              <a:t>, “</a:t>
+            </a:r>
+            <a:r>
+              <a:rPr lang="it-IT" sz="1400" dirty="0" err="1">
+                <a:latin typeface="+mj-lt"/>
+              </a:rPr>
+              <a:t>Deep</a:t>
+            </a:r>
+            <a:r>
+              <a:rPr lang="it-IT" sz="1400" dirty="0">
+                <a:latin typeface="+mj-lt"/>
+              </a:rPr>
+              <a:t> </a:t>
+            </a:r>
+            <a:r>
+              <a:rPr lang="en-US" sz="1400" dirty="0">
+                <a:latin typeface="+mj-lt"/>
+              </a:rPr>
+              <a:t>convolutional neural networks on multichannel time series for human activity recognition.,” in </a:t>
+            </a:r>
+            <a:r>
+              <a:rPr lang="en-US" sz="1400" i="1" dirty="0" err="1">
+                <a:latin typeface="+mj-lt"/>
+              </a:rPr>
+              <a:t>Ijcai</a:t>
+            </a:r>
+            <a:r>
+              <a:rPr lang="en-US" sz="1400" dirty="0">
+                <a:latin typeface="+mj-lt"/>
+              </a:rPr>
+              <a:t>, vol. 15, pp. 3995–4001, 2015.</a:t>
+            </a:r>
+          </a:p>
+          <a:p>
+            <a:r>
+              <a:rPr lang="en-US" sz="1400" dirty="0">
+                <a:latin typeface="+mj-lt"/>
+              </a:rPr>
+              <a:t>[4] </a:t>
+            </a:r>
+            <a:r>
+              <a:rPr lang="sv-SE" sz="1400" dirty="0">
+                <a:latin typeface="+mj-lt"/>
+              </a:rPr>
+              <a:t>F. Li, K. Shirahama, M. A. Nisar, L. Köping, and M. Grzegorzek, </a:t>
+            </a:r>
+            <a:r>
+              <a:rPr lang="en-US" sz="1400" dirty="0">
+                <a:latin typeface="+mj-lt"/>
+              </a:rPr>
+              <a:t>“Comparison of feature learning methods for human activity recognition using wearable sensors,” </a:t>
+            </a:r>
+            <a:r>
+              <a:rPr lang="en-US" sz="1400" i="1" dirty="0">
+                <a:latin typeface="+mj-lt"/>
+              </a:rPr>
+              <a:t>Sensors</a:t>
+            </a:r>
+            <a:r>
+              <a:rPr lang="en-US" sz="1400" dirty="0">
+                <a:latin typeface="+mj-lt"/>
+              </a:rPr>
+              <a:t>, vol. 18, no. 2, p. 679, 2018.</a:t>
+            </a:r>
+            <a:endParaRPr lang="it-IT" sz="1400" dirty="0">
+              <a:latin typeface="+mj-lt"/>
+            </a:endParaRPr>
+          </a:p>
+          <a:p>
+            <a:endParaRPr lang="it-IT" sz="1400" dirty="0">
+              <a:latin typeface="+mj-lt"/>
+            </a:endParaRPr>
           </a:p>
         </p:txBody>
       </p:sp>
@@ -9046,7 +10491,7 @@
       </p:grpSpPr>
       <p:sp>
         <p:nvSpPr>
-          <p:cNvPr id="10" name="Titolo 9"/>
+          <p:cNvPr id="2" name="Titolo 1"/>
           <p:cNvSpPr>
             <a:spLocks noGrp="1"/>
           </p:cNvSpPr>
@@ -9054,32 +10499,10 @@
             <p:ph type="title"/>
           </p:nvPr>
         </p:nvSpPr>
-        <p:spPr/>
-        <p:txBody>
-          <a:bodyPr/>
-          <a:lstStyle/>
-          <a:p>
-            <a:r>
-              <a:rPr lang="en-US" b="1" dirty="0"/>
-              <a:t>Conclusions</a:t>
-            </a:r>
-          </a:p>
-        </p:txBody>
-      </p:sp>
-      <p:sp>
-        <p:nvSpPr>
-          <p:cNvPr id="11" name="Segnaposto contenuto 10"/>
-          <p:cNvSpPr>
-            <a:spLocks noGrp="1"/>
-          </p:cNvSpPr>
-          <p:nvPr>
-            <p:ph idx="1"/>
-          </p:nvPr>
-        </p:nvSpPr>
-        <p:spPr>
-          <a:xfrm>
-            <a:off x="828654" y="1568415"/>
-            <a:ext cx="8215953" cy="5160376"/>
+        <p:spPr>
+          <a:xfrm>
+            <a:off x="1016276" y="23018"/>
+            <a:ext cx="7886700" cy="1325563"/>
           </a:xfrm>
         </p:spPr>
         <p:txBody>
@@ -9088,79 +10511,230 @@
           </a:bodyPr>
           <a:lstStyle/>
           <a:p>
-            <a:pPr>
-              <a:lnSpc>
-                <a:spcPct val="100000"/>
-              </a:lnSpc>
-              <a:buFont typeface="Wingdings" charset="2"/>
-              <a:buChar char="§"/>
-            </a:pPr>
-            <a:r>
-              <a:rPr lang="en-US" sz="2000" dirty="0">
-                <a:latin typeface="+mj-lt"/>
-                <a:ea typeface="Fira Sans Light" charset="0"/>
-                <a:cs typeface="Fira Sans Light" charset="0"/>
-              </a:rPr>
-              <a:t>First step</a:t>
-            </a:r>
-          </a:p>
-          <a:p>
-            <a:pPr>
-              <a:lnSpc>
-                <a:spcPct val="100000"/>
-              </a:lnSpc>
-              <a:buFont typeface="Wingdings" charset="2"/>
-              <a:buChar char="§"/>
-            </a:pPr>
-            <a:r>
-              <a:rPr lang="en-US" sz="2000" dirty="0">
-                <a:latin typeface="+mj-lt"/>
-                <a:ea typeface="Fira Sans Light" charset="0"/>
-                <a:cs typeface="Fira Sans Light" charset="0"/>
-              </a:rPr>
-              <a:t>Second step</a:t>
-            </a:r>
-          </a:p>
-          <a:p>
-            <a:pPr>
-              <a:lnSpc>
-                <a:spcPct val="100000"/>
-              </a:lnSpc>
-              <a:buFont typeface="Wingdings" charset="2"/>
-              <a:buChar char="§"/>
-            </a:pPr>
-            <a:r>
-              <a:rPr lang="en-US" sz="2000" dirty="0">
-                <a:latin typeface="+mj-lt"/>
-                <a:ea typeface="Fira Sans Light" charset="0"/>
-                <a:cs typeface="Fira Sans Light" charset="0"/>
-              </a:rPr>
-              <a:t>Third step</a:t>
-            </a:r>
-          </a:p>
-          <a:p>
-            <a:pPr>
-              <a:lnSpc>
-                <a:spcPct val="100000"/>
-              </a:lnSpc>
-              <a:buFont typeface="Wingdings" charset="2"/>
-              <a:buChar char="§"/>
-            </a:pPr>
-            <a:r>
-              <a:rPr lang="en-US" sz="2000" dirty="0">
-                <a:latin typeface="+mj-lt"/>
-                <a:ea typeface="Fira Sans Light" charset="0"/>
-                <a:cs typeface="Fira Sans Light" charset="0"/>
-              </a:rPr>
-              <a:t>Fourth step</a:t>
-            </a:r>
+            <a:r>
+              <a:rPr lang="it-IT" sz="4000" dirty="0"/>
+              <a:t>Processing Pipeline of </a:t>
+            </a:r>
+            <a:r>
+              <a:rPr lang="it-IT" sz="4000" dirty="0" err="1"/>
+              <a:t>Our</a:t>
+            </a:r>
+            <a:r>
+              <a:rPr lang="it-IT" sz="4000" dirty="0"/>
+              <a:t> </a:t>
+            </a:r>
+            <a:r>
+              <a:rPr lang="it-IT" sz="4000" dirty="0" err="1"/>
+              <a:t>Proposal</a:t>
+            </a:r>
+            <a:endParaRPr lang="it-IT" sz="4000" dirty="0"/>
+          </a:p>
+        </p:txBody>
+      </p:sp>
+      <p:pic>
+        <p:nvPicPr>
+          <p:cNvPr id="4" name="Segnaposto contenuto 3"/>
+          <p:cNvPicPr>
+            <a:picLocks noGrp="1" noChangeAspect="1"/>
+          </p:cNvPicPr>
+          <p:nvPr>
+            <p:ph idx="1"/>
+          </p:nvPr>
+        </p:nvPicPr>
+        <p:blipFill>
+          <a:blip r:embed="rId2">
+            <a:extLst>
+              <a:ext uri="{28A0092B-C50C-407E-A947-70E740481C1C}">
+                <a14:useLocalDpi xmlns:a14="http://schemas.microsoft.com/office/drawing/2010/main" val="0"/>
+              </a:ext>
+            </a:extLst>
+          </a:blip>
+          <a:stretch>
+            <a:fillRect/>
+          </a:stretch>
+        </p:blipFill>
+        <p:spPr>
+          <a:xfrm>
+            <a:off x="1954074" y="1545405"/>
+            <a:ext cx="6156256" cy="4460902"/>
+          </a:xfrm>
+        </p:spPr>
+      </p:pic>
+      <p:sp>
+        <p:nvSpPr>
+          <p:cNvPr id="5" name="Ovale 4"/>
+          <p:cNvSpPr/>
+          <p:nvPr/>
+        </p:nvSpPr>
+        <p:spPr>
+          <a:xfrm>
+            <a:off x="1330392" y="1117461"/>
+            <a:ext cx="2763078" cy="4104861"/>
+          </a:xfrm>
+          <a:prstGeom prst="ellipse">
+            <a:avLst/>
+          </a:prstGeom>
+          <a:noFill/>
+          <a:ln w="28575">
+            <a:solidFill>
+              <a:schemeClr val="accent2">
+                <a:lumMod val="60000"/>
+                <a:lumOff val="40000"/>
+              </a:schemeClr>
+            </a:solidFill>
+          </a:ln>
+        </p:spPr>
+        <p:style>
+          <a:lnRef idx="2">
+            <a:schemeClr val="accent1">
+              <a:shade val="50000"/>
+            </a:schemeClr>
+          </a:lnRef>
+          <a:fillRef idx="1">
+            <a:schemeClr val="accent1"/>
+          </a:fillRef>
+          <a:effectRef idx="0">
+            <a:schemeClr val="accent1"/>
+          </a:effectRef>
+          <a:fontRef idx="minor">
+            <a:schemeClr val="lt1"/>
+          </a:fontRef>
+        </p:style>
+        <p:txBody>
+          <a:bodyPr rtlCol="0" anchor="ctr"/>
+          <a:lstStyle/>
+          <a:p>
+            <a:pPr algn="ctr"/>
+            <a:endParaRPr lang="it-IT"/>
+          </a:p>
+        </p:txBody>
+      </p:sp>
+      <p:sp>
+        <p:nvSpPr>
+          <p:cNvPr id="6" name="Ovale 5"/>
+          <p:cNvSpPr/>
+          <p:nvPr/>
+        </p:nvSpPr>
+        <p:spPr>
+          <a:xfrm>
+            <a:off x="3717235" y="1092286"/>
+            <a:ext cx="4393095" cy="5257800"/>
+          </a:xfrm>
+          <a:prstGeom prst="ellipse">
+            <a:avLst/>
+          </a:prstGeom>
+          <a:noFill/>
+          <a:ln w="28575">
+            <a:solidFill>
+              <a:srgbClr val="0000CC"/>
+            </a:solidFill>
+          </a:ln>
+        </p:spPr>
+        <p:style>
+          <a:lnRef idx="2">
+            <a:schemeClr val="accent1">
+              <a:shade val="50000"/>
+            </a:schemeClr>
+          </a:lnRef>
+          <a:fillRef idx="1">
+            <a:schemeClr val="accent1"/>
+          </a:fillRef>
+          <a:effectRef idx="0">
+            <a:schemeClr val="accent1"/>
+          </a:effectRef>
+          <a:fontRef idx="minor">
+            <a:schemeClr val="lt1"/>
+          </a:fontRef>
+        </p:style>
+        <p:txBody>
+          <a:bodyPr rtlCol="0" anchor="ctr"/>
+          <a:lstStyle/>
+          <a:p>
+            <a:pPr algn="ctr"/>
+            <a:endParaRPr lang="it-IT"/>
+          </a:p>
+        </p:txBody>
+      </p:sp>
+      <p:sp>
+        <p:nvSpPr>
+          <p:cNvPr id="7" name="CasellaDiTesto 6"/>
+          <p:cNvSpPr txBox="1"/>
+          <p:nvPr/>
+        </p:nvSpPr>
+        <p:spPr>
+          <a:xfrm>
+            <a:off x="2209489" y="5320734"/>
+            <a:ext cx="1252331" cy="400110"/>
+          </a:xfrm>
+          <a:prstGeom prst="rect">
+            <a:avLst/>
+          </a:prstGeom>
+          <a:noFill/>
+        </p:spPr>
+        <p:txBody>
+          <a:bodyPr wrap="square" rtlCol="0">
+            <a:spAutoFit/>
+          </a:bodyPr>
+          <a:lstStyle/>
+          <a:p>
+            <a:r>
+              <a:rPr lang="it-IT" sz="2000" dirty="0" err="1">
+                <a:solidFill>
+                  <a:srgbClr val="FF0000"/>
+                </a:solidFill>
+              </a:rPr>
+              <a:t>Matlab</a:t>
+            </a:r>
+            <a:endParaRPr lang="it-IT" sz="2000" dirty="0">
+              <a:solidFill>
+                <a:srgbClr val="FF0000"/>
+              </a:solidFill>
+            </a:endParaRPr>
+          </a:p>
+        </p:txBody>
+      </p:sp>
+      <p:sp>
+        <p:nvSpPr>
+          <p:cNvPr id="8" name="CasellaDiTesto 7"/>
+          <p:cNvSpPr txBox="1"/>
+          <p:nvPr/>
+        </p:nvSpPr>
+        <p:spPr>
+          <a:xfrm>
+            <a:off x="5506279" y="6412334"/>
+            <a:ext cx="1302026" cy="369332"/>
+          </a:xfrm>
+          <a:prstGeom prst="rect">
+            <a:avLst/>
+          </a:prstGeom>
+          <a:noFill/>
+        </p:spPr>
+        <p:txBody>
+          <a:bodyPr wrap="square" rtlCol="0">
+            <a:spAutoFit/>
+          </a:bodyPr>
+          <a:lstStyle/>
+          <a:p>
+            <a:r>
+              <a:rPr lang="it-IT" dirty="0" err="1">
+                <a:solidFill>
+                  <a:srgbClr val="0000FF"/>
+                </a:solidFill>
+              </a:rPr>
+              <a:t>Python</a:t>
+            </a:r>
+            <a:endParaRPr lang="it-IT" dirty="0">
+              <a:solidFill>
+                <a:srgbClr val="0000FF"/>
+              </a:solidFill>
+            </a:endParaRPr>
           </a:p>
         </p:txBody>
       </p:sp>
     </p:spTree>
     <p:extLst>
       <p:ext uri="{BB962C8B-B14F-4D97-AF65-F5344CB8AC3E}">
-        <p14:creationId xmlns:p14="http://schemas.microsoft.com/office/powerpoint/2010/main" val="378918219"/>
+        <p14:creationId xmlns:p14="http://schemas.microsoft.com/office/powerpoint/2010/main" val="2347977846"/>
       </p:ext>
     </p:extLst>
   </p:cSld>
@@ -9173,14 +10747,6 @@
 <file path=ppt/slides/slide9.xml><?xml version="1.0" encoding="utf-8"?>
 <p:sld xmlns:a="http://schemas.openxmlformats.org/drawingml/2006/main" xmlns:r="http://schemas.openxmlformats.org/officeDocument/2006/relationships" xmlns:p="http://schemas.openxmlformats.org/presentationml/2006/main">
   <p:cSld>
-    <p:bg>
-      <p:bgPr>
-        <a:solidFill>
-          <a:schemeClr val="bg1"/>
-        </a:solidFill>
-        <a:effectLst/>
-      </p:bgPr>
-    </p:bg>
     <p:spTree>
       <p:nvGrpSpPr>
         <p:cNvPr id="1" name=""/>
@@ -9197,325 +10763,46 @@
       </p:grpSpPr>
       <p:sp>
         <p:nvSpPr>
-          <p:cNvPr id="4" name="Titolo 3"/>
-          <p:cNvSpPr>
-            <a:spLocks noGrp="1"/>
-          </p:cNvSpPr>
-          <p:nvPr>
-            <p:ph type="ctrTitle"/>
-          </p:nvPr>
-        </p:nvSpPr>
-        <p:spPr>
-          <a:xfrm>
-            <a:off x="847612" y="1427705"/>
-            <a:ext cx="7855084" cy="1285705"/>
-          </a:xfrm>
-        </p:spPr>
-        <p:txBody>
-          <a:bodyPr>
-            <a:noAutofit/>
-          </a:bodyPr>
-          <a:lstStyle/>
-          <a:p>
-            <a:pPr>
-              <a:lnSpc>
-                <a:spcPct val="120000"/>
-              </a:lnSpc>
-            </a:pPr>
-            <a:r>
-              <a:rPr lang="en-US" sz="3600" dirty="0">
-                <a:effectLst>
-                  <a:outerShdw blurRad="38100" dist="38100" dir="2700000" algn="tl">
-                    <a:srgbClr val="000000">
-                      <a:alpha val="43137"/>
-                    </a:srgbClr>
-                  </a:outerShdw>
-                </a:effectLst>
-                <a:ea typeface="Fira Sans" charset="0"/>
-                <a:cs typeface="Fira Sans" charset="0"/>
-              </a:rPr>
-              <a:t>Deep Learning Techniques for Gesture Recognition: Where to Split the Complexity</a:t>
-            </a:r>
-          </a:p>
-        </p:txBody>
-      </p:sp>
-      <p:sp>
-        <p:nvSpPr>
-          <p:cNvPr id="5" name="Sottotitolo 4"/>
-          <p:cNvSpPr>
-            <a:spLocks noGrp="1"/>
-          </p:cNvSpPr>
-          <p:nvPr>
-            <p:ph type="subTitle" idx="1"/>
-          </p:nvPr>
-        </p:nvSpPr>
-        <p:spPr>
-          <a:xfrm>
-            <a:off x="946016" y="2880628"/>
-            <a:ext cx="7658276" cy="1927161"/>
-          </a:xfrm>
-        </p:spPr>
-        <p:txBody>
-          <a:bodyPr anchor="ctr" anchorCtr="0">
-            <a:noAutofit/>
-          </a:bodyPr>
-          <a:lstStyle/>
-          <a:p>
-            <a:pPr>
-              <a:lnSpc>
-                <a:spcPct val="100000"/>
-              </a:lnSpc>
-              <a:spcBef>
-                <a:spcPts val="0"/>
-              </a:spcBef>
-            </a:pPr>
-            <a:r>
-              <a:rPr lang="it-IT" dirty="0">
-                <a:ea typeface="Fira Sans Book" charset="0"/>
-                <a:cs typeface="Fira Sans Book" charset="0"/>
-              </a:rPr>
-              <a:t>Matteo Drago, Riccardo </a:t>
-            </a:r>
-            <a:r>
-              <a:rPr lang="it-IT" dirty="0" err="1">
-                <a:ea typeface="Fira Sans Book" charset="0"/>
-                <a:cs typeface="Fira Sans Book" charset="0"/>
-              </a:rPr>
-              <a:t>Lincetto</a:t>
-            </a:r>
-            <a:endParaRPr lang="it-IT" i="1" baseline="30000" dirty="0">
-              <a:ea typeface="Fira Sans Book" charset="0"/>
-              <a:cs typeface="Fira Sans Book" charset="0"/>
-            </a:endParaRPr>
-          </a:p>
-          <a:p>
-            <a:pPr>
-              <a:lnSpc>
-                <a:spcPct val="100000"/>
-              </a:lnSpc>
-              <a:spcBef>
-                <a:spcPts val="0"/>
-              </a:spcBef>
-            </a:pPr>
-            <a:r>
-              <a:rPr lang="it-IT" sz="1800" dirty="0" err="1">
-                <a:ea typeface="Fira Sans Book" charset="0"/>
-                <a:cs typeface="Fira Sans Book" charset="0"/>
-              </a:rPr>
-              <a:t>Dept</a:t>
-            </a:r>
-            <a:r>
-              <a:rPr lang="it-IT" sz="1800" dirty="0">
-                <a:ea typeface="Fira Sans Book" charset="0"/>
-                <a:cs typeface="Fira Sans Book" charset="0"/>
-              </a:rPr>
-              <a:t>. of Information </a:t>
-            </a:r>
-            <a:r>
-              <a:rPr lang="it-IT" sz="1800" dirty="0" err="1">
-                <a:ea typeface="Fira Sans Book" charset="0"/>
-                <a:cs typeface="Fira Sans Book" charset="0"/>
-              </a:rPr>
-              <a:t>Engineering</a:t>
-            </a:r>
-            <a:r>
-              <a:rPr lang="it-IT" sz="1800" dirty="0">
-                <a:ea typeface="Fira Sans Book" charset="0"/>
-                <a:cs typeface="Fira Sans Book" charset="0"/>
-              </a:rPr>
-              <a:t>, </a:t>
-            </a:r>
-            <a:r>
-              <a:rPr lang="it-IT" sz="1800" dirty="0" err="1">
-                <a:ea typeface="Fira Sans Book" charset="0"/>
-                <a:cs typeface="Fira Sans Book" charset="0"/>
-              </a:rPr>
-              <a:t>University</a:t>
-            </a:r>
-            <a:r>
-              <a:rPr lang="it-IT" sz="1800" dirty="0">
-                <a:ea typeface="Fira Sans Book" charset="0"/>
-                <a:cs typeface="Fira Sans Book" charset="0"/>
-              </a:rPr>
-              <a:t> of Padova, </a:t>
-            </a:r>
-            <a:r>
-              <a:rPr lang="it-IT" sz="1800" dirty="0" err="1">
-                <a:ea typeface="Fira Sans Book" charset="0"/>
-                <a:cs typeface="Fira Sans Book" charset="0"/>
-              </a:rPr>
-              <a:t>Italy</a:t>
-            </a:r>
-            <a:endParaRPr lang="it-IT" sz="1800" dirty="0">
-              <a:ea typeface="Fira Sans Book" charset="0"/>
-              <a:cs typeface="Fira Sans Book" charset="0"/>
-            </a:endParaRPr>
-          </a:p>
-          <a:p>
-            <a:pPr>
-              <a:lnSpc>
-                <a:spcPct val="100000"/>
-              </a:lnSpc>
-              <a:spcBef>
-                <a:spcPts val="0"/>
-              </a:spcBef>
-            </a:pPr>
-            <a:endParaRPr lang="it-IT" sz="1800" dirty="0">
-              <a:ea typeface="Fira Sans Book" charset="0"/>
-              <a:cs typeface="Fira Sans Book" charset="0"/>
-            </a:endParaRPr>
-          </a:p>
-          <a:p>
-            <a:pPr>
-              <a:lnSpc>
-                <a:spcPct val="100000"/>
-              </a:lnSpc>
-              <a:spcBef>
-                <a:spcPts val="0"/>
-              </a:spcBef>
-            </a:pPr>
-            <a:r>
-              <a:rPr lang="it-IT" dirty="0">
-                <a:ea typeface="Fira Sans Book" charset="0"/>
-                <a:cs typeface="Fira Sans Book" charset="0"/>
-              </a:rPr>
-              <a:t>Prof. Michele Rossi</a:t>
-            </a:r>
-          </a:p>
-          <a:p>
-            <a:pPr>
-              <a:lnSpc>
-                <a:spcPct val="100000"/>
-              </a:lnSpc>
-              <a:spcBef>
-                <a:spcPts val="0"/>
-              </a:spcBef>
-            </a:pPr>
-            <a:endParaRPr lang="it-IT" sz="1600" b="1" baseline="30000" dirty="0">
-              <a:ea typeface="Fira Sans Book" charset="0"/>
-              <a:cs typeface="Fira Sans Book" charset="0"/>
-            </a:endParaRPr>
-          </a:p>
-        </p:txBody>
-      </p:sp>
-      <p:pic>
-        <p:nvPicPr>
-          <p:cNvPr id="7" name="Immagine 6"/>
-          <p:cNvPicPr>
-            <a:picLocks noChangeAspect="1"/>
-          </p:cNvPicPr>
-          <p:nvPr/>
-        </p:nvPicPr>
-        <p:blipFill>
-          <a:blip r:embed="rId3" cstate="print">
-            <a:extLst>
-              <a:ext uri="{28A0092B-C50C-407E-A947-70E740481C1C}">
-                <a14:useLocalDpi xmlns:a14="http://schemas.microsoft.com/office/drawing/2010/main" val="0"/>
-              </a:ext>
-            </a:extLst>
-          </a:blip>
-          <a:stretch>
-            <a:fillRect/>
-          </a:stretch>
-        </p:blipFill>
-        <p:spPr>
-          <a:xfrm>
-            <a:off x="6738730" y="4670343"/>
-            <a:ext cx="1963966" cy="1976502"/>
-          </a:xfrm>
-          <a:prstGeom prst="rect">
-            <a:avLst/>
-          </a:prstGeom>
-        </p:spPr>
-      </p:pic>
-      <p:sp>
-        <p:nvSpPr>
-          <p:cNvPr id="9" name="CasellaDiTesto 8"/>
-          <p:cNvSpPr txBox="1"/>
-          <p:nvPr/>
-        </p:nvSpPr>
-        <p:spPr>
-          <a:xfrm>
-            <a:off x="900752" y="6012844"/>
-            <a:ext cx="3064961" cy="400110"/>
-          </a:xfrm>
-          <a:prstGeom prst="rect">
-            <a:avLst/>
-          </a:prstGeom>
-          <a:noFill/>
-        </p:spPr>
-        <p:txBody>
-          <a:bodyPr wrap="square" rtlCol="0">
-            <a:spAutoFit/>
-          </a:bodyPr>
-          <a:lstStyle/>
-          <a:p>
-            <a:r>
-              <a:rPr lang="it-IT" sz="2000" dirty="0" err="1">
-                <a:latin typeface="+mj-lt"/>
-                <a:ea typeface="Fira Sans Book" charset="0"/>
-                <a:cs typeface="Fira Sans Book" charset="0"/>
-              </a:rPr>
-              <a:t>September</a:t>
-            </a:r>
-            <a:r>
-              <a:rPr lang="it-IT" sz="2000" dirty="0">
-                <a:latin typeface="+mj-lt"/>
-                <a:ea typeface="Fira Sans Book" charset="0"/>
-                <a:cs typeface="Fira Sans Book" charset="0"/>
-              </a:rPr>
-              <a:t>, 5, 2018</a:t>
-            </a:r>
-          </a:p>
-        </p:txBody>
-      </p:sp>
-      <p:sp>
-        <p:nvSpPr>
-          <p:cNvPr id="8" name="CasellaDiTesto 7"/>
-          <p:cNvSpPr txBox="1"/>
-          <p:nvPr/>
-        </p:nvSpPr>
-        <p:spPr>
-          <a:xfrm>
-            <a:off x="900752" y="5156401"/>
-            <a:ext cx="4237778" cy="707886"/>
-          </a:xfrm>
-          <a:prstGeom prst="rect">
-            <a:avLst/>
-          </a:prstGeom>
-          <a:noFill/>
-        </p:spPr>
-        <p:txBody>
-          <a:bodyPr wrap="square" rtlCol="0">
-            <a:spAutoFit/>
-          </a:bodyPr>
-          <a:lstStyle/>
-          <a:p>
-            <a:r>
-              <a:rPr lang="it-IT" sz="2000" dirty="0">
-                <a:latin typeface="+mj-lt"/>
-                <a:ea typeface="Fira Sans Book" charset="0"/>
-                <a:cs typeface="Fira Sans Book" charset="0"/>
-              </a:rPr>
-              <a:t>matteo.drago@studenti.unipd.it</a:t>
-            </a:r>
-          </a:p>
-          <a:p>
-            <a:r>
-              <a:rPr lang="it-IT" sz="2000" dirty="0">
-                <a:latin typeface="+mj-lt"/>
-                <a:ea typeface="Fira Sans Book" charset="0"/>
-                <a:cs typeface="Fira Sans Book" charset="0"/>
-              </a:rPr>
-              <a:t>riccardo.lincetto@studenti.unipd.it</a:t>
-            </a:r>
+          <p:cNvPr id="2" name="Titolo 1"/>
+          <p:cNvSpPr>
+            <a:spLocks noGrp="1"/>
+          </p:cNvSpPr>
+          <p:nvPr>
+            <p:ph type="title"/>
+          </p:nvPr>
+        </p:nvSpPr>
+        <p:spPr/>
+        <p:txBody>
+          <a:bodyPr/>
+          <a:lstStyle/>
+          <a:p>
+            <a:endParaRPr lang="it-IT"/>
+          </a:p>
+        </p:txBody>
+      </p:sp>
+      <p:sp>
+        <p:nvSpPr>
+          <p:cNvPr id="3" name="Segnaposto contenuto 2"/>
+          <p:cNvSpPr>
+            <a:spLocks noGrp="1"/>
+          </p:cNvSpPr>
+          <p:nvPr>
+            <p:ph idx="1"/>
+          </p:nvPr>
+        </p:nvSpPr>
+        <p:spPr/>
+        <p:txBody>
+          <a:bodyPr/>
+          <a:lstStyle/>
+          <a:p>
+            <a:endParaRPr lang="it-IT"/>
           </a:p>
         </p:txBody>
       </p:sp>
     </p:spTree>
     <p:extLst>
       <p:ext uri="{BB962C8B-B14F-4D97-AF65-F5344CB8AC3E}">
-        <p14:creationId xmlns:p14="http://schemas.microsoft.com/office/powerpoint/2010/main" val="940851349"/>
+        <p14:creationId xmlns:p14="http://schemas.microsoft.com/office/powerpoint/2010/main" val="3409595935"/>
       </p:ext>
     </p:extLst>
   </p:cSld>

--- a/presentation/HDA 2018.pptx
+++ b/presentation/HDA 2018.pptx
@@ -6570,7 +6570,7 @@
                 <a:ea typeface="Fira Sans" charset="0"/>
                 <a:cs typeface="Fira Sans" charset="0"/>
               </a:rPr>
-              <a:t>Deep Learning Techniques for Gesture Recognition: Where to Split the Complexity</a:t>
+              <a:t>Deep Learning Techniques for Gesture Recognition: Dealing With Inactivity</a:t>
             </a:r>
           </a:p>
         </p:txBody>
@@ -9091,7 +9091,7 @@
               <a:rPr lang="it-IT" b="1" dirty="0">
                 <a:latin typeface="+mj-lt"/>
               </a:rPr>
-              <a:t>TASK B:</a:t>
+              <a:t>TASK B2:</a:t>
             </a:r>
           </a:p>
           <a:p>
@@ -10090,7 +10090,7 @@
               <a:rPr lang="it-IT" sz="2000" dirty="0" err="1">
                 <a:latin typeface="+mj-lt"/>
               </a:rPr>
-              <a:t>comprehesive</a:t>
+              <a:t>comprehensive</a:t>
             </a:r>
             <a:r>
               <a:rPr lang="it-IT" sz="2000" dirty="0">

--- a/presentation/HDA 2018.pptx
+++ b/presentation/HDA 2018.pptx
@@ -648,6 +648,90 @@
 </file>
 
 <file path=ppt/notesSlides/notesSlide2.xml><?xml version="1.0" encoding="utf-8"?>
+<p:notes xmlns:a="http://schemas.openxmlformats.org/drawingml/2006/main" xmlns:r="http://schemas.openxmlformats.org/officeDocument/2006/relationships" xmlns:p="http://schemas.openxmlformats.org/presentationml/2006/main">
+  <p:cSld>
+    <p:spTree>
+      <p:nvGrpSpPr>
+        <p:cNvPr id="1" name=""/>
+        <p:cNvGrpSpPr/>
+        <p:nvPr/>
+      </p:nvGrpSpPr>
+      <p:grpSpPr>
+        <a:xfrm>
+          <a:off x="0" y="0"/>
+          <a:ext cx="0" cy="0"/>
+          <a:chOff x="0" y="0"/>
+          <a:chExt cx="0" cy="0"/>
+        </a:xfrm>
+      </p:grpSpPr>
+      <p:sp>
+        <p:nvSpPr>
+          <p:cNvPr id="2" name="Segnaposto immagine diapositiva 1"/>
+          <p:cNvSpPr>
+            <a:spLocks noGrp="1" noRot="1" noChangeAspect="1"/>
+          </p:cNvSpPr>
+          <p:nvPr>
+            <p:ph type="sldImg"/>
+          </p:nvPr>
+        </p:nvSpPr>
+        <p:spPr/>
+      </p:sp>
+      <p:sp>
+        <p:nvSpPr>
+          <p:cNvPr id="3" name="Segnaposto note 2"/>
+          <p:cNvSpPr>
+            <a:spLocks noGrp="1"/>
+          </p:cNvSpPr>
+          <p:nvPr>
+            <p:ph type="body" idx="1"/>
+          </p:nvPr>
+        </p:nvSpPr>
+        <p:spPr/>
+        <p:txBody>
+          <a:bodyPr/>
+          <a:lstStyle/>
+          <a:p>
+            <a:endParaRPr lang="en-US" dirty="0"/>
+          </a:p>
+        </p:txBody>
+      </p:sp>
+      <p:sp>
+        <p:nvSpPr>
+          <p:cNvPr id="4" name="Segnaposto numero diapositiva 3"/>
+          <p:cNvSpPr>
+            <a:spLocks noGrp="1"/>
+          </p:cNvSpPr>
+          <p:nvPr>
+            <p:ph type="sldNum" sz="quarter" idx="10"/>
+          </p:nvPr>
+        </p:nvSpPr>
+        <p:spPr/>
+        <p:txBody>
+          <a:bodyPr/>
+          <a:lstStyle/>
+          <a:p>
+            <a:fld id="{043C84D1-19FD-4492-8382-9D79A275F182}" type="slidenum">
+              <a:rPr lang="it-IT" smtClean="0"/>
+              <a:t>17</a:t>
+            </a:fld>
+            <a:endParaRPr lang="it-IT"/>
+          </a:p>
+        </p:txBody>
+      </p:sp>
+    </p:spTree>
+    <p:extLst>
+      <p:ext uri="{BB962C8B-B14F-4D97-AF65-F5344CB8AC3E}">
+        <p14:creationId xmlns:p14="http://schemas.microsoft.com/office/powerpoint/2010/main" val="275222561"/>
+      </p:ext>
+    </p:extLst>
+  </p:cSld>
+  <p:clrMapOvr>
+    <a:masterClrMapping/>
+  </p:clrMapOvr>
+</p:notes>
+</file>
+
+<file path=ppt/notesSlides/notesSlide3.xml><?xml version="1.0" encoding="utf-8"?>
 <p:notes xmlns:a="http://schemas.openxmlformats.org/drawingml/2006/main" xmlns:r="http://schemas.openxmlformats.org/officeDocument/2006/relationships" xmlns:p="http://schemas.openxmlformats.org/presentationml/2006/main">
   <p:cSld>
     <p:spTree>
@@ -12104,7 +12188,9 @@
           <a:lstStyle/>
           <a:p>
             <a:r>
-              <a:rPr lang="en-US" dirty="0"/>
+              <a:rPr lang="en-US" dirty="0">
+                <a:latin typeface="+mj-lt"/>
+              </a:rPr>
               <a:t>Discard of useless columns, keeping on-body sensor signals</a:t>
             </a:r>
           </a:p>
@@ -12141,6 +12227,125 @@
             <a:r>
               <a:rPr lang="en-US" sz="1200" dirty="0"/>
               <a:t>ADL2</a:t>
+            </a:r>
+          </a:p>
+        </p:txBody>
+      </p:sp>
+      <p:cxnSp>
+        <p:nvCxnSpPr>
+          <p:cNvPr id="6" name="Connettore 2 5">
+            <a:extLst>
+              <a:ext uri="{FF2B5EF4-FFF2-40B4-BE49-F238E27FC236}">
+                <a16:creationId xmlns:a16="http://schemas.microsoft.com/office/drawing/2014/main" id="{8EF84E99-45D4-43E4-A5A5-EDFFC936B5C9}"/>
+              </a:ext>
+            </a:extLst>
+          </p:cNvPr>
+          <p:cNvCxnSpPr>
+            <a:cxnSpLocks/>
+          </p:cNvCxnSpPr>
+          <p:nvPr/>
+        </p:nvCxnSpPr>
+        <p:spPr>
+          <a:xfrm>
+            <a:off x="8779290" y="1825625"/>
+            <a:ext cx="0" cy="2086540"/>
+          </a:xfrm>
+          <a:prstGeom prst="straightConnector1">
+            <a:avLst/>
+          </a:prstGeom>
+          <a:ln>
+            <a:tailEnd type="triangle"/>
+          </a:ln>
+        </p:spPr>
+        <p:style>
+          <a:lnRef idx="1">
+            <a:schemeClr val="accent1"/>
+          </a:lnRef>
+          <a:fillRef idx="0">
+            <a:schemeClr val="accent1"/>
+          </a:fillRef>
+          <a:effectRef idx="0">
+            <a:schemeClr val="accent1"/>
+          </a:effectRef>
+          <a:fontRef idx="minor">
+            <a:schemeClr val="tx1"/>
+          </a:fontRef>
+        </p:style>
+      </p:cxnSp>
+      <p:cxnSp>
+        <p:nvCxnSpPr>
+          <p:cNvPr id="7" name="Connettore 2 6">
+            <a:extLst>
+              <a:ext uri="{FF2B5EF4-FFF2-40B4-BE49-F238E27FC236}">
+                <a16:creationId xmlns:a16="http://schemas.microsoft.com/office/drawing/2014/main" id="{5E5AA29D-8F7E-4EEA-BB40-103D0FD2B418}"/>
+              </a:ext>
+            </a:extLst>
+          </p:cNvPr>
+          <p:cNvCxnSpPr>
+            <a:cxnSpLocks/>
+          </p:cNvCxnSpPr>
+          <p:nvPr/>
+        </p:nvCxnSpPr>
+        <p:spPr>
+          <a:xfrm>
+            <a:off x="8779290" y="4189164"/>
+            <a:ext cx="0" cy="2086540"/>
+          </a:xfrm>
+          <a:prstGeom prst="straightConnector1">
+            <a:avLst/>
+          </a:prstGeom>
+          <a:ln>
+            <a:tailEnd type="triangle"/>
+          </a:ln>
+        </p:spPr>
+        <p:style>
+          <a:lnRef idx="1">
+            <a:schemeClr val="accent1"/>
+          </a:lnRef>
+          <a:fillRef idx="0">
+            <a:schemeClr val="accent1"/>
+          </a:fillRef>
+          <a:effectRef idx="0">
+            <a:schemeClr val="accent1"/>
+          </a:effectRef>
+          <a:fontRef idx="minor">
+            <a:schemeClr val="tx1"/>
+          </a:fontRef>
+        </p:style>
+      </p:cxnSp>
+      <p:sp>
+        <p:nvSpPr>
+          <p:cNvPr id="8" name="CasellaDiTesto 7">
+            <a:extLst>
+              <a:ext uri="{FF2B5EF4-FFF2-40B4-BE49-F238E27FC236}">
+                <a16:creationId xmlns:a16="http://schemas.microsoft.com/office/drawing/2014/main" id="{10DE8B76-82BB-49E6-B8F3-1B9AAE3D91E4}"/>
+              </a:ext>
+            </a:extLst>
+          </p:cNvPr>
+          <p:cNvSpPr txBox="1"/>
+          <p:nvPr/>
+        </p:nvSpPr>
+        <p:spPr>
+          <a:xfrm>
+            <a:off x="8545893" y="6275704"/>
+            <a:ext cx="466794" cy="276999"/>
+          </a:xfrm>
+          <a:prstGeom prst="rect">
+            <a:avLst/>
+          </a:prstGeom>
+          <a:noFill/>
+        </p:spPr>
+        <p:txBody>
+          <a:bodyPr wrap="none" rtlCol="0">
+            <a:spAutoFit/>
+          </a:bodyPr>
+          <a:lstStyle/>
+          <a:p>
+            <a:r>
+              <a:rPr lang="en-US" sz="1200" dirty="0">
+                <a:latin typeface="+mj-lt"/>
+              </a:rPr>
+              <a:t>time</a:t>
             </a:r>
           </a:p>
         </p:txBody>
@@ -17642,14 +17847,20 @@
           <a:lstStyle/>
           <a:p>
             <a:r>
-              <a:rPr lang="en-US" dirty="0"/>
+              <a:rPr lang="en-US" dirty="0">
+                <a:latin typeface="+mj-lt"/>
+              </a:rPr>
               <a:t>Cutting of initial and final </a:t>
             </a:r>
             <a:r>
-              <a:rPr lang="en-US" dirty="0" err="1"/>
+              <a:rPr lang="en-US" dirty="0" err="1">
+                <a:latin typeface="+mj-lt"/>
+              </a:rPr>
               <a:t>NaNs</a:t>
             </a:r>
-            <a:endParaRPr lang="en-US" dirty="0"/>
+            <a:endParaRPr lang="en-US" dirty="0">
+              <a:latin typeface="+mj-lt"/>
+            </a:endParaRPr>
           </a:p>
         </p:txBody>
       </p:sp>
@@ -17684,6 +17895,125 @@
             <a:r>
               <a:rPr lang="en-US" sz="1200" dirty="0"/>
               <a:t>ADL2</a:t>
+            </a:r>
+          </a:p>
+        </p:txBody>
+      </p:sp>
+      <p:cxnSp>
+        <p:nvCxnSpPr>
+          <p:cNvPr id="6" name="Connettore 2 5">
+            <a:extLst>
+              <a:ext uri="{FF2B5EF4-FFF2-40B4-BE49-F238E27FC236}">
+                <a16:creationId xmlns:a16="http://schemas.microsoft.com/office/drawing/2014/main" id="{2A7FD3FA-3C49-4F03-BC3C-902FADC1EDFA}"/>
+              </a:ext>
+            </a:extLst>
+          </p:cNvPr>
+          <p:cNvCxnSpPr>
+            <a:cxnSpLocks/>
+          </p:cNvCxnSpPr>
+          <p:nvPr/>
+        </p:nvCxnSpPr>
+        <p:spPr>
+          <a:xfrm>
+            <a:off x="8779290" y="1825625"/>
+            <a:ext cx="0" cy="2086540"/>
+          </a:xfrm>
+          <a:prstGeom prst="straightConnector1">
+            <a:avLst/>
+          </a:prstGeom>
+          <a:ln>
+            <a:tailEnd type="triangle"/>
+          </a:ln>
+        </p:spPr>
+        <p:style>
+          <a:lnRef idx="1">
+            <a:schemeClr val="accent1"/>
+          </a:lnRef>
+          <a:fillRef idx="0">
+            <a:schemeClr val="accent1"/>
+          </a:fillRef>
+          <a:effectRef idx="0">
+            <a:schemeClr val="accent1"/>
+          </a:effectRef>
+          <a:fontRef idx="minor">
+            <a:schemeClr val="tx1"/>
+          </a:fontRef>
+        </p:style>
+      </p:cxnSp>
+      <p:cxnSp>
+        <p:nvCxnSpPr>
+          <p:cNvPr id="7" name="Connettore 2 6">
+            <a:extLst>
+              <a:ext uri="{FF2B5EF4-FFF2-40B4-BE49-F238E27FC236}">
+                <a16:creationId xmlns:a16="http://schemas.microsoft.com/office/drawing/2014/main" id="{5A55F1F8-BC43-469D-AF98-72706294578D}"/>
+              </a:ext>
+            </a:extLst>
+          </p:cNvPr>
+          <p:cNvCxnSpPr>
+            <a:cxnSpLocks/>
+          </p:cNvCxnSpPr>
+          <p:nvPr/>
+        </p:nvCxnSpPr>
+        <p:spPr>
+          <a:xfrm>
+            <a:off x="8779290" y="4189164"/>
+            <a:ext cx="0" cy="2086540"/>
+          </a:xfrm>
+          <a:prstGeom prst="straightConnector1">
+            <a:avLst/>
+          </a:prstGeom>
+          <a:ln>
+            <a:tailEnd type="triangle"/>
+          </a:ln>
+        </p:spPr>
+        <p:style>
+          <a:lnRef idx="1">
+            <a:schemeClr val="accent1"/>
+          </a:lnRef>
+          <a:fillRef idx="0">
+            <a:schemeClr val="accent1"/>
+          </a:fillRef>
+          <a:effectRef idx="0">
+            <a:schemeClr val="accent1"/>
+          </a:effectRef>
+          <a:fontRef idx="minor">
+            <a:schemeClr val="tx1"/>
+          </a:fontRef>
+        </p:style>
+      </p:cxnSp>
+      <p:sp>
+        <p:nvSpPr>
+          <p:cNvPr id="8" name="CasellaDiTesto 7">
+            <a:extLst>
+              <a:ext uri="{FF2B5EF4-FFF2-40B4-BE49-F238E27FC236}">
+                <a16:creationId xmlns:a16="http://schemas.microsoft.com/office/drawing/2014/main" id="{B3555E31-87FC-4A83-ACB2-FC83DABA2AB1}"/>
+              </a:ext>
+            </a:extLst>
+          </p:cNvPr>
+          <p:cNvSpPr txBox="1"/>
+          <p:nvPr/>
+        </p:nvSpPr>
+        <p:spPr>
+          <a:xfrm>
+            <a:off x="8545893" y="6275704"/>
+            <a:ext cx="466794" cy="276999"/>
+          </a:xfrm>
+          <a:prstGeom prst="rect">
+            <a:avLst/>
+          </a:prstGeom>
+          <a:noFill/>
+        </p:spPr>
+        <p:txBody>
+          <a:bodyPr wrap="none" rtlCol="0">
+            <a:spAutoFit/>
+          </a:bodyPr>
+          <a:lstStyle/>
+          <a:p>
+            <a:r>
+              <a:rPr lang="en-US" sz="1200" dirty="0">
+                <a:latin typeface="+mj-lt"/>
+              </a:rPr>
+              <a:t>time</a:t>
             </a:r>
           </a:p>
         </p:txBody>
@@ -23206,7 +23536,9 @@
           <a:lstStyle/>
           <a:p>
             <a:r>
-              <a:rPr lang="en-US" dirty="0"/>
+              <a:rPr lang="en-US" dirty="0">
+                <a:latin typeface="+mj-lt"/>
+              </a:rPr>
               <a:t>Interpolation</a:t>
             </a:r>
           </a:p>
@@ -23243,6 +23575,125 @@
             <a:r>
               <a:rPr lang="en-US" sz="1200" dirty="0"/>
               <a:t>ADL2</a:t>
+            </a:r>
+          </a:p>
+        </p:txBody>
+      </p:sp>
+      <p:cxnSp>
+        <p:nvCxnSpPr>
+          <p:cNvPr id="6" name="Connettore 2 5">
+            <a:extLst>
+              <a:ext uri="{FF2B5EF4-FFF2-40B4-BE49-F238E27FC236}">
+                <a16:creationId xmlns:a16="http://schemas.microsoft.com/office/drawing/2014/main" id="{B4282D61-764F-4D26-A884-8E80130DC236}"/>
+              </a:ext>
+            </a:extLst>
+          </p:cNvPr>
+          <p:cNvCxnSpPr>
+            <a:cxnSpLocks/>
+          </p:cNvCxnSpPr>
+          <p:nvPr/>
+        </p:nvCxnSpPr>
+        <p:spPr>
+          <a:xfrm>
+            <a:off x="8779290" y="1825625"/>
+            <a:ext cx="0" cy="2086540"/>
+          </a:xfrm>
+          <a:prstGeom prst="straightConnector1">
+            <a:avLst/>
+          </a:prstGeom>
+          <a:ln>
+            <a:tailEnd type="triangle"/>
+          </a:ln>
+        </p:spPr>
+        <p:style>
+          <a:lnRef idx="1">
+            <a:schemeClr val="accent1"/>
+          </a:lnRef>
+          <a:fillRef idx="0">
+            <a:schemeClr val="accent1"/>
+          </a:fillRef>
+          <a:effectRef idx="0">
+            <a:schemeClr val="accent1"/>
+          </a:effectRef>
+          <a:fontRef idx="minor">
+            <a:schemeClr val="tx1"/>
+          </a:fontRef>
+        </p:style>
+      </p:cxnSp>
+      <p:cxnSp>
+        <p:nvCxnSpPr>
+          <p:cNvPr id="7" name="Connettore 2 6">
+            <a:extLst>
+              <a:ext uri="{FF2B5EF4-FFF2-40B4-BE49-F238E27FC236}">
+                <a16:creationId xmlns:a16="http://schemas.microsoft.com/office/drawing/2014/main" id="{F8BFEF35-78D7-4CEC-8A94-9EFCE63D1E22}"/>
+              </a:ext>
+            </a:extLst>
+          </p:cNvPr>
+          <p:cNvCxnSpPr>
+            <a:cxnSpLocks/>
+          </p:cNvCxnSpPr>
+          <p:nvPr/>
+        </p:nvCxnSpPr>
+        <p:spPr>
+          <a:xfrm>
+            <a:off x="8779290" y="4189164"/>
+            <a:ext cx="0" cy="2086540"/>
+          </a:xfrm>
+          <a:prstGeom prst="straightConnector1">
+            <a:avLst/>
+          </a:prstGeom>
+          <a:ln>
+            <a:tailEnd type="triangle"/>
+          </a:ln>
+        </p:spPr>
+        <p:style>
+          <a:lnRef idx="1">
+            <a:schemeClr val="accent1"/>
+          </a:lnRef>
+          <a:fillRef idx="0">
+            <a:schemeClr val="accent1"/>
+          </a:fillRef>
+          <a:effectRef idx="0">
+            <a:schemeClr val="accent1"/>
+          </a:effectRef>
+          <a:fontRef idx="minor">
+            <a:schemeClr val="tx1"/>
+          </a:fontRef>
+        </p:style>
+      </p:cxnSp>
+      <p:sp>
+        <p:nvSpPr>
+          <p:cNvPr id="8" name="CasellaDiTesto 7">
+            <a:extLst>
+              <a:ext uri="{FF2B5EF4-FFF2-40B4-BE49-F238E27FC236}">
+                <a16:creationId xmlns:a16="http://schemas.microsoft.com/office/drawing/2014/main" id="{62E32CAD-37F6-488A-9025-AFF723BB47DB}"/>
+              </a:ext>
+            </a:extLst>
+          </p:cNvPr>
+          <p:cNvSpPr txBox="1"/>
+          <p:nvPr/>
+        </p:nvSpPr>
+        <p:spPr>
+          <a:xfrm>
+            <a:off x="8545893" y="6275704"/>
+            <a:ext cx="466794" cy="276999"/>
+          </a:xfrm>
+          <a:prstGeom prst="rect">
+            <a:avLst/>
+          </a:prstGeom>
+          <a:noFill/>
+        </p:spPr>
+        <p:txBody>
+          <a:bodyPr wrap="none" rtlCol="0">
+            <a:spAutoFit/>
+          </a:bodyPr>
+          <a:lstStyle/>
+          <a:p>
+            <a:r>
+              <a:rPr lang="en-US" sz="1200" dirty="0">
+                <a:latin typeface="+mj-lt"/>
+              </a:rPr>
+              <a:t>time</a:t>
             </a:r>
           </a:p>
         </p:txBody>
@@ -28760,7 +29211,9 @@
           <a:lstStyle/>
           <a:p>
             <a:r>
-              <a:rPr lang="en-US" dirty="0"/>
+              <a:rPr lang="en-US" dirty="0">
+                <a:latin typeface="+mj-lt"/>
+              </a:rPr>
               <a:t>Concatenation</a:t>
             </a:r>
           </a:p>
@@ -28871,6 +29324,170 @@
           </a:p>
         </p:txBody>
       </p:sp>
+      <p:cxnSp>
+        <p:nvCxnSpPr>
+          <p:cNvPr id="8" name="Connettore 2 7">
+            <a:extLst>
+              <a:ext uri="{FF2B5EF4-FFF2-40B4-BE49-F238E27FC236}">
+                <a16:creationId xmlns:a16="http://schemas.microsoft.com/office/drawing/2014/main" id="{7B4FAA76-9308-4976-A182-937FE017909C}"/>
+              </a:ext>
+            </a:extLst>
+          </p:cNvPr>
+          <p:cNvCxnSpPr>
+            <a:cxnSpLocks/>
+            <a:stCxn id="6" idx="2"/>
+          </p:cNvCxnSpPr>
+          <p:nvPr/>
+        </p:nvCxnSpPr>
+        <p:spPr>
+          <a:xfrm>
+            <a:off x="8779290" y="2108876"/>
+            <a:ext cx="0" cy="1803289"/>
+          </a:xfrm>
+          <a:prstGeom prst="straightConnector1">
+            <a:avLst/>
+          </a:prstGeom>
+          <a:ln>
+            <a:tailEnd type="triangle"/>
+          </a:ln>
+        </p:spPr>
+        <p:style>
+          <a:lnRef idx="1">
+            <a:schemeClr val="accent1"/>
+          </a:lnRef>
+          <a:fillRef idx="0">
+            <a:schemeClr val="accent1"/>
+          </a:fillRef>
+          <a:effectRef idx="0">
+            <a:schemeClr val="accent1"/>
+          </a:effectRef>
+          <a:fontRef idx="minor">
+            <a:schemeClr val="tx1"/>
+          </a:fontRef>
+        </p:style>
+      </p:cxnSp>
+      <p:cxnSp>
+        <p:nvCxnSpPr>
+          <p:cNvPr id="9" name="Connettore 2 8">
+            <a:extLst>
+              <a:ext uri="{FF2B5EF4-FFF2-40B4-BE49-F238E27FC236}">
+                <a16:creationId xmlns:a16="http://schemas.microsoft.com/office/drawing/2014/main" id="{D33CA057-89AC-4D42-AF24-45317CF73B08}"/>
+              </a:ext>
+            </a:extLst>
+          </p:cNvPr>
+          <p:cNvCxnSpPr>
+            <a:cxnSpLocks/>
+            <a:stCxn id="4" idx="2"/>
+            <a:endCxn id="7" idx="0"/>
+          </p:cNvCxnSpPr>
+          <p:nvPr/>
+        </p:nvCxnSpPr>
+        <p:spPr>
+          <a:xfrm>
+            <a:off x="8779290" y="4189164"/>
+            <a:ext cx="0" cy="1803289"/>
+          </a:xfrm>
+          <a:prstGeom prst="straightConnector1">
+            <a:avLst/>
+          </a:prstGeom>
+          <a:ln>
+            <a:tailEnd type="triangle"/>
+          </a:ln>
+        </p:spPr>
+        <p:style>
+          <a:lnRef idx="1">
+            <a:schemeClr val="accent1"/>
+          </a:lnRef>
+          <a:fillRef idx="0">
+            <a:schemeClr val="accent1"/>
+          </a:fillRef>
+          <a:effectRef idx="0">
+            <a:schemeClr val="accent1"/>
+          </a:effectRef>
+          <a:fontRef idx="minor">
+            <a:schemeClr val="tx1"/>
+          </a:fontRef>
+        </p:style>
+      </p:cxnSp>
+      <p:sp>
+        <p:nvSpPr>
+          <p:cNvPr id="14" name="CasellaDiTesto 13">
+            <a:extLst>
+              <a:ext uri="{FF2B5EF4-FFF2-40B4-BE49-F238E27FC236}">
+                <a16:creationId xmlns:a16="http://schemas.microsoft.com/office/drawing/2014/main" id="{FF36136E-AEE5-490B-A947-C34B88D0D34A}"/>
+              </a:ext>
+            </a:extLst>
+          </p:cNvPr>
+          <p:cNvSpPr txBox="1"/>
+          <p:nvPr/>
+        </p:nvSpPr>
+        <p:spPr>
+          <a:xfrm>
+            <a:off x="8545893" y="6483093"/>
+            <a:ext cx="466794" cy="276999"/>
+          </a:xfrm>
+          <a:prstGeom prst="rect">
+            <a:avLst/>
+          </a:prstGeom>
+          <a:noFill/>
+        </p:spPr>
+        <p:txBody>
+          <a:bodyPr wrap="none" rtlCol="0">
+            <a:spAutoFit/>
+          </a:bodyPr>
+          <a:lstStyle/>
+          <a:p>
+            <a:r>
+              <a:rPr lang="en-US" sz="1200" dirty="0">
+                <a:latin typeface="+mj-lt"/>
+              </a:rPr>
+              <a:t>time</a:t>
+            </a:r>
+          </a:p>
+        </p:txBody>
+      </p:sp>
+      <p:cxnSp>
+        <p:nvCxnSpPr>
+          <p:cNvPr id="20" name="Connettore 2 19">
+            <a:extLst>
+              <a:ext uri="{FF2B5EF4-FFF2-40B4-BE49-F238E27FC236}">
+                <a16:creationId xmlns:a16="http://schemas.microsoft.com/office/drawing/2014/main" id="{127D4165-E03F-4306-B7C2-F110ACD55F72}"/>
+              </a:ext>
+            </a:extLst>
+          </p:cNvPr>
+          <p:cNvCxnSpPr>
+            <a:stCxn id="7" idx="2"/>
+            <a:endCxn id="14" idx="0"/>
+          </p:cNvCxnSpPr>
+          <p:nvPr/>
+        </p:nvCxnSpPr>
+        <p:spPr>
+          <a:xfrm>
+            <a:off x="8779290" y="6269452"/>
+            <a:ext cx="0" cy="213641"/>
+          </a:xfrm>
+          <a:prstGeom prst="straightConnector1">
+            <a:avLst/>
+          </a:prstGeom>
+          <a:ln>
+            <a:tailEnd type="triangle"/>
+          </a:ln>
+        </p:spPr>
+        <p:style>
+          <a:lnRef idx="1">
+            <a:schemeClr val="accent1"/>
+          </a:lnRef>
+          <a:fillRef idx="0">
+            <a:schemeClr val="accent1"/>
+          </a:fillRef>
+          <a:effectRef idx="0">
+            <a:schemeClr val="accent1"/>
+          </a:effectRef>
+          <a:fontRef idx="minor">
+            <a:schemeClr val="tx1"/>
+          </a:fontRef>
+        </p:style>
+      </p:cxnSp>
     </p:spTree>
     <p:extLst>
       <p:ext uri="{BB962C8B-B14F-4D97-AF65-F5344CB8AC3E}">
@@ -34389,7 +35006,9 @@
           <a:lstStyle/>
           <a:p>
             <a:r>
-              <a:rPr lang="en-US" dirty="0"/>
+              <a:rPr lang="en-US" dirty="0">
+                <a:latin typeface="+mj-lt"/>
+              </a:rPr>
               <a:t>Setting Nan columns to zero</a:t>
             </a:r>
           </a:p>
@@ -34500,6 +35119,164 @@
           </a:p>
         </p:txBody>
       </p:sp>
+      <p:cxnSp>
+        <p:nvCxnSpPr>
+          <p:cNvPr id="8" name="Connettore 2 7">
+            <a:extLst>
+              <a:ext uri="{FF2B5EF4-FFF2-40B4-BE49-F238E27FC236}">
+                <a16:creationId xmlns:a16="http://schemas.microsoft.com/office/drawing/2014/main" id="{4E5911CB-FC21-4026-998C-D94AA9413D6E}"/>
+              </a:ext>
+            </a:extLst>
+          </p:cNvPr>
+          <p:cNvCxnSpPr>
+            <a:cxnSpLocks/>
+          </p:cNvCxnSpPr>
+          <p:nvPr/>
+        </p:nvCxnSpPr>
+        <p:spPr>
+          <a:xfrm>
+            <a:off x="8779290" y="2108876"/>
+            <a:ext cx="0" cy="1803289"/>
+          </a:xfrm>
+          <a:prstGeom prst="straightConnector1">
+            <a:avLst/>
+          </a:prstGeom>
+          <a:ln>
+            <a:tailEnd type="triangle"/>
+          </a:ln>
+        </p:spPr>
+        <p:style>
+          <a:lnRef idx="1">
+            <a:schemeClr val="accent1"/>
+          </a:lnRef>
+          <a:fillRef idx="0">
+            <a:schemeClr val="accent1"/>
+          </a:fillRef>
+          <a:effectRef idx="0">
+            <a:schemeClr val="accent1"/>
+          </a:effectRef>
+          <a:fontRef idx="minor">
+            <a:schemeClr val="tx1"/>
+          </a:fontRef>
+        </p:style>
+      </p:cxnSp>
+      <p:cxnSp>
+        <p:nvCxnSpPr>
+          <p:cNvPr id="9" name="Connettore 2 8">
+            <a:extLst>
+              <a:ext uri="{FF2B5EF4-FFF2-40B4-BE49-F238E27FC236}">
+                <a16:creationId xmlns:a16="http://schemas.microsoft.com/office/drawing/2014/main" id="{BC99AF61-FAB5-428A-B5B4-9894E1625E99}"/>
+              </a:ext>
+            </a:extLst>
+          </p:cNvPr>
+          <p:cNvCxnSpPr>
+            <a:cxnSpLocks/>
+          </p:cNvCxnSpPr>
+          <p:nvPr/>
+        </p:nvCxnSpPr>
+        <p:spPr>
+          <a:xfrm>
+            <a:off x="8779290" y="4189164"/>
+            <a:ext cx="0" cy="1803289"/>
+          </a:xfrm>
+          <a:prstGeom prst="straightConnector1">
+            <a:avLst/>
+          </a:prstGeom>
+          <a:ln>
+            <a:tailEnd type="triangle"/>
+          </a:ln>
+        </p:spPr>
+        <p:style>
+          <a:lnRef idx="1">
+            <a:schemeClr val="accent1"/>
+          </a:lnRef>
+          <a:fillRef idx="0">
+            <a:schemeClr val="accent1"/>
+          </a:fillRef>
+          <a:effectRef idx="0">
+            <a:schemeClr val="accent1"/>
+          </a:effectRef>
+          <a:fontRef idx="minor">
+            <a:schemeClr val="tx1"/>
+          </a:fontRef>
+        </p:style>
+      </p:cxnSp>
+      <p:sp>
+        <p:nvSpPr>
+          <p:cNvPr id="10" name="CasellaDiTesto 9">
+            <a:extLst>
+              <a:ext uri="{FF2B5EF4-FFF2-40B4-BE49-F238E27FC236}">
+                <a16:creationId xmlns:a16="http://schemas.microsoft.com/office/drawing/2014/main" id="{C1E8BA5D-90B8-49F8-8AE9-34D4CB47721E}"/>
+              </a:ext>
+            </a:extLst>
+          </p:cNvPr>
+          <p:cNvSpPr txBox="1"/>
+          <p:nvPr/>
+        </p:nvSpPr>
+        <p:spPr>
+          <a:xfrm>
+            <a:off x="8545893" y="6483093"/>
+            <a:ext cx="466794" cy="276999"/>
+          </a:xfrm>
+          <a:prstGeom prst="rect">
+            <a:avLst/>
+          </a:prstGeom>
+          <a:noFill/>
+        </p:spPr>
+        <p:txBody>
+          <a:bodyPr wrap="none" rtlCol="0">
+            <a:spAutoFit/>
+          </a:bodyPr>
+          <a:lstStyle/>
+          <a:p>
+            <a:r>
+              <a:rPr lang="en-US" sz="1200" dirty="0">
+                <a:latin typeface="+mj-lt"/>
+              </a:rPr>
+              <a:t>time</a:t>
+            </a:r>
+          </a:p>
+        </p:txBody>
+      </p:sp>
+      <p:cxnSp>
+        <p:nvCxnSpPr>
+          <p:cNvPr id="11" name="Connettore 2 10">
+            <a:extLst>
+              <a:ext uri="{FF2B5EF4-FFF2-40B4-BE49-F238E27FC236}">
+                <a16:creationId xmlns:a16="http://schemas.microsoft.com/office/drawing/2014/main" id="{056D4B5E-1027-44AD-8736-D83CD8FEF9EC}"/>
+              </a:ext>
+            </a:extLst>
+          </p:cNvPr>
+          <p:cNvCxnSpPr/>
+          <p:nvPr/>
+        </p:nvCxnSpPr>
+        <p:spPr>
+          <a:xfrm>
+            <a:off x="8779290" y="6269452"/>
+            <a:ext cx="0" cy="213641"/>
+          </a:xfrm>
+          <a:prstGeom prst="straightConnector1">
+            <a:avLst/>
+          </a:prstGeom>
+          <a:ln>
+            <a:tailEnd type="triangle"/>
+          </a:ln>
+        </p:spPr>
+        <p:style>
+          <a:lnRef idx="1">
+            <a:schemeClr val="accent1"/>
+          </a:lnRef>
+          <a:fillRef idx="0">
+            <a:schemeClr val="accent1"/>
+          </a:fillRef>
+          <a:effectRef idx="0">
+            <a:schemeClr val="accent1"/>
+          </a:effectRef>
+          <a:fontRef idx="minor">
+            <a:schemeClr val="tx1"/>
+          </a:fontRef>
+        </p:style>
+      </p:cxnSp>
     </p:spTree>
     <p:extLst>
       <p:ext uri="{BB962C8B-B14F-4D97-AF65-F5344CB8AC3E}">
@@ -40616,7 +41393,9 @@
           <a:lstStyle/>
           <a:p>
             <a:r>
-              <a:rPr lang="en-US" dirty="0"/>
+              <a:rPr lang="en-US" dirty="0">
+                <a:latin typeface="+mj-lt"/>
+              </a:rPr>
               <a:t>Normalization</a:t>
             </a:r>
           </a:p>
@@ -40727,6 +41506,164 @@
           </a:p>
         </p:txBody>
       </p:sp>
+      <p:cxnSp>
+        <p:nvCxnSpPr>
+          <p:cNvPr id="8" name="Connettore 2 7">
+            <a:extLst>
+              <a:ext uri="{FF2B5EF4-FFF2-40B4-BE49-F238E27FC236}">
+                <a16:creationId xmlns:a16="http://schemas.microsoft.com/office/drawing/2014/main" id="{09890A8C-5390-4EDA-A05C-8A5FAC2E42BE}"/>
+              </a:ext>
+            </a:extLst>
+          </p:cNvPr>
+          <p:cNvCxnSpPr>
+            <a:cxnSpLocks/>
+          </p:cNvCxnSpPr>
+          <p:nvPr/>
+        </p:nvCxnSpPr>
+        <p:spPr>
+          <a:xfrm>
+            <a:off x="8779290" y="2108876"/>
+            <a:ext cx="0" cy="1803289"/>
+          </a:xfrm>
+          <a:prstGeom prst="straightConnector1">
+            <a:avLst/>
+          </a:prstGeom>
+          <a:ln>
+            <a:tailEnd type="triangle"/>
+          </a:ln>
+        </p:spPr>
+        <p:style>
+          <a:lnRef idx="1">
+            <a:schemeClr val="accent1"/>
+          </a:lnRef>
+          <a:fillRef idx="0">
+            <a:schemeClr val="accent1"/>
+          </a:fillRef>
+          <a:effectRef idx="0">
+            <a:schemeClr val="accent1"/>
+          </a:effectRef>
+          <a:fontRef idx="minor">
+            <a:schemeClr val="tx1"/>
+          </a:fontRef>
+        </p:style>
+      </p:cxnSp>
+      <p:cxnSp>
+        <p:nvCxnSpPr>
+          <p:cNvPr id="9" name="Connettore 2 8">
+            <a:extLst>
+              <a:ext uri="{FF2B5EF4-FFF2-40B4-BE49-F238E27FC236}">
+                <a16:creationId xmlns:a16="http://schemas.microsoft.com/office/drawing/2014/main" id="{410B6973-DBE9-48C5-8A44-E0F8456EDE88}"/>
+              </a:ext>
+            </a:extLst>
+          </p:cNvPr>
+          <p:cNvCxnSpPr>
+            <a:cxnSpLocks/>
+          </p:cNvCxnSpPr>
+          <p:nvPr/>
+        </p:nvCxnSpPr>
+        <p:spPr>
+          <a:xfrm>
+            <a:off x="8779290" y="4189164"/>
+            <a:ext cx="0" cy="1803289"/>
+          </a:xfrm>
+          <a:prstGeom prst="straightConnector1">
+            <a:avLst/>
+          </a:prstGeom>
+          <a:ln>
+            <a:tailEnd type="triangle"/>
+          </a:ln>
+        </p:spPr>
+        <p:style>
+          <a:lnRef idx="1">
+            <a:schemeClr val="accent1"/>
+          </a:lnRef>
+          <a:fillRef idx="0">
+            <a:schemeClr val="accent1"/>
+          </a:fillRef>
+          <a:effectRef idx="0">
+            <a:schemeClr val="accent1"/>
+          </a:effectRef>
+          <a:fontRef idx="minor">
+            <a:schemeClr val="tx1"/>
+          </a:fontRef>
+        </p:style>
+      </p:cxnSp>
+      <p:sp>
+        <p:nvSpPr>
+          <p:cNvPr id="10" name="CasellaDiTesto 9">
+            <a:extLst>
+              <a:ext uri="{FF2B5EF4-FFF2-40B4-BE49-F238E27FC236}">
+                <a16:creationId xmlns:a16="http://schemas.microsoft.com/office/drawing/2014/main" id="{BFB7F393-92B8-46A4-B686-5C545D0956C9}"/>
+              </a:ext>
+            </a:extLst>
+          </p:cNvPr>
+          <p:cNvSpPr txBox="1"/>
+          <p:nvPr/>
+        </p:nvSpPr>
+        <p:spPr>
+          <a:xfrm>
+            <a:off x="8545893" y="6483093"/>
+            <a:ext cx="466794" cy="276999"/>
+          </a:xfrm>
+          <a:prstGeom prst="rect">
+            <a:avLst/>
+          </a:prstGeom>
+          <a:noFill/>
+        </p:spPr>
+        <p:txBody>
+          <a:bodyPr wrap="none" rtlCol="0">
+            <a:spAutoFit/>
+          </a:bodyPr>
+          <a:lstStyle/>
+          <a:p>
+            <a:r>
+              <a:rPr lang="en-US" sz="1200" dirty="0">
+                <a:latin typeface="+mj-lt"/>
+              </a:rPr>
+              <a:t>time</a:t>
+            </a:r>
+          </a:p>
+        </p:txBody>
+      </p:sp>
+      <p:cxnSp>
+        <p:nvCxnSpPr>
+          <p:cNvPr id="11" name="Connettore 2 10">
+            <a:extLst>
+              <a:ext uri="{FF2B5EF4-FFF2-40B4-BE49-F238E27FC236}">
+                <a16:creationId xmlns:a16="http://schemas.microsoft.com/office/drawing/2014/main" id="{BDC59372-2B19-4361-B02D-889EBE5BA0A8}"/>
+              </a:ext>
+            </a:extLst>
+          </p:cNvPr>
+          <p:cNvCxnSpPr/>
+          <p:nvPr/>
+        </p:nvCxnSpPr>
+        <p:spPr>
+          <a:xfrm>
+            <a:off x="8779290" y="6269452"/>
+            <a:ext cx="0" cy="213641"/>
+          </a:xfrm>
+          <a:prstGeom prst="straightConnector1">
+            <a:avLst/>
+          </a:prstGeom>
+          <a:ln>
+            <a:tailEnd type="triangle"/>
+          </a:ln>
+        </p:spPr>
+        <p:style>
+          <a:lnRef idx="1">
+            <a:schemeClr val="accent1"/>
+          </a:lnRef>
+          <a:fillRef idx="0">
+            <a:schemeClr val="accent1"/>
+          </a:fillRef>
+          <a:effectRef idx="0">
+            <a:schemeClr val="accent1"/>
+          </a:effectRef>
+          <a:fontRef idx="minor">
+            <a:schemeClr val="tx1"/>
+          </a:fontRef>
+        </p:style>
+      </p:cxnSp>
     </p:spTree>
     <p:extLst>
       <p:ext uri="{BB962C8B-B14F-4D97-AF65-F5344CB8AC3E}">
@@ -47847,7 +48784,9 @@
           <a:lstStyle/>
           <a:p>
             <a:r>
-              <a:rPr lang="en-US" dirty="0"/>
+              <a:rPr lang="en-US" dirty="0">
+                <a:latin typeface="+mj-lt"/>
+              </a:rPr>
               <a:t>Shaping (windowing)</a:t>
             </a:r>
           </a:p>
@@ -48004,6 +48943,164 @@
           </a:p>
         </p:txBody>
       </p:sp>
+      <p:cxnSp>
+        <p:nvCxnSpPr>
+          <p:cNvPr id="9" name="Connettore 2 8">
+            <a:extLst>
+              <a:ext uri="{FF2B5EF4-FFF2-40B4-BE49-F238E27FC236}">
+                <a16:creationId xmlns:a16="http://schemas.microsoft.com/office/drawing/2014/main" id="{F8A6CD43-33E8-4E21-BD6B-6D1EFDDCC474}"/>
+              </a:ext>
+            </a:extLst>
+          </p:cNvPr>
+          <p:cNvCxnSpPr>
+            <a:cxnSpLocks/>
+          </p:cNvCxnSpPr>
+          <p:nvPr/>
+        </p:nvCxnSpPr>
+        <p:spPr>
+          <a:xfrm>
+            <a:off x="8779290" y="2108876"/>
+            <a:ext cx="0" cy="1803289"/>
+          </a:xfrm>
+          <a:prstGeom prst="straightConnector1">
+            <a:avLst/>
+          </a:prstGeom>
+          <a:ln>
+            <a:tailEnd type="triangle"/>
+          </a:ln>
+        </p:spPr>
+        <p:style>
+          <a:lnRef idx="1">
+            <a:schemeClr val="accent1"/>
+          </a:lnRef>
+          <a:fillRef idx="0">
+            <a:schemeClr val="accent1"/>
+          </a:fillRef>
+          <a:effectRef idx="0">
+            <a:schemeClr val="accent1"/>
+          </a:effectRef>
+          <a:fontRef idx="minor">
+            <a:schemeClr val="tx1"/>
+          </a:fontRef>
+        </p:style>
+      </p:cxnSp>
+      <p:cxnSp>
+        <p:nvCxnSpPr>
+          <p:cNvPr id="10" name="Connettore 2 9">
+            <a:extLst>
+              <a:ext uri="{FF2B5EF4-FFF2-40B4-BE49-F238E27FC236}">
+                <a16:creationId xmlns:a16="http://schemas.microsoft.com/office/drawing/2014/main" id="{21315607-7450-47EA-928D-9AAFEA51AD77}"/>
+              </a:ext>
+            </a:extLst>
+          </p:cNvPr>
+          <p:cNvCxnSpPr>
+            <a:cxnSpLocks/>
+          </p:cNvCxnSpPr>
+          <p:nvPr/>
+        </p:nvCxnSpPr>
+        <p:spPr>
+          <a:xfrm>
+            <a:off x="8779290" y="4189164"/>
+            <a:ext cx="0" cy="1803289"/>
+          </a:xfrm>
+          <a:prstGeom prst="straightConnector1">
+            <a:avLst/>
+          </a:prstGeom>
+          <a:ln>
+            <a:tailEnd type="triangle"/>
+          </a:ln>
+        </p:spPr>
+        <p:style>
+          <a:lnRef idx="1">
+            <a:schemeClr val="accent1"/>
+          </a:lnRef>
+          <a:fillRef idx="0">
+            <a:schemeClr val="accent1"/>
+          </a:fillRef>
+          <a:effectRef idx="0">
+            <a:schemeClr val="accent1"/>
+          </a:effectRef>
+          <a:fontRef idx="minor">
+            <a:schemeClr val="tx1"/>
+          </a:fontRef>
+        </p:style>
+      </p:cxnSp>
+      <p:sp>
+        <p:nvSpPr>
+          <p:cNvPr id="11" name="CasellaDiTesto 10">
+            <a:extLst>
+              <a:ext uri="{FF2B5EF4-FFF2-40B4-BE49-F238E27FC236}">
+                <a16:creationId xmlns:a16="http://schemas.microsoft.com/office/drawing/2014/main" id="{9F8D0DD4-DF8C-42A3-90BA-3CCC569A67DD}"/>
+              </a:ext>
+            </a:extLst>
+          </p:cNvPr>
+          <p:cNvSpPr txBox="1"/>
+          <p:nvPr/>
+        </p:nvSpPr>
+        <p:spPr>
+          <a:xfrm>
+            <a:off x="8545893" y="6483093"/>
+            <a:ext cx="466794" cy="276999"/>
+          </a:xfrm>
+          <a:prstGeom prst="rect">
+            <a:avLst/>
+          </a:prstGeom>
+          <a:noFill/>
+        </p:spPr>
+        <p:txBody>
+          <a:bodyPr wrap="none" rtlCol="0">
+            <a:spAutoFit/>
+          </a:bodyPr>
+          <a:lstStyle/>
+          <a:p>
+            <a:r>
+              <a:rPr lang="en-US" sz="1200" dirty="0">
+                <a:latin typeface="+mj-lt"/>
+              </a:rPr>
+              <a:t>time</a:t>
+            </a:r>
+          </a:p>
+        </p:txBody>
+      </p:sp>
+      <p:cxnSp>
+        <p:nvCxnSpPr>
+          <p:cNvPr id="12" name="Connettore 2 11">
+            <a:extLst>
+              <a:ext uri="{FF2B5EF4-FFF2-40B4-BE49-F238E27FC236}">
+                <a16:creationId xmlns:a16="http://schemas.microsoft.com/office/drawing/2014/main" id="{8C239334-7202-47BA-A34B-84F68C40CBBB}"/>
+              </a:ext>
+            </a:extLst>
+          </p:cNvPr>
+          <p:cNvCxnSpPr/>
+          <p:nvPr/>
+        </p:nvCxnSpPr>
+        <p:spPr>
+          <a:xfrm>
+            <a:off x="8779290" y="6269452"/>
+            <a:ext cx="0" cy="213641"/>
+          </a:xfrm>
+          <a:prstGeom prst="straightConnector1">
+            <a:avLst/>
+          </a:prstGeom>
+          <a:ln>
+            <a:tailEnd type="triangle"/>
+          </a:ln>
+        </p:spPr>
+        <p:style>
+          <a:lnRef idx="1">
+            <a:schemeClr val="accent1"/>
+          </a:lnRef>
+          <a:fillRef idx="0">
+            <a:schemeClr val="accent1"/>
+          </a:fillRef>
+          <a:effectRef idx="0">
+            <a:schemeClr val="accent1"/>
+          </a:effectRef>
+          <a:fontRef idx="minor">
+            <a:schemeClr val="tx1"/>
+          </a:fontRef>
+        </p:style>
+      </p:cxnSp>
     </p:spTree>
     <p:extLst>
       <p:ext uri="{BB962C8B-B14F-4D97-AF65-F5344CB8AC3E}">
@@ -48107,7 +49204,7 @@
         </p:nvSpPr>
         <p:spPr>
           <a:xfrm>
-            <a:off x="1786379" y="2802723"/>
+            <a:off x="1786379" y="2159350"/>
             <a:ext cx="5571241" cy="2187018"/>
           </a:xfrm>
           <a:prstGeom prst="cube">
@@ -48156,7 +49253,7 @@
         </p:nvCxnSpPr>
         <p:spPr>
           <a:xfrm>
-            <a:off x="7522589" y="2802723"/>
+            <a:off x="7522589" y="2159350"/>
             <a:ext cx="0" cy="1652652"/>
           </a:xfrm>
           <a:prstGeom prst="straightConnector1">
@@ -48196,7 +49293,7 @@
         </p:nvCxnSpPr>
         <p:spPr>
           <a:xfrm>
-            <a:off x="1786379" y="5213023"/>
+            <a:off x="1786379" y="4569650"/>
             <a:ext cx="5010347" cy="0"/>
           </a:xfrm>
           <a:prstGeom prst="straightConnector1">
@@ -48236,7 +49333,7 @@
         </p:nvCxnSpPr>
         <p:spPr>
           <a:xfrm flipV="1">
-            <a:off x="1621410" y="2691352"/>
+            <a:off x="1621410" y="2047979"/>
             <a:ext cx="537328" cy="575035"/>
           </a:xfrm>
           <a:prstGeom prst="straightConnector1">
@@ -48276,7 +49373,7 @@
         </p:nvSpPr>
         <p:spPr>
           <a:xfrm>
-            <a:off x="3730657" y="5213023"/>
+            <a:off x="3730657" y="4569650"/>
             <a:ext cx="1121789" cy="369332"/>
           </a:xfrm>
           <a:prstGeom prst="rect">
@@ -48291,7 +49388,9 @@
           <a:lstStyle/>
           <a:p>
             <a:r>
-              <a:rPr lang="en-US" dirty="0"/>
+              <a:rPr lang="en-US" dirty="0">
+                <a:latin typeface="+mj-lt"/>
+              </a:rPr>
               <a:t># features</a:t>
             </a:r>
           </a:p>
@@ -48311,7 +49410,7 @@
         </p:nvSpPr>
         <p:spPr>
           <a:xfrm>
-            <a:off x="7522589" y="3444383"/>
+            <a:off x="7522589" y="2801010"/>
             <a:ext cx="1234900" cy="369332"/>
           </a:xfrm>
           <a:prstGeom prst="rect">
@@ -48326,7 +49425,9 @@
           <a:lstStyle/>
           <a:p>
             <a:r>
-              <a:rPr lang="en-US" dirty="0"/>
+              <a:rPr lang="en-US" dirty="0">
+                <a:latin typeface="+mj-lt"/>
+              </a:rPr>
               <a:t># windows</a:t>
             </a:r>
           </a:p>
@@ -48346,7 +49447,7 @@
         </p:nvSpPr>
         <p:spPr>
           <a:xfrm>
-            <a:off x="585081" y="2691352"/>
+            <a:off x="628649" y="2043977"/>
             <a:ext cx="1918317" cy="369332"/>
           </a:xfrm>
           <a:prstGeom prst="rect">
@@ -48361,7 +49462,9 @@
           <a:lstStyle/>
           <a:p>
             <a:r>
-              <a:rPr lang="en-US" dirty="0"/>
+              <a:rPr lang="en-US" dirty="0">
+                <a:latin typeface="+mj-lt"/>
+              </a:rPr>
               <a:t>window size</a:t>
             </a:r>
           </a:p>
@@ -48396,12 +49499,592 @@
           <a:lstStyle/>
           <a:p>
             <a:r>
-              <a:rPr lang="en-US" dirty="0"/>
+              <a:rPr lang="en-US" dirty="0">
+                <a:latin typeface="+mj-lt"/>
+              </a:rPr>
               <a:t>Shaping (windowing)</a:t>
             </a:r>
           </a:p>
         </p:txBody>
       </p:sp>
+      <p:graphicFrame>
+        <p:nvGraphicFramePr>
+          <p:cNvPr id="5" name="Tabella 4">
+            <a:extLst>
+              <a:ext uri="{FF2B5EF4-FFF2-40B4-BE49-F238E27FC236}">
+                <a16:creationId xmlns:a16="http://schemas.microsoft.com/office/drawing/2014/main" id="{5CA04920-3611-4B5A-9497-CBEFEB1EFEBA}"/>
+              </a:ext>
+            </a:extLst>
+          </p:cNvPr>
+          <p:cNvGraphicFramePr>
+            <a:graphicFrameLocks noGrp="1"/>
+          </p:cNvGraphicFramePr>
+          <p:nvPr>
+            <p:extLst>
+              <p:ext uri="{D42A27DB-BD31-4B8C-83A1-F6EECF244321}">
+                <p14:modId xmlns:p14="http://schemas.microsoft.com/office/powerpoint/2010/main" val="256454376"/>
+              </p:ext>
+            </p:extLst>
+          </p:nvPr>
+        </p:nvGraphicFramePr>
+        <p:xfrm>
+          <a:off x="1544238" y="5040137"/>
+          <a:ext cx="6096000" cy="1483360"/>
+        </p:xfrm>
+        <a:graphic>
+          <a:graphicData uri="http://schemas.openxmlformats.org/drawingml/2006/table">
+            <a:tbl>
+              <a:tblPr firstRow="1" bandRow="1">
+                <a:tableStyleId>{5C22544A-7EE6-4342-B048-85BDC9FD1C3A}</a:tableStyleId>
+              </a:tblPr>
+              <a:tblGrid>
+                <a:gridCol w="1524000">
+                  <a:extLst>
+                    <a:ext uri="{9D8B030D-6E8A-4147-A177-3AD203B41FA5}">
+                      <a16:colId xmlns:a16="http://schemas.microsoft.com/office/drawing/2014/main" val="1227659647"/>
+                    </a:ext>
+                  </a:extLst>
+                </a:gridCol>
+                <a:gridCol w="1524000">
+                  <a:extLst>
+                    <a:ext uri="{9D8B030D-6E8A-4147-A177-3AD203B41FA5}">
+                      <a16:colId xmlns:a16="http://schemas.microsoft.com/office/drawing/2014/main" val="3303887568"/>
+                    </a:ext>
+                  </a:extLst>
+                </a:gridCol>
+                <a:gridCol w="1524000">
+                  <a:extLst>
+                    <a:ext uri="{9D8B030D-6E8A-4147-A177-3AD203B41FA5}">
+                      <a16:colId xmlns:a16="http://schemas.microsoft.com/office/drawing/2014/main" val="1354574827"/>
+                    </a:ext>
+                  </a:extLst>
+                </a:gridCol>
+                <a:gridCol w="1524000">
+                  <a:extLst>
+                    <a:ext uri="{9D8B030D-6E8A-4147-A177-3AD203B41FA5}">
+                      <a16:colId xmlns:a16="http://schemas.microsoft.com/office/drawing/2014/main" val="1357765600"/>
+                    </a:ext>
+                  </a:extLst>
+                </a:gridCol>
+              </a:tblGrid>
+              <a:tr h="370840">
+                <a:tc>
+                  <a:txBody>
+                    <a:bodyPr/>
+                    <a:lstStyle/>
+                    <a:p>
+                      <a:r>
+                        <a:rPr lang="en-US" b="0" dirty="0">
+                          <a:solidFill>
+                            <a:schemeClr val="tx1"/>
+                          </a:solidFill>
+                          <a:latin typeface="+mj-lt"/>
+                        </a:rPr>
+                        <a:t>Training set</a:t>
+                      </a:r>
+                    </a:p>
+                  </a:txBody>
+                  <a:tcPr>
+                    <a:lnL w="12700" cap="flat" cmpd="sng" algn="ctr">
+                      <a:solidFill>
+                        <a:schemeClr val="tx1"/>
+                      </a:solidFill>
+                      <a:prstDash val="solid"/>
+                      <a:round/>
+                      <a:headEnd type="none" w="med" len="med"/>
+                      <a:tailEnd type="none" w="med" len="med"/>
+                    </a:lnL>
+                    <a:lnT w="12700" cap="flat" cmpd="sng" algn="ctr">
+                      <a:solidFill>
+                        <a:schemeClr val="tx1"/>
+                      </a:solidFill>
+                      <a:prstDash val="solid"/>
+                      <a:round/>
+                      <a:headEnd type="none" w="med" len="med"/>
+                      <a:tailEnd type="none" w="med" len="med"/>
+                    </a:lnT>
+                    <a:solidFill>
+                      <a:schemeClr val="bg1"/>
+                    </a:solidFill>
+                  </a:tcPr>
+                </a:tc>
+                <a:tc>
+                  <a:txBody>
+                    <a:bodyPr/>
+                    <a:lstStyle/>
+                    <a:p>
+                      <a:r>
+                        <a:rPr lang="en-US" b="0" dirty="0">
+                          <a:solidFill>
+                            <a:schemeClr val="tx1"/>
+                          </a:solidFill>
+                          <a:latin typeface="+mj-lt"/>
+                        </a:rPr>
+                        <a:t>ADL1</a:t>
+                      </a:r>
+                    </a:p>
+                  </a:txBody>
+                  <a:tcPr>
+                    <a:lnR w="12700" cap="flat" cmpd="sng" algn="ctr">
+                      <a:noFill/>
+                      <a:prstDash val="solid"/>
+                      <a:round/>
+                      <a:headEnd type="none" w="med" len="med"/>
+                      <a:tailEnd type="none" w="med" len="med"/>
+                    </a:lnR>
+                    <a:lnT w="12700" cap="flat" cmpd="sng" algn="ctr">
+                      <a:solidFill>
+                        <a:schemeClr val="tx1"/>
+                      </a:solidFill>
+                      <a:prstDash val="solid"/>
+                      <a:round/>
+                      <a:headEnd type="none" w="med" len="med"/>
+                      <a:tailEnd type="none" w="med" len="med"/>
+                    </a:lnT>
+                    <a:solidFill>
+                      <a:schemeClr val="bg1"/>
+                    </a:solidFill>
+                  </a:tcPr>
+                </a:tc>
+                <a:tc>
+                  <a:txBody>
+                    <a:bodyPr/>
+                    <a:lstStyle/>
+                    <a:p>
+                      <a:r>
+                        <a:rPr lang="en-US" b="0" dirty="0">
+                          <a:solidFill>
+                            <a:schemeClr val="tx1"/>
+                          </a:solidFill>
+                          <a:latin typeface="+mj-lt"/>
+                        </a:rPr>
+                        <a:t>Test set</a:t>
+                      </a:r>
+                    </a:p>
+                  </a:txBody>
+                  <a:tcPr>
+                    <a:lnL w="12700" cap="flat" cmpd="sng" algn="ctr">
+                      <a:noFill/>
+                      <a:prstDash val="solid"/>
+                      <a:round/>
+                      <a:headEnd type="none" w="med" len="med"/>
+                      <a:tailEnd type="none" w="med" len="med"/>
+                    </a:lnL>
+                    <a:lnT w="12700" cap="flat" cmpd="sng" algn="ctr">
+                      <a:solidFill>
+                        <a:schemeClr val="tx1"/>
+                      </a:solidFill>
+                      <a:prstDash val="solid"/>
+                      <a:round/>
+                      <a:headEnd type="none" w="med" len="med"/>
+                      <a:tailEnd type="none" w="med" len="med"/>
+                    </a:lnT>
+                    <a:solidFill>
+                      <a:schemeClr val="bg1"/>
+                    </a:solidFill>
+                  </a:tcPr>
+                </a:tc>
+                <a:tc>
+                  <a:txBody>
+                    <a:bodyPr/>
+                    <a:lstStyle/>
+                    <a:p>
+                      <a:r>
+                        <a:rPr lang="en-US" b="0" dirty="0">
+                          <a:solidFill>
+                            <a:schemeClr val="tx1"/>
+                          </a:solidFill>
+                          <a:latin typeface="+mj-lt"/>
+                        </a:rPr>
+                        <a:t>ADL4</a:t>
+                      </a:r>
+                    </a:p>
+                  </a:txBody>
+                  <a:tcPr>
+                    <a:lnR w="12700" cap="flat" cmpd="sng" algn="ctr">
+                      <a:solidFill>
+                        <a:schemeClr val="tx1"/>
+                      </a:solidFill>
+                      <a:prstDash val="solid"/>
+                      <a:round/>
+                      <a:headEnd type="none" w="med" len="med"/>
+                      <a:tailEnd type="none" w="med" len="med"/>
+                    </a:lnR>
+                    <a:lnT w="12700" cap="flat" cmpd="sng" algn="ctr">
+                      <a:solidFill>
+                        <a:schemeClr val="tx1"/>
+                      </a:solidFill>
+                      <a:prstDash val="solid"/>
+                      <a:round/>
+                      <a:headEnd type="none" w="med" len="med"/>
+                      <a:tailEnd type="none" w="med" len="med"/>
+                    </a:lnT>
+                    <a:solidFill>
+                      <a:schemeClr val="bg1"/>
+                    </a:solidFill>
+                  </a:tcPr>
+                </a:tc>
+                <a:extLst>
+                  <a:ext uri="{0D108BD9-81ED-4DB2-BD59-A6C34878D82A}">
+                    <a16:rowId xmlns:a16="http://schemas.microsoft.com/office/drawing/2014/main" val="1088579815"/>
+                  </a:ext>
+                </a:extLst>
+              </a:tr>
+              <a:tr h="370840">
+                <a:tc>
+                  <a:txBody>
+                    <a:bodyPr/>
+                    <a:lstStyle/>
+                    <a:p>
+                      <a:endParaRPr lang="en-US" dirty="0"/>
+                    </a:p>
+                  </a:txBody>
+                  <a:tcPr>
+                    <a:lnL w="12700" cap="flat" cmpd="sng" algn="ctr">
+                      <a:solidFill>
+                        <a:schemeClr val="tx1"/>
+                      </a:solidFill>
+                      <a:prstDash val="solid"/>
+                      <a:round/>
+                      <a:headEnd type="none" w="med" len="med"/>
+                      <a:tailEnd type="none" w="med" len="med"/>
+                    </a:lnL>
+                    <a:solidFill>
+                      <a:schemeClr val="bg1"/>
+                    </a:solidFill>
+                  </a:tcPr>
+                </a:tc>
+                <a:tc>
+                  <a:txBody>
+                    <a:bodyPr/>
+                    <a:lstStyle/>
+                    <a:p>
+                      <a:r>
+                        <a:rPr lang="en-US" b="0" dirty="0">
+                          <a:latin typeface="+mj-lt"/>
+                        </a:rPr>
+                        <a:t>ADL2</a:t>
+                      </a:r>
+                    </a:p>
+                  </a:txBody>
+                  <a:tcPr>
+                    <a:lnR w="12700" cap="flat" cmpd="sng" algn="ctr">
+                      <a:noFill/>
+                      <a:prstDash val="solid"/>
+                      <a:round/>
+                      <a:headEnd type="none" w="med" len="med"/>
+                      <a:tailEnd type="none" w="med" len="med"/>
+                    </a:lnR>
+                    <a:solidFill>
+                      <a:schemeClr val="bg1"/>
+                    </a:solidFill>
+                  </a:tcPr>
+                </a:tc>
+                <a:tc>
+                  <a:txBody>
+                    <a:bodyPr/>
+                    <a:lstStyle/>
+                    <a:p>
+                      <a:endParaRPr lang="en-US" b="0" dirty="0">
+                        <a:latin typeface="+mj-lt"/>
+                      </a:endParaRPr>
+                    </a:p>
+                  </a:txBody>
+                  <a:tcPr>
+                    <a:lnL w="12700" cap="flat" cmpd="sng" algn="ctr">
+                      <a:noFill/>
+                      <a:prstDash val="solid"/>
+                      <a:round/>
+                      <a:headEnd type="none" w="med" len="med"/>
+                      <a:tailEnd type="none" w="med" len="med"/>
+                    </a:lnL>
+                    <a:solidFill>
+                      <a:schemeClr val="bg1"/>
+                    </a:solidFill>
+                  </a:tcPr>
+                </a:tc>
+                <a:tc>
+                  <a:txBody>
+                    <a:bodyPr/>
+                    <a:lstStyle/>
+                    <a:p>
+                      <a:r>
+                        <a:rPr lang="en-US" b="0" dirty="0">
+                          <a:latin typeface="+mj-lt"/>
+                        </a:rPr>
+                        <a:t>ADL5</a:t>
+                      </a:r>
+                    </a:p>
+                  </a:txBody>
+                  <a:tcPr>
+                    <a:lnR w="12700" cap="flat" cmpd="sng" algn="ctr">
+                      <a:solidFill>
+                        <a:schemeClr val="tx1"/>
+                      </a:solidFill>
+                      <a:prstDash val="solid"/>
+                      <a:round/>
+                      <a:headEnd type="none" w="med" len="med"/>
+                      <a:tailEnd type="none" w="med" len="med"/>
+                    </a:lnR>
+                    <a:solidFill>
+                      <a:schemeClr val="bg1"/>
+                    </a:solidFill>
+                  </a:tcPr>
+                </a:tc>
+                <a:extLst>
+                  <a:ext uri="{0D108BD9-81ED-4DB2-BD59-A6C34878D82A}">
+                    <a16:rowId xmlns:a16="http://schemas.microsoft.com/office/drawing/2014/main" val="606405305"/>
+                  </a:ext>
+                </a:extLst>
+              </a:tr>
+              <a:tr h="370840">
+                <a:tc>
+                  <a:txBody>
+                    <a:bodyPr/>
+                    <a:lstStyle/>
+                    <a:p>
+                      <a:endParaRPr lang="en-US" dirty="0"/>
+                    </a:p>
+                  </a:txBody>
+                  <a:tcPr>
+                    <a:lnL w="12700" cap="flat" cmpd="sng" algn="ctr">
+                      <a:solidFill>
+                        <a:schemeClr val="tx1"/>
+                      </a:solidFill>
+                      <a:prstDash val="solid"/>
+                      <a:round/>
+                      <a:headEnd type="none" w="med" len="med"/>
+                      <a:tailEnd type="none" w="med" len="med"/>
+                    </a:lnL>
+                    <a:solidFill>
+                      <a:schemeClr val="bg1"/>
+                    </a:solidFill>
+                  </a:tcPr>
+                </a:tc>
+                <a:tc>
+                  <a:txBody>
+                    <a:bodyPr/>
+                    <a:lstStyle/>
+                    <a:p>
+                      <a:r>
+                        <a:rPr lang="en-US" b="0" dirty="0">
+                          <a:latin typeface="+mj-lt"/>
+                        </a:rPr>
+                        <a:t>ADL3</a:t>
+                      </a:r>
+                    </a:p>
+                  </a:txBody>
+                  <a:tcPr>
+                    <a:lnR w="12700" cap="flat" cmpd="sng" algn="ctr">
+                      <a:noFill/>
+                      <a:prstDash val="solid"/>
+                      <a:round/>
+                      <a:headEnd type="none" w="med" len="med"/>
+                      <a:tailEnd type="none" w="med" len="med"/>
+                    </a:lnR>
+                    <a:solidFill>
+                      <a:schemeClr val="bg1"/>
+                    </a:solidFill>
+                  </a:tcPr>
+                </a:tc>
+                <a:tc>
+                  <a:txBody>
+                    <a:bodyPr/>
+                    <a:lstStyle/>
+                    <a:p>
+                      <a:endParaRPr lang="en-US" b="0" dirty="0">
+                        <a:latin typeface="+mj-lt"/>
+                      </a:endParaRPr>
+                    </a:p>
+                  </a:txBody>
+                  <a:tcPr>
+                    <a:lnL w="12700" cap="flat" cmpd="sng" algn="ctr">
+                      <a:noFill/>
+                      <a:prstDash val="solid"/>
+                      <a:round/>
+                      <a:headEnd type="none" w="med" len="med"/>
+                      <a:tailEnd type="none" w="med" len="med"/>
+                    </a:lnL>
+                    <a:solidFill>
+                      <a:schemeClr val="bg1"/>
+                    </a:solidFill>
+                  </a:tcPr>
+                </a:tc>
+                <a:tc>
+                  <a:txBody>
+                    <a:bodyPr/>
+                    <a:lstStyle/>
+                    <a:p>
+                      <a:endParaRPr lang="en-US" b="0" dirty="0">
+                        <a:latin typeface="+mj-lt"/>
+                      </a:endParaRPr>
+                    </a:p>
+                  </a:txBody>
+                  <a:tcPr>
+                    <a:lnR w="12700" cap="flat" cmpd="sng" algn="ctr">
+                      <a:solidFill>
+                        <a:schemeClr val="tx1"/>
+                      </a:solidFill>
+                      <a:prstDash val="solid"/>
+                      <a:round/>
+                      <a:headEnd type="none" w="med" len="med"/>
+                      <a:tailEnd type="none" w="med" len="med"/>
+                    </a:lnR>
+                    <a:solidFill>
+                      <a:schemeClr val="bg1"/>
+                    </a:solidFill>
+                  </a:tcPr>
+                </a:tc>
+                <a:extLst>
+                  <a:ext uri="{0D108BD9-81ED-4DB2-BD59-A6C34878D82A}">
+                    <a16:rowId xmlns:a16="http://schemas.microsoft.com/office/drawing/2014/main" val="1498643062"/>
+                  </a:ext>
+                </a:extLst>
+              </a:tr>
+              <a:tr h="370840">
+                <a:tc>
+                  <a:txBody>
+                    <a:bodyPr/>
+                    <a:lstStyle/>
+                    <a:p>
+                      <a:endParaRPr lang="en-US" dirty="0"/>
+                    </a:p>
+                  </a:txBody>
+                  <a:tcPr>
+                    <a:lnL w="12700" cap="flat" cmpd="sng" algn="ctr">
+                      <a:solidFill>
+                        <a:schemeClr val="tx1"/>
+                      </a:solidFill>
+                      <a:prstDash val="solid"/>
+                      <a:round/>
+                      <a:headEnd type="none" w="med" len="med"/>
+                      <a:tailEnd type="none" w="med" len="med"/>
+                    </a:lnL>
+                    <a:lnB w="12700" cap="flat" cmpd="sng" algn="ctr">
+                      <a:solidFill>
+                        <a:schemeClr val="tx1"/>
+                      </a:solidFill>
+                      <a:prstDash val="solid"/>
+                      <a:round/>
+                      <a:headEnd type="none" w="med" len="med"/>
+                      <a:tailEnd type="none" w="med" len="med"/>
+                    </a:lnB>
+                    <a:solidFill>
+                      <a:schemeClr val="bg1"/>
+                    </a:solidFill>
+                  </a:tcPr>
+                </a:tc>
+                <a:tc>
+                  <a:txBody>
+                    <a:bodyPr/>
+                    <a:lstStyle/>
+                    <a:p>
+                      <a:r>
+                        <a:rPr lang="en-US" b="0" dirty="0">
+                          <a:latin typeface="+mj-lt"/>
+                        </a:rPr>
+                        <a:t>Drill</a:t>
+                      </a:r>
+                    </a:p>
+                  </a:txBody>
+                  <a:tcPr>
+                    <a:lnR w="12700" cap="flat" cmpd="sng" algn="ctr">
+                      <a:noFill/>
+                      <a:prstDash val="solid"/>
+                      <a:round/>
+                      <a:headEnd type="none" w="med" len="med"/>
+                      <a:tailEnd type="none" w="med" len="med"/>
+                    </a:lnR>
+                    <a:lnB w="12700" cap="flat" cmpd="sng" algn="ctr">
+                      <a:solidFill>
+                        <a:schemeClr val="tx1"/>
+                      </a:solidFill>
+                      <a:prstDash val="solid"/>
+                      <a:round/>
+                      <a:headEnd type="none" w="med" len="med"/>
+                      <a:tailEnd type="none" w="med" len="med"/>
+                    </a:lnB>
+                    <a:solidFill>
+                      <a:schemeClr val="bg1"/>
+                    </a:solidFill>
+                  </a:tcPr>
+                </a:tc>
+                <a:tc>
+                  <a:txBody>
+                    <a:bodyPr/>
+                    <a:lstStyle/>
+                    <a:p>
+                      <a:endParaRPr lang="en-US" b="0" dirty="0">
+                        <a:latin typeface="+mj-lt"/>
+                      </a:endParaRPr>
+                    </a:p>
+                  </a:txBody>
+                  <a:tcPr>
+                    <a:lnL w="12700" cap="flat" cmpd="sng" algn="ctr">
+                      <a:noFill/>
+                      <a:prstDash val="solid"/>
+                      <a:round/>
+                      <a:headEnd type="none" w="med" len="med"/>
+                      <a:tailEnd type="none" w="med" len="med"/>
+                    </a:lnL>
+                    <a:lnB w="12700" cap="flat" cmpd="sng" algn="ctr">
+                      <a:solidFill>
+                        <a:schemeClr val="tx1"/>
+                      </a:solidFill>
+                      <a:prstDash val="solid"/>
+                      <a:round/>
+                      <a:headEnd type="none" w="med" len="med"/>
+                      <a:tailEnd type="none" w="med" len="med"/>
+                    </a:lnB>
+                    <a:solidFill>
+                      <a:schemeClr val="bg1"/>
+                    </a:solidFill>
+                  </a:tcPr>
+                </a:tc>
+                <a:tc>
+                  <a:txBody>
+                    <a:bodyPr/>
+                    <a:lstStyle/>
+                    <a:p>
+                      <a:endParaRPr lang="en-US" b="0" dirty="0">
+                        <a:latin typeface="+mj-lt"/>
+                      </a:endParaRPr>
+                    </a:p>
+                  </a:txBody>
+                  <a:tcPr>
+                    <a:lnR w="12700" cap="flat" cmpd="sng" algn="ctr">
+                      <a:solidFill>
+                        <a:schemeClr val="tx1"/>
+                      </a:solidFill>
+                      <a:prstDash val="solid"/>
+                      <a:round/>
+                      <a:headEnd type="none" w="med" len="med"/>
+                      <a:tailEnd type="none" w="med" len="med"/>
+                    </a:lnR>
+                    <a:lnB w="12700" cap="flat" cmpd="sng" algn="ctr">
+                      <a:solidFill>
+                        <a:schemeClr val="tx1"/>
+                      </a:solidFill>
+                      <a:prstDash val="solid"/>
+                      <a:round/>
+                      <a:headEnd type="none" w="med" len="med"/>
+                      <a:tailEnd type="none" w="med" len="med"/>
+                    </a:lnB>
+                    <a:solidFill>
+                      <a:schemeClr val="bg1"/>
+                    </a:solidFill>
+                  </a:tcPr>
+                </a:tc>
+                <a:extLst>
+                  <a:ext uri="{0D108BD9-81ED-4DB2-BD59-A6C34878D82A}">
+                    <a16:rowId xmlns:a16="http://schemas.microsoft.com/office/drawing/2014/main" val="3566159500"/>
+                  </a:ext>
+                </a:extLst>
+              </a:tr>
+            </a:tbl>
+          </a:graphicData>
+        </a:graphic>
+      </p:graphicFrame>
     </p:spTree>
     <p:extLst>
       <p:ext uri="{BB962C8B-B14F-4D97-AF65-F5344CB8AC3E}">
@@ -49019,8 +50702,8 @@
           </a:graphicData>
         </a:graphic>
       </p:graphicFrame>
-      <mc:AlternateContent xmlns:mc="http://schemas.openxmlformats.org/markup-compatibility/2006" xmlns:a14="http://schemas.microsoft.com/office/drawing/2010/main">
-        <mc:Choice Requires="a14">
+      <mc:AlternateContent xmlns:mc="http://schemas.openxmlformats.org/markup-compatibility/2006">
+        <mc:Choice xmlns:a14="http://schemas.microsoft.com/office/drawing/2010/main" Requires="a14">
           <p:sp>
             <p:nvSpPr>
               <p:cNvPr id="8" name="CasellaDiTesto 7">
@@ -49050,103 +50733,125 @@
               <a:lstStyle/>
               <a:p>
                 <a:r>
-                  <a:rPr lang="en-US" dirty="0"/>
+                  <a:rPr lang="en-US" dirty="0">
+                    <a:latin typeface="+mj-lt"/>
+                  </a:rPr>
                   <a:t>In our code:	 Conv	        	</a:t>
                 </a:r>
                 <a14:m>
                   <m:oMath xmlns:m="http://schemas.openxmlformats.org/officeDocument/2006/math">
                     <m:r>
                       <a:rPr lang="en-US" b="0" i="0" dirty="0" smtClean="0">
-                        <a:latin typeface="Cambria Math" panose="02040503050406030204" pitchFamily="18" charset="0"/>
+                        <a:latin typeface="+mj-lt"/>
                       </a:rPr>
                       <m:t> </m:t>
                     </m:r>
                     <m:r>
                       <a:rPr lang="en-US" i="1" dirty="0" smtClean="0">
-                        <a:latin typeface="Cambria Math" panose="02040503050406030204" pitchFamily="18" charset="0"/>
+                        <a:latin typeface="+mj-lt"/>
                       </a:rPr>
                       <m:t>→ </m:t>
                     </m:r>
                   </m:oMath>
                 </a14:m>
                 <a:r>
-                  <a:rPr lang="en-US" dirty="0"/>
+                  <a:rPr lang="en-US" dirty="0">
+                    <a:latin typeface="+mj-lt"/>
+                  </a:rPr>
                   <a:t>Convolutional</a:t>
                 </a:r>
               </a:p>
               <a:p>
                 <a:r>
-                  <a:rPr lang="en-US" dirty="0"/>
+                  <a:rPr lang="en-US" dirty="0">
+                    <a:latin typeface="+mj-lt"/>
+                  </a:rPr>
                   <a:t>	 	 Conv1DRec	 </a:t>
                 </a:r>
                 <a14:m>
                   <m:oMath xmlns:m="http://schemas.openxmlformats.org/officeDocument/2006/math">
                     <m:r>
                       <a:rPr lang="en-US" i="1" dirty="0">
-                        <a:latin typeface="Cambria Math" panose="02040503050406030204" pitchFamily="18" charset="0"/>
+                        <a:latin typeface="+mj-lt"/>
                       </a:rPr>
                       <m:t>→ </m:t>
                     </m:r>
                   </m:oMath>
                 </a14:m>
                 <a:r>
-                  <a:rPr lang="en-US" dirty="0"/>
+                  <a:rPr lang="en-US" dirty="0">
+                    <a:latin typeface="+mj-lt"/>
+                  </a:rPr>
                   <a:t>Convolutional1DRecurrent</a:t>
                 </a:r>
               </a:p>
               <a:p>
                 <a:r>
-                  <a:rPr lang="en-US" dirty="0"/>
+                  <a:rPr lang="en-US" dirty="0">
+                    <a:latin typeface="+mj-lt"/>
+                  </a:rPr>
                   <a:t>	 	 Conv2DRec 	 </a:t>
                 </a:r>
                 <a14:m>
                   <m:oMath xmlns:m="http://schemas.openxmlformats.org/officeDocument/2006/math">
                     <m:r>
                       <a:rPr lang="en-US" i="1" dirty="0">
-                        <a:latin typeface="Cambria Math" panose="02040503050406030204" pitchFamily="18" charset="0"/>
+                        <a:latin typeface="+mj-lt"/>
                       </a:rPr>
                       <m:t>→ </m:t>
                     </m:r>
                   </m:oMath>
                 </a14:m>
                 <a:r>
-                  <a:rPr lang="en-US" dirty="0"/>
+                  <a:rPr lang="en-US" dirty="0">
+                    <a:latin typeface="+mj-lt"/>
+                  </a:rPr>
                   <a:t>Convolutional2DRecurrent</a:t>
                 </a:r>
               </a:p>
               <a:p>
                 <a:r>
-                  <a:rPr lang="en-US" dirty="0"/>
+                  <a:rPr lang="en-US" dirty="0">
+                    <a:latin typeface="+mj-lt"/>
+                  </a:rPr>
                   <a:t>		 </a:t>
                 </a:r>
                 <a:r>
-                  <a:rPr lang="en-US" dirty="0" err="1"/>
+                  <a:rPr lang="en-US" dirty="0" err="1">
+                    <a:latin typeface="+mj-lt"/>
+                  </a:rPr>
                   <a:t>ConvDeepRec</a:t>
                 </a:r>
                 <a:r>
-                  <a:rPr lang="en-US" dirty="0"/>
+                  <a:rPr lang="en-US" dirty="0">
+                    <a:latin typeface="+mj-lt"/>
+                  </a:rPr>
                   <a:t>	 </a:t>
                 </a:r>
                 <a14:m>
                   <m:oMath xmlns:m="http://schemas.openxmlformats.org/officeDocument/2006/math">
                     <m:r>
                       <a:rPr lang="en-US" i="1" dirty="0">
-                        <a:latin typeface="Cambria Math" panose="02040503050406030204" pitchFamily="18" charset="0"/>
+                        <a:latin typeface="+mj-lt"/>
                       </a:rPr>
                       <m:t>→ </m:t>
                     </m:r>
                   </m:oMath>
                 </a14:m>
                 <a:r>
-                  <a:rPr lang="en-US" dirty="0" err="1"/>
+                  <a:rPr lang="en-US" dirty="0" err="1">
+                    <a:latin typeface="+mj-lt"/>
+                  </a:rPr>
                   <a:t>ConvolutionalDeepRecurrent</a:t>
                 </a:r>
-                <a:endParaRPr lang="en-US" dirty="0"/>
+                <a:endParaRPr lang="en-US" dirty="0">
+                  <a:latin typeface="+mj-lt"/>
+                </a:endParaRPr>
               </a:p>
             </p:txBody>
           </p:sp>
         </mc:Choice>
-        <mc:Fallback xmlns="">
+        <mc:Fallback>
           <p:sp>
             <p:nvSpPr>
               <p:cNvPr id="8" name="CasellaDiTesto 7">
@@ -49313,7 +51018,9 @@
           <a:lstStyle/>
           <a:p>
             <a:r>
-              <a:rPr lang="en-US" sz="2400" dirty="0"/>
+              <a:rPr lang="en-US" sz="2400" dirty="0">
+                <a:latin typeface="+mj-lt"/>
+              </a:rPr>
               <a:t>3 types of classification for each model:</a:t>
             </a:r>
           </a:p>
@@ -49323,7 +51030,9 @@
               <a:buChar char="•"/>
             </a:pPr>
             <a:r>
-              <a:rPr lang="en-US" sz="2400" dirty="0"/>
+              <a:rPr lang="en-US" sz="2400" dirty="0">
+                <a:latin typeface="+mj-lt"/>
+              </a:rPr>
               <a:t>One-Shot</a:t>
             </a:r>
           </a:p>
@@ -49333,7 +51042,9 @@
               <a:buChar char="-"/>
             </a:pPr>
             <a:r>
-              <a:rPr lang="en-US" sz="2400" dirty="0"/>
+              <a:rPr lang="en-US" sz="2400" dirty="0">
+                <a:latin typeface="+mj-lt"/>
+              </a:rPr>
               <a:t>Classification (n+1 class)</a:t>
             </a:r>
           </a:p>
@@ -49343,7 +51054,9 @@
               <a:buChar char="•"/>
             </a:pPr>
             <a:r>
-              <a:rPr lang="en-US" sz="2400" dirty="0"/>
+              <a:rPr lang="en-US" sz="2400" dirty="0">
+                <a:latin typeface="+mj-lt"/>
+              </a:rPr>
               <a:t>Two-Steps</a:t>
             </a:r>
           </a:p>
@@ -49353,7 +51066,9 @@
               <a:buChar char="-"/>
             </a:pPr>
             <a:r>
-              <a:rPr lang="en-US" sz="2400" dirty="0"/>
+              <a:rPr lang="en-US" sz="2400" dirty="0">
+                <a:latin typeface="+mj-lt"/>
+              </a:rPr>
               <a:t>Activity detection (binary)</a:t>
             </a:r>
           </a:p>
@@ -49363,7 +51078,9 @@
               <a:buChar char="-"/>
             </a:pPr>
             <a:r>
-              <a:rPr lang="en-US" sz="2400" dirty="0"/>
+              <a:rPr lang="en-US" sz="2400" dirty="0">
+                <a:latin typeface="+mj-lt"/>
+              </a:rPr>
               <a:t>Activity classification (n-class)</a:t>
             </a:r>
           </a:p>
@@ -49957,21 +51674,19 @@
               <a:buFont typeface="Wingdings" charset="2"/>
               <a:buChar char="§"/>
             </a:pPr>
-            <a:r>
-              <a:rPr lang="en-US" sz="2000" dirty="0">
-                <a:latin typeface="+mj-lt"/>
-                <a:ea typeface="Fira Sans Light" charset="0"/>
-                <a:cs typeface="Fira Sans Light" charset="0"/>
-              </a:rPr>
-              <a:t>No clear best choice</a:t>
-            </a:r>
+            <a:endParaRPr lang="en-US" sz="2000" dirty="0">
+              <a:latin typeface="+mj-lt"/>
+              <a:ea typeface="Fira Sans Light" charset="0"/>
+              <a:cs typeface="Fira Sans Light" charset="0"/>
+            </a:endParaRPr>
           </a:p>
           <a:p>
-            <a:pPr marL="0" indent="0">
+            <a:pPr>
               <a:lnSpc>
                 <a:spcPct val="100000"/>
               </a:lnSpc>
-              <a:buNone/>
+              <a:buFont typeface="Wingdings" charset="2"/>
+              <a:buChar char="§"/>
             </a:pPr>
             <a:endParaRPr lang="en-US" sz="2000" dirty="0">
               <a:latin typeface="+mj-lt"/>
@@ -49980,11 +51695,12 @@
             </a:endParaRPr>
           </a:p>
           <a:p>
-            <a:pPr marL="0" indent="0">
+            <a:pPr>
               <a:lnSpc>
                 <a:spcPct val="100000"/>
               </a:lnSpc>
-              <a:buNone/>
+              <a:buFont typeface="Wingdings" charset="2"/>
+              <a:buChar char="§"/>
             </a:pPr>
             <a:endParaRPr lang="en-US" sz="2000" dirty="0">
               <a:latin typeface="+mj-lt"/>
@@ -49993,11 +51709,54 @@
             </a:endParaRPr>
           </a:p>
           <a:p>
-            <a:pPr marL="0" indent="0">
+            <a:pPr>
               <a:lnSpc>
                 <a:spcPct val="100000"/>
               </a:lnSpc>
-              <a:buNone/>
+              <a:buFont typeface="Wingdings" charset="2"/>
+              <a:buChar char="§"/>
+            </a:pPr>
+            <a:endParaRPr lang="en-US" sz="2000" dirty="0">
+              <a:latin typeface="+mj-lt"/>
+              <a:ea typeface="Fira Sans Light" charset="0"/>
+              <a:cs typeface="Fira Sans Light" charset="0"/>
+            </a:endParaRPr>
+          </a:p>
+          <a:p>
+            <a:pPr>
+              <a:lnSpc>
+                <a:spcPct val="100000"/>
+              </a:lnSpc>
+              <a:buFont typeface="Wingdings" charset="2"/>
+              <a:buChar char="§"/>
+            </a:pPr>
+            <a:endParaRPr lang="en-US" sz="2000" dirty="0">
+              <a:latin typeface="+mj-lt"/>
+              <a:ea typeface="Fira Sans Light" charset="0"/>
+              <a:cs typeface="Fira Sans Light" charset="0"/>
+            </a:endParaRPr>
+          </a:p>
+          <a:p>
+            <a:pPr>
+              <a:lnSpc>
+                <a:spcPct val="100000"/>
+              </a:lnSpc>
+              <a:buFont typeface="Wingdings" charset="2"/>
+              <a:buChar char="§"/>
+            </a:pPr>
+            <a:endParaRPr lang="en-US" sz="2000" dirty="0">
+              <a:latin typeface="+mj-lt"/>
+              <a:ea typeface="Fira Sans Light" charset="0"/>
+              <a:cs typeface="Fira Sans Light" charset="0"/>
+            </a:endParaRPr>
+          </a:p>
+          <a:p>
+            <a:pPr>
+              <a:lnSpc>
+                <a:spcPct val="100000"/>
+              </a:lnSpc>
+              <a:buFont typeface="Wingdings" charset="2"/>
+              <a:buChar char="§"/>
             </a:pPr>
             <a:endParaRPr lang="en-US" sz="2000" dirty="0">
               <a:latin typeface="+mj-lt"/>
@@ -50019,7 +51778,24 @@
                 <a:ea typeface="Fira Sans Light" charset="0"/>
                 <a:cs typeface="Fira Sans Light" charset="0"/>
               </a:rPr>
-              <a:t>Two-Steps implementation … </a:t>
+              <a:t>No clear best choice</a:t>
+            </a:r>
+          </a:p>
+          <a:p>
+            <a:pPr>
+              <a:lnSpc>
+                <a:spcPct val="100000"/>
+              </a:lnSpc>
+              <a:buFont typeface="Wingdings" charset="2"/>
+              <a:buChar char="§"/>
+            </a:pPr>
+            <a:r>
+              <a:rPr lang="en-US" sz="2000" dirty="0">
+                <a:latin typeface="+mj-lt"/>
+                <a:ea typeface="Fira Sans Light" charset="0"/>
+                <a:cs typeface="Fira Sans Light" charset="0"/>
+              </a:rPr>
+              <a:t>Cascade implementation … </a:t>
             </a:r>
             <a:r>
               <a:rPr lang="en-US" sz="2000" dirty="0">
@@ -50030,44 +51806,6 @@
               </a:rPr>
               <a:t></a:t>
             </a:r>
-          </a:p>
-          <a:p>
-            <a:pPr>
-              <a:lnSpc>
-                <a:spcPct val="100000"/>
-              </a:lnSpc>
-              <a:buFont typeface="Wingdings" charset="2"/>
-              <a:buChar char="§"/>
-            </a:pPr>
-            <a:endParaRPr lang="en-US" sz="2000" dirty="0">
-              <a:latin typeface="+mj-lt"/>
-              <a:ea typeface="Fira Sans Light" charset="0"/>
-              <a:cs typeface="Fira Sans Light" charset="0"/>
-              <a:sym typeface="Wingdings" panose="05000000000000000000" pitchFamily="2" charset="2"/>
-            </a:endParaRPr>
-          </a:p>
-          <a:p>
-            <a:pPr>
-              <a:lnSpc>
-                <a:spcPct val="100000"/>
-              </a:lnSpc>
-              <a:buFont typeface="Wingdings" charset="2"/>
-              <a:buChar char="§"/>
-            </a:pPr>
-            <a:endParaRPr lang="en-US" sz="2000" dirty="0">
-              <a:latin typeface="+mj-lt"/>
-              <a:ea typeface="Fira Sans Light" charset="0"/>
-              <a:cs typeface="Fira Sans Light" charset="0"/>
-              <a:sym typeface="Wingdings" panose="05000000000000000000" pitchFamily="2" charset="2"/>
-            </a:endParaRPr>
-          </a:p>
-          <a:p>
-            <a:pPr marL="0" indent="0">
-              <a:lnSpc>
-                <a:spcPct val="100000"/>
-              </a:lnSpc>
-              <a:buNone/>
-            </a:pPr>
             <a:endParaRPr lang="en-US" sz="2000" dirty="0">
               <a:latin typeface="+mj-lt"/>
               <a:ea typeface="Fira Sans Light" charset="0"/>
@@ -50121,8 +51859,8 @@
         </p:blipFill>
         <p:spPr>
           <a:xfrm>
-            <a:off x="3544478" y="1066793"/>
-            <a:ext cx="2744932" cy="2927814"/>
+            <a:off x="714098" y="1378741"/>
+            <a:ext cx="3666558" cy="3910844"/>
           </a:xfrm>
           <a:prstGeom prst="rect">
             <a:avLst/>
@@ -50157,14 +51895,100 @@
         </p:blipFill>
         <p:spPr>
           <a:xfrm>
-            <a:off x="6289409" y="1066794"/>
-            <a:ext cx="2744931" cy="2927814"/>
+            <a:off x="4826287" y="1378741"/>
+            <a:ext cx="3603615" cy="3843708"/>
           </a:xfrm>
           <a:prstGeom prst="rect">
             <a:avLst/>
           </a:prstGeom>
         </p:spPr>
       </p:pic>
+      <p:sp>
+        <p:nvSpPr>
+          <p:cNvPr id="2" name="Freccia a destra 1">
+            <a:extLst>
+              <a:ext uri="{FF2B5EF4-FFF2-40B4-BE49-F238E27FC236}">
+                <a16:creationId xmlns:a16="http://schemas.microsoft.com/office/drawing/2014/main" id="{9FB78126-2154-4114-B9B4-1DEE64553376}"/>
+              </a:ext>
+            </a:extLst>
+          </p:cNvPr>
+          <p:cNvSpPr/>
+          <p:nvPr/>
+        </p:nvSpPr>
+        <p:spPr>
+          <a:xfrm>
+            <a:off x="4361065" y="6096908"/>
+            <a:ext cx="930444" cy="412586"/>
+          </a:xfrm>
+          <a:prstGeom prst="rightArrow">
+            <a:avLst/>
+          </a:prstGeom>
+          <a:solidFill>
+            <a:schemeClr val="accent2"/>
+          </a:solidFill>
+        </p:spPr>
+        <p:style>
+          <a:lnRef idx="2">
+            <a:schemeClr val="accent1">
+              <a:shade val="50000"/>
+            </a:schemeClr>
+          </a:lnRef>
+          <a:fillRef idx="1">
+            <a:schemeClr val="accent1"/>
+          </a:fillRef>
+          <a:effectRef idx="0">
+            <a:schemeClr val="accent1"/>
+          </a:effectRef>
+          <a:fontRef idx="minor">
+            <a:schemeClr val="lt1"/>
+          </a:fontRef>
+        </p:style>
+        <p:txBody>
+          <a:bodyPr rtlCol="0" anchor="ctr"/>
+          <a:lstStyle/>
+          <a:p>
+            <a:pPr algn="ctr"/>
+            <a:endParaRPr lang="en-US"/>
+          </a:p>
+        </p:txBody>
+      </p:sp>
+      <p:sp>
+        <p:nvSpPr>
+          <p:cNvPr id="4" name="CasellaDiTesto 3">
+            <a:extLst>
+              <a:ext uri="{FF2B5EF4-FFF2-40B4-BE49-F238E27FC236}">
+                <a16:creationId xmlns:a16="http://schemas.microsoft.com/office/drawing/2014/main" id="{7A90E95C-973C-45B4-AFD7-A5A05018F74E}"/>
+              </a:ext>
+            </a:extLst>
+          </p:cNvPr>
+          <p:cNvSpPr txBox="1"/>
+          <p:nvPr/>
+        </p:nvSpPr>
+        <p:spPr>
+          <a:xfrm>
+            <a:off x="5474540" y="5949258"/>
+            <a:ext cx="3040810" cy="707886"/>
+          </a:xfrm>
+          <a:prstGeom prst="rect">
+            <a:avLst/>
+          </a:prstGeom>
+          <a:noFill/>
+        </p:spPr>
+        <p:txBody>
+          <a:bodyPr wrap="square" rtlCol="0">
+            <a:spAutoFit/>
+          </a:bodyPr>
+          <a:lstStyle/>
+          <a:p>
+            <a:r>
+              <a:rPr lang="en-US" sz="2000" dirty="0">
+                <a:latin typeface="+mj-lt"/>
+              </a:rPr>
+              <a:t>These problems could be addressed in future work</a:t>
+            </a:r>
+          </a:p>
+        </p:txBody>
+      </p:sp>
     </p:spTree>
     <p:extLst>
       <p:ext uri="{BB962C8B-B14F-4D97-AF65-F5344CB8AC3E}">
@@ -58665,15 +60489,21 @@
           <a:lstStyle/>
           <a:p>
             <a:r>
-              <a:rPr lang="en-US" dirty="0"/>
+              <a:rPr lang="en-US" dirty="0">
+                <a:latin typeface="+mj-lt"/>
+              </a:rPr>
               <a:t>Original dataset (Dark squares = </a:t>
             </a:r>
             <a:r>
-              <a:rPr lang="en-US" dirty="0" err="1"/>
+              <a:rPr lang="en-US" dirty="0" err="1">
+                <a:latin typeface="+mj-lt"/>
+              </a:rPr>
               <a:t>NaN</a:t>
             </a:r>
             <a:r>
-              <a:rPr lang="en-US" dirty="0"/>
+              <a:rPr lang="en-US" dirty="0">
+                <a:latin typeface="+mj-lt"/>
+              </a:rPr>
               <a:t> values)</a:t>
             </a:r>
           </a:p>
@@ -58710,6 +60540,126 @@
             <a:r>
               <a:rPr lang="en-US" sz="1200" dirty="0"/>
               <a:t>ADL2</a:t>
+            </a:r>
+          </a:p>
+        </p:txBody>
+      </p:sp>
+      <p:cxnSp>
+        <p:nvCxnSpPr>
+          <p:cNvPr id="4" name="Connettore 2 3">
+            <a:extLst>
+              <a:ext uri="{FF2B5EF4-FFF2-40B4-BE49-F238E27FC236}">
+                <a16:creationId xmlns:a16="http://schemas.microsoft.com/office/drawing/2014/main" id="{C3C09E0D-B2D7-4963-8F43-E166A015035D}"/>
+              </a:ext>
+            </a:extLst>
+          </p:cNvPr>
+          <p:cNvCxnSpPr>
+            <a:cxnSpLocks/>
+            <a:endCxn id="16" idx="0"/>
+          </p:cNvCxnSpPr>
+          <p:nvPr/>
+        </p:nvCxnSpPr>
+        <p:spPr>
+          <a:xfrm>
+            <a:off x="8779290" y="1825625"/>
+            <a:ext cx="0" cy="2086540"/>
+          </a:xfrm>
+          <a:prstGeom prst="straightConnector1">
+            <a:avLst/>
+          </a:prstGeom>
+          <a:ln>
+            <a:tailEnd type="triangle"/>
+          </a:ln>
+        </p:spPr>
+        <p:style>
+          <a:lnRef idx="1">
+            <a:schemeClr val="accent1"/>
+          </a:lnRef>
+          <a:fillRef idx="0">
+            <a:schemeClr val="accent1"/>
+          </a:fillRef>
+          <a:effectRef idx="0">
+            <a:schemeClr val="accent1"/>
+          </a:effectRef>
+          <a:fontRef idx="minor">
+            <a:schemeClr val="tx1"/>
+          </a:fontRef>
+        </p:style>
+      </p:cxnSp>
+      <p:cxnSp>
+        <p:nvCxnSpPr>
+          <p:cNvPr id="9" name="Connettore 2 8">
+            <a:extLst>
+              <a:ext uri="{FF2B5EF4-FFF2-40B4-BE49-F238E27FC236}">
+                <a16:creationId xmlns:a16="http://schemas.microsoft.com/office/drawing/2014/main" id="{9CD27E60-39EE-4B1A-A9E7-84A56B4B2DAC}"/>
+              </a:ext>
+            </a:extLst>
+          </p:cNvPr>
+          <p:cNvCxnSpPr>
+            <a:cxnSpLocks/>
+          </p:cNvCxnSpPr>
+          <p:nvPr/>
+        </p:nvCxnSpPr>
+        <p:spPr>
+          <a:xfrm>
+            <a:off x="8779290" y="4189164"/>
+            <a:ext cx="0" cy="2086540"/>
+          </a:xfrm>
+          <a:prstGeom prst="straightConnector1">
+            <a:avLst/>
+          </a:prstGeom>
+          <a:ln>
+            <a:tailEnd type="triangle"/>
+          </a:ln>
+        </p:spPr>
+        <p:style>
+          <a:lnRef idx="1">
+            <a:schemeClr val="accent1"/>
+          </a:lnRef>
+          <a:fillRef idx="0">
+            <a:schemeClr val="accent1"/>
+          </a:fillRef>
+          <a:effectRef idx="0">
+            <a:schemeClr val="accent1"/>
+          </a:effectRef>
+          <a:fontRef idx="minor">
+            <a:schemeClr val="tx1"/>
+          </a:fontRef>
+        </p:style>
+      </p:cxnSp>
+      <p:sp>
+        <p:nvSpPr>
+          <p:cNvPr id="6" name="CasellaDiTesto 5">
+            <a:extLst>
+              <a:ext uri="{FF2B5EF4-FFF2-40B4-BE49-F238E27FC236}">
+                <a16:creationId xmlns:a16="http://schemas.microsoft.com/office/drawing/2014/main" id="{1970B5DF-FBD7-43C4-9D1B-3B73F2D4C27A}"/>
+              </a:ext>
+            </a:extLst>
+          </p:cNvPr>
+          <p:cNvSpPr txBox="1"/>
+          <p:nvPr/>
+        </p:nvSpPr>
+        <p:spPr>
+          <a:xfrm>
+            <a:off x="8545893" y="6275704"/>
+            <a:ext cx="466794" cy="276999"/>
+          </a:xfrm>
+          <a:prstGeom prst="rect">
+            <a:avLst/>
+          </a:prstGeom>
+          <a:noFill/>
+        </p:spPr>
+        <p:txBody>
+          <a:bodyPr wrap="none" rtlCol="0">
+            <a:spAutoFit/>
+          </a:bodyPr>
+          <a:lstStyle/>
+          <a:p>
+            <a:r>
+              <a:rPr lang="en-US" sz="1200" dirty="0">
+                <a:latin typeface="+mj-lt"/>
+              </a:rPr>
+              <a:t>time</a:t>
             </a:r>
           </a:p>
         </p:txBody>
